--- a/Presentation/MTDS_Presentation.pptx
+++ b/Presentation/MTDS_Presentation.pptx
@@ -207,7 +207,7 @@
           <a:p>
             <a:fld id="{04871163-4F93-9544-967C-41CE9E9A3E47}" type="datetimeFigureOut">
               <a:rPr lang="it-IT" smtClean="0"/>
-              <a:t>04/09/22</a:t>
+              <a:t>05/09/22</a:t>
             </a:fld>
             <a:endParaRPr lang="it-IT"/>
           </a:p>
@@ -2581,7 +2581,7 @@
           <a:p>
             <a:pPr algn="ctr"/>
             <a:r>
-              <a:rPr lang="it-IT" sz="2800" b="1" dirty="0">
+              <a:rPr lang="en-US" sz="2800" b="1" dirty="0">
                 <a:solidFill>
                   <a:srgbClr val="3F51C3"/>
                 </a:solidFill>
@@ -2589,29 +2589,7 @@
                 <a:ea typeface="SF Pro Text" pitchFamily="2" charset="0"/>
                 <a:cs typeface="SF Pro Text" pitchFamily="2" charset="0"/>
               </a:rPr>
-              <a:t>Smart Buildings and </a:t>
-            </a:r>
-            <a:r>
-              <a:rPr lang="it-IT" sz="2800" b="1" dirty="0" err="1">
-                <a:solidFill>
-                  <a:srgbClr val="3F51C3"/>
-                </a:solidFill>
-                <a:latin typeface="SF Pro Text" pitchFamily="2" charset="0"/>
-                <a:ea typeface="SF Pro Text" pitchFamily="2" charset="0"/>
-                <a:cs typeface="SF Pro Text" pitchFamily="2" charset="0"/>
-              </a:rPr>
-              <a:t>Neighborhoods</a:t>
-            </a:r>
-            <a:r>
-              <a:rPr lang="it-IT" sz="2800" b="1" dirty="0">
-                <a:solidFill>
-                  <a:srgbClr val="3F51C3"/>
-                </a:solidFill>
-                <a:latin typeface="SF Pro Text" pitchFamily="2" charset="0"/>
-                <a:ea typeface="SF Pro Text" pitchFamily="2" charset="0"/>
-                <a:cs typeface="SF Pro Text" pitchFamily="2" charset="0"/>
-              </a:rPr>
-              <a:t> </a:t>
+              <a:t>Smart Buildings and Neighborhoods </a:t>
             </a:r>
           </a:p>
           <a:p>
@@ -2623,6 +2601,87 @@
               <a:ea typeface="SF Pro Text" pitchFamily="2" charset="0"/>
               <a:cs typeface="SF Pro Text" pitchFamily="2" charset="0"/>
             </a:endParaRPr>
+          </a:p>
+          <a:p>
+            <a:pPr marL="285750" indent="-285750">
+              <a:lnSpc>
+                <a:spcPct val="150000"/>
+              </a:lnSpc>
+              <a:buBlip>
+                <a:blip r:embed="rId2">
+                  <a:extLst>
+                    <a:ext uri="{96DAC541-7B7A-43D3-8B79-37D633B846F1}">
+                      <asvg:svgBlip xmlns:asvg="http://schemas.microsoft.com/office/drawing/2016/SVG/main" r:embed="rId3"/>
+                    </a:ext>
+                  </a:extLst>
+                </a:blip>
+              </a:buBlip>
+            </a:pPr>
+            <a:r>
+              <a:rPr lang="en-US" dirty="0">
+                <a:solidFill>
+                  <a:srgbClr val="3F3C53"/>
+                </a:solidFill>
+                <a:latin typeface="SF Pro Text" pitchFamily="2" charset="0"/>
+                <a:ea typeface="SF Pro Text" pitchFamily="2" charset="0"/>
+                <a:cs typeface="SF Pro Text" pitchFamily="2" charset="0"/>
+              </a:rPr>
+              <a:t>Temperature and humidity sensors deployed in rooms of different neighborhood buildings</a:t>
+            </a:r>
+          </a:p>
+          <a:p>
+            <a:pPr marL="285750" indent="-285750">
+              <a:lnSpc>
+                <a:spcPct val="150000"/>
+              </a:lnSpc>
+              <a:buBlip>
+                <a:blip r:embed="rId2">
+                  <a:extLst>
+                    <a:ext uri="{96DAC541-7B7A-43D3-8B79-37D633B846F1}">
+                      <asvg:svgBlip xmlns:asvg="http://schemas.microsoft.com/office/drawing/2016/SVG/main" r:embed="rId3"/>
+                    </a:ext>
+                  </a:extLst>
+                </a:blip>
+              </a:buBlip>
+            </a:pPr>
+            <a:r>
+              <a:rPr lang="en-US" dirty="0">
+                <a:solidFill>
+                  <a:srgbClr val="3F3C53"/>
+                </a:solidFill>
+                <a:latin typeface="SF Pro Text" pitchFamily="2" charset="0"/>
+                <a:ea typeface="SF Pro Text" pitchFamily="2" charset="0"/>
+                <a:cs typeface="SF Pro Text" pitchFamily="2" charset="0"/>
+              </a:rPr>
+              <a:t>HVAC in the seme room of a sensor activated by received data</a:t>
+            </a:r>
+          </a:p>
+          <a:p>
+            <a:pPr marL="285750" indent="-285750">
+              <a:lnSpc>
+                <a:spcPct val="150000"/>
+              </a:lnSpc>
+              <a:buBlip>
+                <a:blip r:embed="rId2">
+                  <a:extLst>
+                    <a:ext uri="{96DAC541-7B7A-43D3-8B79-37D633B846F1}">
+                      <asvg:svgBlip xmlns:asvg="http://schemas.microsoft.com/office/drawing/2016/SVG/main" r:embed="rId3"/>
+                    </a:ext>
+                  </a:extLst>
+                </a:blip>
+              </a:buBlip>
+            </a:pPr>
+            <a:r>
+              <a:rPr lang="en-US" dirty="0">
+                <a:solidFill>
+                  <a:srgbClr val="3F3C53"/>
+                </a:solidFill>
+                <a:latin typeface="SF Pro Text" pitchFamily="2" charset="0"/>
+                <a:ea typeface="SF Pro Text" pitchFamily="2" charset="0"/>
+                <a:cs typeface="SF Pro Text" pitchFamily="2" charset="0"/>
+              </a:rPr>
+              <a:t>Long term persistent data for analysis</a:t>
+            </a:r>
           </a:p>
           <a:p>
             <a:pPr marL="285750" indent="-285750">
@@ -2636,17 +2695,14 @@
                 </a:blip>
               </a:buBlip>
             </a:pPr>
-            <a:r>
-              <a:rPr lang="en-US" dirty="0">
-                <a:solidFill>
-                  <a:srgbClr val="3F3C53"/>
-                </a:solidFill>
-                <a:latin typeface="SF Pro Text" pitchFamily="2" charset="0"/>
-                <a:ea typeface="SF Pro Text" pitchFamily="2" charset="0"/>
-                <a:cs typeface="SF Pro Text" pitchFamily="2" charset="0"/>
-              </a:rPr>
-              <a:t>Introduction of the project</a:t>
-            </a:r>
+            <a:endParaRPr lang="en-US" dirty="0">
+              <a:solidFill>
+                <a:srgbClr val="3F3C53"/>
+              </a:solidFill>
+              <a:latin typeface="SF Pro Text" pitchFamily="2" charset="0"/>
+              <a:ea typeface="SF Pro Text" pitchFamily="2" charset="0"/>
+              <a:cs typeface="SF Pro Text" pitchFamily="2" charset="0"/>
+            </a:endParaRPr>
           </a:p>
           <a:p>
             <a:pPr marL="171450" indent="-171450">
@@ -3902,17 +3958,17 @@
                 <a:ea typeface="SF Pro Text" pitchFamily="2" charset="0"/>
                 <a:cs typeface="SF Pro Text" pitchFamily="2" charset="0"/>
               </a:rPr>
-              <a:t>Description</a:t>
+              <a:t>Motes read and send temperature and humidity readings periodically</a:t>
             </a:r>
           </a:p>
         </p:txBody>
       </p:sp>
       <p:pic>
         <p:nvPicPr>
-          <p:cNvPr id="9" name="Elemento grafico 8">
-            <a:extLst>
-              <a:ext uri="{FF2B5EF4-FFF2-40B4-BE49-F238E27FC236}">
-                <a16:creationId xmlns:a16="http://schemas.microsoft.com/office/drawing/2014/main" id="{85253182-9526-7780-6538-CF4A5F804064}"/>
+          <p:cNvPr id="32" name="Elemento grafico 31">
+            <a:extLst>
+              <a:ext uri="{FF2B5EF4-FFF2-40B4-BE49-F238E27FC236}">
+                <a16:creationId xmlns:a16="http://schemas.microsoft.com/office/drawing/2014/main" id="{BCCD7A27-0D10-3E03-F761-3B6B23DBDA01}"/>
               </a:ext>
             </a:extLst>
           </p:cNvPr>
@@ -3934,21 +3990,131 @@
           </a:stretch>
         </p:blipFill>
         <p:spPr>
-          <a:xfrm>
-            <a:off x="2710123" y="1817430"/>
-            <a:ext cx="484606" cy="484606"/>
+          <a:xfrm rot="5400000">
+            <a:off x="1108215" y="2771836"/>
+            <a:ext cx="1638554" cy="1638554"/>
           </a:xfrm>
           <a:prstGeom prst="rect">
             <a:avLst/>
           </a:prstGeom>
         </p:spPr>
       </p:pic>
+      <p:sp>
+        <p:nvSpPr>
+          <p:cNvPr id="36" name="CasellaDiTesto 35">
+            <a:extLst>
+              <a:ext uri="{FF2B5EF4-FFF2-40B4-BE49-F238E27FC236}">
+                <a16:creationId xmlns:a16="http://schemas.microsoft.com/office/drawing/2014/main" id="{5598B97E-5AB2-B126-80E5-E51543C08C86}"/>
+              </a:ext>
+            </a:extLst>
+          </p:cNvPr>
+          <p:cNvSpPr txBox="1"/>
+          <p:nvPr/>
+        </p:nvSpPr>
+        <p:spPr>
+          <a:xfrm>
+            <a:off x="3516035" y="3894335"/>
+            <a:ext cx="7245458" cy="615553"/>
+          </a:xfrm>
+          <a:prstGeom prst="rect">
+            <a:avLst/>
+          </a:prstGeom>
+          <a:noFill/>
+        </p:spPr>
+        <p:txBody>
+          <a:bodyPr wrap="square" rtlCol="0">
+            <a:spAutoFit/>
+          </a:bodyPr>
+          <a:lstStyle/>
+          <a:p>
+            <a:r>
+              <a:rPr lang="en-US" sz="2000" b="1" dirty="0">
+                <a:solidFill>
+                  <a:srgbClr val="3F51C3"/>
+                </a:solidFill>
+                <a:latin typeface="SF Pro Text" pitchFamily="2" charset="0"/>
+                <a:ea typeface="SF Pro Text" pitchFamily="2" charset="0"/>
+                <a:cs typeface="SF Pro Text" pitchFamily="2" charset="0"/>
+              </a:rPr>
+              <a:t>Data analysis</a:t>
+            </a:r>
+          </a:p>
+          <a:p>
+            <a:r>
+              <a:rPr lang="en-US" sz="1400" dirty="0">
+                <a:solidFill>
+                  <a:srgbClr val="3F3C53"/>
+                </a:solidFill>
+                <a:latin typeface="SF Pro Text" pitchFamily="2" charset="0"/>
+                <a:ea typeface="SF Pro Text" pitchFamily="2" charset="0"/>
+                <a:cs typeface="SF Pro Text" pitchFamily="2" charset="0"/>
+              </a:rPr>
+              <a:t>Data can be analyzed to retrieve different type of statistics</a:t>
+            </a:r>
+          </a:p>
+        </p:txBody>
+      </p:sp>
+      <p:sp>
+        <p:nvSpPr>
+          <p:cNvPr id="38" name="CasellaDiTesto 37">
+            <a:extLst>
+              <a:ext uri="{FF2B5EF4-FFF2-40B4-BE49-F238E27FC236}">
+                <a16:creationId xmlns:a16="http://schemas.microsoft.com/office/drawing/2014/main" id="{45E3C27E-F785-6F26-E7EA-46BCF4D46EDE}"/>
+              </a:ext>
+            </a:extLst>
+          </p:cNvPr>
+          <p:cNvSpPr txBox="1"/>
+          <p:nvPr/>
+        </p:nvSpPr>
+        <p:spPr>
+          <a:xfrm>
+            <a:off x="3516035" y="2803729"/>
+            <a:ext cx="7245458" cy="615553"/>
+          </a:xfrm>
+          <a:prstGeom prst="rect">
+            <a:avLst/>
+          </a:prstGeom>
+          <a:noFill/>
+        </p:spPr>
+        <p:txBody>
+          <a:bodyPr wrap="square" rtlCol="0">
+            <a:spAutoFit/>
+          </a:bodyPr>
+          <a:lstStyle/>
+          <a:p>
+            <a:r>
+              <a:rPr lang="en-US" sz="2000" b="1" dirty="0">
+                <a:solidFill>
+                  <a:srgbClr val="3F51C3"/>
+                </a:solidFill>
+                <a:latin typeface="SF Pro Text" pitchFamily="2" charset="0"/>
+                <a:ea typeface="SF Pro Text" pitchFamily="2" charset="0"/>
+                <a:cs typeface="SF Pro Text" pitchFamily="2" charset="0"/>
+              </a:rPr>
+              <a:t>Data storage</a:t>
+            </a:r>
+          </a:p>
+          <a:p>
+            <a:r>
+              <a:rPr lang="en-US" sz="1400" dirty="0">
+                <a:solidFill>
+                  <a:srgbClr val="3F3C53"/>
+                </a:solidFill>
+                <a:latin typeface="SF Pro Text" pitchFamily="2" charset="0"/>
+                <a:ea typeface="SF Pro Text" pitchFamily="2" charset="0"/>
+                <a:cs typeface="SF Pro Text" pitchFamily="2" charset="0"/>
+              </a:rPr>
+              <a:t>Published data are stored permanently for further uses</a:t>
+            </a:r>
+          </a:p>
+        </p:txBody>
+      </p:sp>
       <p:pic>
         <p:nvPicPr>
-          <p:cNvPr id="32" name="Elemento grafico 31">
-            <a:extLst>
-              <a:ext uri="{FF2B5EF4-FFF2-40B4-BE49-F238E27FC236}">
-                <a16:creationId xmlns:a16="http://schemas.microsoft.com/office/drawing/2014/main" id="{BCCD7A27-0D10-3E03-F761-3B6B23DBDA01}"/>
+          <p:cNvPr id="43" name="Elemento grafico 42">
+            <a:extLst>
+              <a:ext uri="{FF2B5EF4-FFF2-40B4-BE49-F238E27FC236}">
+                <a16:creationId xmlns:a16="http://schemas.microsoft.com/office/drawing/2014/main" id="{A23E1DEC-4ED2-6CC1-F038-D0471DA06671}"/>
               </a:ext>
             </a:extLst>
           </p:cNvPr>
@@ -3965,81 +4131,25 @@
               </a:ext>
             </a:extLst>
           </a:blip>
-          <a:stretch>
-            <a:fillRect/>
-          </a:stretch>
+          <a:srcRect/>
+          <a:stretch/>
         </p:blipFill>
         <p:spPr>
-          <a:xfrm rot="5400000">
-            <a:off x="1108215" y="2771836"/>
-            <a:ext cx="1638554" cy="1638554"/>
+          <a:xfrm>
+            <a:off x="2718123" y="2887277"/>
+            <a:ext cx="468604" cy="468604"/>
           </a:xfrm>
           <a:prstGeom prst="rect">
             <a:avLst/>
           </a:prstGeom>
         </p:spPr>
       </p:pic>
-      <p:sp>
-        <p:nvSpPr>
-          <p:cNvPr id="36" name="CasellaDiTesto 35">
-            <a:extLst>
-              <a:ext uri="{FF2B5EF4-FFF2-40B4-BE49-F238E27FC236}">
-                <a16:creationId xmlns:a16="http://schemas.microsoft.com/office/drawing/2014/main" id="{5598B97E-5AB2-B126-80E5-E51543C08C86}"/>
-              </a:ext>
-            </a:extLst>
-          </p:cNvPr>
-          <p:cNvSpPr txBox="1"/>
-          <p:nvPr/>
-        </p:nvSpPr>
-        <p:spPr>
-          <a:xfrm>
-            <a:off x="3516035" y="3894335"/>
-            <a:ext cx="7245458" cy="615553"/>
-          </a:xfrm>
-          <a:prstGeom prst="rect">
-            <a:avLst/>
-          </a:prstGeom>
-          <a:noFill/>
-        </p:spPr>
-        <p:txBody>
-          <a:bodyPr wrap="square" rtlCol="0">
-            <a:spAutoFit/>
-          </a:bodyPr>
-          <a:lstStyle/>
-          <a:p>
-            <a:r>
-              <a:rPr lang="en-US" sz="2000" b="1" dirty="0">
-                <a:solidFill>
-                  <a:srgbClr val="3F51C3"/>
-                </a:solidFill>
-                <a:latin typeface="SF Pro Text" pitchFamily="2" charset="0"/>
-                <a:ea typeface="SF Pro Text" pitchFamily="2" charset="0"/>
-                <a:cs typeface="SF Pro Text" pitchFamily="2" charset="0"/>
-              </a:rPr>
-              <a:t>Data analysis</a:t>
-            </a:r>
-          </a:p>
-          <a:p>
-            <a:r>
-              <a:rPr lang="en-US" sz="1400" dirty="0">
-                <a:solidFill>
-                  <a:srgbClr val="3F3C53"/>
-                </a:solidFill>
-                <a:latin typeface="SF Pro Text" pitchFamily="2" charset="0"/>
-                <a:ea typeface="SF Pro Text" pitchFamily="2" charset="0"/>
-                <a:cs typeface="SF Pro Text" pitchFamily="2" charset="0"/>
-              </a:rPr>
-              <a:t>Description</a:t>
-            </a:r>
-          </a:p>
-        </p:txBody>
-      </p:sp>
       <p:pic>
         <p:nvPicPr>
-          <p:cNvPr id="37" name="Elemento grafico 36">
-            <a:extLst>
-              <a:ext uri="{FF2B5EF4-FFF2-40B4-BE49-F238E27FC236}">
-                <a16:creationId xmlns:a16="http://schemas.microsoft.com/office/drawing/2014/main" id="{FD48E28F-3662-45A7-AF8B-9E8ABE6D90BE}"/>
+          <p:cNvPr id="45" name="Elemento grafico 44">
+            <a:extLst>
+              <a:ext uri="{FF2B5EF4-FFF2-40B4-BE49-F238E27FC236}">
+                <a16:creationId xmlns:a16="http://schemas.microsoft.com/office/drawing/2014/main" id="{92CB6EDF-2E74-B9B7-76C2-57222E133222}"/>
               </a:ext>
             </a:extLst>
           </p:cNvPr>
@@ -4056,14 +4166,13 @@
               </a:ext>
             </a:extLst>
           </a:blip>
-          <a:stretch>
-            <a:fillRect/>
-          </a:stretch>
+          <a:srcRect/>
+          <a:stretch/>
         </p:blipFill>
         <p:spPr>
           <a:xfrm>
-            <a:off x="2738982" y="3974974"/>
-            <a:ext cx="454274" cy="454274"/>
+            <a:off x="2676003" y="4987068"/>
+            <a:ext cx="552843" cy="552843"/>
           </a:xfrm>
           <a:prstGeom prst="rect">
             <a:avLst/>
@@ -4072,10 +4181,10 @@
       </p:pic>
       <p:sp>
         <p:nvSpPr>
-          <p:cNvPr id="38" name="CasellaDiTesto 37">
-            <a:extLst>
-              <a:ext uri="{FF2B5EF4-FFF2-40B4-BE49-F238E27FC236}">
-                <a16:creationId xmlns:a16="http://schemas.microsoft.com/office/drawing/2014/main" id="{45E3C27E-F785-6F26-E7EA-46BCF4D46EDE}"/>
+          <p:cNvPr id="46" name="CasellaDiTesto 45">
+            <a:extLst>
+              <a:ext uri="{FF2B5EF4-FFF2-40B4-BE49-F238E27FC236}">
+                <a16:creationId xmlns:a16="http://schemas.microsoft.com/office/drawing/2014/main" id="{32F48D70-52DA-C5B9-A49C-249F65FFE077}"/>
               </a:ext>
             </a:extLst>
           </p:cNvPr>
@@ -4084,7 +4193,7 @@
         </p:nvSpPr>
         <p:spPr>
           <a:xfrm>
-            <a:off x="3516035" y="2803729"/>
+            <a:off x="3481915" y="4984941"/>
             <a:ext cx="7245458" cy="615553"/>
           </a:xfrm>
           <a:prstGeom prst="rect">
@@ -4107,7 +4216,7 @@
                 <a:ea typeface="SF Pro Text" pitchFamily="2" charset="0"/>
                 <a:cs typeface="SF Pro Text" pitchFamily="2" charset="0"/>
               </a:rPr>
-              <a:t>Data storage</a:t>
+              <a:t>Data on-demand</a:t>
             </a:r>
           </a:p>
           <a:p>
@@ -4120,17 +4229,47 @@
                 <a:ea typeface="SF Pro Text" pitchFamily="2" charset="0"/>
                 <a:cs typeface="SF Pro Text" pitchFamily="2" charset="0"/>
               </a:rPr>
-              <a:t>Description</a:t>
-            </a:r>
+              <a:t>Data can be also read on-demand for live computation/use (ex. actuators)</a:t>
+            </a:r>
+          </a:p>
+        </p:txBody>
+      </p:sp>
+      <p:sp>
+        <p:nvSpPr>
+          <p:cNvPr id="5" name="Segnaposto numero diapositiva 4">
+            <a:extLst>
+              <a:ext uri="{FF2B5EF4-FFF2-40B4-BE49-F238E27FC236}">
+                <a16:creationId xmlns:a16="http://schemas.microsoft.com/office/drawing/2014/main" id="{5FE896AD-EE4B-D4C3-81C5-311F5DB29197}"/>
+              </a:ext>
+            </a:extLst>
+          </p:cNvPr>
+          <p:cNvSpPr>
+            <a:spLocks noGrp="1"/>
+          </p:cNvSpPr>
+          <p:nvPr>
+            <p:ph type="sldNum" sz="quarter" idx="12"/>
+          </p:nvPr>
+        </p:nvSpPr>
+        <p:spPr/>
+        <p:txBody>
+          <a:bodyPr/>
+          <a:lstStyle/>
+          <a:p>
+            <a:fld id="{925FCEA2-F0DA-AB4C-B1CA-0E33C745EDE1}" type="slidenum">
+              <a:rPr lang="it-IT" smtClean="0"/>
+              <a:pPr/>
+              <a:t>3</a:t>
+            </a:fld>
+            <a:endParaRPr lang="it-IT" dirty="0"/>
           </a:p>
         </p:txBody>
       </p:sp>
       <p:pic>
         <p:nvPicPr>
-          <p:cNvPr id="43" name="Elemento grafico 42">
-            <a:extLst>
-              <a:ext uri="{FF2B5EF4-FFF2-40B4-BE49-F238E27FC236}">
-                <a16:creationId xmlns:a16="http://schemas.microsoft.com/office/drawing/2014/main" id="{A23E1DEC-4ED2-6CC1-F038-D0471DA06671}"/>
+          <p:cNvPr id="2" name="Elemento grafico 1">
+            <a:extLst>
+              <a:ext uri="{FF2B5EF4-FFF2-40B4-BE49-F238E27FC236}">
+                <a16:creationId xmlns:a16="http://schemas.microsoft.com/office/drawing/2014/main" id="{8D7FD633-8035-6F69-169D-C1B14B704DAC}"/>
               </a:ext>
             </a:extLst>
           </p:cNvPr>
@@ -4153,8 +4292,8 @@
         </p:blipFill>
         <p:spPr>
           <a:xfrm>
-            <a:off x="2718123" y="2887277"/>
-            <a:ext cx="468604" cy="468604"/>
+            <a:off x="2728049" y="3959808"/>
+            <a:ext cx="484606" cy="484606"/>
           </a:xfrm>
           <a:prstGeom prst="rect">
             <a:avLst/>
@@ -4163,10 +4302,10 @@
       </p:pic>
       <p:pic>
         <p:nvPicPr>
-          <p:cNvPr id="45" name="Elemento grafico 44">
-            <a:extLst>
-              <a:ext uri="{FF2B5EF4-FFF2-40B4-BE49-F238E27FC236}">
-                <a16:creationId xmlns:a16="http://schemas.microsoft.com/office/drawing/2014/main" id="{92CB6EDF-2E74-B9B7-76C2-57222E133222}"/>
+          <p:cNvPr id="6" name="Elemento grafico 5">
+            <a:extLst>
+              <a:ext uri="{FF2B5EF4-FFF2-40B4-BE49-F238E27FC236}">
+                <a16:creationId xmlns:a16="http://schemas.microsoft.com/office/drawing/2014/main" id="{E19864A5-05BF-12E1-8E5E-E000FED0BDF4}"/>
               </a:ext>
             </a:extLst>
           </p:cNvPr>
@@ -4183,105 +4322,19 @@
               </a:ext>
             </a:extLst>
           </a:blip>
-          <a:stretch>
-            <a:fillRect/>
-          </a:stretch>
+          <a:srcRect/>
+          <a:stretch/>
         </p:blipFill>
         <p:spPr>
           <a:xfrm>
-            <a:off x="2676003" y="4987068"/>
-            <a:ext cx="552843" cy="552843"/>
+            <a:off x="2722018" y="1810304"/>
+            <a:ext cx="468604" cy="468604"/>
           </a:xfrm>
           <a:prstGeom prst="rect">
             <a:avLst/>
           </a:prstGeom>
         </p:spPr>
       </p:pic>
-      <p:sp>
-        <p:nvSpPr>
-          <p:cNvPr id="46" name="CasellaDiTesto 45">
-            <a:extLst>
-              <a:ext uri="{FF2B5EF4-FFF2-40B4-BE49-F238E27FC236}">
-                <a16:creationId xmlns:a16="http://schemas.microsoft.com/office/drawing/2014/main" id="{32F48D70-52DA-C5B9-A49C-249F65FFE077}"/>
-              </a:ext>
-            </a:extLst>
-          </p:cNvPr>
-          <p:cNvSpPr txBox="1"/>
-          <p:nvPr/>
-        </p:nvSpPr>
-        <p:spPr>
-          <a:xfrm>
-            <a:off x="3481915" y="4984941"/>
-            <a:ext cx="7245458" cy="615553"/>
-          </a:xfrm>
-          <a:prstGeom prst="rect">
-            <a:avLst/>
-          </a:prstGeom>
-          <a:noFill/>
-        </p:spPr>
-        <p:txBody>
-          <a:bodyPr wrap="square" rtlCol="0">
-            <a:spAutoFit/>
-          </a:bodyPr>
-          <a:lstStyle/>
-          <a:p>
-            <a:r>
-              <a:rPr lang="en-US" sz="2000" b="1" dirty="0">
-                <a:solidFill>
-                  <a:srgbClr val="3F51C3"/>
-                </a:solidFill>
-                <a:latin typeface="SF Pro Text" pitchFamily="2" charset="0"/>
-                <a:ea typeface="SF Pro Text" pitchFamily="2" charset="0"/>
-                <a:cs typeface="SF Pro Text" pitchFamily="2" charset="0"/>
-              </a:rPr>
-              <a:t>Data on-demand</a:t>
-            </a:r>
-          </a:p>
-          <a:p>
-            <a:r>
-              <a:rPr lang="en-US" sz="1400" dirty="0">
-                <a:solidFill>
-                  <a:srgbClr val="3F3C53"/>
-                </a:solidFill>
-                <a:latin typeface="SF Pro Text" pitchFamily="2" charset="0"/>
-                <a:ea typeface="SF Pro Text" pitchFamily="2" charset="0"/>
-                <a:cs typeface="SF Pro Text" pitchFamily="2" charset="0"/>
-              </a:rPr>
-              <a:t>Description</a:t>
-            </a:r>
-          </a:p>
-        </p:txBody>
-      </p:sp>
-      <p:sp>
-        <p:nvSpPr>
-          <p:cNvPr id="5" name="Segnaposto numero diapositiva 4">
-            <a:extLst>
-              <a:ext uri="{FF2B5EF4-FFF2-40B4-BE49-F238E27FC236}">
-                <a16:creationId xmlns:a16="http://schemas.microsoft.com/office/drawing/2014/main" id="{5FE896AD-EE4B-D4C3-81C5-311F5DB29197}"/>
-              </a:ext>
-            </a:extLst>
-          </p:cNvPr>
-          <p:cNvSpPr>
-            <a:spLocks noGrp="1"/>
-          </p:cNvSpPr>
-          <p:nvPr>
-            <p:ph type="sldNum" sz="quarter" idx="12"/>
-          </p:nvPr>
-        </p:nvSpPr>
-        <p:spPr/>
-        <p:txBody>
-          <a:bodyPr/>
-          <a:lstStyle/>
-          <a:p>
-            <a:fld id="{925FCEA2-F0DA-AB4C-B1CA-0E33C745EDE1}" type="slidenum">
-              <a:rPr lang="it-IT" smtClean="0"/>
-              <a:pPr/>
-              <a:t>3</a:t>
-            </a:fld>
-            <a:endParaRPr lang="it-IT" dirty="0"/>
-          </a:p>
-        </p:txBody>
-      </p:sp>
     </p:spTree>
     <p:extLst>
       <p:ext uri="{BB962C8B-B14F-4D97-AF65-F5344CB8AC3E}">
@@ -4370,6 +4423,36 @@
           </a:p>
         </p:txBody>
       </p:sp>
+      <p:pic>
+        <p:nvPicPr>
+          <p:cNvPr id="5" name="Immagine 4">
+            <a:extLst>
+              <a:ext uri="{FF2B5EF4-FFF2-40B4-BE49-F238E27FC236}">
+                <a16:creationId xmlns:a16="http://schemas.microsoft.com/office/drawing/2014/main" id="{4DBEBACF-D594-FA52-9857-DD5BA45A6A10}"/>
+              </a:ext>
+            </a:extLst>
+          </p:cNvPr>
+          <p:cNvPicPr>
+            <a:picLocks noChangeAspect="1"/>
+          </p:cNvPicPr>
+          <p:nvPr/>
+        </p:nvPicPr>
+        <p:blipFill>
+          <a:blip r:embed="rId2"/>
+          <a:stretch>
+            <a:fillRect/>
+          </a:stretch>
+        </p:blipFill>
+        <p:spPr>
+          <a:xfrm>
+            <a:off x="1103885" y="854635"/>
+            <a:ext cx="9984229" cy="5148730"/>
+          </a:xfrm>
+          <a:prstGeom prst="rect">
+            <a:avLst/>
+          </a:prstGeom>
+        </p:spPr>
+      </p:pic>
     </p:spTree>
     <p:extLst>
       <p:ext uri="{BB962C8B-B14F-4D97-AF65-F5344CB8AC3E}">
@@ -4462,6 +4545,176 @@
           </a:p>
         </p:txBody>
       </p:sp>
+      <p:pic>
+        <p:nvPicPr>
+          <p:cNvPr id="5" name="Immagine 4">
+            <a:extLst>
+              <a:ext uri="{FF2B5EF4-FFF2-40B4-BE49-F238E27FC236}">
+                <a16:creationId xmlns:a16="http://schemas.microsoft.com/office/drawing/2014/main" id="{E3C54A2E-5985-814F-CA05-69D04C475D7F}"/>
+              </a:ext>
+            </a:extLst>
+          </p:cNvPr>
+          <p:cNvPicPr>
+            <a:picLocks noChangeAspect="1"/>
+          </p:cNvPicPr>
+          <p:nvPr/>
+        </p:nvPicPr>
+        <p:blipFill>
+          <a:blip r:embed="rId2"/>
+          <a:stretch>
+            <a:fillRect/>
+          </a:stretch>
+        </p:blipFill>
+        <p:spPr>
+          <a:xfrm>
+            <a:off x="844417" y="4347570"/>
+            <a:ext cx="10978727" cy="895103"/>
+          </a:xfrm>
+          <a:prstGeom prst="rect">
+            <a:avLst/>
+          </a:prstGeom>
+        </p:spPr>
+      </p:pic>
+      <p:pic>
+        <p:nvPicPr>
+          <p:cNvPr id="7" name="Immagine 6">
+            <a:extLst>
+              <a:ext uri="{FF2B5EF4-FFF2-40B4-BE49-F238E27FC236}">
+                <a16:creationId xmlns:a16="http://schemas.microsoft.com/office/drawing/2014/main" id="{D3C9F9BA-14A0-A5DC-B008-2E75F4D91BB4}"/>
+              </a:ext>
+            </a:extLst>
+          </p:cNvPr>
+          <p:cNvPicPr>
+            <a:picLocks noChangeAspect="1"/>
+          </p:cNvPicPr>
+          <p:nvPr/>
+        </p:nvPicPr>
+        <p:blipFill>
+          <a:blip r:embed="rId3"/>
+          <a:stretch>
+            <a:fillRect/>
+          </a:stretch>
+        </p:blipFill>
+        <p:spPr>
+          <a:xfrm>
+            <a:off x="817624" y="1935549"/>
+            <a:ext cx="11032312" cy="620256"/>
+          </a:xfrm>
+          <a:prstGeom prst="rect">
+            <a:avLst/>
+          </a:prstGeom>
+        </p:spPr>
+      </p:pic>
+      <p:sp>
+        <p:nvSpPr>
+          <p:cNvPr id="9" name="CasellaDiTesto 8">
+            <a:extLst>
+              <a:ext uri="{FF2B5EF4-FFF2-40B4-BE49-F238E27FC236}">
+                <a16:creationId xmlns:a16="http://schemas.microsoft.com/office/drawing/2014/main" id="{CB1D75F4-4092-F10D-8F0C-9C961966DB16}"/>
+              </a:ext>
+            </a:extLst>
+          </p:cNvPr>
+          <p:cNvSpPr txBox="1"/>
+          <p:nvPr/>
+        </p:nvSpPr>
+        <p:spPr>
+          <a:xfrm>
+            <a:off x="3046971" y="1099460"/>
+            <a:ext cx="6098058" cy="400110"/>
+          </a:xfrm>
+          <a:prstGeom prst="rect">
+            <a:avLst/>
+          </a:prstGeom>
+          <a:noFill/>
+        </p:spPr>
+        <p:txBody>
+          <a:bodyPr wrap="square">
+            <a:spAutoFit/>
+          </a:bodyPr>
+          <a:lstStyle/>
+          <a:p>
+            <a:pPr algn="ctr"/>
+            <a:r>
+              <a:rPr lang="it-IT" sz="2000" b="1" dirty="0">
+                <a:solidFill>
+                  <a:srgbClr val="3F51C3"/>
+                </a:solidFill>
+                <a:latin typeface="SF Pro Text" pitchFamily="2" charset="0"/>
+                <a:ea typeface="SF Pro Text" pitchFamily="2" charset="0"/>
+                <a:cs typeface="SF Pro Text" pitchFamily="2" charset="0"/>
+              </a:rPr>
+              <a:t>Sensor </a:t>
+            </a:r>
+            <a:r>
+              <a:rPr lang="it-IT" sz="2000" b="1" dirty="0" err="1">
+                <a:solidFill>
+                  <a:srgbClr val="3F51C3"/>
+                </a:solidFill>
+                <a:latin typeface="SF Pro Text" pitchFamily="2" charset="0"/>
+                <a:ea typeface="SF Pro Text" pitchFamily="2" charset="0"/>
+                <a:cs typeface="SF Pro Text" pitchFamily="2" charset="0"/>
+              </a:rPr>
+              <a:t>configuration</a:t>
+            </a:r>
+            <a:endParaRPr lang="it-IT" sz="2000" dirty="0"/>
+          </a:p>
+        </p:txBody>
+      </p:sp>
+      <p:sp>
+        <p:nvSpPr>
+          <p:cNvPr id="10" name="CasellaDiTesto 9">
+            <a:extLst>
+              <a:ext uri="{FF2B5EF4-FFF2-40B4-BE49-F238E27FC236}">
+                <a16:creationId xmlns:a16="http://schemas.microsoft.com/office/drawing/2014/main" id="{AAEAA87A-D026-7E31-AC44-22BC69BBE422}"/>
+              </a:ext>
+            </a:extLst>
+          </p:cNvPr>
+          <p:cNvSpPr txBox="1"/>
+          <p:nvPr/>
+        </p:nvSpPr>
+        <p:spPr>
+          <a:xfrm>
+            <a:off x="3046971" y="3251632"/>
+            <a:ext cx="6098058" cy="400110"/>
+          </a:xfrm>
+          <a:prstGeom prst="rect">
+            <a:avLst/>
+          </a:prstGeom>
+          <a:noFill/>
+        </p:spPr>
+        <p:txBody>
+          <a:bodyPr wrap="square">
+            <a:spAutoFit/>
+          </a:bodyPr>
+          <a:lstStyle/>
+          <a:p>
+            <a:pPr algn="ctr"/>
+            <a:r>
+              <a:rPr lang="it-IT" sz="2000" b="1" dirty="0">
+                <a:solidFill>
+                  <a:srgbClr val="3F51C3"/>
+                </a:solidFill>
+                <a:latin typeface="SF Pro Text" pitchFamily="2" charset="0"/>
+                <a:ea typeface="SF Pro Text" pitchFamily="2" charset="0"/>
+                <a:cs typeface="SF Pro Text" pitchFamily="2" charset="0"/>
+              </a:rPr>
+              <a:t>Data </a:t>
+            </a:r>
+            <a:r>
+              <a:rPr lang="it-IT" sz="2000" b="1" dirty="0" err="1">
+                <a:solidFill>
+                  <a:srgbClr val="3F51C3"/>
+                </a:solidFill>
+                <a:latin typeface="SF Pro Text" pitchFamily="2" charset="0"/>
+                <a:ea typeface="SF Pro Text" pitchFamily="2" charset="0"/>
+                <a:cs typeface="SF Pro Text" pitchFamily="2" charset="0"/>
+              </a:rPr>
+              <a:t>saving</a:t>
+            </a:r>
+            <a:endParaRPr lang="it-IT" sz="2000" dirty="0"/>
+          </a:p>
+        </p:txBody>
+      </p:sp>
     </p:spTree>
     <p:extLst>
       <p:ext uri="{BB962C8B-B14F-4D97-AF65-F5344CB8AC3E}">
@@ -4555,6 +4808,1087 @@
           </a:p>
         </p:txBody>
       </p:sp>
+      <p:sp>
+        <p:nvSpPr>
+          <p:cNvPr id="4" name="CasellaDiTesto 3">
+            <a:extLst>
+              <a:ext uri="{FF2B5EF4-FFF2-40B4-BE49-F238E27FC236}">
+                <a16:creationId xmlns:a16="http://schemas.microsoft.com/office/drawing/2014/main" id="{93D3FD20-1DD5-75C9-C4DE-F67F9B314BCF}"/>
+              </a:ext>
+            </a:extLst>
+          </p:cNvPr>
+          <p:cNvSpPr txBox="1"/>
+          <p:nvPr/>
+        </p:nvSpPr>
+        <p:spPr>
+          <a:xfrm>
+            <a:off x="601265" y="1148887"/>
+            <a:ext cx="1684735" cy="400110"/>
+          </a:xfrm>
+          <a:prstGeom prst="rect">
+            <a:avLst/>
+          </a:prstGeom>
+          <a:noFill/>
+        </p:spPr>
+        <p:txBody>
+          <a:bodyPr wrap="square">
+            <a:spAutoFit/>
+          </a:bodyPr>
+          <a:lstStyle/>
+          <a:p>
+            <a:r>
+              <a:rPr lang="it-IT" sz="2000" b="1" dirty="0">
+                <a:solidFill>
+                  <a:srgbClr val="3F51C3"/>
+                </a:solidFill>
+                <a:latin typeface="SF Pro Text" pitchFamily="2" charset="0"/>
+                <a:ea typeface="SF Pro Text" pitchFamily="2" charset="0"/>
+                <a:cs typeface="SF Pro Text" pitchFamily="2" charset="0"/>
+              </a:rPr>
+              <a:t>Base </a:t>
+            </a:r>
+            <a:r>
+              <a:rPr lang="it-IT" sz="2000" b="1" dirty="0" err="1">
+                <a:solidFill>
+                  <a:srgbClr val="3F51C3"/>
+                </a:solidFill>
+                <a:latin typeface="SF Pro Text" pitchFamily="2" charset="0"/>
+                <a:ea typeface="SF Pro Text" pitchFamily="2" charset="0"/>
+                <a:cs typeface="SF Pro Text" pitchFamily="2" charset="0"/>
+              </a:rPr>
+              <a:t>topic</a:t>
+            </a:r>
+            <a:r>
+              <a:rPr lang="it-IT" sz="2000" b="1" dirty="0">
+                <a:solidFill>
+                  <a:srgbClr val="3F51C3"/>
+                </a:solidFill>
+                <a:latin typeface="SF Pro Text" pitchFamily="2" charset="0"/>
+                <a:ea typeface="SF Pro Text" pitchFamily="2" charset="0"/>
+                <a:cs typeface="SF Pro Text" pitchFamily="2" charset="0"/>
+              </a:rPr>
+              <a:t>:</a:t>
+            </a:r>
+            <a:endParaRPr lang="it-IT" sz="2000" dirty="0"/>
+          </a:p>
+        </p:txBody>
+      </p:sp>
+      <p:sp>
+        <p:nvSpPr>
+          <p:cNvPr id="6" name="CasellaDiTesto 5">
+            <a:extLst>
+              <a:ext uri="{FF2B5EF4-FFF2-40B4-BE49-F238E27FC236}">
+                <a16:creationId xmlns:a16="http://schemas.microsoft.com/office/drawing/2014/main" id="{4C66AE55-88B3-E620-60B6-C43BCE2F71E5}"/>
+              </a:ext>
+            </a:extLst>
+          </p:cNvPr>
+          <p:cNvSpPr txBox="1"/>
+          <p:nvPr/>
+        </p:nvSpPr>
+        <p:spPr>
+          <a:xfrm>
+            <a:off x="3543300" y="1148887"/>
+            <a:ext cx="2165521" cy="400110"/>
+          </a:xfrm>
+          <a:prstGeom prst="rect">
+            <a:avLst/>
+          </a:prstGeom>
+          <a:noFill/>
+        </p:spPr>
+        <p:txBody>
+          <a:bodyPr wrap="square">
+            <a:spAutoFit/>
+          </a:bodyPr>
+          <a:lstStyle/>
+          <a:p>
+            <a:r>
+              <a:rPr lang="en-US" sz="2000" b="1" dirty="0" err="1">
+                <a:solidFill>
+                  <a:srgbClr val="3F3C53"/>
+                </a:solidFill>
+                <a:latin typeface="SF Pro Text" pitchFamily="2" charset="0"/>
+                <a:ea typeface="SF Pro Text" pitchFamily="2" charset="0"/>
+                <a:cs typeface="SF Pro Text" pitchFamily="2" charset="0"/>
+              </a:rPr>
+              <a:t>mtds</a:t>
+            </a:r>
+            <a:r>
+              <a:rPr lang="en-US" sz="2000" b="1" dirty="0">
+                <a:solidFill>
+                  <a:srgbClr val="3F3C53"/>
+                </a:solidFill>
+                <a:latin typeface="SF Pro Text" pitchFamily="2" charset="0"/>
+                <a:ea typeface="SF Pro Text" pitchFamily="2" charset="0"/>
+                <a:cs typeface="SF Pro Text" pitchFamily="2" charset="0"/>
+              </a:rPr>
+              <a:t>/sensor/</a:t>
+            </a:r>
+            <a:endParaRPr lang="it-IT" sz="2000" b="1" dirty="0"/>
+          </a:p>
+        </p:txBody>
+      </p:sp>
+      <p:sp>
+        <p:nvSpPr>
+          <p:cNvPr id="7" name="CasellaDiTesto 6">
+            <a:extLst>
+              <a:ext uri="{FF2B5EF4-FFF2-40B4-BE49-F238E27FC236}">
+                <a16:creationId xmlns:a16="http://schemas.microsoft.com/office/drawing/2014/main" id="{3638F7D6-59D5-78B8-6A31-D832D5915E04}"/>
+              </a:ext>
+            </a:extLst>
+          </p:cNvPr>
+          <p:cNvSpPr txBox="1"/>
+          <p:nvPr/>
+        </p:nvSpPr>
+        <p:spPr>
+          <a:xfrm>
+            <a:off x="601265" y="2028906"/>
+            <a:ext cx="2784486" cy="400110"/>
+          </a:xfrm>
+          <a:prstGeom prst="rect">
+            <a:avLst/>
+          </a:prstGeom>
+          <a:noFill/>
+        </p:spPr>
+        <p:txBody>
+          <a:bodyPr wrap="square">
+            <a:spAutoFit/>
+          </a:bodyPr>
+          <a:lstStyle/>
+          <a:p>
+            <a:r>
+              <a:rPr lang="it-IT" sz="2000" b="1" dirty="0" err="1">
+                <a:solidFill>
+                  <a:srgbClr val="3F51C3"/>
+                </a:solidFill>
+                <a:latin typeface="SF Pro Text" pitchFamily="2" charset="0"/>
+                <a:ea typeface="SF Pro Text" pitchFamily="2" charset="0"/>
+                <a:cs typeface="SF Pro Text" pitchFamily="2" charset="0"/>
+              </a:rPr>
+              <a:t>Configuration</a:t>
+            </a:r>
+            <a:r>
+              <a:rPr lang="it-IT" sz="2000" b="1" dirty="0">
+                <a:solidFill>
+                  <a:srgbClr val="3F51C3"/>
+                </a:solidFill>
+                <a:latin typeface="SF Pro Text" pitchFamily="2" charset="0"/>
+                <a:ea typeface="SF Pro Text" pitchFamily="2" charset="0"/>
+                <a:cs typeface="SF Pro Text" pitchFamily="2" charset="0"/>
+              </a:rPr>
+              <a:t> </a:t>
+            </a:r>
+            <a:r>
+              <a:rPr lang="it-IT" sz="2000" b="1" dirty="0" err="1">
+                <a:solidFill>
+                  <a:srgbClr val="3F51C3"/>
+                </a:solidFill>
+                <a:latin typeface="SF Pro Text" pitchFamily="2" charset="0"/>
+                <a:ea typeface="SF Pro Text" pitchFamily="2" charset="0"/>
+                <a:cs typeface="SF Pro Text" pitchFamily="2" charset="0"/>
+              </a:rPr>
+              <a:t>topic</a:t>
+            </a:r>
+            <a:r>
+              <a:rPr lang="it-IT" sz="2000" b="1" dirty="0">
+                <a:solidFill>
+                  <a:srgbClr val="3F51C3"/>
+                </a:solidFill>
+                <a:latin typeface="SF Pro Text" pitchFamily="2" charset="0"/>
+                <a:ea typeface="SF Pro Text" pitchFamily="2" charset="0"/>
+                <a:cs typeface="SF Pro Text" pitchFamily="2" charset="0"/>
+              </a:rPr>
+              <a:t>:</a:t>
+            </a:r>
+            <a:endParaRPr lang="it-IT" sz="2000" dirty="0"/>
+          </a:p>
+        </p:txBody>
+      </p:sp>
+      <p:sp>
+        <p:nvSpPr>
+          <p:cNvPr id="8" name="CasellaDiTesto 7">
+            <a:extLst>
+              <a:ext uri="{FF2B5EF4-FFF2-40B4-BE49-F238E27FC236}">
+                <a16:creationId xmlns:a16="http://schemas.microsoft.com/office/drawing/2014/main" id="{B6AF9DFA-386F-C21D-8698-FE07714C426E}"/>
+              </a:ext>
+            </a:extLst>
+          </p:cNvPr>
+          <p:cNvSpPr txBox="1"/>
+          <p:nvPr/>
+        </p:nvSpPr>
+        <p:spPr>
+          <a:xfrm>
+            <a:off x="3543301" y="2028906"/>
+            <a:ext cx="2784486" cy="400110"/>
+          </a:xfrm>
+          <a:prstGeom prst="rect">
+            <a:avLst/>
+          </a:prstGeom>
+          <a:noFill/>
+        </p:spPr>
+        <p:txBody>
+          <a:bodyPr wrap="square">
+            <a:spAutoFit/>
+          </a:bodyPr>
+          <a:lstStyle/>
+          <a:p>
+            <a:r>
+              <a:rPr lang="en-US" sz="2000" b="1" dirty="0">
+                <a:solidFill>
+                  <a:srgbClr val="3F3C53"/>
+                </a:solidFill>
+                <a:latin typeface="SF Pro Text" pitchFamily="2" charset="0"/>
+                <a:ea typeface="SF Pro Text" pitchFamily="2" charset="0"/>
+                <a:cs typeface="SF Pro Text" pitchFamily="2" charset="0"/>
+              </a:rPr>
+              <a:t>config/{{</a:t>
+            </a:r>
+            <a:r>
+              <a:rPr lang="en-US" sz="2000" b="1" dirty="0" err="1">
+                <a:solidFill>
+                  <a:srgbClr val="3F3C53"/>
+                </a:solidFill>
+                <a:latin typeface="SF Pro Text" pitchFamily="2" charset="0"/>
+                <a:ea typeface="SF Pro Text" pitchFamily="2" charset="0"/>
+                <a:cs typeface="SF Pro Text" pitchFamily="2" charset="0"/>
+              </a:rPr>
+              <a:t>sensor_id</a:t>
+            </a:r>
+            <a:r>
+              <a:rPr lang="en-US" sz="2000" b="1" dirty="0">
+                <a:solidFill>
+                  <a:srgbClr val="3F3C53"/>
+                </a:solidFill>
+                <a:latin typeface="SF Pro Text" pitchFamily="2" charset="0"/>
+                <a:ea typeface="SF Pro Text" pitchFamily="2" charset="0"/>
+                <a:cs typeface="SF Pro Text" pitchFamily="2" charset="0"/>
+              </a:rPr>
+              <a:t>}}</a:t>
+            </a:r>
+            <a:endParaRPr lang="it-IT" sz="2000" b="1" dirty="0"/>
+          </a:p>
+        </p:txBody>
+      </p:sp>
+      <p:sp>
+        <p:nvSpPr>
+          <p:cNvPr id="9" name="CasellaDiTesto 8">
+            <a:extLst>
+              <a:ext uri="{FF2B5EF4-FFF2-40B4-BE49-F238E27FC236}">
+                <a16:creationId xmlns:a16="http://schemas.microsoft.com/office/drawing/2014/main" id="{DDBD09EC-CD26-3A46-3521-EC714BDF6466}"/>
+              </a:ext>
+            </a:extLst>
+          </p:cNvPr>
+          <p:cNvSpPr txBox="1"/>
+          <p:nvPr/>
+        </p:nvSpPr>
+        <p:spPr>
+          <a:xfrm>
+            <a:off x="6949744" y="2059684"/>
+            <a:ext cx="4640991" cy="338554"/>
+          </a:xfrm>
+          <a:prstGeom prst="rect">
+            <a:avLst/>
+          </a:prstGeom>
+          <a:noFill/>
+        </p:spPr>
+        <p:txBody>
+          <a:bodyPr wrap="square">
+            <a:spAutoFit/>
+          </a:bodyPr>
+          <a:lstStyle/>
+          <a:p>
+            <a:r>
+              <a:rPr lang="en-US" sz="1600" dirty="0">
+                <a:solidFill>
+                  <a:srgbClr val="3F3C53"/>
+                </a:solidFill>
+                <a:latin typeface="SF Pro Text" pitchFamily="2" charset="0"/>
+                <a:ea typeface="SF Pro Text" pitchFamily="2" charset="0"/>
+                <a:cs typeface="SF Pro Text" pitchFamily="2" charset="0"/>
+              </a:rPr>
+              <a:t>Ex: </a:t>
+            </a:r>
+            <a:r>
+              <a:rPr lang="en-US" sz="1600" dirty="0" err="1">
+                <a:solidFill>
+                  <a:srgbClr val="3F3C53"/>
+                </a:solidFill>
+                <a:latin typeface="SF Pro Text" pitchFamily="2" charset="0"/>
+                <a:ea typeface="SF Pro Text" pitchFamily="2" charset="0"/>
+                <a:cs typeface="SF Pro Text" pitchFamily="2" charset="0"/>
+              </a:rPr>
+              <a:t>mtds</a:t>
+            </a:r>
+            <a:r>
+              <a:rPr lang="en-US" sz="1600" dirty="0">
+                <a:solidFill>
+                  <a:srgbClr val="3F3C53"/>
+                </a:solidFill>
+                <a:latin typeface="SF Pro Text" pitchFamily="2" charset="0"/>
+                <a:ea typeface="SF Pro Text" pitchFamily="2" charset="0"/>
+                <a:cs typeface="SF Pro Text" pitchFamily="2" charset="0"/>
+              </a:rPr>
+              <a:t>/sensor/config/mtdssesn_0002</a:t>
+            </a:r>
+            <a:endParaRPr lang="it-IT" sz="1600" dirty="0"/>
+          </a:p>
+        </p:txBody>
+      </p:sp>
+      <p:sp>
+        <p:nvSpPr>
+          <p:cNvPr id="10" name="CasellaDiTesto 9">
+            <a:extLst>
+              <a:ext uri="{FF2B5EF4-FFF2-40B4-BE49-F238E27FC236}">
+                <a16:creationId xmlns:a16="http://schemas.microsoft.com/office/drawing/2014/main" id="{61D44AFD-D57E-29AA-877A-9C5848869FCB}"/>
+              </a:ext>
+            </a:extLst>
+          </p:cNvPr>
+          <p:cNvSpPr txBox="1"/>
+          <p:nvPr/>
+        </p:nvSpPr>
+        <p:spPr>
+          <a:xfrm>
+            <a:off x="601265" y="2908925"/>
+            <a:ext cx="2784486" cy="400110"/>
+          </a:xfrm>
+          <a:prstGeom prst="rect">
+            <a:avLst/>
+          </a:prstGeom>
+          <a:noFill/>
+        </p:spPr>
+        <p:txBody>
+          <a:bodyPr wrap="square">
+            <a:spAutoFit/>
+          </a:bodyPr>
+          <a:lstStyle/>
+          <a:p>
+            <a:r>
+              <a:rPr lang="it-IT" sz="2000" b="1" dirty="0" err="1">
+                <a:solidFill>
+                  <a:srgbClr val="3F51C3"/>
+                </a:solidFill>
+                <a:latin typeface="SF Pro Text" pitchFamily="2" charset="0"/>
+                <a:ea typeface="SF Pro Text" pitchFamily="2" charset="0"/>
+                <a:cs typeface="SF Pro Text" pitchFamily="2" charset="0"/>
+              </a:rPr>
+              <a:t>Publication</a:t>
+            </a:r>
+            <a:r>
+              <a:rPr lang="it-IT" sz="2000" b="1" dirty="0">
+                <a:solidFill>
+                  <a:srgbClr val="3F51C3"/>
+                </a:solidFill>
+                <a:latin typeface="SF Pro Text" pitchFamily="2" charset="0"/>
+                <a:ea typeface="SF Pro Text" pitchFamily="2" charset="0"/>
+                <a:cs typeface="SF Pro Text" pitchFamily="2" charset="0"/>
+              </a:rPr>
+              <a:t> </a:t>
+            </a:r>
+            <a:r>
+              <a:rPr lang="it-IT" sz="2000" b="1" dirty="0" err="1">
+                <a:solidFill>
+                  <a:srgbClr val="3F51C3"/>
+                </a:solidFill>
+                <a:latin typeface="SF Pro Text" pitchFamily="2" charset="0"/>
+                <a:ea typeface="SF Pro Text" pitchFamily="2" charset="0"/>
+                <a:cs typeface="SF Pro Text" pitchFamily="2" charset="0"/>
+              </a:rPr>
+              <a:t>topic</a:t>
+            </a:r>
+            <a:r>
+              <a:rPr lang="it-IT" sz="2000" b="1" dirty="0">
+                <a:solidFill>
+                  <a:srgbClr val="3F51C3"/>
+                </a:solidFill>
+                <a:latin typeface="SF Pro Text" pitchFamily="2" charset="0"/>
+                <a:ea typeface="SF Pro Text" pitchFamily="2" charset="0"/>
+                <a:cs typeface="SF Pro Text" pitchFamily="2" charset="0"/>
+              </a:rPr>
+              <a:t>:</a:t>
+            </a:r>
+            <a:endParaRPr lang="it-IT" sz="2000" dirty="0"/>
+          </a:p>
+        </p:txBody>
+      </p:sp>
+      <p:sp>
+        <p:nvSpPr>
+          <p:cNvPr id="11" name="CasellaDiTesto 10">
+            <a:extLst>
+              <a:ext uri="{FF2B5EF4-FFF2-40B4-BE49-F238E27FC236}">
+                <a16:creationId xmlns:a16="http://schemas.microsoft.com/office/drawing/2014/main" id="{DA86A821-A3C0-0CC8-A0B6-32A036CB53A8}"/>
+              </a:ext>
+            </a:extLst>
+          </p:cNvPr>
+          <p:cNvSpPr txBox="1"/>
+          <p:nvPr/>
+        </p:nvSpPr>
+        <p:spPr>
+          <a:xfrm>
+            <a:off x="3543301" y="2908925"/>
+            <a:ext cx="2784486" cy="400110"/>
+          </a:xfrm>
+          <a:prstGeom prst="rect">
+            <a:avLst/>
+          </a:prstGeom>
+          <a:noFill/>
+        </p:spPr>
+        <p:txBody>
+          <a:bodyPr wrap="square">
+            <a:spAutoFit/>
+          </a:bodyPr>
+          <a:lstStyle/>
+          <a:p>
+            <a:r>
+              <a:rPr lang="en-US" sz="2000" b="1" dirty="0">
+                <a:solidFill>
+                  <a:srgbClr val="3F3C53"/>
+                </a:solidFill>
+                <a:latin typeface="SF Pro Text" pitchFamily="2" charset="0"/>
+                <a:ea typeface="SF Pro Text" pitchFamily="2" charset="0"/>
+                <a:cs typeface="SF Pro Text" pitchFamily="2" charset="0"/>
+              </a:rPr>
+              <a:t>data/A/B/C/D</a:t>
+            </a:r>
+            <a:endParaRPr lang="it-IT" sz="2000" b="1" dirty="0"/>
+          </a:p>
+        </p:txBody>
+      </p:sp>
+      <p:sp>
+        <p:nvSpPr>
+          <p:cNvPr id="12" name="CasellaDiTesto 11">
+            <a:extLst>
+              <a:ext uri="{FF2B5EF4-FFF2-40B4-BE49-F238E27FC236}">
+                <a16:creationId xmlns:a16="http://schemas.microsoft.com/office/drawing/2014/main" id="{43F58E7F-0F30-9FCB-ECE9-3F4AA4F1B629}"/>
+              </a:ext>
+            </a:extLst>
+          </p:cNvPr>
+          <p:cNvSpPr txBox="1"/>
+          <p:nvPr/>
+        </p:nvSpPr>
+        <p:spPr>
+          <a:xfrm>
+            <a:off x="6949743" y="2939703"/>
+            <a:ext cx="4640991" cy="338554"/>
+          </a:xfrm>
+          <a:prstGeom prst="rect">
+            <a:avLst/>
+          </a:prstGeom>
+          <a:noFill/>
+        </p:spPr>
+        <p:txBody>
+          <a:bodyPr wrap="square">
+            <a:spAutoFit/>
+          </a:bodyPr>
+          <a:lstStyle/>
+          <a:p>
+            <a:r>
+              <a:rPr lang="en-US" sz="1600" dirty="0">
+                <a:solidFill>
+                  <a:srgbClr val="3F3C53"/>
+                </a:solidFill>
+                <a:latin typeface="SF Pro Text" pitchFamily="2" charset="0"/>
+                <a:ea typeface="SF Pro Text" pitchFamily="2" charset="0"/>
+                <a:cs typeface="SF Pro Text" pitchFamily="2" charset="0"/>
+              </a:rPr>
+              <a:t>Ex: </a:t>
+            </a:r>
+            <a:r>
+              <a:rPr lang="en-US" sz="1600" dirty="0" err="1">
+                <a:solidFill>
+                  <a:srgbClr val="3F3C53"/>
+                </a:solidFill>
+                <a:latin typeface="SF Pro Text" pitchFamily="2" charset="0"/>
+                <a:ea typeface="SF Pro Text" pitchFamily="2" charset="0"/>
+                <a:cs typeface="SF Pro Text" pitchFamily="2" charset="0"/>
+              </a:rPr>
+              <a:t>mtds</a:t>
+            </a:r>
+            <a:r>
+              <a:rPr lang="en-US" sz="1600" dirty="0">
+                <a:solidFill>
+                  <a:srgbClr val="3F3C53"/>
+                </a:solidFill>
+                <a:latin typeface="SF Pro Text" pitchFamily="2" charset="0"/>
+                <a:ea typeface="SF Pro Text" pitchFamily="2" charset="0"/>
+                <a:cs typeface="SF Pro Text" pitchFamily="2" charset="0"/>
+              </a:rPr>
+              <a:t>/sensor/data/A/0/S/1</a:t>
+            </a:r>
+            <a:endParaRPr lang="it-IT" sz="1600" dirty="0"/>
+          </a:p>
+        </p:txBody>
+      </p:sp>
+      <p:sp>
+        <p:nvSpPr>
+          <p:cNvPr id="13" name="CasellaDiTesto 12">
+            <a:extLst>
+              <a:ext uri="{FF2B5EF4-FFF2-40B4-BE49-F238E27FC236}">
+                <a16:creationId xmlns:a16="http://schemas.microsoft.com/office/drawing/2014/main" id="{18825DFF-CD32-94D0-E181-EAD1761DA953}"/>
+              </a:ext>
+            </a:extLst>
+          </p:cNvPr>
+          <p:cNvSpPr txBox="1"/>
+          <p:nvPr/>
+        </p:nvSpPr>
+        <p:spPr>
+          <a:xfrm>
+            <a:off x="2891481" y="4464467"/>
+            <a:ext cx="1813870" cy="369332"/>
+          </a:xfrm>
+          <a:prstGeom prst="rect">
+            <a:avLst/>
+          </a:prstGeom>
+          <a:noFill/>
+        </p:spPr>
+        <p:txBody>
+          <a:bodyPr wrap="square">
+            <a:spAutoFit/>
+          </a:bodyPr>
+          <a:lstStyle/>
+          <a:p>
+            <a:r>
+              <a:rPr lang="en-US" dirty="0">
+                <a:solidFill>
+                  <a:srgbClr val="3F3C53"/>
+                </a:solidFill>
+                <a:latin typeface="SF Pro Text" pitchFamily="2" charset="0"/>
+                <a:ea typeface="SF Pro Text" pitchFamily="2" charset="0"/>
+                <a:cs typeface="SF Pro Text" pitchFamily="2" charset="0"/>
+              </a:rPr>
+              <a:t>Neighborhood</a:t>
+            </a:r>
+            <a:endParaRPr lang="it-IT" dirty="0"/>
+          </a:p>
+        </p:txBody>
+      </p:sp>
+      <p:sp>
+        <p:nvSpPr>
+          <p:cNvPr id="14" name="CasellaDiTesto 13">
+            <a:extLst>
+              <a:ext uri="{FF2B5EF4-FFF2-40B4-BE49-F238E27FC236}">
+                <a16:creationId xmlns:a16="http://schemas.microsoft.com/office/drawing/2014/main" id="{86374BAD-834B-9A9C-E959-C87B85FB383B}"/>
+              </a:ext>
+            </a:extLst>
+          </p:cNvPr>
+          <p:cNvSpPr txBox="1"/>
+          <p:nvPr/>
+        </p:nvSpPr>
+        <p:spPr>
+          <a:xfrm>
+            <a:off x="4610871" y="4443067"/>
+            <a:ext cx="1813870" cy="369332"/>
+          </a:xfrm>
+          <a:prstGeom prst="rect">
+            <a:avLst/>
+          </a:prstGeom>
+          <a:noFill/>
+        </p:spPr>
+        <p:txBody>
+          <a:bodyPr wrap="square">
+            <a:spAutoFit/>
+          </a:bodyPr>
+          <a:lstStyle/>
+          <a:p>
+            <a:r>
+              <a:rPr lang="en-US" dirty="0">
+                <a:solidFill>
+                  <a:srgbClr val="3F3C53"/>
+                </a:solidFill>
+                <a:latin typeface="SF Pro Text" pitchFamily="2" charset="0"/>
+                <a:ea typeface="SF Pro Text" pitchFamily="2" charset="0"/>
+                <a:cs typeface="SF Pro Text" pitchFamily="2" charset="0"/>
+              </a:rPr>
+              <a:t>Building</a:t>
+            </a:r>
+            <a:endParaRPr lang="it-IT" dirty="0"/>
+          </a:p>
+        </p:txBody>
+      </p:sp>
+      <p:sp>
+        <p:nvSpPr>
+          <p:cNvPr id="15" name="CasellaDiTesto 14">
+            <a:extLst>
+              <a:ext uri="{FF2B5EF4-FFF2-40B4-BE49-F238E27FC236}">
+                <a16:creationId xmlns:a16="http://schemas.microsoft.com/office/drawing/2014/main" id="{07E6B3A5-53E8-CDBA-E524-143E61421C79}"/>
+              </a:ext>
+            </a:extLst>
+          </p:cNvPr>
+          <p:cNvSpPr txBox="1"/>
+          <p:nvPr/>
+        </p:nvSpPr>
+        <p:spPr>
+          <a:xfrm>
+            <a:off x="5735342" y="4464467"/>
+            <a:ext cx="1813870" cy="369332"/>
+          </a:xfrm>
+          <a:prstGeom prst="rect">
+            <a:avLst/>
+          </a:prstGeom>
+          <a:noFill/>
+        </p:spPr>
+        <p:txBody>
+          <a:bodyPr wrap="square">
+            <a:spAutoFit/>
+          </a:bodyPr>
+          <a:lstStyle/>
+          <a:p>
+            <a:r>
+              <a:rPr lang="en-US" dirty="0">
+                <a:solidFill>
+                  <a:srgbClr val="3F3C53"/>
+                </a:solidFill>
+                <a:latin typeface="SF Pro Text" pitchFamily="2" charset="0"/>
+                <a:ea typeface="SF Pro Text" pitchFamily="2" charset="0"/>
+                <a:cs typeface="SF Pro Text" pitchFamily="2" charset="0"/>
+              </a:rPr>
+              <a:t>Floor</a:t>
+            </a:r>
+            <a:endParaRPr lang="it-IT" dirty="0"/>
+          </a:p>
+        </p:txBody>
+      </p:sp>
+      <p:sp>
+        <p:nvSpPr>
+          <p:cNvPr id="16" name="CasellaDiTesto 15">
+            <a:extLst>
+              <a:ext uri="{FF2B5EF4-FFF2-40B4-BE49-F238E27FC236}">
+                <a16:creationId xmlns:a16="http://schemas.microsoft.com/office/drawing/2014/main" id="{B70E526A-F354-2ACA-753B-79A18394D832}"/>
+              </a:ext>
+            </a:extLst>
+          </p:cNvPr>
+          <p:cNvSpPr txBox="1"/>
+          <p:nvPr/>
+        </p:nvSpPr>
+        <p:spPr>
+          <a:xfrm>
+            <a:off x="6547797" y="4464467"/>
+            <a:ext cx="1813870" cy="369332"/>
+          </a:xfrm>
+          <a:prstGeom prst="rect">
+            <a:avLst/>
+          </a:prstGeom>
+          <a:noFill/>
+        </p:spPr>
+        <p:txBody>
+          <a:bodyPr wrap="square">
+            <a:spAutoFit/>
+          </a:bodyPr>
+          <a:lstStyle/>
+          <a:p>
+            <a:r>
+              <a:rPr lang="en-US" dirty="0">
+                <a:solidFill>
+                  <a:srgbClr val="3F3C53"/>
+                </a:solidFill>
+                <a:latin typeface="SF Pro Text" pitchFamily="2" charset="0"/>
+                <a:ea typeface="SF Pro Text" pitchFamily="2" charset="0"/>
+                <a:cs typeface="SF Pro Text" pitchFamily="2" charset="0"/>
+              </a:rPr>
+              <a:t>Room</a:t>
+            </a:r>
+            <a:endParaRPr lang="it-IT" dirty="0"/>
+          </a:p>
+        </p:txBody>
+      </p:sp>
+      <p:cxnSp>
+        <p:nvCxnSpPr>
+          <p:cNvPr id="18" name="Connettore 2 17">
+            <a:extLst>
+              <a:ext uri="{FF2B5EF4-FFF2-40B4-BE49-F238E27FC236}">
+                <a16:creationId xmlns:a16="http://schemas.microsoft.com/office/drawing/2014/main" id="{88361B55-8DBF-CB2A-033F-9643646B2522}"/>
+              </a:ext>
+            </a:extLst>
+          </p:cNvPr>
+          <p:cNvCxnSpPr>
+            <a:cxnSpLocks/>
+            <a:stCxn id="13" idx="0"/>
+          </p:cNvCxnSpPr>
+          <p:nvPr/>
+        </p:nvCxnSpPr>
+        <p:spPr>
+          <a:xfrm flipV="1">
+            <a:off x="3798416" y="3272246"/>
+            <a:ext cx="584512" cy="1192221"/>
+          </a:xfrm>
+          <a:prstGeom prst="straightConnector1">
+            <a:avLst/>
+          </a:prstGeom>
+          <a:ln w="12700">
+            <a:tailEnd type="triangle"/>
+          </a:ln>
+        </p:spPr>
+        <p:style>
+          <a:lnRef idx="1">
+            <a:schemeClr val="dk1"/>
+          </a:lnRef>
+          <a:fillRef idx="0">
+            <a:schemeClr val="dk1"/>
+          </a:fillRef>
+          <a:effectRef idx="0">
+            <a:schemeClr val="dk1"/>
+          </a:effectRef>
+          <a:fontRef idx="minor">
+            <a:schemeClr val="tx1"/>
+          </a:fontRef>
+        </p:style>
+      </p:cxnSp>
+      <p:cxnSp>
+        <p:nvCxnSpPr>
+          <p:cNvPr id="19" name="Connettore 2 18">
+            <a:extLst>
+              <a:ext uri="{FF2B5EF4-FFF2-40B4-BE49-F238E27FC236}">
+                <a16:creationId xmlns:a16="http://schemas.microsoft.com/office/drawing/2014/main" id="{16D8118B-3BFF-193B-47A0-AFA9285BDEE4}"/>
+              </a:ext>
+            </a:extLst>
+          </p:cNvPr>
+          <p:cNvCxnSpPr>
+            <a:cxnSpLocks/>
+          </p:cNvCxnSpPr>
+          <p:nvPr/>
+        </p:nvCxnSpPr>
+        <p:spPr>
+          <a:xfrm flipH="1" flipV="1">
+            <a:off x="4626060" y="3309035"/>
+            <a:ext cx="621957" cy="1134032"/>
+          </a:xfrm>
+          <a:prstGeom prst="straightConnector1">
+            <a:avLst/>
+          </a:prstGeom>
+          <a:ln w="12700">
+            <a:tailEnd type="triangle"/>
+          </a:ln>
+        </p:spPr>
+        <p:style>
+          <a:lnRef idx="1">
+            <a:schemeClr val="dk1"/>
+          </a:lnRef>
+          <a:fillRef idx="0">
+            <a:schemeClr val="dk1"/>
+          </a:fillRef>
+          <a:effectRef idx="0">
+            <a:schemeClr val="dk1"/>
+          </a:effectRef>
+          <a:fontRef idx="minor">
+            <a:schemeClr val="tx1"/>
+          </a:fontRef>
+        </p:style>
+      </p:cxnSp>
+      <p:cxnSp>
+        <p:nvCxnSpPr>
+          <p:cNvPr id="22" name="Connettore 2 21">
+            <a:extLst>
+              <a:ext uri="{FF2B5EF4-FFF2-40B4-BE49-F238E27FC236}">
+                <a16:creationId xmlns:a16="http://schemas.microsoft.com/office/drawing/2014/main" id="{B6298009-E5AF-0231-C4FF-74BB4E1C2127}"/>
+              </a:ext>
+            </a:extLst>
+          </p:cNvPr>
+          <p:cNvCxnSpPr>
+            <a:cxnSpLocks/>
+            <a:endCxn id="11" idx="2"/>
+          </p:cNvCxnSpPr>
+          <p:nvPr/>
+        </p:nvCxnSpPr>
+        <p:spPr>
+          <a:xfrm flipH="1" flipV="1">
+            <a:off x="4935544" y="3309035"/>
+            <a:ext cx="1118523" cy="1155432"/>
+          </a:xfrm>
+          <a:prstGeom prst="straightConnector1">
+            <a:avLst/>
+          </a:prstGeom>
+          <a:ln w="12700">
+            <a:tailEnd type="triangle"/>
+          </a:ln>
+        </p:spPr>
+        <p:style>
+          <a:lnRef idx="1">
+            <a:schemeClr val="dk1"/>
+          </a:lnRef>
+          <a:fillRef idx="0">
+            <a:schemeClr val="dk1"/>
+          </a:fillRef>
+          <a:effectRef idx="0">
+            <a:schemeClr val="dk1"/>
+          </a:effectRef>
+          <a:fontRef idx="minor">
+            <a:schemeClr val="tx1"/>
+          </a:fontRef>
+        </p:style>
+      </p:cxnSp>
+      <p:cxnSp>
+        <p:nvCxnSpPr>
+          <p:cNvPr id="25" name="Connettore 2 24">
+            <a:extLst>
+              <a:ext uri="{FF2B5EF4-FFF2-40B4-BE49-F238E27FC236}">
+                <a16:creationId xmlns:a16="http://schemas.microsoft.com/office/drawing/2014/main" id="{5268DDAF-4BA8-ACE0-8C1F-70987D663880}"/>
+              </a:ext>
+            </a:extLst>
+          </p:cNvPr>
+          <p:cNvCxnSpPr>
+            <a:cxnSpLocks/>
+          </p:cNvCxnSpPr>
+          <p:nvPr/>
+        </p:nvCxnSpPr>
+        <p:spPr>
+          <a:xfrm flipH="1" flipV="1">
+            <a:off x="5248017" y="3278257"/>
+            <a:ext cx="1603997" cy="1186210"/>
+          </a:xfrm>
+          <a:prstGeom prst="straightConnector1">
+            <a:avLst/>
+          </a:prstGeom>
+          <a:ln w="12700">
+            <a:tailEnd type="triangle"/>
+          </a:ln>
+        </p:spPr>
+        <p:style>
+          <a:lnRef idx="1">
+            <a:schemeClr val="dk1"/>
+          </a:lnRef>
+          <a:fillRef idx="0">
+            <a:schemeClr val="dk1"/>
+          </a:fillRef>
+          <a:effectRef idx="0">
+            <a:schemeClr val="dk1"/>
+          </a:effectRef>
+          <a:fontRef idx="minor">
+            <a:schemeClr val="tx1"/>
+          </a:fontRef>
+        </p:style>
+      </p:cxnSp>
+      <p:sp>
+        <p:nvSpPr>
+          <p:cNvPr id="32" name="CasellaDiTesto 31">
+            <a:extLst>
+              <a:ext uri="{FF2B5EF4-FFF2-40B4-BE49-F238E27FC236}">
+                <a16:creationId xmlns:a16="http://schemas.microsoft.com/office/drawing/2014/main" id="{D603FB35-85FE-0201-A20F-103F704DD61D}"/>
+              </a:ext>
+            </a:extLst>
+          </p:cNvPr>
+          <p:cNvSpPr txBox="1"/>
+          <p:nvPr/>
+        </p:nvSpPr>
+        <p:spPr>
+          <a:xfrm>
+            <a:off x="4504085" y="4464467"/>
+            <a:ext cx="213571" cy="369332"/>
+          </a:xfrm>
+          <a:prstGeom prst="rect">
+            <a:avLst/>
+          </a:prstGeom>
+          <a:noFill/>
+        </p:spPr>
+        <p:txBody>
+          <a:bodyPr wrap="square">
+            <a:spAutoFit/>
+          </a:bodyPr>
+          <a:lstStyle/>
+          <a:p>
+            <a:r>
+              <a:rPr lang="en-US" dirty="0">
+                <a:solidFill>
+                  <a:srgbClr val="3F3C53"/>
+                </a:solidFill>
+                <a:latin typeface="SF Pro Text" pitchFamily="2" charset="0"/>
+                <a:ea typeface="SF Pro Text" pitchFamily="2" charset="0"/>
+                <a:cs typeface="SF Pro Text" pitchFamily="2" charset="0"/>
+              </a:rPr>
+              <a:t>/</a:t>
+            </a:r>
+            <a:endParaRPr lang="it-IT" dirty="0"/>
+          </a:p>
+        </p:txBody>
+      </p:sp>
+      <p:sp>
+        <p:nvSpPr>
+          <p:cNvPr id="33" name="CasellaDiTesto 32">
+            <a:extLst>
+              <a:ext uri="{FF2B5EF4-FFF2-40B4-BE49-F238E27FC236}">
+                <a16:creationId xmlns:a16="http://schemas.microsoft.com/office/drawing/2014/main" id="{F7C67078-871B-E87F-EF00-2D686C56B781}"/>
+              </a:ext>
+            </a:extLst>
+          </p:cNvPr>
+          <p:cNvSpPr txBox="1"/>
+          <p:nvPr/>
+        </p:nvSpPr>
+        <p:spPr>
+          <a:xfrm>
+            <a:off x="5585844" y="4443067"/>
+            <a:ext cx="213571" cy="369332"/>
+          </a:xfrm>
+          <a:prstGeom prst="rect">
+            <a:avLst/>
+          </a:prstGeom>
+          <a:noFill/>
+        </p:spPr>
+        <p:txBody>
+          <a:bodyPr wrap="square">
+            <a:spAutoFit/>
+          </a:bodyPr>
+          <a:lstStyle/>
+          <a:p>
+            <a:r>
+              <a:rPr lang="en-US" dirty="0">
+                <a:solidFill>
+                  <a:srgbClr val="3F3C53"/>
+                </a:solidFill>
+                <a:latin typeface="SF Pro Text" pitchFamily="2" charset="0"/>
+                <a:ea typeface="SF Pro Text" pitchFamily="2" charset="0"/>
+                <a:cs typeface="SF Pro Text" pitchFamily="2" charset="0"/>
+              </a:rPr>
+              <a:t>/</a:t>
+            </a:r>
+            <a:endParaRPr lang="it-IT" dirty="0"/>
+          </a:p>
+        </p:txBody>
+      </p:sp>
+      <p:sp>
+        <p:nvSpPr>
+          <p:cNvPr id="34" name="CasellaDiTesto 33">
+            <a:extLst>
+              <a:ext uri="{FF2B5EF4-FFF2-40B4-BE49-F238E27FC236}">
+                <a16:creationId xmlns:a16="http://schemas.microsoft.com/office/drawing/2014/main" id="{C9A7F956-71CE-085C-8018-C3559439E575}"/>
+              </a:ext>
+            </a:extLst>
+          </p:cNvPr>
+          <p:cNvSpPr txBox="1"/>
+          <p:nvPr/>
+        </p:nvSpPr>
+        <p:spPr>
+          <a:xfrm>
+            <a:off x="6410500" y="4443067"/>
+            <a:ext cx="213571" cy="369332"/>
+          </a:xfrm>
+          <a:prstGeom prst="rect">
+            <a:avLst/>
+          </a:prstGeom>
+          <a:noFill/>
+        </p:spPr>
+        <p:txBody>
+          <a:bodyPr wrap="square">
+            <a:spAutoFit/>
+          </a:bodyPr>
+          <a:lstStyle/>
+          <a:p>
+            <a:r>
+              <a:rPr lang="en-US" dirty="0">
+                <a:solidFill>
+                  <a:srgbClr val="3F3C53"/>
+                </a:solidFill>
+                <a:latin typeface="SF Pro Text" pitchFamily="2" charset="0"/>
+                <a:ea typeface="SF Pro Text" pitchFamily="2" charset="0"/>
+                <a:cs typeface="SF Pro Text" pitchFamily="2" charset="0"/>
+              </a:rPr>
+              <a:t>/</a:t>
+            </a:r>
+            <a:endParaRPr lang="it-IT" dirty="0"/>
+          </a:p>
+        </p:txBody>
+      </p:sp>
+      <p:sp>
+        <p:nvSpPr>
+          <p:cNvPr id="38" name="Rettangolo con angoli arrotondati 37">
+            <a:extLst>
+              <a:ext uri="{FF2B5EF4-FFF2-40B4-BE49-F238E27FC236}">
+                <a16:creationId xmlns:a16="http://schemas.microsoft.com/office/drawing/2014/main" id="{B7BC2C3B-64C5-C1EF-DA80-4DFECBFA2D74}"/>
+              </a:ext>
+            </a:extLst>
+          </p:cNvPr>
+          <p:cNvSpPr/>
+          <p:nvPr/>
+        </p:nvSpPr>
+        <p:spPr>
+          <a:xfrm>
+            <a:off x="910282" y="5330404"/>
+            <a:ext cx="10768695" cy="916294"/>
+          </a:xfrm>
+          <a:prstGeom prst="roundRect">
+            <a:avLst>
+              <a:gd name="adj" fmla="val 30571"/>
+            </a:avLst>
+          </a:prstGeom>
+          <a:solidFill>
+            <a:srgbClr val="FFFFFF">
+              <a:alpha val="50196"/>
+            </a:srgbClr>
+          </a:solidFill>
+          <a:ln w="38100">
+            <a:noFill/>
+          </a:ln>
+        </p:spPr>
+        <p:style>
+          <a:lnRef idx="2">
+            <a:schemeClr val="accent1">
+              <a:shade val="50000"/>
+            </a:schemeClr>
+          </a:lnRef>
+          <a:fillRef idx="1">
+            <a:schemeClr val="accent1"/>
+          </a:fillRef>
+          <a:effectRef idx="0">
+            <a:schemeClr val="accent1"/>
+          </a:effectRef>
+          <a:fontRef idx="minor">
+            <a:schemeClr val="lt1"/>
+          </a:fontRef>
+        </p:style>
+        <p:txBody>
+          <a:bodyPr rtlCol="0" anchor="ctr"/>
+          <a:lstStyle/>
+          <a:p>
+            <a:endParaRPr lang="en-US" dirty="0">
+              <a:solidFill>
+                <a:srgbClr val="3F3C53"/>
+              </a:solidFill>
+              <a:latin typeface="SF Pro Text" pitchFamily="2" charset="0"/>
+              <a:ea typeface="SF Pro Text" pitchFamily="2" charset="0"/>
+              <a:cs typeface="SF Pro Text" pitchFamily="2" charset="0"/>
+            </a:endParaRPr>
+          </a:p>
+        </p:txBody>
+      </p:sp>
+      <p:sp>
+        <p:nvSpPr>
+          <p:cNvPr id="37" name="CasellaDiTesto 36">
+            <a:extLst>
+              <a:ext uri="{FF2B5EF4-FFF2-40B4-BE49-F238E27FC236}">
+                <a16:creationId xmlns:a16="http://schemas.microsoft.com/office/drawing/2014/main" id="{ED7B3FD6-2F82-268D-4DBF-2731BB065305}"/>
+              </a:ext>
+            </a:extLst>
+          </p:cNvPr>
+          <p:cNvSpPr txBox="1"/>
+          <p:nvPr/>
+        </p:nvSpPr>
+        <p:spPr>
+          <a:xfrm>
+            <a:off x="1310222" y="5603885"/>
+            <a:ext cx="9968813" cy="369332"/>
+          </a:xfrm>
+          <a:prstGeom prst="rect">
+            <a:avLst/>
+          </a:prstGeom>
+          <a:noFill/>
+        </p:spPr>
+        <p:txBody>
+          <a:bodyPr wrap="square">
+            <a:spAutoFit/>
+          </a:bodyPr>
+          <a:lstStyle/>
+          <a:p>
+            <a:pPr algn="ctr"/>
+            <a:r>
+              <a:rPr lang="en-US" i="1" dirty="0">
+                <a:solidFill>
+                  <a:srgbClr val="3F3C53"/>
+                </a:solidFill>
+                <a:latin typeface="SF Pro Text" pitchFamily="2" charset="0"/>
+                <a:ea typeface="SF Pro Text" pitchFamily="2" charset="0"/>
+                <a:cs typeface="SF Pro Text" pitchFamily="2" charset="0"/>
+              </a:rPr>
+              <a:t>*Dividing location in topics is useful to subscribe for data with different granularity</a:t>
+            </a:r>
+          </a:p>
+        </p:txBody>
+      </p:sp>
     </p:spTree>
     <p:extLst>
       <p:ext uri="{BB962C8B-B14F-4D97-AF65-F5344CB8AC3E}">
@@ -4587,6 +5921,444 @@
       </p:grpSpPr>
       <p:sp>
         <p:nvSpPr>
+          <p:cNvPr id="25" name="Figura a mano libera 24">
+            <a:extLst>
+              <a:ext uri="{FF2B5EF4-FFF2-40B4-BE49-F238E27FC236}">
+                <a16:creationId xmlns:a16="http://schemas.microsoft.com/office/drawing/2014/main" id="{F4A98F40-2DDE-4A0C-BC5B-B32AF9A65D7F}"/>
+              </a:ext>
+            </a:extLst>
+          </p:cNvPr>
+          <p:cNvSpPr/>
+          <p:nvPr/>
+        </p:nvSpPr>
+        <p:spPr>
+          <a:xfrm>
+            <a:off x="6783859" y="5251622"/>
+            <a:ext cx="2335427" cy="1223319"/>
+          </a:xfrm>
+          <a:custGeom>
+            <a:avLst/>
+            <a:gdLst>
+              <a:gd name="connsiteX0" fmla="*/ 0 w 2335427"/>
+              <a:gd name="connsiteY0" fmla="*/ 0 h 1223319"/>
+              <a:gd name="connsiteX1" fmla="*/ 2335427 w 2335427"/>
+              <a:gd name="connsiteY1" fmla="*/ 1223319 h 1223319"/>
+            </a:gdLst>
+            <a:ahLst/>
+            <a:cxnLst>
+              <a:cxn ang="0">
+                <a:pos x="connsiteX0" y="connsiteY0"/>
+              </a:cxn>
+              <a:cxn ang="0">
+                <a:pos x="connsiteX1" y="connsiteY1"/>
+              </a:cxn>
+            </a:cxnLst>
+            <a:rect l="l" t="t" r="r" b="b"/>
+            <a:pathLst>
+              <a:path w="2335427" h="1223319">
+                <a:moveTo>
+                  <a:pt x="0" y="0"/>
+                </a:moveTo>
+                <a:cubicBezTo>
+                  <a:pt x="803189" y="489121"/>
+                  <a:pt x="1606378" y="978243"/>
+                  <a:pt x="2335427" y="1223319"/>
+                </a:cubicBezTo>
+              </a:path>
+            </a:pathLst>
+          </a:custGeom>
+          <a:noFill/>
+          <a:ln w="38100">
+            <a:solidFill>
+              <a:srgbClr val="3F3C53"/>
+            </a:solidFill>
+            <a:prstDash val="sysDash"/>
+          </a:ln>
+        </p:spPr>
+        <p:style>
+          <a:lnRef idx="2">
+            <a:schemeClr val="accent1">
+              <a:shade val="50000"/>
+            </a:schemeClr>
+          </a:lnRef>
+          <a:fillRef idx="1">
+            <a:schemeClr val="accent1"/>
+          </a:fillRef>
+          <a:effectRef idx="0">
+            <a:schemeClr val="accent1"/>
+          </a:effectRef>
+          <a:fontRef idx="minor">
+            <a:schemeClr val="lt1"/>
+          </a:fontRef>
+        </p:style>
+        <p:txBody>
+          <a:bodyPr rtlCol="0" anchor="ctr"/>
+          <a:lstStyle/>
+          <a:p>
+            <a:pPr algn="ctr"/>
+            <a:endParaRPr lang="it-IT"/>
+          </a:p>
+        </p:txBody>
+      </p:sp>
+      <p:sp>
+        <p:nvSpPr>
+          <p:cNvPr id="24" name="Figura a mano libera 23">
+            <a:extLst>
+              <a:ext uri="{FF2B5EF4-FFF2-40B4-BE49-F238E27FC236}">
+                <a16:creationId xmlns:a16="http://schemas.microsoft.com/office/drawing/2014/main" id="{F4164F9B-D65C-34E5-11F5-023EDE4193C6}"/>
+              </a:ext>
+            </a:extLst>
+          </p:cNvPr>
+          <p:cNvSpPr/>
+          <p:nvPr/>
+        </p:nvSpPr>
+        <p:spPr>
+          <a:xfrm>
+            <a:off x="6858000" y="-12357"/>
+            <a:ext cx="2557849" cy="1692876"/>
+          </a:xfrm>
+          <a:custGeom>
+            <a:avLst/>
+            <a:gdLst>
+              <a:gd name="connsiteX0" fmla="*/ 0 w 2557849"/>
+              <a:gd name="connsiteY0" fmla="*/ 1692876 h 1692876"/>
+              <a:gd name="connsiteX1" fmla="*/ 2557849 w 2557849"/>
+              <a:gd name="connsiteY1" fmla="*/ 0 h 1692876"/>
+            </a:gdLst>
+            <a:ahLst/>
+            <a:cxnLst>
+              <a:cxn ang="0">
+                <a:pos x="connsiteX0" y="connsiteY0"/>
+              </a:cxn>
+              <a:cxn ang="0">
+                <a:pos x="connsiteX1" y="connsiteY1"/>
+              </a:cxn>
+            </a:cxnLst>
+            <a:rect l="l" t="t" r="r" b="b"/>
+            <a:pathLst>
+              <a:path w="2557849" h="1692876">
+                <a:moveTo>
+                  <a:pt x="0" y="1692876"/>
+                </a:moveTo>
+                <a:cubicBezTo>
+                  <a:pt x="917489" y="998838"/>
+                  <a:pt x="1834979" y="304800"/>
+                  <a:pt x="2557849" y="0"/>
+                </a:cubicBezTo>
+              </a:path>
+            </a:pathLst>
+          </a:custGeom>
+          <a:noFill/>
+          <a:ln w="38100">
+            <a:solidFill>
+              <a:srgbClr val="3F3C53"/>
+            </a:solidFill>
+            <a:prstDash val="sysDash"/>
+          </a:ln>
+        </p:spPr>
+        <p:style>
+          <a:lnRef idx="2">
+            <a:schemeClr val="accent1">
+              <a:shade val="50000"/>
+            </a:schemeClr>
+          </a:lnRef>
+          <a:fillRef idx="1">
+            <a:schemeClr val="accent1"/>
+          </a:fillRef>
+          <a:effectRef idx="0">
+            <a:schemeClr val="accent1"/>
+          </a:effectRef>
+          <a:fontRef idx="minor">
+            <a:schemeClr val="lt1"/>
+          </a:fontRef>
+        </p:style>
+        <p:txBody>
+          <a:bodyPr rtlCol="0" anchor="ctr"/>
+          <a:lstStyle/>
+          <a:p>
+            <a:pPr algn="ctr"/>
+            <a:endParaRPr lang="it-IT"/>
+          </a:p>
+        </p:txBody>
+      </p:sp>
+      <p:sp>
+        <p:nvSpPr>
+          <p:cNvPr id="10" name="Rettangolo con angoli arrotondati 9">
+            <a:extLst>
+              <a:ext uri="{FF2B5EF4-FFF2-40B4-BE49-F238E27FC236}">
+                <a16:creationId xmlns:a16="http://schemas.microsoft.com/office/drawing/2014/main" id="{57849311-555E-ED79-FEC5-2278DB4D3625}"/>
+              </a:ext>
+            </a:extLst>
+          </p:cNvPr>
+          <p:cNvSpPr/>
+          <p:nvPr/>
+        </p:nvSpPr>
+        <p:spPr>
+          <a:xfrm>
+            <a:off x="525271" y="4809044"/>
+            <a:ext cx="5954023" cy="916294"/>
+          </a:xfrm>
+          <a:prstGeom prst="roundRect">
+            <a:avLst>
+              <a:gd name="adj" fmla="val 30571"/>
+            </a:avLst>
+          </a:prstGeom>
+          <a:solidFill>
+            <a:srgbClr val="FFFFFF">
+              <a:alpha val="50196"/>
+            </a:srgbClr>
+          </a:solidFill>
+          <a:ln w="38100">
+            <a:noFill/>
+          </a:ln>
+        </p:spPr>
+        <p:style>
+          <a:lnRef idx="2">
+            <a:schemeClr val="accent1">
+              <a:shade val="50000"/>
+            </a:schemeClr>
+          </a:lnRef>
+          <a:fillRef idx="1">
+            <a:schemeClr val="accent1"/>
+          </a:fillRef>
+          <a:effectRef idx="0">
+            <a:schemeClr val="accent1"/>
+          </a:effectRef>
+          <a:fontRef idx="minor">
+            <a:schemeClr val="lt1"/>
+          </a:fontRef>
+        </p:style>
+        <p:txBody>
+          <a:bodyPr rtlCol="0" anchor="ctr"/>
+          <a:lstStyle/>
+          <a:p>
+            <a:endParaRPr lang="en-US">
+              <a:solidFill>
+                <a:srgbClr val="3F3C53"/>
+              </a:solidFill>
+              <a:latin typeface="SF Pro Text" pitchFamily="2" charset="0"/>
+              <a:ea typeface="SF Pro Text" pitchFamily="2" charset="0"/>
+              <a:cs typeface="SF Pro Text" pitchFamily="2" charset="0"/>
+            </a:endParaRPr>
+          </a:p>
+        </p:txBody>
+      </p:sp>
+      <p:sp>
+        <p:nvSpPr>
+          <p:cNvPr id="12" name="Rettangolo con angoli arrotondati 11">
+            <a:extLst>
+              <a:ext uri="{FF2B5EF4-FFF2-40B4-BE49-F238E27FC236}">
+                <a16:creationId xmlns:a16="http://schemas.microsoft.com/office/drawing/2014/main" id="{EE80D803-AD9F-9AB7-73D7-F0CAC9E425B0}"/>
+              </a:ext>
+            </a:extLst>
+          </p:cNvPr>
+          <p:cNvSpPr/>
+          <p:nvPr/>
+        </p:nvSpPr>
+        <p:spPr>
+          <a:xfrm>
+            <a:off x="525271" y="1078596"/>
+            <a:ext cx="5954023" cy="1330972"/>
+          </a:xfrm>
+          <a:prstGeom prst="roundRect">
+            <a:avLst>
+              <a:gd name="adj" fmla="val 30571"/>
+            </a:avLst>
+          </a:prstGeom>
+          <a:solidFill>
+            <a:srgbClr val="FFFFFF">
+              <a:alpha val="50196"/>
+            </a:srgbClr>
+          </a:solidFill>
+          <a:ln w="38100">
+            <a:noFill/>
+          </a:ln>
+        </p:spPr>
+        <p:style>
+          <a:lnRef idx="2">
+            <a:schemeClr val="accent1">
+              <a:shade val="50000"/>
+            </a:schemeClr>
+          </a:lnRef>
+          <a:fillRef idx="1">
+            <a:schemeClr val="accent1"/>
+          </a:fillRef>
+          <a:effectRef idx="0">
+            <a:schemeClr val="accent1"/>
+          </a:effectRef>
+          <a:fontRef idx="minor">
+            <a:schemeClr val="lt1"/>
+          </a:fontRef>
+        </p:style>
+        <p:txBody>
+          <a:bodyPr rtlCol="0" anchor="ctr"/>
+          <a:lstStyle/>
+          <a:p>
+            <a:endParaRPr lang="en-US">
+              <a:solidFill>
+                <a:srgbClr val="3F3C53"/>
+              </a:solidFill>
+              <a:latin typeface="SF Pro Text" pitchFamily="2" charset="0"/>
+              <a:ea typeface="SF Pro Text" pitchFamily="2" charset="0"/>
+              <a:cs typeface="SF Pro Text" pitchFamily="2" charset="0"/>
+            </a:endParaRPr>
+          </a:p>
+        </p:txBody>
+      </p:sp>
+      <p:sp>
+        <p:nvSpPr>
+          <p:cNvPr id="21" name="Figura a mano libera 20">
+            <a:extLst>
+              <a:ext uri="{FF2B5EF4-FFF2-40B4-BE49-F238E27FC236}">
+                <a16:creationId xmlns:a16="http://schemas.microsoft.com/office/drawing/2014/main" id="{8363B913-7596-0347-D4B4-B9EEB296168F}"/>
+              </a:ext>
+            </a:extLst>
+          </p:cNvPr>
+          <p:cNvSpPr/>
+          <p:nvPr/>
+        </p:nvSpPr>
+        <p:spPr>
+          <a:xfrm>
+            <a:off x="5189746" y="1705232"/>
+            <a:ext cx="1655897" cy="3583460"/>
+          </a:xfrm>
+          <a:custGeom>
+            <a:avLst/>
+            <a:gdLst>
+              <a:gd name="connsiteX0" fmla="*/ 1655897 w 1655897"/>
+              <a:gd name="connsiteY0" fmla="*/ 0 h 3583460"/>
+              <a:gd name="connsiteX1" fmla="*/ 92 w 1655897"/>
+              <a:gd name="connsiteY1" fmla="*/ 1754660 h 3583460"/>
+              <a:gd name="connsiteX2" fmla="*/ 1581757 w 1655897"/>
+              <a:gd name="connsiteY2" fmla="*/ 3583460 h 3583460"/>
+            </a:gdLst>
+            <a:ahLst/>
+            <a:cxnLst>
+              <a:cxn ang="0">
+                <a:pos x="connsiteX0" y="connsiteY0"/>
+              </a:cxn>
+              <a:cxn ang="0">
+                <a:pos x="connsiteX1" y="connsiteY1"/>
+              </a:cxn>
+              <a:cxn ang="0">
+                <a:pos x="connsiteX2" y="connsiteY2"/>
+              </a:cxn>
+            </a:cxnLst>
+            <a:rect l="l" t="t" r="r" b="b"/>
+            <a:pathLst>
+              <a:path w="1655897" h="3583460">
+                <a:moveTo>
+                  <a:pt x="1655897" y="0"/>
+                </a:moveTo>
+                <a:cubicBezTo>
+                  <a:pt x="834173" y="578708"/>
+                  <a:pt x="12449" y="1157417"/>
+                  <a:pt x="92" y="1754660"/>
+                </a:cubicBezTo>
+                <a:cubicBezTo>
+                  <a:pt x="-12265" y="2351903"/>
+                  <a:pt x="1221352" y="3286898"/>
+                  <a:pt x="1581757" y="3583460"/>
+                </a:cubicBezTo>
+              </a:path>
+            </a:pathLst>
+          </a:custGeom>
+          <a:noFill/>
+          <a:ln w="38100">
+            <a:solidFill>
+              <a:srgbClr val="3F3C53"/>
+            </a:solidFill>
+          </a:ln>
+        </p:spPr>
+        <p:style>
+          <a:lnRef idx="2">
+            <a:schemeClr val="accent1">
+              <a:shade val="50000"/>
+            </a:schemeClr>
+          </a:lnRef>
+          <a:fillRef idx="1">
+            <a:schemeClr val="accent1"/>
+          </a:fillRef>
+          <a:effectRef idx="0">
+            <a:schemeClr val="accent1"/>
+          </a:effectRef>
+          <a:fontRef idx="minor">
+            <a:schemeClr val="lt1"/>
+          </a:fontRef>
+        </p:style>
+        <p:txBody>
+          <a:bodyPr rtlCol="0" anchor="ctr"/>
+          <a:lstStyle/>
+          <a:p>
+            <a:pPr algn="ctr"/>
+            <a:endParaRPr lang="it-IT"/>
+          </a:p>
+        </p:txBody>
+      </p:sp>
+      <p:sp>
+        <p:nvSpPr>
+          <p:cNvPr id="11" name="Rettangolo con angoli arrotondati 10">
+            <a:extLst>
+              <a:ext uri="{FF2B5EF4-FFF2-40B4-BE49-F238E27FC236}">
+                <a16:creationId xmlns:a16="http://schemas.microsoft.com/office/drawing/2014/main" id="{3D39E1E3-FEBD-C61D-3821-37D086A0B350}"/>
+              </a:ext>
+            </a:extLst>
+          </p:cNvPr>
+          <p:cNvSpPr/>
+          <p:nvPr/>
+        </p:nvSpPr>
+        <p:spPr>
+          <a:xfrm>
+            <a:off x="5474043" y="2977935"/>
+            <a:ext cx="6217272" cy="916294"/>
+          </a:xfrm>
+          <a:prstGeom prst="roundRect">
+            <a:avLst>
+              <a:gd name="adj" fmla="val 30571"/>
+            </a:avLst>
+          </a:prstGeom>
+          <a:solidFill>
+            <a:srgbClr val="FFFFFF">
+              <a:alpha val="50196"/>
+            </a:srgbClr>
+          </a:solidFill>
+          <a:ln w="38100">
+            <a:noFill/>
+          </a:ln>
+        </p:spPr>
+        <p:style>
+          <a:lnRef idx="2">
+            <a:schemeClr val="accent1">
+              <a:shade val="50000"/>
+            </a:schemeClr>
+          </a:lnRef>
+          <a:fillRef idx="1">
+            <a:schemeClr val="accent1"/>
+          </a:fillRef>
+          <a:effectRef idx="0">
+            <a:schemeClr val="accent1"/>
+          </a:effectRef>
+          <a:fontRef idx="minor">
+            <a:schemeClr val="lt1"/>
+          </a:fontRef>
+        </p:style>
+        <p:txBody>
+          <a:bodyPr rtlCol="0" anchor="ctr"/>
+          <a:lstStyle/>
+          <a:p>
+            <a:endParaRPr lang="en-US">
+              <a:solidFill>
+                <a:srgbClr val="3F3C53"/>
+              </a:solidFill>
+              <a:latin typeface="SF Pro Text" pitchFamily="2" charset="0"/>
+              <a:ea typeface="SF Pro Text" pitchFamily="2" charset="0"/>
+              <a:cs typeface="SF Pro Text" pitchFamily="2" charset="0"/>
+            </a:endParaRPr>
+          </a:p>
+        </p:txBody>
+      </p:sp>
+      <p:sp>
+        <p:nvSpPr>
           <p:cNvPr id="2" name="Segnaposto numero diapositiva 1">
             <a:extLst>
               <a:ext uri="{FF2B5EF4-FFF2-40B4-BE49-F238E27FC236}">
@@ -4607,11 +6379,11 @@
           <a:lstStyle/>
           <a:p>
             <a:fld id="{925FCEA2-F0DA-AB4C-B1CA-0E33C745EDE1}" type="slidenum">
-              <a:rPr lang="it-IT" smtClean="0"/>
+              <a:rPr lang="en-US" smtClean="0"/>
               <a:pPr/>
               <a:t>7</a:t>
             </a:fld>
-            <a:endParaRPr lang="it-IT" dirty="0"/>
+            <a:endParaRPr lang="en-US"/>
           </a:p>
         </p:txBody>
       </p:sp>
@@ -4637,14 +6409,454 @@
           <a:lstStyle/>
           <a:p>
             <a:r>
-              <a:rPr lang="it-IT" dirty="0"/>
-              <a:t>Spark </a:t>
-            </a:r>
-            <a:r>
-              <a:rPr lang="it-IT" dirty="0" err="1"/>
-              <a:t>analysis</a:t>
-            </a:r>
-            <a:endParaRPr lang="it-IT" dirty="0"/>
+              <a:rPr lang="en-US"/>
+              <a:t>Spark analysis</a:t>
+            </a:r>
+          </a:p>
+        </p:txBody>
+      </p:sp>
+      <p:sp>
+        <p:nvSpPr>
+          <p:cNvPr id="5" name="CasellaDiTesto 4">
+            <a:extLst>
+              <a:ext uri="{FF2B5EF4-FFF2-40B4-BE49-F238E27FC236}">
+                <a16:creationId xmlns:a16="http://schemas.microsoft.com/office/drawing/2014/main" id="{C658776D-02AE-9F0E-12E8-BE33E2B8F6AE}"/>
+              </a:ext>
+            </a:extLst>
+          </p:cNvPr>
+          <p:cNvSpPr txBox="1"/>
+          <p:nvPr/>
+        </p:nvSpPr>
+        <p:spPr>
+          <a:xfrm>
+            <a:off x="5593257" y="3105834"/>
+            <a:ext cx="6098058" cy="646331"/>
+          </a:xfrm>
+          <a:prstGeom prst="rect">
+            <a:avLst/>
+          </a:prstGeom>
+          <a:noFill/>
+        </p:spPr>
+        <p:txBody>
+          <a:bodyPr wrap="square">
+            <a:spAutoFit/>
+          </a:bodyPr>
+          <a:lstStyle/>
+          <a:p>
+            <a:r>
+              <a:rPr lang="en-US">
+                <a:solidFill>
+                  <a:srgbClr val="3F3C53"/>
+                </a:solidFill>
+                <a:latin typeface="SF Pro Text" pitchFamily="2" charset="0"/>
+                <a:ea typeface="SF Pro Text" pitchFamily="2" charset="0"/>
+                <a:cs typeface="SF Pro Text" pitchFamily="2" charset="0"/>
+              </a:rPr>
+              <a:t>Month of the year with the highest average night-day temperature difference, for each building.</a:t>
+            </a:r>
+          </a:p>
+        </p:txBody>
+      </p:sp>
+      <p:sp>
+        <p:nvSpPr>
+          <p:cNvPr id="7" name="CasellaDiTesto 6">
+            <a:extLst>
+              <a:ext uri="{FF2B5EF4-FFF2-40B4-BE49-F238E27FC236}">
+                <a16:creationId xmlns:a16="http://schemas.microsoft.com/office/drawing/2014/main" id="{52995BEC-3A3A-1D23-2852-72F0F62A56B1}"/>
+              </a:ext>
+            </a:extLst>
+          </p:cNvPr>
+          <p:cNvSpPr txBox="1"/>
+          <p:nvPr/>
+        </p:nvSpPr>
+        <p:spPr>
+          <a:xfrm>
+            <a:off x="747801" y="1267643"/>
+            <a:ext cx="5652999" cy="923330"/>
+          </a:xfrm>
+          <a:prstGeom prst="rect">
+            <a:avLst/>
+          </a:prstGeom>
+          <a:noFill/>
+        </p:spPr>
+        <p:txBody>
+          <a:bodyPr wrap="square">
+            <a:spAutoFit/>
+          </a:bodyPr>
+          <a:lstStyle/>
+          <a:p>
+            <a:r>
+              <a:rPr lang="en-US" dirty="0">
+                <a:solidFill>
+                  <a:srgbClr val="3F3C53"/>
+                </a:solidFill>
+                <a:latin typeface="SF Pro Text" pitchFamily="2" charset="0"/>
+                <a:ea typeface="SF Pro Text" pitchFamily="2" charset="0"/>
+                <a:cs typeface="SF Pro Text" pitchFamily="2" charset="0"/>
+              </a:rPr>
+              <a:t>Hourly, daily, and weekly moving average of each environmental quantity, at room, building, and</a:t>
+            </a:r>
+          </a:p>
+          <a:p>
+            <a:r>
+              <a:rPr lang="en-US" dirty="0">
+                <a:solidFill>
+                  <a:srgbClr val="3F3C53"/>
+                </a:solidFill>
+                <a:latin typeface="SF Pro Text" pitchFamily="2" charset="0"/>
+                <a:ea typeface="SF Pro Text" pitchFamily="2" charset="0"/>
+                <a:cs typeface="SF Pro Text" pitchFamily="2" charset="0"/>
+              </a:rPr>
+              <a:t>Neighborhood-scale.</a:t>
+            </a:r>
+          </a:p>
+        </p:txBody>
+      </p:sp>
+      <p:sp>
+        <p:nvSpPr>
+          <p:cNvPr id="9" name="CasellaDiTesto 8">
+            <a:extLst>
+              <a:ext uri="{FF2B5EF4-FFF2-40B4-BE49-F238E27FC236}">
+                <a16:creationId xmlns:a16="http://schemas.microsoft.com/office/drawing/2014/main" id="{A721D4C6-CB82-4703-18A8-B80006D36BE3}"/>
+              </a:ext>
+            </a:extLst>
+          </p:cNvPr>
+          <p:cNvSpPr txBox="1"/>
+          <p:nvPr/>
+        </p:nvSpPr>
+        <p:spPr>
+          <a:xfrm>
+            <a:off x="747801" y="4944026"/>
+            <a:ext cx="5348199" cy="646331"/>
+          </a:xfrm>
+          <a:prstGeom prst="rect">
+            <a:avLst/>
+          </a:prstGeom>
+          <a:noFill/>
+        </p:spPr>
+        <p:txBody>
+          <a:bodyPr wrap="square">
+            <a:spAutoFit/>
+          </a:bodyPr>
+          <a:lstStyle/>
+          <a:p>
+            <a:r>
+              <a:rPr lang="en-US">
+                <a:solidFill>
+                  <a:srgbClr val="3F3C53"/>
+                </a:solidFill>
+                <a:latin typeface="SF Pro Text" pitchFamily="2" charset="0"/>
+                <a:ea typeface="SF Pro Text" pitchFamily="2" charset="0"/>
+                <a:cs typeface="SF Pro Text" pitchFamily="2" charset="0"/>
+              </a:rPr>
+              <a:t>Daily and night temperature difference at room and building-level.</a:t>
+            </a:r>
+          </a:p>
+        </p:txBody>
+      </p:sp>
+      <p:sp>
+        <p:nvSpPr>
+          <p:cNvPr id="15" name="Ovale 14">
+            <a:extLst>
+              <a:ext uri="{FF2B5EF4-FFF2-40B4-BE49-F238E27FC236}">
+                <a16:creationId xmlns:a16="http://schemas.microsoft.com/office/drawing/2014/main" id="{0A78785E-A31F-77ED-B9E0-6947EDC2A76A}"/>
+              </a:ext>
+            </a:extLst>
+          </p:cNvPr>
+          <p:cNvSpPr/>
+          <p:nvPr/>
+        </p:nvSpPr>
+        <p:spPr>
+          <a:xfrm>
+            <a:off x="6400800" y="1309998"/>
+            <a:ext cx="805912" cy="805912"/>
+          </a:xfrm>
+          <a:prstGeom prst="ellipse">
+            <a:avLst/>
+          </a:prstGeom>
+          <a:solidFill>
+            <a:srgbClr val="3F51C3"/>
+          </a:solidFill>
+          <a:ln>
+            <a:noFill/>
+          </a:ln>
+        </p:spPr>
+        <p:style>
+          <a:lnRef idx="2">
+            <a:schemeClr val="accent1">
+              <a:shade val="50000"/>
+            </a:schemeClr>
+          </a:lnRef>
+          <a:fillRef idx="1">
+            <a:schemeClr val="accent1"/>
+          </a:fillRef>
+          <a:effectRef idx="0">
+            <a:schemeClr val="accent1"/>
+          </a:effectRef>
+          <a:fontRef idx="minor">
+            <a:schemeClr val="lt1"/>
+          </a:fontRef>
+        </p:style>
+        <p:txBody>
+          <a:bodyPr rtlCol="0" anchor="ctr"/>
+          <a:lstStyle/>
+          <a:p>
+            <a:pPr algn="ctr"/>
+            <a:endParaRPr lang="en-US"/>
+          </a:p>
+        </p:txBody>
+      </p:sp>
+      <p:sp>
+        <p:nvSpPr>
+          <p:cNvPr id="16" name="Ovale 15">
+            <a:extLst>
+              <a:ext uri="{FF2B5EF4-FFF2-40B4-BE49-F238E27FC236}">
+                <a16:creationId xmlns:a16="http://schemas.microsoft.com/office/drawing/2014/main" id="{31CDC797-6908-48CE-37CD-0BAC7F9BDAEB}"/>
+              </a:ext>
+            </a:extLst>
+          </p:cNvPr>
+          <p:cNvSpPr/>
+          <p:nvPr/>
+        </p:nvSpPr>
+        <p:spPr>
+          <a:xfrm>
+            <a:off x="4787345" y="3033126"/>
+            <a:ext cx="805912" cy="805912"/>
+          </a:xfrm>
+          <a:prstGeom prst="ellipse">
+            <a:avLst/>
+          </a:prstGeom>
+          <a:solidFill>
+            <a:srgbClr val="3F51C3"/>
+          </a:solidFill>
+          <a:ln>
+            <a:noFill/>
+          </a:ln>
+        </p:spPr>
+        <p:style>
+          <a:lnRef idx="2">
+            <a:schemeClr val="accent1">
+              <a:shade val="50000"/>
+            </a:schemeClr>
+          </a:lnRef>
+          <a:fillRef idx="1">
+            <a:schemeClr val="accent1"/>
+          </a:fillRef>
+          <a:effectRef idx="0">
+            <a:schemeClr val="accent1"/>
+          </a:effectRef>
+          <a:fontRef idx="minor">
+            <a:schemeClr val="lt1"/>
+          </a:fontRef>
+        </p:style>
+        <p:txBody>
+          <a:bodyPr rtlCol="0" anchor="ctr"/>
+          <a:lstStyle/>
+          <a:p>
+            <a:pPr algn="ctr"/>
+            <a:endParaRPr lang="en-US"/>
+          </a:p>
+        </p:txBody>
+      </p:sp>
+      <p:sp>
+        <p:nvSpPr>
+          <p:cNvPr id="17" name="Ovale 16">
+            <a:extLst>
+              <a:ext uri="{FF2B5EF4-FFF2-40B4-BE49-F238E27FC236}">
+                <a16:creationId xmlns:a16="http://schemas.microsoft.com/office/drawing/2014/main" id="{F19F6869-46F8-269D-6F99-A1650BC23217}"/>
+              </a:ext>
+            </a:extLst>
+          </p:cNvPr>
+          <p:cNvSpPr/>
+          <p:nvPr/>
+        </p:nvSpPr>
+        <p:spPr>
+          <a:xfrm>
+            <a:off x="6318530" y="4864235"/>
+            <a:ext cx="805912" cy="805912"/>
+          </a:xfrm>
+          <a:prstGeom prst="ellipse">
+            <a:avLst/>
+          </a:prstGeom>
+          <a:solidFill>
+            <a:srgbClr val="3F51C3"/>
+          </a:solidFill>
+          <a:ln>
+            <a:noFill/>
+          </a:ln>
+        </p:spPr>
+        <p:style>
+          <a:lnRef idx="2">
+            <a:schemeClr val="accent1">
+              <a:shade val="50000"/>
+            </a:schemeClr>
+          </a:lnRef>
+          <a:fillRef idx="1">
+            <a:schemeClr val="accent1"/>
+          </a:fillRef>
+          <a:effectRef idx="0">
+            <a:schemeClr val="accent1"/>
+          </a:effectRef>
+          <a:fontRef idx="minor">
+            <a:schemeClr val="lt1"/>
+          </a:fontRef>
+        </p:style>
+        <p:txBody>
+          <a:bodyPr rtlCol="0" anchor="ctr"/>
+          <a:lstStyle/>
+          <a:p>
+            <a:pPr algn="ctr"/>
+            <a:endParaRPr lang="en-US"/>
+          </a:p>
+        </p:txBody>
+      </p:sp>
+      <p:sp>
+        <p:nvSpPr>
+          <p:cNvPr id="18" name="CasellaDiTesto 17">
+            <a:extLst>
+              <a:ext uri="{FF2B5EF4-FFF2-40B4-BE49-F238E27FC236}">
+                <a16:creationId xmlns:a16="http://schemas.microsoft.com/office/drawing/2014/main" id="{70E989B4-7E74-5345-D740-253BAF74B5B7}"/>
+              </a:ext>
+            </a:extLst>
+          </p:cNvPr>
+          <p:cNvSpPr txBox="1"/>
+          <p:nvPr/>
+        </p:nvSpPr>
+        <p:spPr>
+          <a:xfrm>
+            <a:off x="6579977" y="1355234"/>
+            <a:ext cx="447558" cy="707886"/>
+          </a:xfrm>
+          <a:prstGeom prst="rect">
+            <a:avLst/>
+          </a:prstGeom>
+          <a:noFill/>
+        </p:spPr>
+        <p:txBody>
+          <a:bodyPr wrap="none" rtlCol="0">
+            <a:spAutoFit/>
+          </a:bodyPr>
+          <a:lstStyle/>
+          <a:p>
+            <a:r>
+              <a:rPr lang="it-IT" sz="4000" b="1" dirty="0">
+                <a:solidFill>
+                  <a:srgbClr val="FFFFFF"/>
+                </a:solidFill>
+                <a:latin typeface="SF Pro Text" pitchFamily="2" charset="0"/>
+                <a:ea typeface="SF Pro Text" pitchFamily="2" charset="0"/>
+                <a:cs typeface="SF Pro Text" pitchFamily="2" charset="0"/>
+              </a:rPr>
+              <a:t>1</a:t>
+            </a:r>
+            <a:endParaRPr lang="it-IT" sz="2800" b="1" dirty="0">
+              <a:solidFill>
+                <a:srgbClr val="FFFFFF"/>
+              </a:solidFill>
+              <a:latin typeface="SF Pro Text" pitchFamily="2" charset="0"/>
+              <a:ea typeface="SF Pro Text" pitchFamily="2" charset="0"/>
+              <a:cs typeface="SF Pro Text" pitchFamily="2" charset="0"/>
+            </a:endParaRPr>
+          </a:p>
+        </p:txBody>
+      </p:sp>
+      <p:sp>
+        <p:nvSpPr>
+          <p:cNvPr id="19" name="CasellaDiTesto 18">
+            <a:extLst>
+              <a:ext uri="{FF2B5EF4-FFF2-40B4-BE49-F238E27FC236}">
+                <a16:creationId xmlns:a16="http://schemas.microsoft.com/office/drawing/2014/main" id="{6CACD172-94EB-C1F1-7784-B1DD9CB4770C}"/>
+              </a:ext>
+            </a:extLst>
+          </p:cNvPr>
+          <p:cNvSpPr txBox="1"/>
+          <p:nvPr/>
+        </p:nvSpPr>
+        <p:spPr>
+          <a:xfrm>
+            <a:off x="4932858" y="3075056"/>
+            <a:ext cx="514885" cy="707886"/>
+          </a:xfrm>
+          <a:prstGeom prst="rect">
+            <a:avLst/>
+          </a:prstGeom>
+          <a:noFill/>
+        </p:spPr>
+        <p:txBody>
+          <a:bodyPr wrap="none" rtlCol="0">
+            <a:spAutoFit/>
+          </a:bodyPr>
+          <a:lstStyle/>
+          <a:p>
+            <a:r>
+              <a:rPr lang="it-IT" sz="4000" b="1" dirty="0">
+                <a:solidFill>
+                  <a:srgbClr val="FFFFFF"/>
+                </a:solidFill>
+                <a:latin typeface="SF Pro Text" pitchFamily="2" charset="0"/>
+                <a:ea typeface="SF Pro Text" pitchFamily="2" charset="0"/>
+                <a:cs typeface="SF Pro Text" pitchFamily="2" charset="0"/>
+              </a:rPr>
+              <a:t>2</a:t>
+            </a:r>
+            <a:endParaRPr lang="it-IT" sz="2800" b="1" dirty="0">
+              <a:solidFill>
+                <a:srgbClr val="FFFFFF"/>
+              </a:solidFill>
+              <a:latin typeface="SF Pro Text" pitchFamily="2" charset="0"/>
+              <a:ea typeface="SF Pro Text" pitchFamily="2" charset="0"/>
+              <a:cs typeface="SF Pro Text" pitchFamily="2" charset="0"/>
+            </a:endParaRPr>
+          </a:p>
+        </p:txBody>
+      </p:sp>
+      <p:sp>
+        <p:nvSpPr>
+          <p:cNvPr id="20" name="CasellaDiTesto 19">
+            <a:extLst>
+              <a:ext uri="{FF2B5EF4-FFF2-40B4-BE49-F238E27FC236}">
+                <a16:creationId xmlns:a16="http://schemas.microsoft.com/office/drawing/2014/main" id="{7A9422A4-07D0-6328-0A72-DF8E8E2C19AF}"/>
+              </a:ext>
+            </a:extLst>
+          </p:cNvPr>
+          <p:cNvSpPr txBox="1"/>
+          <p:nvPr/>
+        </p:nvSpPr>
+        <p:spPr>
+          <a:xfrm>
+            <a:off x="6479294" y="4913248"/>
+            <a:ext cx="527709" cy="707886"/>
+          </a:xfrm>
+          <a:prstGeom prst="rect">
+            <a:avLst/>
+          </a:prstGeom>
+          <a:noFill/>
+        </p:spPr>
+        <p:txBody>
+          <a:bodyPr wrap="none" rtlCol="0">
+            <a:spAutoFit/>
+          </a:bodyPr>
+          <a:lstStyle/>
+          <a:p>
+            <a:r>
+              <a:rPr lang="it-IT" sz="4000" b="1" dirty="0">
+                <a:solidFill>
+                  <a:srgbClr val="FFFFFF"/>
+                </a:solidFill>
+                <a:latin typeface="SF Pro Text" pitchFamily="2" charset="0"/>
+                <a:ea typeface="SF Pro Text" pitchFamily="2" charset="0"/>
+                <a:cs typeface="SF Pro Text" pitchFamily="2" charset="0"/>
+              </a:rPr>
+              <a:t>3</a:t>
+            </a:r>
+            <a:endParaRPr lang="it-IT" sz="2800" b="1" dirty="0">
+              <a:solidFill>
+                <a:srgbClr val="FFFFFF"/>
+              </a:solidFill>
+              <a:latin typeface="SF Pro Text" pitchFamily="2" charset="0"/>
+              <a:ea typeface="SF Pro Text" pitchFamily="2" charset="0"/>
+              <a:cs typeface="SF Pro Text" pitchFamily="2" charset="0"/>
+            </a:endParaRPr>
           </a:p>
         </p:txBody>
       </p:sp>

--- a/Presentation/MTDS_Presentation.pptx
+++ b/Presentation/MTDS_Presentation.pptx
@@ -207,7 +207,7 @@
           <a:p>
             <a:fld id="{04871163-4F93-9544-967C-41CE9E9A3E47}" type="datetimeFigureOut">
               <a:rPr lang="it-IT" smtClean="0"/>
-              <a:t>05/09/22</a:t>
+              <a:t>05/09/2022</a:t>
             </a:fld>
             <a:endParaRPr lang="it-IT"/>
           </a:p>
@@ -2653,7 +2653,7 @@
                 <a:ea typeface="SF Pro Text" pitchFamily="2" charset="0"/>
                 <a:cs typeface="SF Pro Text" pitchFamily="2" charset="0"/>
               </a:rPr>
-              <a:t>HVAC in the seme room of a sensor activated by received data</a:t>
+              <a:t>HVAC in the same room of a sensor activated by received data</a:t>
             </a:r>
           </a:p>
           <a:p>
@@ -5127,7 +5127,29 @@
                 <a:ea typeface="SF Pro Text" pitchFamily="2" charset="0"/>
                 <a:cs typeface="SF Pro Text" pitchFamily="2" charset="0"/>
               </a:rPr>
-              <a:t>/sensor/config/mtdssesn_0002</a:t>
+              <a:t>/sensor/config</a:t>
+            </a:r>
+            <a:r>
+              <a:rPr lang="en-US" sz="1600">
+                <a:solidFill>
+                  <a:srgbClr val="3F3C53"/>
+                </a:solidFill>
+                <a:latin typeface="SF Pro Text" pitchFamily="2" charset="0"/>
+                <a:ea typeface="SF Pro Text" pitchFamily="2" charset="0"/>
+                <a:cs typeface="SF Pro Text" pitchFamily="2" charset="0"/>
+              </a:rPr>
+              <a:t>/mtdssens_</a:t>
+            </a:r>
+            <a:r>
+              <a:rPr lang="en-US" sz="1600" dirty="0">
+                <a:solidFill>
+                  <a:srgbClr val="3F3C53"/>
+                </a:solidFill>
+                <a:latin typeface="SF Pro Text" pitchFamily="2" charset="0"/>
+                <a:ea typeface="SF Pro Text" pitchFamily="2" charset="0"/>
+                <a:cs typeface="SF Pro Text" pitchFamily="2" charset="0"/>
+              </a:rPr>
+              <a:t>0002</a:t>
             </a:r>
             <a:endParaRPr lang="it-IT" sz="1600" dirty="0"/>
           </a:p>

--- a/Presentation/MTDS_Presentation.pptx
+++ b/Presentation/MTDS_Presentation.pptx
@@ -207,7 +207,7 @@
           <a:p>
             <a:fld id="{04871163-4F93-9544-967C-41CE9E9A3E47}" type="datetimeFigureOut">
               <a:rPr lang="it-IT" smtClean="0"/>
-              <a:t>05/09/2022</a:t>
+              <a:t>05/09/22</a:t>
             </a:fld>
             <a:endParaRPr lang="it-IT"/>
           </a:p>
@@ -2150,20 +2150,1742 @@
           <a:lstStyle/>
           <a:p>
             <a:r>
-              <a:rPr lang="it-IT" dirty="0"/>
-              <a:t>High </a:t>
-            </a:r>
-            <a:r>
-              <a:rPr lang="it-IT" dirty="0" err="1"/>
-              <a:t>level</a:t>
-            </a:r>
-            <a:r>
-              <a:rPr lang="it-IT" dirty="0"/>
-              <a:t> flow</a:t>
-            </a:r>
-          </a:p>
-        </p:txBody>
-      </p:sp>
+              <a:rPr lang="en-US"/>
+              <a:t>High level flow</a:t>
+            </a:r>
+          </a:p>
+        </p:txBody>
+      </p:sp>
+      <p:pic>
+        <p:nvPicPr>
+          <p:cNvPr id="5" name="Elemento grafico 4">
+            <a:extLst>
+              <a:ext uri="{FF2B5EF4-FFF2-40B4-BE49-F238E27FC236}">
+                <a16:creationId xmlns:a16="http://schemas.microsoft.com/office/drawing/2014/main" id="{C4655B58-DA4D-C6BF-DEF9-AF814985CCDA}"/>
+              </a:ext>
+            </a:extLst>
+          </p:cNvPr>
+          <p:cNvPicPr>
+            <a:picLocks noChangeAspect="1"/>
+          </p:cNvPicPr>
+          <p:nvPr/>
+        </p:nvPicPr>
+        <p:blipFill>
+          <a:blip r:embed="rId2">
+            <a:extLst>
+              <a:ext uri="{96DAC541-7B7A-43D3-8B79-37D633B846F1}">
+                <asvg:svgBlip xmlns:asvg="http://schemas.microsoft.com/office/drawing/2016/SVG/main" r:embed="rId3"/>
+              </a:ext>
+            </a:extLst>
+          </a:blip>
+          <a:stretch>
+            <a:fillRect/>
+          </a:stretch>
+        </p:blipFill>
+        <p:spPr>
+          <a:xfrm>
+            <a:off x="2903625" y="1705360"/>
+            <a:ext cx="543403" cy="543403"/>
+          </a:xfrm>
+          <a:prstGeom prst="rect">
+            <a:avLst/>
+          </a:prstGeom>
+        </p:spPr>
+      </p:pic>
+      <p:pic>
+        <p:nvPicPr>
+          <p:cNvPr id="7" name="Elemento grafico 6">
+            <a:extLst>
+              <a:ext uri="{FF2B5EF4-FFF2-40B4-BE49-F238E27FC236}">
+                <a16:creationId xmlns:a16="http://schemas.microsoft.com/office/drawing/2014/main" id="{C7F6B73C-DE11-DCF4-CCD8-FF82CDB65379}"/>
+              </a:ext>
+            </a:extLst>
+          </p:cNvPr>
+          <p:cNvPicPr>
+            <a:picLocks noChangeAspect="1"/>
+          </p:cNvPicPr>
+          <p:nvPr/>
+        </p:nvPicPr>
+        <p:blipFill>
+          <a:blip r:embed="rId4">
+            <a:extLst>
+              <a:ext uri="{96DAC541-7B7A-43D3-8B79-37D633B846F1}">
+                <asvg:svgBlip xmlns:asvg="http://schemas.microsoft.com/office/drawing/2016/SVG/main" r:embed="rId5"/>
+              </a:ext>
+            </a:extLst>
+          </a:blip>
+          <a:stretch>
+            <a:fillRect/>
+          </a:stretch>
+        </p:blipFill>
+        <p:spPr>
+          <a:xfrm>
+            <a:off x="8916485" y="1170601"/>
+            <a:ext cx="571500" cy="571500"/>
+          </a:xfrm>
+          <a:prstGeom prst="rect">
+            <a:avLst/>
+          </a:prstGeom>
+        </p:spPr>
+      </p:pic>
+      <p:pic>
+        <p:nvPicPr>
+          <p:cNvPr id="8" name="Elemento grafico 7">
+            <a:extLst>
+              <a:ext uri="{FF2B5EF4-FFF2-40B4-BE49-F238E27FC236}">
+                <a16:creationId xmlns:a16="http://schemas.microsoft.com/office/drawing/2014/main" id="{050C36DE-EDD9-29AB-E684-26FCDFFC01E9}"/>
+              </a:ext>
+            </a:extLst>
+          </p:cNvPr>
+          <p:cNvPicPr>
+            <a:picLocks noChangeAspect="1"/>
+          </p:cNvPicPr>
+          <p:nvPr/>
+        </p:nvPicPr>
+        <p:blipFill>
+          <a:blip r:embed="rId4">
+            <a:extLst>
+              <a:ext uri="{96DAC541-7B7A-43D3-8B79-37D633B846F1}">
+                <asvg:svgBlip xmlns:asvg="http://schemas.microsoft.com/office/drawing/2016/SVG/main" r:embed="rId5"/>
+              </a:ext>
+            </a:extLst>
+          </a:blip>
+          <a:stretch>
+            <a:fillRect/>
+          </a:stretch>
+        </p:blipFill>
+        <p:spPr>
+          <a:xfrm>
+            <a:off x="9854347" y="2397486"/>
+            <a:ext cx="571500" cy="571500"/>
+          </a:xfrm>
+          <a:prstGeom prst="rect">
+            <a:avLst/>
+          </a:prstGeom>
+        </p:spPr>
+      </p:pic>
+      <p:pic>
+        <p:nvPicPr>
+          <p:cNvPr id="10" name="Elemento grafico 9">
+            <a:extLst>
+              <a:ext uri="{FF2B5EF4-FFF2-40B4-BE49-F238E27FC236}">
+                <a16:creationId xmlns:a16="http://schemas.microsoft.com/office/drawing/2014/main" id="{694D992C-E08A-654A-3AFB-A2C47AF531B8}"/>
+              </a:ext>
+            </a:extLst>
+          </p:cNvPr>
+          <p:cNvPicPr>
+            <a:picLocks noChangeAspect="1"/>
+          </p:cNvPicPr>
+          <p:nvPr/>
+        </p:nvPicPr>
+        <p:blipFill>
+          <a:blip r:embed="rId6">
+            <a:extLst>
+              <a:ext uri="{96DAC541-7B7A-43D3-8B79-37D633B846F1}">
+                <asvg:svgBlip xmlns:asvg="http://schemas.microsoft.com/office/drawing/2016/SVG/main" r:embed="rId7"/>
+              </a:ext>
+            </a:extLst>
+          </a:blip>
+          <a:stretch>
+            <a:fillRect/>
+          </a:stretch>
+        </p:blipFill>
+        <p:spPr>
+          <a:xfrm flipH="1">
+            <a:off x="5228020" y="914411"/>
+            <a:ext cx="751780" cy="751780"/>
+          </a:xfrm>
+          <a:prstGeom prst="rect">
+            <a:avLst/>
+          </a:prstGeom>
+        </p:spPr>
+      </p:pic>
+      <p:pic>
+        <p:nvPicPr>
+          <p:cNvPr id="12" name="Elemento grafico 11">
+            <a:extLst>
+              <a:ext uri="{FF2B5EF4-FFF2-40B4-BE49-F238E27FC236}">
+                <a16:creationId xmlns:a16="http://schemas.microsoft.com/office/drawing/2014/main" id="{B12C6754-1024-4BD2-C309-5906966417D0}"/>
+              </a:ext>
+            </a:extLst>
+          </p:cNvPr>
+          <p:cNvPicPr>
+            <a:picLocks noChangeAspect="1"/>
+          </p:cNvPicPr>
+          <p:nvPr/>
+        </p:nvPicPr>
+        <p:blipFill>
+          <a:blip r:embed="rId8">
+            <a:extLst>
+              <a:ext uri="{96DAC541-7B7A-43D3-8B79-37D633B846F1}">
+                <asvg:svgBlip xmlns:asvg="http://schemas.microsoft.com/office/drawing/2016/SVG/main" r:embed="rId9"/>
+              </a:ext>
+            </a:extLst>
+          </a:blip>
+          <a:stretch>
+            <a:fillRect/>
+          </a:stretch>
+        </p:blipFill>
+        <p:spPr>
+          <a:xfrm>
+            <a:off x="1334740" y="2487872"/>
+            <a:ext cx="571500" cy="571500"/>
+          </a:xfrm>
+          <a:prstGeom prst="rect">
+            <a:avLst/>
+          </a:prstGeom>
+        </p:spPr>
+      </p:pic>
+      <p:pic>
+        <p:nvPicPr>
+          <p:cNvPr id="14" name="Elemento grafico 13">
+            <a:extLst>
+              <a:ext uri="{FF2B5EF4-FFF2-40B4-BE49-F238E27FC236}">
+                <a16:creationId xmlns:a16="http://schemas.microsoft.com/office/drawing/2014/main" id="{D5F848FC-D6C7-0ECF-39DA-D68DAA2A63BC}"/>
+              </a:ext>
+            </a:extLst>
+          </p:cNvPr>
+          <p:cNvPicPr>
+            <a:picLocks noChangeAspect="1"/>
+          </p:cNvPicPr>
+          <p:nvPr/>
+        </p:nvPicPr>
+        <p:blipFill>
+          <a:blip r:embed="rId10">
+            <a:extLst>
+              <a:ext uri="{96DAC541-7B7A-43D3-8B79-37D633B846F1}">
+                <asvg:svgBlip xmlns:asvg="http://schemas.microsoft.com/office/drawing/2016/SVG/main" r:embed="rId11"/>
+              </a:ext>
+            </a:extLst>
+          </a:blip>
+          <a:stretch>
+            <a:fillRect/>
+          </a:stretch>
+        </p:blipFill>
+        <p:spPr>
+          <a:xfrm>
+            <a:off x="9917852" y="3850952"/>
+            <a:ext cx="507995" cy="507995"/>
+          </a:xfrm>
+          <a:prstGeom prst="rect">
+            <a:avLst/>
+          </a:prstGeom>
+        </p:spPr>
+      </p:pic>
+      <p:pic>
+        <p:nvPicPr>
+          <p:cNvPr id="15" name="Elemento grafico 14">
+            <a:extLst>
+              <a:ext uri="{FF2B5EF4-FFF2-40B4-BE49-F238E27FC236}">
+                <a16:creationId xmlns:a16="http://schemas.microsoft.com/office/drawing/2014/main" id="{BEBDF187-CD14-7E47-B9BC-1B35525C5791}"/>
+              </a:ext>
+            </a:extLst>
+          </p:cNvPr>
+          <p:cNvPicPr>
+            <a:picLocks noChangeAspect="1"/>
+          </p:cNvPicPr>
+          <p:nvPr/>
+        </p:nvPicPr>
+        <p:blipFill>
+          <a:blip r:embed="rId8">
+            <a:extLst>
+              <a:ext uri="{96DAC541-7B7A-43D3-8B79-37D633B846F1}">
+                <asvg:svgBlip xmlns:asvg="http://schemas.microsoft.com/office/drawing/2016/SVG/main" r:embed="rId9"/>
+              </a:ext>
+            </a:extLst>
+          </a:blip>
+          <a:stretch>
+            <a:fillRect/>
+          </a:stretch>
+        </p:blipFill>
+        <p:spPr>
+          <a:xfrm>
+            <a:off x="1528763" y="3345122"/>
+            <a:ext cx="571500" cy="571500"/>
+          </a:xfrm>
+          <a:prstGeom prst="rect">
+            <a:avLst/>
+          </a:prstGeom>
+        </p:spPr>
+      </p:pic>
+      <p:pic>
+        <p:nvPicPr>
+          <p:cNvPr id="16" name="Elemento grafico 15">
+            <a:extLst>
+              <a:ext uri="{FF2B5EF4-FFF2-40B4-BE49-F238E27FC236}">
+                <a16:creationId xmlns:a16="http://schemas.microsoft.com/office/drawing/2014/main" id="{46410A6B-1395-B68B-9345-288940ADFF37}"/>
+              </a:ext>
+            </a:extLst>
+          </p:cNvPr>
+          <p:cNvPicPr>
+            <a:picLocks noChangeAspect="1"/>
+          </p:cNvPicPr>
+          <p:nvPr/>
+        </p:nvPicPr>
+        <p:blipFill>
+          <a:blip r:embed="rId8">
+            <a:extLst>
+              <a:ext uri="{96DAC541-7B7A-43D3-8B79-37D633B846F1}">
+                <asvg:svgBlip xmlns:asvg="http://schemas.microsoft.com/office/drawing/2016/SVG/main" r:embed="rId9"/>
+              </a:ext>
+            </a:extLst>
+          </a:blip>
+          <a:stretch>
+            <a:fillRect/>
+          </a:stretch>
+        </p:blipFill>
+        <p:spPr>
+          <a:xfrm>
+            <a:off x="2238441" y="3600447"/>
+            <a:ext cx="571500" cy="571500"/>
+          </a:xfrm>
+          <a:prstGeom prst="rect">
+            <a:avLst/>
+          </a:prstGeom>
+        </p:spPr>
+      </p:pic>
+      <p:sp>
+        <p:nvSpPr>
+          <p:cNvPr id="17" name="Ovale 16">
+            <a:extLst>
+              <a:ext uri="{FF2B5EF4-FFF2-40B4-BE49-F238E27FC236}">
+                <a16:creationId xmlns:a16="http://schemas.microsoft.com/office/drawing/2014/main" id="{E5DC80A2-EC0D-3BAA-D508-0EA6DECE2FEB}"/>
+              </a:ext>
+            </a:extLst>
+          </p:cNvPr>
+          <p:cNvSpPr/>
+          <p:nvPr/>
+        </p:nvSpPr>
+        <p:spPr>
+          <a:xfrm>
+            <a:off x="1064256" y="1741007"/>
+            <a:ext cx="2617940" cy="2617940"/>
+          </a:xfrm>
+          <a:prstGeom prst="ellipse">
+            <a:avLst/>
+          </a:prstGeom>
+          <a:noFill/>
+          <a:ln>
+            <a:solidFill>
+              <a:srgbClr val="3F3C53"/>
+            </a:solidFill>
+          </a:ln>
+        </p:spPr>
+        <p:style>
+          <a:lnRef idx="2">
+            <a:schemeClr val="accent1">
+              <a:shade val="50000"/>
+            </a:schemeClr>
+          </a:lnRef>
+          <a:fillRef idx="1">
+            <a:schemeClr val="accent1"/>
+          </a:fillRef>
+          <a:effectRef idx="0">
+            <a:schemeClr val="accent1"/>
+          </a:effectRef>
+          <a:fontRef idx="minor">
+            <a:schemeClr val="lt1"/>
+          </a:fontRef>
+        </p:style>
+        <p:txBody>
+          <a:bodyPr rtlCol="0" anchor="ctr"/>
+          <a:lstStyle/>
+          <a:p>
+            <a:pPr algn="ctr"/>
+            <a:endParaRPr lang="it-IT"/>
+          </a:p>
+        </p:txBody>
+      </p:sp>
+      <p:pic>
+        <p:nvPicPr>
+          <p:cNvPr id="18" name="Elemento grafico 17">
+            <a:extLst>
+              <a:ext uri="{FF2B5EF4-FFF2-40B4-BE49-F238E27FC236}">
+                <a16:creationId xmlns:a16="http://schemas.microsoft.com/office/drawing/2014/main" id="{2FB17263-A725-1783-9AE5-72C0FECBD7BA}"/>
+              </a:ext>
+            </a:extLst>
+          </p:cNvPr>
+          <p:cNvPicPr>
+            <a:picLocks noChangeAspect="1"/>
+          </p:cNvPicPr>
+          <p:nvPr/>
+        </p:nvPicPr>
+        <p:blipFill>
+          <a:blip r:embed="rId8">
+            <a:extLst>
+              <a:ext uri="{96DAC541-7B7A-43D3-8B79-37D633B846F1}">
+                <asvg:svgBlip xmlns:asvg="http://schemas.microsoft.com/office/drawing/2016/SVG/main" r:embed="rId9"/>
+              </a:ext>
+            </a:extLst>
+          </a:blip>
+          <a:stretch>
+            <a:fillRect/>
+          </a:stretch>
+        </p:blipFill>
+        <p:spPr>
+          <a:xfrm>
+            <a:off x="2855086" y="3059372"/>
+            <a:ext cx="571500" cy="571500"/>
+          </a:xfrm>
+          <a:prstGeom prst="rect">
+            <a:avLst/>
+          </a:prstGeom>
+        </p:spPr>
+      </p:pic>
+      <p:pic>
+        <p:nvPicPr>
+          <p:cNvPr id="19" name="Elemento grafico 18">
+            <a:extLst>
+              <a:ext uri="{FF2B5EF4-FFF2-40B4-BE49-F238E27FC236}">
+                <a16:creationId xmlns:a16="http://schemas.microsoft.com/office/drawing/2014/main" id="{AD3D8EF1-840E-4BC2-4650-D9B0271AAE6F}"/>
+              </a:ext>
+            </a:extLst>
+          </p:cNvPr>
+          <p:cNvPicPr>
+            <a:picLocks noChangeAspect="1"/>
+          </p:cNvPicPr>
+          <p:nvPr/>
+        </p:nvPicPr>
+        <p:blipFill>
+          <a:blip r:embed="rId8">
+            <a:extLst>
+              <a:ext uri="{96DAC541-7B7A-43D3-8B79-37D633B846F1}">
+                <asvg:svgBlip xmlns:asvg="http://schemas.microsoft.com/office/drawing/2016/SVG/main" r:embed="rId9"/>
+              </a:ext>
+            </a:extLst>
+          </a:blip>
+          <a:stretch>
+            <a:fillRect/>
+          </a:stretch>
+        </p:blipFill>
+        <p:spPr>
+          <a:xfrm>
+            <a:off x="2141364" y="2319934"/>
+            <a:ext cx="571500" cy="571500"/>
+          </a:xfrm>
+          <a:prstGeom prst="rect">
+            <a:avLst/>
+          </a:prstGeom>
+        </p:spPr>
+      </p:pic>
+      <p:sp>
+        <p:nvSpPr>
+          <p:cNvPr id="21" name="CasellaDiTesto 20">
+            <a:extLst>
+              <a:ext uri="{FF2B5EF4-FFF2-40B4-BE49-F238E27FC236}">
+                <a16:creationId xmlns:a16="http://schemas.microsoft.com/office/drawing/2014/main" id="{47469961-9073-842F-B167-1C2C568EDB3D}"/>
+              </a:ext>
+            </a:extLst>
+          </p:cNvPr>
+          <p:cNvSpPr txBox="1"/>
+          <p:nvPr/>
+        </p:nvSpPr>
+        <p:spPr>
+          <a:xfrm>
+            <a:off x="1294837" y="4535678"/>
+            <a:ext cx="2168828" cy="369332"/>
+          </a:xfrm>
+          <a:prstGeom prst="rect">
+            <a:avLst/>
+          </a:prstGeom>
+          <a:noFill/>
+        </p:spPr>
+        <p:txBody>
+          <a:bodyPr wrap="square">
+            <a:spAutoFit/>
+          </a:bodyPr>
+          <a:lstStyle/>
+          <a:p>
+            <a:r>
+              <a:rPr lang="en-US" dirty="0">
+                <a:solidFill>
+                  <a:srgbClr val="3F51C3"/>
+                </a:solidFill>
+                <a:latin typeface="SF Pro Text" pitchFamily="2" charset="0"/>
+                <a:ea typeface="SF Pro Text" pitchFamily="2" charset="0"/>
+                <a:cs typeface="SF Pro Text" pitchFamily="2" charset="0"/>
+              </a:rPr>
+              <a:t>6LowPan Network</a:t>
+            </a:r>
+            <a:endParaRPr lang="it-IT" dirty="0">
+              <a:solidFill>
+                <a:srgbClr val="3F51C3"/>
+              </a:solidFill>
+            </a:endParaRPr>
+          </a:p>
+        </p:txBody>
+      </p:sp>
+      <p:sp>
+        <p:nvSpPr>
+          <p:cNvPr id="23" name="CasellaDiTesto 22">
+            <a:extLst>
+              <a:ext uri="{FF2B5EF4-FFF2-40B4-BE49-F238E27FC236}">
+                <a16:creationId xmlns:a16="http://schemas.microsoft.com/office/drawing/2014/main" id="{400EC27A-7B92-BE85-6FAA-EF4A589C479D}"/>
+              </a:ext>
+            </a:extLst>
+          </p:cNvPr>
+          <p:cNvSpPr txBox="1"/>
+          <p:nvPr/>
+        </p:nvSpPr>
+        <p:spPr>
+          <a:xfrm>
+            <a:off x="2995613" y="1326748"/>
+            <a:ext cx="648482" cy="369332"/>
+          </a:xfrm>
+          <a:prstGeom prst="rect">
+            <a:avLst/>
+          </a:prstGeom>
+          <a:noFill/>
+        </p:spPr>
+        <p:txBody>
+          <a:bodyPr wrap="square">
+            <a:spAutoFit/>
+          </a:bodyPr>
+          <a:lstStyle/>
+          <a:p>
+            <a:r>
+              <a:rPr lang="en-US" dirty="0">
+                <a:solidFill>
+                  <a:srgbClr val="3F51C3"/>
+                </a:solidFill>
+                <a:latin typeface="SF Pro Text" pitchFamily="2" charset="0"/>
+                <a:ea typeface="SF Pro Text" pitchFamily="2" charset="0"/>
+                <a:cs typeface="SF Pro Text" pitchFamily="2" charset="0"/>
+              </a:rPr>
+              <a:t>RPL</a:t>
+            </a:r>
+            <a:endParaRPr lang="it-IT" dirty="0">
+              <a:solidFill>
+                <a:srgbClr val="3F51C3"/>
+              </a:solidFill>
+            </a:endParaRPr>
+          </a:p>
+        </p:txBody>
+      </p:sp>
+      <p:sp>
+        <p:nvSpPr>
+          <p:cNvPr id="25" name="CasellaDiTesto 24">
+            <a:extLst>
+              <a:ext uri="{FF2B5EF4-FFF2-40B4-BE49-F238E27FC236}">
+                <a16:creationId xmlns:a16="http://schemas.microsoft.com/office/drawing/2014/main" id="{7187E555-53E6-9ED1-E32C-007DF9CC7556}"/>
+              </a:ext>
+            </a:extLst>
+          </p:cNvPr>
+          <p:cNvSpPr txBox="1"/>
+          <p:nvPr/>
+        </p:nvSpPr>
+        <p:spPr>
+          <a:xfrm>
+            <a:off x="4234833" y="1670507"/>
+            <a:ext cx="2760162" cy="646331"/>
+          </a:xfrm>
+          <a:prstGeom prst="rect">
+            <a:avLst/>
+          </a:prstGeom>
+          <a:noFill/>
+        </p:spPr>
+        <p:txBody>
+          <a:bodyPr wrap="square">
+            <a:spAutoFit/>
+          </a:bodyPr>
+          <a:lstStyle/>
+          <a:p>
+            <a:pPr algn="ctr"/>
+            <a:r>
+              <a:rPr lang="en-US" dirty="0">
+                <a:solidFill>
+                  <a:srgbClr val="3F51C3"/>
+                </a:solidFill>
+                <a:latin typeface="SF Pro Text" pitchFamily="2" charset="0"/>
+                <a:ea typeface="SF Pro Text" pitchFamily="2" charset="0"/>
+                <a:cs typeface="SF Pro Text" pitchFamily="2" charset="0"/>
+              </a:rPr>
+              <a:t>TunSlip6</a:t>
+            </a:r>
+          </a:p>
+          <a:p>
+            <a:pPr algn="ctr"/>
+            <a:r>
+              <a:rPr lang="en-US" dirty="0">
+                <a:solidFill>
+                  <a:srgbClr val="3F51C3"/>
+                </a:solidFill>
+                <a:latin typeface="SF Pro Text" pitchFamily="2" charset="0"/>
+                <a:ea typeface="SF Pro Text" pitchFamily="2" charset="0"/>
+                <a:cs typeface="SF Pro Text" pitchFamily="2" charset="0"/>
+              </a:rPr>
+              <a:t>Local </a:t>
+            </a:r>
+            <a:r>
+              <a:rPr lang="en-US" dirty="0" err="1">
+                <a:solidFill>
+                  <a:srgbClr val="3F51C3"/>
+                </a:solidFill>
+                <a:latin typeface="SF Pro Text" pitchFamily="2" charset="0"/>
+                <a:ea typeface="SF Pro Text" pitchFamily="2" charset="0"/>
+                <a:cs typeface="SF Pro Text" pitchFamily="2" charset="0"/>
+              </a:rPr>
+              <a:t>Mosquitto</a:t>
+            </a:r>
+            <a:r>
+              <a:rPr lang="en-US" dirty="0">
+                <a:solidFill>
+                  <a:srgbClr val="3F51C3"/>
+                </a:solidFill>
+                <a:latin typeface="SF Pro Text" pitchFamily="2" charset="0"/>
+                <a:ea typeface="SF Pro Text" pitchFamily="2" charset="0"/>
+                <a:cs typeface="SF Pro Text" pitchFamily="2" charset="0"/>
+              </a:rPr>
+              <a:t> Broker</a:t>
+            </a:r>
+            <a:endParaRPr lang="it-IT" dirty="0">
+              <a:solidFill>
+                <a:srgbClr val="3F51C3"/>
+              </a:solidFill>
+            </a:endParaRPr>
+          </a:p>
+        </p:txBody>
+      </p:sp>
+      <p:sp>
+        <p:nvSpPr>
+          <p:cNvPr id="27" name="CasellaDiTesto 26">
+            <a:extLst>
+              <a:ext uri="{FF2B5EF4-FFF2-40B4-BE49-F238E27FC236}">
+                <a16:creationId xmlns:a16="http://schemas.microsoft.com/office/drawing/2014/main" id="{C08C5B8A-80F6-C905-0D27-32F7C54660E6}"/>
+              </a:ext>
+            </a:extLst>
+          </p:cNvPr>
+          <p:cNvSpPr txBox="1"/>
+          <p:nvPr/>
+        </p:nvSpPr>
+        <p:spPr>
+          <a:xfrm>
+            <a:off x="7822154" y="635472"/>
+            <a:ext cx="2760162" cy="369332"/>
+          </a:xfrm>
+          <a:prstGeom prst="rect">
+            <a:avLst/>
+          </a:prstGeom>
+          <a:noFill/>
+        </p:spPr>
+        <p:txBody>
+          <a:bodyPr wrap="square">
+            <a:spAutoFit/>
+          </a:bodyPr>
+          <a:lstStyle/>
+          <a:p>
+            <a:r>
+              <a:rPr lang="en-US" dirty="0">
+                <a:solidFill>
+                  <a:srgbClr val="3F51C3"/>
+                </a:solidFill>
+                <a:latin typeface="SF Pro Text" pitchFamily="2" charset="0"/>
+                <a:ea typeface="SF Pro Text" pitchFamily="2" charset="0"/>
+                <a:cs typeface="SF Pro Text" pitchFamily="2" charset="0"/>
+              </a:rPr>
+              <a:t>Cloud </a:t>
+            </a:r>
+            <a:r>
+              <a:rPr lang="en-US" dirty="0" err="1">
+                <a:solidFill>
+                  <a:srgbClr val="3F51C3"/>
+                </a:solidFill>
+                <a:latin typeface="SF Pro Text" pitchFamily="2" charset="0"/>
+                <a:ea typeface="SF Pro Text" pitchFamily="2" charset="0"/>
+                <a:cs typeface="SF Pro Text" pitchFamily="2" charset="0"/>
+              </a:rPr>
+              <a:t>Mosquitto</a:t>
+            </a:r>
+            <a:r>
+              <a:rPr lang="en-US" dirty="0">
+                <a:solidFill>
+                  <a:srgbClr val="3F51C3"/>
+                </a:solidFill>
+                <a:latin typeface="SF Pro Text" pitchFamily="2" charset="0"/>
+                <a:ea typeface="SF Pro Text" pitchFamily="2" charset="0"/>
+                <a:cs typeface="SF Pro Text" pitchFamily="2" charset="0"/>
+              </a:rPr>
+              <a:t> Broker</a:t>
+            </a:r>
+            <a:endParaRPr lang="it-IT" dirty="0">
+              <a:solidFill>
+                <a:srgbClr val="3F51C3"/>
+              </a:solidFill>
+            </a:endParaRPr>
+          </a:p>
+        </p:txBody>
+      </p:sp>
+      <p:sp>
+        <p:nvSpPr>
+          <p:cNvPr id="28" name="CasellaDiTesto 27">
+            <a:extLst>
+              <a:ext uri="{FF2B5EF4-FFF2-40B4-BE49-F238E27FC236}">
+                <a16:creationId xmlns:a16="http://schemas.microsoft.com/office/drawing/2014/main" id="{DBD78D03-D8E7-4AC3-0D93-73914ABFC16B}"/>
+              </a:ext>
+            </a:extLst>
+          </p:cNvPr>
+          <p:cNvSpPr txBox="1"/>
+          <p:nvPr/>
+        </p:nvSpPr>
+        <p:spPr>
+          <a:xfrm>
+            <a:off x="10512267" y="2455646"/>
+            <a:ext cx="1462019" cy="369332"/>
+          </a:xfrm>
+          <a:prstGeom prst="rect">
+            <a:avLst/>
+          </a:prstGeom>
+          <a:noFill/>
+        </p:spPr>
+        <p:txBody>
+          <a:bodyPr wrap="square">
+            <a:spAutoFit/>
+          </a:bodyPr>
+          <a:lstStyle/>
+          <a:p>
+            <a:r>
+              <a:rPr lang="en-US" dirty="0">
+                <a:solidFill>
+                  <a:srgbClr val="3F51C3"/>
+                </a:solidFill>
+                <a:latin typeface="SF Pro Text" pitchFamily="2" charset="0"/>
+                <a:ea typeface="SF Pro Text" pitchFamily="2" charset="0"/>
+                <a:cs typeface="SF Pro Text" pitchFamily="2" charset="0"/>
+              </a:rPr>
+              <a:t>Node-Red</a:t>
+            </a:r>
+            <a:endParaRPr lang="it-IT" dirty="0">
+              <a:solidFill>
+                <a:srgbClr val="3F51C3"/>
+              </a:solidFill>
+            </a:endParaRPr>
+          </a:p>
+        </p:txBody>
+      </p:sp>
+      <p:sp>
+        <p:nvSpPr>
+          <p:cNvPr id="29" name="CasellaDiTesto 28">
+            <a:extLst>
+              <a:ext uri="{FF2B5EF4-FFF2-40B4-BE49-F238E27FC236}">
+                <a16:creationId xmlns:a16="http://schemas.microsoft.com/office/drawing/2014/main" id="{265F4FE8-DFB7-82B6-92ED-956B5FC3D182}"/>
+              </a:ext>
+            </a:extLst>
+          </p:cNvPr>
+          <p:cNvSpPr txBox="1"/>
+          <p:nvPr/>
+        </p:nvSpPr>
+        <p:spPr>
+          <a:xfrm>
+            <a:off x="10512267" y="3821233"/>
+            <a:ext cx="1120424" cy="646331"/>
+          </a:xfrm>
+          <a:prstGeom prst="rect">
+            <a:avLst/>
+          </a:prstGeom>
+          <a:noFill/>
+        </p:spPr>
+        <p:txBody>
+          <a:bodyPr wrap="square">
+            <a:spAutoFit/>
+          </a:bodyPr>
+          <a:lstStyle/>
+          <a:p>
+            <a:r>
+              <a:rPr lang="en-US" dirty="0">
+                <a:solidFill>
+                  <a:srgbClr val="3F51C3"/>
+                </a:solidFill>
+                <a:latin typeface="SF Pro Text" pitchFamily="2" charset="0"/>
+                <a:ea typeface="SF Pro Text" pitchFamily="2" charset="0"/>
+                <a:cs typeface="SF Pro Text" pitchFamily="2" charset="0"/>
+              </a:rPr>
+              <a:t>Data</a:t>
+            </a:r>
+          </a:p>
+          <a:p>
+            <a:r>
+              <a:rPr lang="en-US" dirty="0">
+                <a:solidFill>
+                  <a:srgbClr val="3F51C3"/>
+                </a:solidFill>
+                <a:latin typeface="SF Pro Text" pitchFamily="2" charset="0"/>
+                <a:ea typeface="SF Pro Text" pitchFamily="2" charset="0"/>
+                <a:cs typeface="SF Pro Text" pitchFamily="2" charset="0"/>
+              </a:rPr>
+              <a:t>Storage</a:t>
+            </a:r>
+            <a:endParaRPr lang="it-IT" dirty="0">
+              <a:solidFill>
+                <a:srgbClr val="3F51C3"/>
+              </a:solidFill>
+            </a:endParaRPr>
+          </a:p>
+        </p:txBody>
+      </p:sp>
+      <p:pic>
+        <p:nvPicPr>
+          <p:cNvPr id="31" name="Elemento grafico 30">
+            <a:extLst>
+              <a:ext uri="{FF2B5EF4-FFF2-40B4-BE49-F238E27FC236}">
+                <a16:creationId xmlns:a16="http://schemas.microsoft.com/office/drawing/2014/main" id="{F6DE5C95-EB02-BDC6-162B-6D70B1277176}"/>
+              </a:ext>
+            </a:extLst>
+          </p:cNvPr>
+          <p:cNvPicPr>
+            <a:picLocks noChangeAspect="1"/>
+          </p:cNvPicPr>
+          <p:nvPr/>
+        </p:nvPicPr>
+        <p:blipFill>
+          <a:blip r:embed="rId12">
+            <a:extLst>
+              <a:ext uri="{96DAC541-7B7A-43D3-8B79-37D633B846F1}">
+                <asvg:svgBlip xmlns:asvg="http://schemas.microsoft.com/office/drawing/2016/SVG/main" r:embed="rId13"/>
+              </a:ext>
+            </a:extLst>
+          </a:blip>
+          <a:stretch>
+            <a:fillRect/>
+          </a:stretch>
+        </p:blipFill>
+        <p:spPr>
+          <a:xfrm>
+            <a:off x="9735696" y="5168130"/>
+            <a:ext cx="690151" cy="690151"/>
+          </a:xfrm>
+          <a:prstGeom prst="rect">
+            <a:avLst/>
+          </a:prstGeom>
+        </p:spPr>
+      </p:pic>
+      <p:sp>
+        <p:nvSpPr>
+          <p:cNvPr id="32" name="CasellaDiTesto 31">
+            <a:extLst>
+              <a:ext uri="{FF2B5EF4-FFF2-40B4-BE49-F238E27FC236}">
+                <a16:creationId xmlns:a16="http://schemas.microsoft.com/office/drawing/2014/main" id="{9CBA51D3-2E02-AD80-BAFA-285486923710}"/>
+              </a:ext>
+            </a:extLst>
+          </p:cNvPr>
+          <p:cNvSpPr txBox="1"/>
+          <p:nvPr/>
+        </p:nvSpPr>
+        <p:spPr>
+          <a:xfrm>
+            <a:off x="10506773" y="5190039"/>
+            <a:ext cx="1120424" cy="646331"/>
+          </a:xfrm>
+          <a:prstGeom prst="rect">
+            <a:avLst/>
+          </a:prstGeom>
+          <a:noFill/>
+        </p:spPr>
+        <p:txBody>
+          <a:bodyPr wrap="square">
+            <a:spAutoFit/>
+          </a:bodyPr>
+          <a:lstStyle/>
+          <a:p>
+            <a:r>
+              <a:rPr lang="en-US" dirty="0">
+                <a:solidFill>
+                  <a:srgbClr val="3F51C3"/>
+                </a:solidFill>
+                <a:latin typeface="SF Pro Text" pitchFamily="2" charset="0"/>
+                <a:ea typeface="SF Pro Text" pitchFamily="2" charset="0"/>
+                <a:cs typeface="SF Pro Text" pitchFamily="2" charset="0"/>
+              </a:rPr>
+              <a:t>Apache</a:t>
+            </a:r>
+          </a:p>
+          <a:p>
+            <a:r>
+              <a:rPr lang="en-US" dirty="0">
+                <a:solidFill>
+                  <a:srgbClr val="3F51C3"/>
+                </a:solidFill>
+                <a:latin typeface="SF Pro Text" pitchFamily="2" charset="0"/>
+                <a:ea typeface="SF Pro Text" pitchFamily="2" charset="0"/>
+                <a:cs typeface="SF Pro Text" pitchFamily="2" charset="0"/>
+              </a:rPr>
+              <a:t>Spark</a:t>
+            </a:r>
+            <a:endParaRPr lang="it-IT" dirty="0">
+              <a:solidFill>
+                <a:srgbClr val="3F51C3"/>
+              </a:solidFill>
+            </a:endParaRPr>
+          </a:p>
+        </p:txBody>
+      </p:sp>
+      <p:cxnSp>
+        <p:nvCxnSpPr>
+          <p:cNvPr id="34" name="Connettore 2 33">
+            <a:extLst>
+              <a:ext uri="{FF2B5EF4-FFF2-40B4-BE49-F238E27FC236}">
+                <a16:creationId xmlns:a16="http://schemas.microsoft.com/office/drawing/2014/main" id="{F20E3A11-89F7-03B8-379F-7987D98098DB}"/>
+              </a:ext>
+            </a:extLst>
+          </p:cNvPr>
+          <p:cNvCxnSpPr/>
+          <p:nvPr/>
+        </p:nvCxnSpPr>
+        <p:spPr>
+          <a:xfrm flipV="1">
+            <a:off x="3644095" y="1456351"/>
+            <a:ext cx="1266108" cy="537321"/>
+          </a:xfrm>
+          <a:prstGeom prst="straightConnector1">
+            <a:avLst/>
+          </a:prstGeom>
+          <a:ln w="38100">
+            <a:solidFill>
+              <a:srgbClr val="3F3C53"/>
+            </a:solidFill>
+            <a:headEnd type="triangle"/>
+            <a:tailEnd type="triangle"/>
+          </a:ln>
+        </p:spPr>
+        <p:style>
+          <a:lnRef idx="1">
+            <a:schemeClr val="accent1"/>
+          </a:lnRef>
+          <a:fillRef idx="0">
+            <a:schemeClr val="accent1"/>
+          </a:fillRef>
+          <a:effectRef idx="0">
+            <a:schemeClr val="accent1"/>
+          </a:effectRef>
+          <a:fontRef idx="minor">
+            <a:schemeClr val="tx1"/>
+          </a:fontRef>
+        </p:style>
+      </p:cxnSp>
+      <p:cxnSp>
+        <p:nvCxnSpPr>
+          <p:cNvPr id="35" name="Connettore 2 34">
+            <a:extLst>
+              <a:ext uri="{FF2B5EF4-FFF2-40B4-BE49-F238E27FC236}">
+                <a16:creationId xmlns:a16="http://schemas.microsoft.com/office/drawing/2014/main" id="{8D79D00B-4951-5112-E7AB-D4626021D1C4}"/>
+              </a:ext>
+            </a:extLst>
+          </p:cNvPr>
+          <p:cNvCxnSpPr>
+            <a:cxnSpLocks/>
+          </p:cNvCxnSpPr>
+          <p:nvPr/>
+        </p:nvCxnSpPr>
+        <p:spPr>
+          <a:xfrm>
+            <a:off x="6358109" y="1351445"/>
+            <a:ext cx="2435162" cy="0"/>
+          </a:xfrm>
+          <a:prstGeom prst="straightConnector1">
+            <a:avLst/>
+          </a:prstGeom>
+          <a:ln w="38100">
+            <a:solidFill>
+              <a:srgbClr val="3F3C53"/>
+            </a:solidFill>
+            <a:headEnd type="triangle"/>
+            <a:tailEnd type="triangle"/>
+          </a:ln>
+        </p:spPr>
+        <p:style>
+          <a:lnRef idx="1">
+            <a:schemeClr val="accent1"/>
+          </a:lnRef>
+          <a:fillRef idx="0">
+            <a:schemeClr val="accent1"/>
+          </a:fillRef>
+          <a:effectRef idx="0">
+            <a:schemeClr val="accent1"/>
+          </a:effectRef>
+          <a:fontRef idx="minor">
+            <a:schemeClr val="tx1"/>
+          </a:fontRef>
+        </p:style>
+      </p:cxnSp>
+      <p:cxnSp>
+        <p:nvCxnSpPr>
+          <p:cNvPr id="38" name="Connettore 2 37">
+            <a:extLst>
+              <a:ext uri="{FF2B5EF4-FFF2-40B4-BE49-F238E27FC236}">
+                <a16:creationId xmlns:a16="http://schemas.microsoft.com/office/drawing/2014/main" id="{6F454FEB-176C-7C9F-1B29-DF23BB5032F5}"/>
+              </a:ext>
+            </a:extLst>
+          </p:cNvPr>
+          <p:cNvCxnSpPr>
+            <a:cxnSpLocks/>
+          </p:cNvCxnSpPr>
+          <p:nvPr/>
+        </p:nvCxnSpPr>
+        <p:spPr>
+          <a:xfrm>
+            <a:off x="9619989" y="1363522"/>
+            <a:ext cx="551860" cy="926021"/>
+          </a:xfrm>
+          <a:prstGeom prst="straightConnector1">
+            <a:avLst/>
+          </a:prstGeom>
+          <a:ln w="38100">
+            <a:solidFill>
+              <a:srgbClr val="3F3C53"/>
+            </a:solidFill>
+            <a:headEnd type="triangle"/>
+            <a:tailEnd type="triangle"/>
+          </a:ln>
+        </p:spPr>
+        <p:style>
+          <a:lnRef idx="1">
+            <a:schemeClr val="accent1"/>
+          </a:lnRef>
+          <a:fillRef idx="0">
+            <a:schemeClr val="accent1"/>
+          </a:fillRef>
+          <a:effectRef idx="0">
+            <a:schemeClr val="accent1"/>
+          </a:effectRef>
+          <a:fontRef idx="minor">
+            <a:schemeClr val="tx1"/>
+          </a:fontRef>
+        </p:style>
+      </p:cxnSp>
+      <p:cxnSp>
+        <p:nvCxnSpPr>
+          <p:cNvPr id="42" name="Connettore 2 41">
+            <a:extLst>
+              <a:ext uri="{FF2B5EF4-FFF2-40B4-BE49-F238E27FC236}">
+                <a16:creationId xmlns:a16="http://schemas.microsoft.com/office/drawing/2014/main" id="{278FF521-F50B-AD90-6A33-0704DE5ADB89}"/>
+              </a:ext>
+            </a:extLst>
+          </p:cNvPr>
+          <p:cNvCxnSpPr>
+            <a:cxnSpLocks/>
+          </p:cNvCxnSpPr>
+          <p:nvPr/>
+        </p:nvCxnSpPr>
+        <p:spPr>
+          <a:xfrm>
+            <a:off x="10133172" y="3085097"/>
+            <a:ext cx="0" cy="693072"/>
+          </a:xfrm>
+          <a:prstGeom prst="straightConnector1">
+            <a:avLst/>
+          </a:prstGeom>
+          <a:ln w="38100">
+            <a:solidFill>
+              <a:srgbClr val="3F3C53"/>
+            </a:solidFill>
+            <a:tailEnd type="triangle"/>
+          </a:ln>
+        </p:spPr>
+        <p:style>
+          <a:lnRef idx="1">
+            <a:schemeClr val="accent1"/>
+          </a:lnRef>
+          <a:fillRef idx="0">
+            <a:schemeClr val="accent1"/>
+          </a:fillRef>
+          <a:effectRef idx="0">
+            <a:schemeClr val="accent1"/>
+          </a:effectRef>
+          <a:fontRef idx="minor">
+            <a:schemeClr val="tx1"/>
+          </a:fontRef>
+        </p:style>
+      </p:cxnSp>
+      <p:cxnSp>
+        <p:nvCxnSpPr>
+          <p:cNvPr id="45" name="Connettore 2 44">
+            <a:extLst>
+              <a:ext uri="{FF2B5EF4-FFF2-40B4-BE49-F238E27FC236}">
+                <a16:creationId xmlns:a16="http://schemas.microsoft.com/office/drawing/2014/main" id="{695C6249-A30A-4583-A4B4-CDDDD7679C76}"/>
+              </a:ext>
+            </a:extLst>
+          </p:cNvPr>
+          <p:cNvCxnSpPr>
+            <a:cxnSpLocks/>
+          </p:cNvCxnSpPr>
+          <p:nvPr/>
+        </p:nvCxnSpPr>
+        <p:spPr>
+          <a:xfrm flipV="1">
+            <a:off x="10140097" y="4495549"/>
+            <a:ext cx="0" cy="614627"/>
+          </a:xfrm>
+          <a:prstGeom prst="straightConnector1">
+            <a:avLst/>
+          </a:prstGeom>
+          <a:ln w="38100">
+            <a:solidFill>
+              <a:srgbClr val="3F3C53"/>
+            </a:solidFill>
+            <a:tailEnd type="triangle"/>
+          </a:ln>
+        </p:spPr>
+        <p:style>
+          <a:lnRef idx="1">
+            <a:schemeClr val="accent1"/>
+          </a:lnRef>
+          <a:fillRef idx="0">
+            <a:schemeClr val="accent1"/>
+          </a:fillRef>
+          <a:effectRef idx="0">
+            <a:schemeClr val="accent1"/>
+          </a:effectRef>
+          <a:fontRef idx="minor">
+            <a:schemeClr val="tx1"/>
+          </a:fontRef>
+        </p:style>
+      </p:cxnSp>
+      <p:sp>
+        <p:nvSpPr>
+          <p:cNvPr id="49" name="CasellaDiTesto 48">
+            <a:extLst>
+              <a:ext uri="{FF2B5EF4-FFF2-40B4-BE49-F238E27FC236}">
+                <a16:creationId xmlns:a16="http://schemas.microsoft.com/office/drawing/2014/main" id="{E29D867A-7763-3FAC-3D6B-E54172AE309D}"/>
+              </a:ext>
+            </a:extLst>
+          </p:cNvPr>
+          <p:cNvSpPr txBox="1"/>
+          <p:nvPr/>
+        </p:nvSpPr>
+        <p:spPr>
+          <a:xfrm rot="20251971">
+            <a:off x="3579073" y="1161806"/>
+            <a:ext cx="1197433" cy="584775"/>
+          </a:xfrm>
+          <a:prstGeom prst="rect">
+            <a:avLst/>
+          </a:prstGeom>
+          <a:noFill/>
+        </p:spPr>
+        <p:txBody>
+          <a:bodyPr wrap="square">
+            <a:spAutoFit/>
+          </a:bodyPr>
+          <a:lstStyle/>
+          <a:p>
+            <a:pPr algn="ctr"/>
+            <a:r>
+              <a:rPr lang="en-US" sz="1600" dirty="0">
+                <a:solidFill>
+                  <a:srgbClr val="3F3C53"/>
+                </a:solidFill>
+                <a:latin typeface="SF Pro Text" pitchFamily="2" charset="0"/>
+                <a:ea typeface="SF Pro Text" pitchFamily="2" charset="0"/>
+                <a:cs typeface="SF Pro Text" pitchFamily="2" charset="0"/>
+              </a:rPr>
+              <a:t>tun0</a:t>
+            </a:r>
+          </a:p>
+          <a:p>
+            <a:pPr algn="ctr"/>
+            <a:r>
+              <a:rPr lang="en-US" sz="1600" dirty="0">
+                <a:solidFill>
+                  <a:srgbClr val="3F3C53"/>
+                </a:solidFill>
+                <a:latin typeface="SF Pro Text" pitchFamily="2" charset="0"/>
+                <a:ea typeface="SF Pro Text" pitchFamily="2" charset="0"/>
+                <a:cs typeface="SF Pro Text" pitchFamily="2" charset="0"/>
+              </a:rPr>
+              <a:t>Pub/Sub</a:t>
+            </a:r>
+            <a:endParaRPr lang="it-IT" sz="1600" dirty="0"/>
+          </a:p>
+        </p:txBody>
+      </p:sp>
+      <p:sp>
+        <p:nvSpPr>
+          <p:cNvPr id="50" name="CasellaDiTesto 49">
+            <a:extLst>
+              <a:ext uri="{FF2B5EF4-FFF2-40B4-BE49-F238E27FC236}">
+                <a16:creationId xmlns:a16="http://schemas.microsoft.com/office/drawing/2014/main" id="{0AB2F549-FE53-6D5E-5EEB-84DCE8A86BC8}"/>
+              </a:ext>
+            </a:extLst>
+          </p:cNvPr>
+          <p:cNvSpPr txBox="1"/>
+          <p:nvPr/>
+        </p:nvSpPr>
+        <p:spPr>
+          <a:xfrm>
+            <a:off x="6870656" y="1051732"/>
+            <a:ext cx="1688055" cy="338554"/>
+          </a:xfrm>
+          <a:prstGeom prst="rect">
+            <a:avLst/>
+          </a:prstGeom>
+          <a:noFill/>
+        </p:spPr>
+        <p:txBody>
+          <a:bodyPr wrap="square">
+            <a:spAutoFit/>
+          </a:bodyPr>
+          <a:lstStyle/>
+          <a:p>
+            <a:r>
+              <a:rPr lang="en-US" sz="1600" dirty="0">
+                <a:solidFill>
+                  <a:srgbClr val="3F3C53"/>
+                </a:solidFill>
+                <a:latin typeface="SF Pro Text" pitchFamily="2" charset="0"/>
+                <a:ea typeface="SF Pro Text" pitchFamily="2" charset="0"/>
+                <a:cs typeface="SF Pro Text" pitchFamily="2" charset="0"/>
+              </a:rPr>
+              <a:t>Broker bridge</a:t>
+            </a:r>
+            <a:endParaRPr lang="it-IT" sz="1600" dirty="0"/>
+          </a:p>
+        </p:txBody>
+      </p:sp>
+      <p:sp>
+        <p:nvSpPr>
+          <p:cNvPr id="51" name="CasellaDiTesto 50">
+            <a:extLst>
+              <a:ext uri="{FF2B5EF4-FFF2-40B4-BE49-F238E27FC236}">
+                <a16:creationId xmlns:a16="http://schemas.microsoft.com/office/drawing/2014/main" id="{1689532D-1BDA-7F5C-D97B-89E9DC9A5F81}"/>
+              </a:ext>
+            </a:extLst>
+          </p:cNvPr>
+          <p:cNvSpPr txBox="1"/>
+          <p:nvPr/>
+        </p:nvSpPr>
+        <p:spPr>
+          <a:xfrm rot="3573375">
+            <a:off x="9586308" y="1645733"/>
+            <a:ext cx="1093730" cy="338554"/>
+          </a:xfrm>
+          <a:prstGeom prst="rect">
+            <a:avLst/>
+          </a:prstGeom>
+          <a:noFill/>
+        </p:spPr>
+        <p:txBody>
+          <a:bodyPr wrap="square">
+            <a:spAutoFit/>
+          </a:bodyPr>
+          <a:lstStyle/>
+          <a:p>
+            <a:r>
+              <a:rPr lang="en-US" sz="1600" dirty="0">
+                <a:solidFill>
+                  <a:srgbClr val="3F3C53"/>
+                </a:solidFill>
+                <a:latin typeface="SF Pro Text" pitchFamily="2" charset="0"/>
+                <a:ea typeface="SF Pro Text" pitchFamily="2" charset="0"/>
+                <a:cs typeface="SF Pro Text" pitchFamily="2" charset="0"/>
+              </a:rPr>
+              <a:t>Pub/Sub</a:t>
+            </a:r>
+            <a:endParaRPr lang="it-IT" sz="1600" dirty="0"/>
+          </a:p>
+        </p:txBody>
+      </p:sp>
+      <p:sp>
+        <p:nvSpPr>
+          <p:cNvPr id="52" name="CasellaDiTesto 51">
+            <a:extLst>
+              <a:ext uri="{FF2B5EF4-FFF2-40B4-BE49-F238E27FC236}">
+                <a16:creationId xmlns:a16="http://schemas.microsoft.com/office/drawing/2014/main" id="{0F493253-6CE1-1B22-BC9F-19FA0B8115BF}"/>
+              </a:ext>
+            </a:extLst>
+          </p:cNvPr>
+          <p:cNvSpPr txBox="1"/>
+          <p:nvPr/>
+        </p:nvSpPr>
+        <p:spPr>
+          <a:xfrm rot="5400000">
+            <a:off x="9806049" y="3374431"/>
+            <a:ext cx="987462" cy="338554"/>
+          </a:xfrm>
+          <a:prstGeom prst="rect">
+            <a:avLst/>
+          </a:prstGeom>
+          <a:noFill/>
+        </p:spPr>
+        <p:txBody>
+          <a:bodyPr wrap="square">
+            <a:spAutoFit/>
+          </a:bodyPr>
+          <a:lstStyle/>
+          <a:p>
+            <a:r>
+              <a:rPr lang="en-US" sz="1600" dirty="0">
+                <a:solidFill>
+                  <a:srgbClr val="3F3C53"/>
+                </a:solidFill>
+                <a:latin typeface="SF Pro Text" pitchFamily="2" charset="0"/>
+                <a:ea typeface="SF Pro Text" pitchFamily="2" charset="0"/>
+                <a:cs typeface="SF Pro Text" pitchFamily="2" charset="0"/>
+              </a:rPr>
+              <a:t>Write</a:t>
+            </a:r>
+            <a:endParaRPr lang="it-IT" sz="1600" dirty="0"/>
+          </a:p>
+        </p:txBody>
+      </p:sp>
+      <p:sp>
+        <p:nvSpPr>
+          <p:cNvPr id="53" name="CasellaDiTesto 52">
+            <a:extLst>
+              <a:ext uri="{FF2B5EF4-FFF2-40B4-BE49-F238E27FC236}">
+                <a16:creationId xmlns:a16="http://schemas.microsoft.com/office/drawing/2014/main" id="{9E692C84-4342-73B2-C0B0-FBE8180A4A86}"/>
+              </a:ext>
+            </a:extLst>
+          </p:cNvPr>
+          <p:cNvSpPr txBox="1"/>
+          <p:nvPr/>
+        </p:nvSpPr>
+        <p:spPr>
+          <a:xfrm rot="5400000">
+            <a:off x="9803302" y="4792018"/>
+            <a:ext cx="987462" cy="338554"/>
+          </a:xfrm>
+          <a:prstGeom prst="rect">
+            <a:avLst/>
+          </a:prstGeom>
+          <a:noFill/>
+        </p:spPr>
+        <p:txBody>
+          <a:bodyPr wrap="square">
+            <a:spAutoFit/>
+          </a:bodyPr>
+          <a:lstStyle/>
+          <a:p>
+            <a:r>
+              <a:rPr lang="en-US" sz="1600" dirty="0">
+                <a:solidFill>
+                  <a:srgbClr val="3F3C53"/>
+                </a:solidFill>
+                <a:latin typeface="SF Pro Text" pitchFamily="2" charset="0"/>
+                <a:ea typeface="SF Pro Text" pitchFamily="2" charset="0"/>
+                <a:cs typeface="SF Pro Text" pitchFamily="2" charset="0"/>
+              </a:rPr>
+              <a:t>Read</a:t>
+            </a:r>
+            <a:endParaRPr lang="it-IT" sz="1600" dirty="0"/>
+          </a:p>
+        </p:txBody>
+      </p:sp>
+      <p:pic>
+        <p:nvPicPr>
+          <p:cNvPr id="59" name="Elemento grafico 58">
+            <a:extLst>
+              <a:ext uri="{FF2B5EF4-FFF2-40B4-BE49-F238E27FC236}">
+                <a16:creationId xmlns:a16="http://schemas.microsoft.com/office/drawing/2014/main" id="{A519B49E-28B0-AD88-5BE8-862A4DDFDFC4}"/>
+              </a:ext>
+            </a:extLst>
+          </p:cNvPr>
+          <p:cNvPicPr>
+            <a:picLocks noChangeAspect="1"/>
+          </p:cNvPicPr>
+          <p:nvPr/>
+        </p:nvPicPr>
+        <p:blipFill>
+          <a:blip r:embed="rId14">
+            <a:extLst>
+              <a:ext uri="{96DAC541-7B7A-43D3-8B79-37D633B846F1}">
+                <asvg:svgBlip xmlns:asvg="http://schemas.microsoft.com/office/drawing/2016/SVG/main" r:embed="rId15"/>
+              </a:ext>
+            </a:extLst>
+          </a:blip>
+          <a:stretch>
+            <a:fillRect/>
+          </a:stretch>
+        </p:blipFill>
+        <p:spPr>
+          <a:xfrm>
+            <a:off x="5722788" y="3289501"/>
+            <a:ext cx="528996" cy="528996"/>
+          </a:xfrm>
+          <a:prstGeom prst="rect">
+            <a:avLst/>
+          </a:prstGeom>
+        </p:spPr>
+      </p:pic>
+      <p:pic>
+        <p:nvPicPr>
+          <p:cNvPr id="60" name="Elemento grafico 59">
+            <a:extLst>
+              <a:ext uri="{FF2B5EF4-FFF2-40B4-BE49-F238E27FC236}">
+                <a16:creationId xmlns:a16="http://schemas.microsoft.com/office/drawing/2014/main" id="{EFE4BF5C-810B-A9F0-4D94-F3F762DCA593}"/>
+              </a:ext>
+            </a:extLst>
+          </p:cNvPr>
+          <p:cNvPicPr>
+            <a:picLocks noChangeAspect="1"/>
+          </p:cNvPicPr>
+          <p:nvPr/>
+        </p:nvPicPr>
+        <p:blipFill>
+          <a:blip r:embed="rId14">
+            <a:extLst>
+              <a:ext uri="{96DAC541-7B7A-43D3-8B79-37D633B846F1}">
+                <asvg:svgBlip xmlns:asvg="http://schemas.microsoft.com/office/drawing/2016/SVG/main" r:embed="rId15"/>
+              </a:ext>
+            </a:extLst>
+          </a:blip>
+          <a:stretch>
+            <a:fillRect/>
+          </a:stretch>
+        </p:blipFill>
+        <p:spPr>
+          <a:xfrm>
+            <a:off x="6358109" y="3291177"/>
+            <a:ext cx="528996" cy="528996"/>
+          </a:xfrm>
+          <a:prstGeom prst="rect">
+            <a:avLst/>
+          </a:prstGeom>
+        </p:spPr>
+      </p:pic>
+      <p:pic>
+        <p:nvPicPr>
+          <p:cNvPr id="61" name="Elemento grafico 60">
+            <a:extLst>
+              <a:ext uri="{FF2B5EF4-FFF2-40B4-BE49-F238E27FC236}">
+                <a16:creationId xmlns:a16="http://schemas.microsoft.com/office/drawing/2014/main" id="{A3D70A75-1987-455F-DA21-252B22D124F1}"/>
+              </a:ext>
+            </a:extLst>
+          </p:cNvPr>
+          <p:cNvPicPr>
+            <a:picLocks noChangeAspect="1"/>
+          </p:cNvPicPr>
+          <p:nvPr/>
+        </p:nvPicPr>
+        <p:blipFill>
+          <a:blip r:embed="rId14">
+            <a:extLst>
+              <a:ext uri="{96DAC541-7B7A-43D3-8B79-37D633B846F1}">
+                <asvg:svgBlip xmlns:asvg="http://schemas.microsoft.com/office/drawing/2016/SVG/main" r:embed="rId15"/>
+              </a:ext>
+            </a:extLst>
+          </a:blip>
+          <a:stretch>
+            <a:fillRect/>
+          </a:stretch>
+        </p:blipFill>
+        <p:spPr>
+          <a:xfrm>
+            <a:off x="6047936" y="3817922"/>
+            <a:ext cx="528996" cy="528996"/>
+          </a:xfrm>
+          <a:prstGeom prst="rect">
+            <a:avLst/>
+          </a:prstGeom>
+        </p:spPr>
+      </p:pic>
+      <p:sp>
+        <p:nvSpPr>
+          <p:cNvPr id="62" name="CasellaDiTesto 61">
+            <a:extLst>
+              <a:ext uri="{FF2B5EF4-FFF2-40B4-BE49-F238E27FC236}">
+                <a16:creationId xmlns:a16="http://schemas.microsoft.com/office/drawing/2014/main" id="{8E72761B-4800-60CB-24DD-5A66DF99F12B}"/>
+              </a:ext>
+            </a:extLst>
+          </p:cNvPr>
+          <p:cNvSpPr txBox="1"/>
+          <p:nvPr/>
+        </p:nvSpPr>
+        <p:spPr>
+          <a:xfrm>
+            <a:off x="5167370" y="4433530"/>
+            <a:ext cx="2168828" cy="369332"/>
+          </a:xfrm>
+          <a:prstGeom prst="rect">
+            <a:avLst/>
+          </a:prstGeom>
+          <a:noFill/>
+        </p:spPr>
+        <p:txBody>
+          <a:bodyPr wrap="square">
+            <a:spAutoFit/>
+          </a:bodyPr>
+          <a:lstStyle/>
+          <a:p>
+            <a:pPr algn="ctr"/>
+            <a:r>
+              <a:rPr lang="en-US" dirty="0">
+                <a:solidFill>
+                  <a:srgbClr val="3F51C3"/>
+                </a:solidFill>
+                <a:latin typeface="SF Pro Text" pitchFamily="2" charset="0"/>
+                <a:ea typeface="SF Pro Text" pitchFamily="2" charset="0"/>
+                <a:cs typeface="SF Pro Text" pitchFamily="2" charset="0"/>
+              </a:rPr>
+              <a:t>Actuators</a:t>
+            </a:r>
+            <a:endParaRPr lang="it-IT" dirty="0">
+              <a:solidFill>
+                <a:srgbClr val="3F51C3"/>
+              </a:solidFill>
+            </a:endParaRPr>
+          </a:p>
+        </p:txBody>
+      </p:sp>
+      <p:cxnSp>
+        <p:nvCxnSpPr>
+          <p:cNvPr id="63" name="Connettore 2 62">
+            <a:extLst>
+              <a:ext uri="{FF2B5EF4-FFF2-40B4-BE49-F238E27FC236}">
+                <a16:creationId xmlns:a16="http://schemas.microsoft.com/office/drawing/2014/main" id="{71FDBBB2-F520-3434-4BDE-2FBB5A6303E8}"/>
+              </a:ext>
+            </a:extLst>
+          </p:cNvPr>
+          <p:cNvCxnSpPr>
+            <a:cxnSpLocks/>
+          </p:cNvCxnSpPr>
+          <p:nvPr/>
+        </p:nvCxnSpPr>
+        <p:spPr>
+          <a:xfrm flipV="1">
+            <a:off x="7019109" y="1845604"/>
+            <a:ext cx="2013151" cy="1708395"/>
+          </a:xfrm>
+          <a:prstGeom prst="straightConnector1">
+            <a:avLst/>
+          </a:prstGeom>
+          <a:ln w="38100">
+            <a:solidFill>
+              <a:srgbClr val="3F3C53"/>
+            </a:solidFill>
+            <a:headEnd type="none"/>
+            <a:tailEnd type="triangle"/>
+          </a:ln>
+        </p:spPr>
+        <p:style>
+          <a:lnRef idx="1">
+            <a:schemeClr val="accent1"/>
+          </a:lnRef>
+          <a:fillRef idx="0">
+            <a:schemeClr val="accent1"/>
+          </a:fillRef>
+          <a:effectRef idx="0">
+            <a:schemeClr val="accent1"/>
+          </a:effectRef>
+          <a:fontRef idx="minor">
+            <a:schemeClr val="tx1"/>
+          </a:fontRef>
+        </p:style>
+      </p:cxnSp>
+      <p:sp>
+        <p:nvSpPr>
+          <p:cNvPr id="65" name="CasellaDiTesto 64">
+            <a:extLst>
+              <a:ext uri="{FF2B5EF4-FFF2-40B4-BE49-F238E27FC236}">
+                <a16:creationId xmlns:a16="http://schemas.microsoft.com/office/drawing/2014/main" id="{CF2D068B-A15A-4224-C219-A6B16DFF4AB8}"/>
+              </a:ext>
+            </a:extLst>
+          </p:cNvPr>
+          <p:cNvSpPr txBox="1"/>
+          <p:nvPr/>
+        </p:nvSpPr>
+        <p:spPr>
+          <a:xfrm rot="19167962">
+            <a:off x="7240669" y="2487789"/>
+            <a:ext cx="1197433" cy="338554"/>
+          </a:xfrm>
+          <a:prstGeom prst="rect">
+            <a:avLst/>
+          </a:prstGeom>
+          <a:noFill/>
+        </p:spPr>
+        <p:txBody>
+          <a:bodyPr wrap="square">
+            <a:spAutoFit/>
+          </a:bodyPr>
+          <a:lstStyle/>
+          <a:p>
+            <a:pPr algn="ctr"/>
+            <a:r>
+              <a:rPr lang="en-US" sz="1600" dirty="0">
+                <a:solidFill>
+                  <a:srgbClr val="3F3C53"/>
+                </a:solidFill>
+                <a:latin typeface="SF Pro Text" pitchFamily="2" charset="0"/>
+                <a:ea typeface="SF Pro Text" pitchFamily="2" charset="0"/>
+                <a:cs typeface="SF Pro Text" pitchFamily="2" charset="0"/>
+              </a:rPr>
+              <a:t>Subscribe</a:t>
+            </a:r>
+          </a:p>
+        </p:txBody>
+      </p:sp>
+      <p:pic>
+        <p:nvPicPr>
+          <p:cNvPr id="68" name="Elemento grafico 67">
+            <a:extLst>
+              <a:ext uri="{FF2B5EF4-FFF2-40B4-BE49-F238E27FC236}">
+                <a16:creationId xmlns:a16="http://schemas.microsoft.com/office/drawing/2014/main" id="{2A32FA45-33B5-BA07-CDCA-17B3BA6AD6B9}"/>
+              </a:ext>
+            </a:extLst>
+          </p:cNvPr>
+          <p:cNvPicPr>
+            <a:picLocks noChangeAspect="1"/>
+          </p:cNvPicPr>
+          <p:nvPr/>
+        </p:nvPicPr>
+        <p:blipFill>
+          <a:blip r:embed="rId16">
+            <a:extLst>
+              <a:ext uri="{96DAC541-7B7A-43D3-8B79-37D633B846F1}">
+                <asvg:svgBlip xmlns:asvg="http://schemas.microsoft.com/office/drawing/2016/SVG/main" r:embed="rId17"/>
+              </a:ext>
+            </a:extLst>
+          </a:blip>
+          <a:stretch>
+            <a:fillRect/>
+          </a:stretch>
+        </p:blipFill>
+        <p:spPr>
+          <a:xfrm>
+            <a:off x="6036589" y="5638532"/>
+            <a:ext cx="530481" cy="530481"/>
+          </a:xfrm>
+          <a:prstGeom prst="rect">
+            <a:avLst/>
+          </a:prstGeom>
+        </p:spPr>
+      </p:pic>
+      <p:sp>
+        <p:nvSpPr>
+          <p:cNvPr id="69" name="CasellaDiTesto 68">
+            <a:extLst>
+              <a:ext uri="{FF2B5EF4-FFF2-40B4-BE49-F238E27FC236}">
+                <a16:creationId xmlns:a16="http://schemas.microsoft.com/office/drawing/2014/main" id="{FEB6255B-7B61-23AA-D9FE-C3BECD3D3360}"/>
+              </a:ext>
+            </a:extLst>
+          </p:cNvPr>
+          <p:cNvSpPr txBox="1"/>
+          <p:nvPr/>
+        </p:nvSpPr>
+        <p:spPr>
+          <a:xfrm rot="5400000">
+            <a:off x="5801657" y="5047635"/>
+            <a:ext cx="1197433" cy="338554"/>
+          </a:xfrm>
+          <a:prstGeom prst="rect">
+            <a:avLst/>
+          </a:prstGeom>
+          <a:noFill/>
+        </p:spPr>
+        <p:txBody>
+          <a:bodyPr wrap="square">
+            <a:spAutoFit/>
+          </a:bodyPr>
+          <a:lstStyle/>
+          <a:p>
+            <a:pPr algn="ctr"/>
+            <a:r>
+              <a:rPr lang="en-US" sz="1600" dirty="0">
+                <a:solidFill>
+                  <a:srgbClr val="3F3C53"/>
+                </a:solidFill>
+                <a:latin typeface="SF Pro Text" pitchFamily="2" charset="0"/>
+                <a:ea typeface="SF Pro Text" pitchFamily="2" charset="0"/>
+                <a:cs typeface="SF Pro Text" pitchFamily="2" charset="0"/>
+              </a:rPr>
+              <a:t>POST</a:t>
+            </a:r>
+            <a:endParaRPr lang="it-IT" sz="1600" dirty="0"/>
+          </a:p>
+        </p:txBody>
+      </p:sp>
+      <p:sp>
+        <p:nvSpPr>
+          <p:cNvPr id="70" name="CasellaDiTesto 69">
+            <a:extLst>
+              <a:ext uri="{FF2B5EF4-FFF2-40B4-BE49-F238E27FC236}">
+                <a16:creationId xmlns:a16="http://schemas.microsoft.com/office/drawing/2014/main" id="{1E9935CF-9BB4-7DA0-78EF-1E6F3BDD7E05}"/>
+              </a:ext>
+            </a:extLst>
+          </p:cNvPr>
+          <p:cNvSpPr txBox="1"/>
+          <p:nvPr/>
+        </p:nvSpPr>
+        <p:spPr>
+          <a:xfrm>
+            <a:off x="5228020" y="6108481"/>
+            <a:ext cx="2168828" cy="369332"/>
+          </a:xfrm>
+          <a:prstGeom prst="rect">
+            <a:avLst/>
+          </a:prstGeom>
+          <a:noFill/>
+        </p:spPr>
+        <p:txBody>
+          <a:bodyPr wrap="square">
+            <a:spAutoFit/>
+          </a:bodyPr>
+          <a:lstStyle/>
+          <a:p>
+            <a:pPr algn="ctr"/>
+            <a:r>
+              <a:rPr lang="en-US" dirty="0">
+                <a:solidFill>
+                  <a:srgbClr val="3F51C3"/>
+                </a:solidFill>
+                <a:latin typeface="SF Pro Text" pitchFamily="2" charset="0"/>
+                <a:ea typeface="SF Pro Text" pitchFamily="2" charset="0"/>
+                <a:cs typeface="SF Pro Text" pitchFamily="2" charset="0"/>
+              </a:rPr>
+              <a:t>Notification</a:t>
+            </a:r>
+            <a:endParaRPr lang="it-IT" dirty="0">
+              <a:solidFill>
+                <a:srgbClr val="3F51C3"/>
+              </a:solidFill>
+            </a:endParaRPr>
+          </a:p>
+        </p:txBody>
+      </p:sp>
+      <p:cxnSp>
+        <p:nvCxnSpPr>
+          <p:cNvPr id="72" name="Connettore 2 71">
+            <a:extLst>
+              <a:ext uri="{FF2B5EF4-FFF2-40B4-BE49-F238E27FC236}">
+                <a16:creationId xmlns:a16="http://schemas.microsoft.com/office/drawing/2014/main" id="{1A13164C-92CC-80BA-EB53-9034F24BD7D4}"/>
+              </a:ext>
+            </a:extLst>
+          </p:cNvPr>
+          <p:cNvCxnSpPr>
+            <a:cxnSpLocks/>
+          </p:cNvCxnSpPr>
+          <p:nvPr/>
+        </p:nvCxnSpPr>
+        <p:spPr>
+          <a:xfrm>
+            <a:off x="6253570" y="4905010"/>
+            <a:ext cx="0" cy="689944"/>
+          </a:xfrm>
+          <a:prstGeom prst="straightConnector1">
+            <a:avLst/>
+          </a:prstGeom>
+          <a:ln w="38100">
+            <a:solidFill>
+              <a:srgbClr val="3F3C53"/>
+            </a:solidFill>
+            <a:headEnd type="none"/>
+            <a:tailEnd type="triangle"/>
+          </a:ln>
+        </p:spPr>
+        <p:style>
+          <a:lnRef idx="1">
+            <a:schemeClr val="accent1"/>
+          </a:lnRef>
+          <a:fillRef idx="0">
+            <a:schemeClr val="accent1"/>
+          </a:fillRef>
+          <a:effectRef idx="0">
+            <a:schemeClr val="accent1"/>
+          </a:effectRef>
+          <a:fontRef idx="minor">
+            <a:schemeClr val="tx1"/>
+          </a:fontRef>
+        </p:style>
+      </p:cxnSp>
     </p:spTree>
     <p:extLst>
       <p:ext uri="{BB962C8B-B14F-4D97-AF65-F5344CB8AC3E}">
@@ -6914,6 +8636,286 @@
       </p:grpSpPr>
       <p:sp>
         <p:nvSpPr>
+          <p:cNvPr id="15" name="Rettangolo con angoli arrotondati 14">
+            <a:extLst>
+              <a:ext uri="{FF2B5EF4-FFF2-40B4-BE49-F238E27FC236}">
+                <a16:creationId xmlns:a16="http://schemas.microsoft.com/office/drawing/2014/main" id="{0B15F705-B4E6-84F6-2BC1-3350DABA5902}"/>
+              </a:ext>
+            </a:extLst>
+          </p:cNvPr>
+          <p:cNvSpPr/>
+          <p:nvPr/>
+        </p:nvSpPr>
+        <p:spPr>
+          <a:xfrm>
+            <a:off x="8264423" y="4588657"/>
+            <a:ext cx="3389343" cy="1441365"/>
+          </a:xfrm>
+          <a:prstGeom prst="roundRect">
+            <a:avLst>
+              <a:gd name="adj" fmla="val 30571"/>
+            </a:avLst>
+          </a:prstGeom>
+          <a:solidFill>
+            <a:srgbClr val="FFFFFF">
+              <a:alpha val="50196"/>
+            </a:srgbClr>
+          </a:solidFill>
+          <a:ln w="38100">
+            <a:noFill/>
+          </a:ln>
+        </p:spPr>
+        <p:style>
+          <a:lnRef idx="2">
+            <a:schemeClr val="accent1">
+              <a:shade val="50000"/>
+            </a:schemeClr>
+          </a:lnRef>
+          <a:fillRef idx="1">
+            <a:schemeClr val="accent1"/>
+          </a:fillRef>
+          <a:effectRef idx="0">
+            <a:schemeClr val="accent1"/>
+          </a:effectRef>
+          <a:fontRef idx="minor">
+            <a:schemeClr val="lt1"/>
+          </a:fontRef>
+        </p:style>
+        <p:txBody>
+          <a:bodyPr rtlCol="0" anchor="ctr"/>
+          <a:lstStyle/>
+          <a:p>
+            <a:pPr algn="ctr"/>
+            <a:endParaRPr lang="en-US"/>
+          </a:p>
+        </p:txBody>
+      </p:sp>
+      <p:sp>
+        <p:nvSpPr>
+          <p:cNvPr id="14" name="Rettangolo con angoli arrotondati 13">
+            <a:extLst>
+              <a:ext uri="{FF2B5EF4-FFF2-40B4-BE49-F238E27FC236}">
+                <a16:creationId xmlns:a16="http://schemas.microsoft.com/office/drawing/2014/main" id="{38023296-86C1-AE5E-EFBB-7613852119E0}"/>
+              </a:ext>
+            </a:extLst>
+          </p:cNvPr>
+          <p:cNvSpPr/>
+          <p:nvPr/>
+        </p:nvSpPr>
+        <p:spPr>
+          <a:xfrm>
+            <a:off x="8264424" y="1012987"/>
+            <a:ext cx="3389343" cy="1441365"/>
+          </a:xfrm>
+          <a:prstGeom prst="roundRect">
+            <a:avLst>
+              <a:gd name="adj" fmla="val 30571"/>
+            </a:avLst>
+          </a:prstGeom>
+          <a:solidFill>
+            <a:srgbClr val="FFFFFF">
+              <a:alpha val="50196"/>
+            </a:srgbClr>
+          </a:solidFill>
+          <a:ln w="38100">
+            <a:noFill/>
+          </a:ln>
+        </p:spPr>
+        <p:style>
+          <a:lnRef idx="2">
+            <a:schemeClr val="accent1">
+              <a:shade val="50000"/>
+            </a:schemeClr>
+          </a:lnRef>
+          <a:fillRef idx="1">
+            <a:schemeClr val="accent1"/>
+          </a:fillRef>
+          <a:effectRef idx="0">
+            <a:schemeClr val="accent1"/>
+          </a:effectRef>
+          <a:fontRef idx="minor">
+            <a:schemeClr val="lt1"/>
+          </a:fontRef>
+        </p:style>
+        <p:txBody>
+          <a:bodyPr rtlCol="0" anchor="ctr"/>
+          <a:lstStyle/>
+          <a:p>
+            <a:pPr algn="ctr"/>
+            <a:endParaRPr lang="en-US"/>
+          </a:p>
+        </p:txBody>
+      </p:sp>
+      <p:sp>
+        <p:nvSpPr>
+          <p:cNvPr id="13" name="Rettangolo con angoli arrotondati 12">
+            <a:extLst>
+              <a:ext uri="{FF2B5EF4-FFF2-40B4-BE49-F238E27FC236}">
+                <a16:creationId xmlns:a16="http://schemas.microsoft.com/office/drawing/2014/main" id="{5A5BF927-E0EA-6ABC-4365-79739CCBA44C}"/>
+              </a:ext>
+            </a:extLst>
+          </p:cNvPr>
+          <p:cNvSpPr/>
+          <p:nvPr/>
+        </p:nvSpPr>
+        <p:spPr>
+          <a:xfrm>
+            <a:off x="1205440" y="4591698"/>
+            <a:ext cx="3389343" cy="1441365"/>
+          </a:xfrm>
+          <a:prstGeom prst="roundRect">
+            <a:avLst>
+              <a:gd name="adj" fmla="val 30571"/>
+            </a:avLst>
+          </a:prstGeom>
+          <a:solidFill>
+            <a:srgbClr val="FFFFFF">
+              <a:alpha val="50196"/>
+            </a:srgbClr>
+          </a:solidFill>
+          <a:ln w="38100">
+            <a:noFill/>
+          </a:ln>
+        </p:spPr>
+        <p:style>
+          <a:lnRef idx="2">
+            <a:schemeClr val="accent1">
+              <a:shade val="50000"/>
+            </a:schemeClr>
+          </a:lnRef>
+          <a:fillRef idx="1">
+            <a:schemeClr val="accent1"/>
+          </a:fillRef>
+          <a:effectRef idx="0">
+            <a:schemeClr val="accent1"/>
+          </a:effectRef>
+          <a:fontRef idx="minor">
+            <a:schemeClr val="lt1"/>
+          </a:fontRef>
+        </p:style>
+        <p:txBody>
+          <a:bodyPr rtlCol="0" anchor="ctr"/>
+          <a:lstStyle/>
+          <a:p>
+            <a:pPr algn="ctr"/>
+            <a:endParaRPr lang="en-US"/>
+          </a:p>
+        </p:txBody>
+      </p:sp>
+      <p:sp>
+        <p:nvSpPr>
+          <p:cNvPr id="12" name="Rettangolo con angoli arrotondati 11">
+            <a:extLst>
+              <a:ext uri="{FF2B5EF4-FFF2-40B4-BE49-F238E27FC236}">
+                <a16:creationId xmlns:a16="http://schemas.microsoft.com/office/drawing/2014/main" id="{33ED0006-BB16-C99B-0E9A-ECABD3896000}"/>
+              </a:ext>
+            </a:extLst>
+          </p:cNvPr>
+          <p:cNvSpPr/>
+          <p:nvPr/>
+        </p:nvSpPr>
+        <p:spPr>
+          <a:xfrm>
+            <a:off x="1205440" y="1201040"/>
+            <a:ext cx="3389343" cy="1065263"/>
+          </a:xfrm>
+          <a:prstGeom prst="roundRect">
+            <a:avLst>
+              <a:gd name="adj" fmla="val 30571"/>
+            </a:avLst>
+          </a:prstGeom>
+          <a:solidFill>
+            <a:srgbClr val="FFFFFF">
+              <a:alpha val="50196"/>
+            </a:srgbClr>
+          </a:solidFill>
+          <a:ln w="38100">
+            <a:noFill/>
+          </a:ln>
+        </p:spPr>
+        <p:style>
+          <a:lnRef idx="2">
+            <a:schemeClr val="accent1">
+              <a:shade val="50000"/>
+            </a:schemeClr>
+          </a:lnRef>
+          <a:fillRef idx="1">
+            <a:schemeClr val="accent1"/>
+          </a:fillRef>
+          <a:effectRef idx="0">
+            <a:schemeClr val="accent1"/>
+          </a:effectRef>
+          <a:fontRef idx="minor">
+            <a:schemeClr val="lt1"/>
+          </a:fontRef>
+        </p:style>
+        <p:txBody>
+          <a:bodyPr rtlCol="0" anchor="ctr"/>
+          <a:lstStyle/>
+          <a:p>
+            <a:pPr algn="ctr"/>
+            <a:endParaRPr lang="en-US"/>
+          </a:p>
+        </p:txBody>
+      </p:sp>
+      <p:sp>
+        <p:nvSpPr>
+          <p:cNvPr id="10" name="Rettangolo con angoli arrotondati 9">
+            <a:extLst>
+              <a:ext uri="{FF2B5EF4-FFF2-40B4-BE49-F238E27FC236}">
+                <a16:creationId xmlns:a16="http://schemas.microsoft.com/office/drawing/2014/main" id="{A5F53523-41A5-DFCA-B546-ADE54F7993DF}"/>
+              </a:ext>
+            </a:extLst>
+          </p:cNvPr>
+          <p:cNvSpPr/>
+          <p:nvPr/>
+        </p:nvSpPr>
+        <p:spPr>
+          <a:xfrm>
+            <a:off x="5113180" y="2112546"/>
+            <a:ext cx="2671919" cy="2621084"/>
+          </a:xfrm>
+          <a:prstGeom prst="roundRect">
+            <a:avLst>
+              <a:gd name="adj" fmla="val 30571"/>
+            </a:avLst>
+          </a:prstGeom>
+          <a:solidFill>
+            <a:srgbClr val="FFFFFF">
+              <a:alpha val="50196"/>
+            </a:srgbClr>
+          </a:solidFill>
+          <a:ln w="38100">
+            <a:noFill/>
+          </a:ln>
+        </p:spPr>
+        <p:style>
+          <a:lnRef idx="2">
+            <a:schemeClr val="accent1">
+              <a:shade val="50000"/>
+            </a:schemeClr>
+          </a:lnRef>
+          <a:fillRef idx="1">
+            <a:schemeClr val="accent1"/>
+          </a:fillRef>
+          <a:effectRef idx="0">
+            <a:schemeClr val="accent1"/>
+          </a:effectRef>
+          <a:fontRef idx="minor">
+            <a:schemeClr val="lt1"/>
+          </a:fontRef>
+        </p:style>
+        <p:txBody>
+          <a:bodyPr rtlCol="0" anchor="ctr"/>
+          <a:lstStyle/>
+          <a:p>
+            <a:pPr algn="ctr"/>
+            <a:endParaRPr lang="en-US"/>
+          </a:p>
+        </p:txBody>
+      </p:sp>
+      <p:sp>
+        <p:nvSpPr>
           <p:cNvPr id="2" name="Segnaposto numero diapositiva 1">
             <a:extLst>
               <a:ext uri="{FF2B5EF4-FFF2-40B4-BE49-F238E27FC236}">
@@ -6964,10 +8966,679 @@
           <a:lstStyle/>
           <a:p>
             <a:r>
-              <a:rPr lang="it-IT" dirty="0" err="1"/>
+              <a:rPr lang="en-US"/>
               <a:t>Actuators</a:t>
             </a:r>
+          </a:p>
+        </p:txBody>
+      </p:sp>
+      <p:sp>
+        <p:nvSpPr>
+          <p:cNvPr id="5" name="CasellaDiTesto 4">
+            <a:extLst>
+              <a:ext uri="{FF2B5EF4-FFF2-40B4-BE49-F238E27FC236}">
+                <a16:creationId xmlns:a16="http://schemas.microsoft.com/office/drawing/2014/main" id="{1C09F81F-2C1B-6809-7BAC-927B1E5ACCB8}"/>
+              </a:ext>
+            </a:extLst>
+          </p:cNvPr>
+          <p:cNvSpPr txBox="1"/>
+          <p:nvPr/>
+        </p:nvSpPr>
+        <p:spPr>
+          <a:xfrm>
+            <a:off x="1435550" y="1410505"/>
+            <a:ext cx="3034850" cy="646331"/>
+          </a:xfrm>
+          <a:prstGeom prst="rect">
+            <a:avLst/>
+          </a:prstGeom>
+          <a:noFill/>
+        </p:spPr>
+        <p:txBody>
+          <a:bodyPr wrap="square">
+            <a:spAutoFit/>
+          </a:bodyPr>
+          <a:lstStyle/>
+          <a:p>
+            <a:r>
+              <a:rPr lang="en-US" dirty="0">
+                <a:solidFill>
+                  <a:srgbClr val="3F3C53"/>
+                </a:solidFill>
+                <a:latin typeface="SF Pro Text" pitchFamily="2" charset="0"/>
+                <a:ea typeface="SF Pro Text" pitchFamily="2" charset="0"/>
+                <a:cs typeface="SF Pro Text" pitchFamily="2" charset="0"/>
+              </a:rPr>
+              <a:t>Smart devices with full flagged operating system</a:t>
+            </a:r>
             <a:endParaRPr lang="it-IT" dirty="0"/>
+          </a:p>
+        </p:txBody>
+      </p:sp>
+      <p:sp>
+        <p:nvSpPr>
+          <p:cNvPr id="6" name="CasellaDiTesto 5">
+            <a:extLst>
+              <a:ext uri="{FF2B5EF4-FFF2-40B4-BE49-F238E27FC236}">
+                <a16:creationId xmlns:a16="http://schemas.microsoft.com/office/drawing/2014/main" id="{47E0B106-54C4-9619-605F-AC17C7BAADE3}"/>
+              </a:ext>
+            </a:extLst>
+          </p:cNvPr>
+          <p:cNvSpPr txBox="1"/>
+          <p:nvPr/>
+        </p:nvSpPr>
+        <p:spPr>
+          <a:xfrm>
+            <a:off x="8604017" y="1270729"/>
+            <a:ext cx="2850723" cy="923330"/>
+          </a:xfrm>
+          <a:prstGeom prst="rect">
+            <a:avLst/>
+          </a:prstGeom>
+          <a:noFill/>
+        </p:spPr>
+        <p:txBody>
+          <a:bodyPr wrap="square">
+            <a:spAutoFit/>
+          </a:bodyPr>
+          <a:lstStyle/>
+          <a:p>
+            <a:r>
+              <a:rPr lang="en-US" dirty="0">
+                <a:solidFill>
+                  <a:srgbClr val="3F3C53"/>
+                </a:solidFill>
+                <a:latin typeface="SF Pro Text" pitchFamily="2" charset="0"/>
+                <a:ea typeface="SF Pro Text" pitchFamily="2" charset="0"/>
+                <a:cs typeface="SF Pro Text" pitchFamily="2" charset="0"/>
+              </a:rPr>
+              <a:t>Read sensor publication based on the location topic</a:t>
+            </a:r>
+            <a:endParaRPr lang="it-IT" dirty="0"/>
+          </a:p>
+        </p:txBody>
+      </p:sp>
+      <p:sp>
+        <p:nvSpPr>
+          <p:cNvPr id="7" name="CasellaDiTesto 6">
+            <a:extLst>
+              <a:ext uri="{FF2B5EF4-FFF2-40B4-BE49-F238E27FC236}">
+                <a16:creationId xmlns:a16="http://schemas.microsoft.com/office/drawing/2014/main" id="{5F977612-74A3-A8B8-36B3-8F90CDB3D516}"/>
+              </a:ext>
+            </a:extLst>
+          </p:cNvPr>
+          <p:cNvSpPr txBox="1"/>
+          <p:nvPr/>
+        </p:nvSpPr>
+        <p:spPr>
+          <a:xfrm>
+            <a:off x="1474749" y="4850715"/>
+            <a:ext cx="2850723" cy="923330"/>
+          </a:xfrm>
+          <a:prstGeom prst="rect">
+            <a:avLst/>
+          </a:prstGeom>
+          <a:noFill/>
+        </p:spPr>
+        <p:txBody>
+          <a:bodyPr wrap="square">
+            <a:spAutoFit/>
+          </a:bodyPr>
+          <a:lstStyle/>
+          <a:p>
+            <a:r>
+              <a:rPr lang="en-US" dirty="0">
+                <a:solidFill>
+                  <a:srgbClr val="3F3C53"/>
+                </a:solidFill>
+                <a:latin typeface="SF Pro Text" pitchFamily="2" charset="0"/>
+                <a:ea typeface="SF Pro Text" pitchFamily="2" charset="0"/>
+                <a:cs typeface="SF Pro Text" pitchFamily="2" charset="0"/>
+              </a:rPr>
+              <a:t>Contains the logic to perform operations based on received data </a:t>
+            </a:r>
+            <a:endParaRPr lang="it-IT" dirty="0"/>
+          </a:p>
+        </p:txBody>
+      </p:sp>
+      <p:sp>
+        <p:nvSpPr>
+          <p:cNvPr id="8" name="CasellaDiTesto 7">
+            <a:extLst>
+              <a:ext uri="{FF2B5EF4-FFF2-40B4-BE49-F238E27FC236}">
+                <a16:creationId xmlns:a16="http://schemas.microsoft.com/office/drawing/2014/main" id="{A584B77C-4893-FD20-0B39-42E90C01E4C8}"/>
+              </a:ext>
+            </a:extLst>
+          </p:cNvPr>
+          <p:cNvSpPr txBox="1"/>
+          <p:nvPr/>
+        </p:nvSpPr>
+        <p:spPr>
+          <a:xfrm>
+            <a:off x="8533732" y="4847674"/>
+            <a:ext cx="2850723" cy="923330"/>
+          </a:xfrm>
+          <a:prstGeom prst="rect">
+            <a:avLst/>
+          </a:prstGeom>
+          <a:noFill/>
+        </p:spPr>
+        <p:txBody>
+          <a:bodyPr wrap="square">
+            <a:spAutoFit/>
+          </a:bodyPr>
+          <a:lstStyle/>
+          <a:p>
+            <a:r>
+              <a:rPr lang="en-US" dirty="0">
+                <a:solidFill>
+                  <a:srgbClr val="3F3C53"/>
+                </a:solidFill>
+                <a:latin typeface="SF Pro Text" pitchFamily="2" charset="0"/>
+                <a:ea typeface="SF Pro Text" pitchFamily="2" charset="0"/>
+                <a:cs typeface="SF Pro Text" pitchFamily="2" charset="0"/>
+              </a:rPr>
+              <a:t>Operations are simulated with a console print</a:t>
+            </a:r>
+            <a:endParaRPr lang="it-IT" dirty="0"/>
+          </a:p>
+        </p:txBody>
+      </p:sp>
+      <p:pic>
+        <p:nvPicPr>
+          <p:cNvPr id="9" name="Elemento grafico 8">
+            <a:extLst>
+              <a:ext uri="{FF2B5EF4-FFF2-40B4-BE49-F238E27FC236}">
+                <a16:creationId xmlns:a16="http://schemas.microsoft.com/office/drawing/2014/main" id="{2DC3088A-60D6-C11F-96DF-118052EC7C16}"/>
+              </a:ext>
+            </a:extLst>
+          </p:cNvPr>
+          <p:cNvPicPr>
+            <a:picLocks noChangeAspect="1"/>
+          </p:cNvPicPr>
+          <p:nvPr/>
+        </p:nvPicPr>
+        <p:blipFill>
+          <a:blip r:embed="rId2">
+            <a:extLst>
+              <a:ext uri="{96DAC541-7B7A-43D3-8B79-37D633B846F1}">
+                <asvg:svgBlip xmlns:asvg="http://schemas.microsoft.com/office/drawing/2016/SVG/main" r:embed="rId3"/>
+              </a:ext>
+            </a:extLst>
+          </a:blip>
+          <a:stretch>
+            <a:fillRect/>
+          </a:stretch>
+        </p:blipFill>
+        <p:spPr>
+          <a:xfrm>
+            <a:off x="5883917" y="2883313"/>
+            <a:ext cx="1091371" cy="1091371"/>
+          </a:xfrm>
+          <a:prstGeom prst="rect">
+            <a:avLst/>
+          </a:prstGeom>
+        </p:spPr>
+      </p:pic>
+      <p:sp>
+        <p:nvSpPr>
+          <p:cNvPr id="11" name="Rettangolo con angoli arrotondati 10">
+            <a:extLst>
+              <a:ext uri="{FF2B5EF4-FFF2-40B4-BE49-F238E27FC236}">
+                <a16:creationId xmlns:a16="http://schemas.microsoft.com/office/drawing/2014/main" id="{32AEB671-16C0-E4CC-7464-7346C54C2CD9}"/>
+              </a:ext>
+            </a:extLst>
+          </p:cNvPr>
+          <p:cNvSpPr/>
+          <p:nvPr/>
+        </p:nvSpPr>
+        <p:spPr>
+          <a:xfrm>
+            <a:off x="4954044" y="1994982"/>
+            <a:ext cx="2951119" cy="2868035"/>
+          </a:xfrm>
+          <a:prstGeom prst="roundRect">
+            <a:avLst>
+              <a:gd name="adj" fmla="val 30571"/>
+            </a:avLst>
+          </a:prstGeom>
+          <a:noFill/>
+          <a:ln w="38100">
+            <a:solidFill>
+              <a:srgbClr val="3F3C53"/>
+            </a:solidFill>
+          </a:ln>
+        </p:spPr>
+        <p:style>
+          <a:lnRef idx="2">
+            <a:schemeClr val="accent1">
+              <a:shade val="50000"/>
+            </a:schemeClr>
+          </a:lnRef>
+          <a:fillRef idx="1">
+            <a:schemeClr val="accent1"/>
+          </a:fillRef>
+          <a:effectRef idx="0">
+            <a:schemeClr val="accent1"/>
+          </a:effectRef>
+          <a:fontRef idx="minor">
+            <a:schemeClr val="lt1"/>
+          </a:fontRef>
+        </p:style>
+        <p:txBody>
+          <a:bodyPr rtlCol="0" anchor="ctr"/>
+          <a:lstStyle/>
+          <a:p>
+            <a:pPr algn="ctr"/>
+            <a:endParaRPr lang="en-US"/>
+          </a:p>
+        </p:txBody>
+      </p:sp>
+      <p:sp>
+        <p:nvSpPr>
+          <p:cNvPr id="16" name="Ovale 15">
+            <a:extLst>
+              <a:ext uri="{FF2B5EF4-FFF2-40B4-BE49-F238E27FC236}">
+                <a16:creationId xmlns:a16="http://schemas.microsoft.com/office/drawing/2014/main" id="{5ACCD1DB-A90D-8B8A-BF9F-0B85677D6B6B}"/>
+              </a:ext>
+            </a:extLst>
+          </p:cNvPr>
+          <p:cNvSpPr/>
+          <p:nvPr/>
+        </p:nvSpPr>
+        <p:spPr>
+          <a:xfrm>
+            <a:off x="913357" y="922498"/>
+            <a:ext cx="646331" cy="646331"/>
+          </a:xfrm>
+          <a:prstGeom prst="ellipse">
+            <a:avLst/>
+          </a:prstGeom>
+          <a:solidFill>
+            <a:srgbClr val="3F51C3"/>
+          </a:solidFill>
+          <a:ln>
+            <a:noFill/>
+          </a:ln>
+        </p:spPr>
+        <p:style>
+          <a:lnRef idx="2">
+            <a:schemeClr val="accent1">
+              <a:shade val="50000"/>
+            </a:schemeClr>
+          </a:lnRef>
+          <a:fillRef idx="1">
+            <a:schemeClr val="accent1"/>
+          </a:fillRef>
+          <a:effectRef idx="0">
+            <a:schemeClr val="accent1"/>
+          </a:effectRef>
+          <a:fontRef idx="minor">
+            <a:schemeClr val="lt1"/>
+          </a:fontRef>
+        </p:style>
+        <p:txBody>
+          <a:bodyPr rtlCol="0" anchor="ctr"/>
+          <a:lstStyle/>
+          <a:p>
+            <a:pPr algn="ctr"/>
+            <a:endParaRPr lang="en-US"/>
+          </a:p>
+        </p:txBody>
+      </p:sp>
+      <p:sp>
+        <p:nvSpPr>
+          <p:cNvPr id="17" name="Ovale 16">
+            <a:extLst>
+              <a:ext uri="{FF2B5EF4-FFF2-40B4-BE49-F238E27FC236}">
+                <a16:creationId xmlns:a16="http://schemas.microsoft.com/office/drawing/2014/main" id="{29A34E43-3907-049E-64D1-5A592CE87440}"/>
+              </a:ext>
+            </a:extLst>
+          </p:cNvPr>
+          <p:cNvSpPr/>
+          <p:nvPr/>
+        </p:nvSpPr>
+        <p:spPr>
+          <a:xfrm>
+            <a:off x="913356" y="5645749"/>
+            <a:ext cx="646331" cy="646331"/>
+          </a:xfrm>
+          <a:prstGeom prst="ellipse">
+            <a:avLst/>
+          </a:prstGeom>
+          <a:solidFill>
+            <a:srgbClr val="3F51C3"/>
+          </a:solidFill>
+          <a:ln>
+            <a:noFill/>
+          </a:ln>
+        </p:spPr>
+        <p:style>
+          <a:lnRef idx="2">
+            <a:schemeClr val="accent1">
+              <a:shade val="50000"/>
+            </a:schemeClr>
+          </a:lnRef>
+          <a:fillRef idx="1">
+            <a:schemeClr val="accent1"/>
+          </a:fillRef>
+          <a:effectRef idx="0">
+            <a:schemeClr val="accent1"/>
+          </a:effectRef>
+          <a:fontRef idx="minor">
+            <a:schemeClr val="lt1"/>
+          </a:fontRef>
+        </p:style>
+        <p:txBody>
+          <a:bodyPr rtlCol="0" anchor="ctr"/>
+          <a:lstStyle/>
+          <a:p>
+            <a:pPr algn="ctr"/>
+            <a:endParaRPr lang="en-US"/>
+          </a:p>
+        </p:txBody>
+      </p:sp>
+      <p:sp>
+        <p:nvSpPr>
+          <p:cNvPr id="18" name="Ovale 17">
+            <a:extLst>
+              <a:ext uri="{FF2B5EF4-FFF2-40B4-BE49-F238E27FC236}">
+                <a16:creationId xmlns:a16="http://schemas.microsoft.com/office/drawing/2014/main" id="{35B779F7-0A44-1FA9-6195-29DE10B08BF7}"/>
+              </a:ext>
+            </a:extLst>
+          </p:cNvPr>
+          <p:cNvSpPr/>
+          <p:nvPr/>
+        </p:nvSpPr>
+        <p:spPr>
+          <a:xfrm>
+            <a:off x="11307816" y="5645749"/>
+            <a:ext cx="646331" cy="646331"/>
+          </a:xfrm>
+          <a:prstGeom prst="ellipse">
+            <a:avLst/>
+          </a:prstGeom>
+          <a:solidFill>
+            <a:srgbClr val="3F51C3"/>
+          </a:solidFill>
+          <a:ln>
+            <a:noFill/>
+          </a:ln>
+        </p:spPr>
+        <p:style>
+          <a:lnRef idx="2">
+            <a:schemeClr val="accent1">
+              <a:shade val="50000"/>
+            </a:schemeClr>
+          </a:lnRef>
+          <a:fillRef idx="1">
+            <a:schemeClr val="accent1"/>
+          </a:fillRef>
+          <a:effectRef idx="0">
+            <a:schemeClr val="accent1"/>
+          </a:effectRef>
+          <a:fontRef idx="minor">
+            <a:schemeClr val="lt1"/>
+          </a:fontRef>
+        </p:style>
+        <p:txBody>
+          <a:bodyPr rtlCol="0" anchor="ctr"/>
+          <a:lstStyle/>
+          <a:p>
+            <a:pPr algn="ctr"/>
+            <a:endParaRPr lang="en-US"/>
+          </a:p>
+        </p:txBody>
+      </p:sp>
+      <p:sp>
+        <p:nvSpPr>
+          <p:cNvPr id="19" name="Ovale 18">
+            <a:extLst>
+              <a:ext uri="{FF2B5EF4-FFF2-40B4-BE49-F238E27FC236}">
+                <a16:creationId xmlns:a16="http://schemas.microsoft.com/office/drawing/2014/main" id="{05BF79B6-886E-FBCB-B08B-01BAC2B45420}"/>
+              </a:ext>
+            </a:extLst>
+          </p:cNvPr>
+          <p:cNvSpPr/>
+          <p:nvPr/>
+        </p:nvSpPr>
+        <p:spPr>
+          <a:xfrm>
+            <a:off x="11307816" y="921223"/>
+            <a:ext cx="646331" cy="646331"/>
+          </a:xfrm>
+          <a:prstGeom prst="ellipse">
+            <a:avLst/>
+          </a:prstGeom>
+          <a:solidFill>
+            <a:srgbClr val="3F51C3"/>
+          </a:solidFill>
+          <a:ln>
+            <a:noFill/>
+          </a:ln>
+        </p:spPr>
+        <p:style>
+          <a:lnRef idx="2">
+            <a:schemeClr val="accent1">
+              <a:shade val="50000"/>
+            </a:schemeClr>
+          </a:lnRef>
+          <a:fillRef idx="1">
+            <a:schemeClr val="accent1"/>
+          </a:fillRef>
+          <a:effectRef idx="0">
+            <a:schemeClr val="accent1"/>
+          </a:effectRef>
+          <a:fontRef idx="minor">
+            <a:schemeClr val="lt1"/>
+          </a:fontRef>
+        </p:style>
+        <p:txBody>
+          <a:bodyPr rtlCol="0" anchor="ctr"/>
+          <a:lstStyle/>
+          <a:p>
+            <a:pPr algn="ctr"/>
+            <a:endParaRPr lang="en-US"/>
+          </a:p>
+        </p:txBody>
+      </p:sp>
+      <p:sp>
+        <p:nvSpPr>
+          <p:cNvPr id="20" name="CasellaDiTesto 19">
+            <a:extLst>
+              <a:ext uri="{FF2B5EF4-FFF2-40B4-BE49-F238E27FC236}">
+                <a16:creationId xmlns:a16="http://schemas.microsoft.com/office/drawing/2014/main" id="{C417B028-32D5-E975-A3B7-629869D07BE4}"/>
+              </a:ext>
+            </a:extLst>
+          </p:cNvPr>
+          <p:cNvSpPr txBox="1"/>
+          <p:nvPr/>
+        </p:nvSpPr>
+        <p:spPr>
+          <a:xfrm>
+            <a:off x="1040890" y="952000"/>
+            <a:ext cx="394660" cy="584775"/>
+          </a:xfrm>
+          <a:prstGeom prst="rect">
+            <a:avLst/>
+          </a:prstGeom>
+          <a:noFill/>
+        </p:spPr>
+        <p:txBody>
+          <a:bodyPr wrap="none" rtlCol="0">
+            <a:spAutoFit/>
+          </a:bodyPr>
+          <a:lstStyle/>
+          <a:p>
+            <a:r>
+              <a:rPr lang="it-IT" sz="3200" b="1" dirty="0">
+                <a:solidFill>
+                  <a:srgbClr val="FFFFFF"/>
+                </a:solidFill>
+                <a:latin typeface="SF Pro Text" pitchFamily="2" charset="0"/>
+                <a:ea typeface="SF Pro Text" pitchFamily="2" charset="0"/>
+                <a:cs typeface="SF Pro Text" pitchFamily="2" charset="0"/>
+              </a:rPr>
+              <a:t>1</a:t>
+            </a:r>
+            <a:endParaRPr lang="it-IT" sz="2000" b="1" dirty="0">
+              <a:solidFill>
+                <a:srgbClr val="FFFFFF"/>
+              </a:solidFill>
+              <a:latin typeface="SF Pro Text" pitchFamily="2" charset="0"/>
+              <a:ea typeface="SF Pro Text" pitchFamily="2" charset="0"/>
+              <a:cs typeface="SF Pro Text" pitchFamily="2" charset="0"/>
+            </a:endParaRPr>
+          </a:p>
+        </p:txBody>
+      </p:sp>
+      <p:sp>
+        <p:nvSpPr>
+          <p:cNvPr id="21" name="CasellaDiTesto 20">
+            <a:extLst>
+              <a:ext uri="{FF2B5EF4-FFF2-40B4-BE49-F238E27FC236}">
+                <a16:creationId xmlns:a16="http://schemas.microsoft.com/office/drawing/2014/main" id="{E040198A-9FD3-33DE-5154-2A75EE7527A8}"/>
+              </a:ext>
+            </a:extLst>
+          </p:cNvPr>
+          <p:cNvSpPr txBox="1"/>
+          <p:nvPr/>
+        </p:nvSpPr>
+        <p:spPr>
+          <a:xfrm>
+            <a:off x="11429185" y="926487"/>
+            <a:ext cx="449162" cy="584775"/>
+          </a:xfrm>
+          <a:prstGeom prst="rect">
+            <a:avLst/>
+          </a:prstGeom>
+          <a:noFill/>
+        </p:spPr>
+        <p:txBody>
+          <a:bodyPr wrap="none" rtlCol="0">
+            <a:spAutoFit/>
+          </a:bodyPr>
+          <a:lstStyle/>
+          <a:p>
+            <a:r>
+              <a:rPr lang="it-IT" sz="3200" b="1" dirty="0">
+                <a:solidFill>
+                  <a:srgbClr val="FFFFFF"/>
+                </a:solidFill>
+                <a:latin typeface="SF Pro Text" pitchFamily="2" charset="0"/>
+                <a:ea typeface="SF Pro Text" pitchFamily="2" charset="0"/>
+                <a:cs typeface="SF Pro Text" pitchFamily="2" charset="0"/>
+              </a:rPr>
+              <a:t>2</a:t>
+            </a:r>
+            <a:endParaRPr lang="it-IT" sz="2000" b="1" dirty="0">
+              <a:solidFill>
+                <a:srgbClr val="FFFFFF"/>
+              </a:solidFill>
+              <a:latin typeface="SF Pro Text" pitchFamily="2" charset="0"/>
+              <a:ea typeface="SF Pro Text" pitchFamily="2" charset="0"/>
+              <a:cs typeface="SF Pro Text" pitchFamily="2" charset="0"/>
+            </a:endParaRPr>
+          </a:p>
+        </p:txBody>
+      </p:sp>
+      <p:sp>
+        <p:nvSpPr>
+          <p:cNvPr id="22" name="CasellaDiTesto 21">
+            <a:extLst>
+              <a:ext uri="{FF2B5EF4-FFF2-40B4-BE49-F238E27FC236}">
+                <a16:creationId xmlns:a16="http://schemas.microsoft.com/office/drawing/2014/main" id="{FF4420EF-84B8-F769-E691-F6F6207B7960}"/>
+              </a:ext>
+            </a:extLst>
+          </p:cNvPr>
+          <p:cNvSpPr txBox="1"/>
+          <p:nvPr/>
+        </p:nvSpPr>
+        <p:spPr>
+          <a:xfrm>
+            <a:off x="1006121" y="5676526"/>
+            <a:ext cx="458780" cy="584775"/>
+          </a:xfrm>
+          <a:prstGeom prst="rect">
+            <a:avLst/>
+          </a:prstGeom>
+          <a:noFill/>
+        </p:spPr>
+        <p:txBody>
+          <a:bodyPr wrap="none" rtlCol="0">
+            <a:spAutoFit/>
+          </a:bodyPr>
+          <a:lstStyle/>
+          <a:p>
+            <a:r>
+              <a:rPr lang="it-IT" sz="3200" b="1" dirty="0">
+                <a:solidFill>
+                  <a:srgbClr val="FFFFFF"/>
+                </a:solidFill>
+                <a:latin typeface="SF Pro Text" pitchFamily="2" charset="0"/>
+                <a:ea typeface="SF Pro Text" pitchFamily="2" charset="0"/>
+                <a:cs typeface="SF Pro Text" pitchFamily="2" charset="0"/>
+              </a:rPr>
+              <a:t>3</a:t>
+            </a:r>
+            <a:endParaRPr lang="it-IT" sz="2000" b="1" dirty="0">
+              <a:solidFill>
+                <a:srgbClr val="FFFFFF"/>
+              </a:solidFill>
+              <a:latin typeface="SF Pro Text" pitchFamily="2" charset="0"/>
+              <a:ea typeface="SF Pro Text" pitchFamily="2" charset="0"/>
+              <a:cs typeface="SF Pro Text" pitchFamily="2" charset="0"/>
+            </a:endParaRPr>
+          </a:p>
+        </p:txBody>
+      </p:sp>
+      <p:sp>
+        <p:nvSpPr>
+          <p:cNvPr id="23" name="CasellaDiTesto 22">
+            <a:extLst>
+              <a:ext uri="{FF2B5EF4-FFF2-40B4-BE49-F238E27FC236}">
+                <a16:creationId xmlns:a16="http://schemas.microsoft.com/office/drawing/2014/main" id="{0C4C9457-9717-D57F-E18A-0B6FA771D4A8}"/>
+              </a:ext>
+            </a:extLst>
+          </p:cNvPr>
+          <p:cNvSpPr txBox="1"/>
+          <p:nvPr/>
+        </p:nvSpPr>
+        <p:spPr>
+          <a:xfrm>
+            <a:off x="11406400" y="5676525"/>
+            <a:ext cx="466794" cy="584775"/>
+          </a:xfrm>
+          <a:prstGeom prst="rect">
+            <a:avLst/>
+          </a:prstGeom>
+          <a:noFill/>
+        </p:spPr>
+        <p:txBody>
+          <a:bodyPr wrap="none" rtlCol="0">
+            <a:spAutoFit/>
+          </a:bodyPr>
+          <a:lstStyle/>
+          <a:p>
+            <a:r>
+              <a:rPr lang="it-IT" sz="3200" b="1" dirty="0">
+                <a:solidFill>
+                  <a:srgbClr val="FFFFFF"/>
+                </a:solidFill>
+                <a:latin typeface="SF Pro Text" pitchFamily="2" charset="0"/>
+                <a:ea typeface="SF Pro Text" pitchFamily="2" charset="0"/>
+                <a:cs typeface="SF Pro Text" pitchFamily="2" charset="0"/>
+              </a:rPr>
+              <a:t>4</a:t>
+            </a:r>
+            <a:endParaRPr lang="it-IT" sz="2000" b="1" dirty="0">
+              <a:solidFill>
+                <a:srgbClr val="FFFFFF"/>
+              </a:solidFill>
+              <a:latin typeface="SF Pro Text" pitchFamily="2" charset="0"/>
+              <a:ea typeface="SF Pro Text" pitchFamily="2" charset="0"/>
+              <a:cs typeface="SF Pro Text" pitchFamily="2" charset="0"/>
+            </a:endParaRPr>
           </a:p>
         </p:txBody>
       </p:sp>

--- a/Presentation/MTDS_Presentation.pptx
+++ b/Presentation/MTDS_Presentation.pptx
@@ -207,7 +207,7 @@
           <a:p>
             <a:fld id="{04871163-4F93-9544-967C-41CE9E9A3E47}" type="datetimeFigureOut">
               <a:rPr lang="it-IT" smtClean="0"/>
-              <a:t>05/09/22</a:t>
+              <a:t>06/09/22</a:t>
             </a:fld>
             <a:endParaRPr lang="it-IT"/>
           </a:p>
@@ -4684,7 +4684,7 @@
           <a:lstStyle/>
           <a:p>
             <a:r>
-              <a:rPr lang="it-IT" b="1" dirty="0" err="1">
+              <a:rPr lang="en-US" b="1">
                 <a:solidFill>
                   <a:srgbClr val="3F51C3"/>
                 </a:solidFill>
@@ -4694,14 +4694,6 @@
               </a:rPr>
               <a:t>Communication</a:t>
             </a:r>
-            <a:endParaRPr lang="it-IT" b="1" dirty="0">
-              <a:solidFill>
-                <a:srgbClr val="3F51C3"/>
-              </a:solidFill>
-              <a:latin typeface="SF Pro Text" pitchFamily="2" charset="0"/>
-              <a:ea typeface="SF Pro Text" pitchFamily="2" charset="0"/>
-              <a:cs typeface="SF Pro Text" pitchFamily="2" charset="0"/>
-            </a:endParaRPr>
           </a:p>
         </p:txBody>
       </p:sp>
@@ -4735,7 +4727,7 @@
           <a:p>
             <a:pPr algn="ctr"/>
             <a:r>
-              <a:rPr lang="it-IT" sz="1600" dirty="0" err="1">
+              <a:rPr lang="en-US" sz="1600">
                 <a:solidFill>
                   <a:srgbClr val="3F3C53"/>
                 </a:solidFill>
@@ -4743,28 +4735,59 @@
                 <a:ea typeface="SF Pro Text" pitchFamily="2" charset="0"/>
                 <a:cs typeface="SF Pro Text" pitchFamily="2" charset="0"/>
               </a:rPr>
-              <a:t>Mosquitto</a:t>
-            </a:r>
-            <a:r>
-              <a:rPr lang="it-IT" sz="1600" dirty="0">
-                <a:solidFill>
-                  <a:srgbClr val="3F3C53"/>
+              <a:t>Mosquitto MQTT Broker</a:t>
+            </a:r>
+          </a:p>
+        </p:txBody>
+      </p:sp>
+      <p:sp>
+        <p:nvSpPr>
+          <p:cNvPr id="18" name="CasellaDiTesto 17">
+            <a:extLst>
+              <a:ext uri="{FF2B5EF4-FFF2-40B4-BE49-F238E27FC236}">
+                <a16:creationId xmlns:a16="http://schemas.microsoft.com/office/drawing/2014/main" id="{B4F48922-DACB-E61F-6666-061AFB938DAB}"/>
+              </a:ext>
+            </a:extLst>
+          </p:cNvPr>
+          <p:cNvSpPr txBox="1"/>
+          <p:nvPr/>
+        </p:nvSpPr>
+        <p:spPr>
+          <a:xfrm>
+            <a:off x="1367257" y="1028831"/>
+            <a:ext cx="2340157" cy="369332"/>
+          </a:xfrm>
+          <a:prstGeom prst="rect">
+            <a:avLst/>
+          </a:prstGeom>
+          <a:noFill/>
+        </p:spPr>
+        <p:txBody>
+          <a:bodyPr wrap="square" rtlCol="0">
+            <a:spAutoFit/>
+          </a:bodyPr>
+          <a:lstStyle/>
+          <a:p>
+            <a:r>
+              <a:rPr lang="en-US" b="1">
+                <a:solidFill>
+                  <a:srgbClr val="3F51C3"/>
                 </a:solidFill>
                 <a:latin typeface="SF Pro Text" pitchFamily="2" charset="0"/>
                 <a:ea typeface="SF Pro Text" pitchFamily="2" charset="0"/>
                 <a:cs typeface="SF Pro Text" pitchFamily="2" charset="0"/>
               </a:rPr>
-              <a:t> MQTT Broker</a:t>
-            </a:r>
-          </a:p>
-        </p:txBody>
-      </p:sp>
-      <p:sp>
-        <p:nvSpPr>
-          <p:cNvPr id="18" name="CasellaDiTesto 17">
-            <a:extLst>
-              <a:ext uri="{FF2B5EF4-FFF2-40B4-BE49-F238E27FC236}">
-                <a16:creationId xmlns:a16="http://schemas.microsoft.com/office/drawing/2014/main" id="{B4F48922-DACB-E61F-6666-061AFB938DAB}"/>
+              <a:t>IoT Motes Sensors</a:t>
+            </a:r>
+          </a:p>
+        </p:txBody>
+      </p:sp>
+      <p:sp>
+        <p:nvSpPr>
+          <p:cNvPr id="19" name="CasellaDiTesto 18">
+            <a:extLst>
+              <a:ext uri="{FF2B5EF4-FFF2-40B4-BE49-F238E27FC236}">
+                <a16:creationId xmlns:a16="http://schemas.microsoft.com/office/drawing/2014/main" id="{4BE836FD-FFD9-154E-A111-38BD742F636B}"/>
               </a:ext>
             </a:extLst>
           </p:cNvPr>
@@ -4773,8 +4796,8 @@
         </p:nvSpPr>
         <p:spPr>
           <a:xfrm>
-            <a:off x="1367257" y="1028831"/>
-            <a:ext cx="2340157" cy="369332"/>
+            <a:off x="1567618" y="2873617"/>
+            <a:ext cx="1939434" cy="338554"/>
           </a:xfrm>
           <a:prstGeom prst="rect">
             <a:avLst/>
@@ -4787,19 +4810,51 @@
           </a:bodyPr>
           <a:lstStyle/>
           <a:p>
-            <a:r>
-              <a:rPr lang="it-IT" b="1" dirty="0">
-                <a:solidFill>
-                  <a:srgbClr val="3F51C3"/>
+            <a:pPr algn="ctr"/>
+            <a:r>
+              <a:rPr lang="en-US" sz="1600">
+                <a:solidFill>
+                  <a:srgbClr val="3F3C53"/>
                 </a:solidFill>
                 <a:latin typeface="SF Pro Text" pitchFamily="2" charset="0"/>
                 <a:ea typeface="SF Pro Text" pitchFamily="2" charset="0"/>
                 <a:cs typeface="SF Pro Text" pitchFamily="2" charset="0"/>
               </a:rPr>
-              <a:t>IoT </a:t>
-            </a:r>
-            <a:r>
-              <a:rPr lang="it-IT" b="1" dirty="0" err="1">
+              <a:t>Contiki-NG</a:t>
+            </a:r>
+          </a:p>
+        </p:txBody>
+      </p:sp>
+      <p:sp>
+        <p:nvSpPr>
+          <p:cNvPr id="20" name="CasellaDiTesto 19">
+            <a:extLst>
+              <a:ext uri="{FF2B5EF4-FFF2-40B4-BE49-F238E27FC236}">
+                <a16:creationId xmlns:a16="http://schemas.microsoft.com/office/drawing/2014/main" id="{81FB7618-AA7F-418C-6737-06F0C3C62F59}"/>
+              </a:ext>
+            </a:extLst>
+          </p:cNvPr>
+          <p:cNvSpPr txBox="1"/>
+          <p:nvPr/>
+        </p:nvSpPr>
+        <p:spPr>
+          <a:xfrm>
+            <a:off x="9185108" y="1028831"/>
+            <a:ext cx="1764781" cy="369332"/>
+          </a:xfrm>
+          <a:prstGeom prst="rect">
+            <a:avLst/>
+          </a:prstGeom>
+          <a:noFill/>
+        </p:spPr>
+        <p:txBody>
+          <a:bodyPr wrap="square" rtlCol="0">
+            <a:spAutoFit/>
+          </a:bodyPr>
+          <a:lstStyle/>
+          <a:p>
+            <a:r>
+              <a:rPr lang="en-US" b="1">
                 <a:solidFill>
                   <a:srgbClr val="3F51C3"/>
                 </a:solidFill>
@@ -4807,47 +4862,59 @@
                 <a:ea typeface="SF Pro Text" pitchFamily="2" charset="0"/>
                 <a:cs typeface="SF Pro Text" pitchFamily="2" charset="0"/>
               </a:rPr>
-              <a:t>Motes</a:t>
-            </a:r>
-            <a:r>
-              <a:rPr lang="it-IT" b="1" dirty="0">
-                <a:solidFill>
-                  <a:srgbClr val="3F51C3"/>
+              <a:t>Backend flow</a:t>
+            </a:r>
+          </a:p>
+        </p:txBody>
+      </p:sp>
+      <p:sp>
+        <p:nvSpPr>
+          <p:cNvPr id="22" name="CasellaDiTesto 21">
+            <a:extLst>
+              <a:ext uri="{FF2B5EF4-FFF2-40B4-BE49-F238E27FC236}">
+                <a16:creationId xmlns:a16="http://schemas.microsoft.com/office/drawing/2014/main" id="{95AF499D-F77A-6907-E654-2ACD0DB634FC}"/>
+              </a:ext>
+            </a:extLst>
+          </p:cNvPr>
+          <p:cNvSpPr txBox="1"/>
+          <p:nvPr/>
+        </p:nvSpPr>
+        <p:spPr>
+          <a:xfrm>
+            <a:off x="9449353" y="2873617"/>
+            <a:ext cx="1236288" cy="338554"/>
+          </a:xfrm>
+          <a:prstGeom prst="rect">
+            <a:avLst/>
+          </a:prstGeom>
+          <a:noFill/>
+        </p:spPr>
+        <p:txBody>
+          <a:bodyPr wrap="square" rtlCol="0">
+            <a:spAutoFit/>
+          </a:bodyPr>
+          <a:lstStyle/>
+          <a:p>
+            <a:r>
+              <a:rPr lang="en-US" sz="1600">
+                <a:solidFill>
+                  <a:srgbClr val="3F3C53"/>
                 </a:solidFill>
                 <a:latin typeface="SF Pro Text" pitchFamily="2" charset="0"/>
                 <a:ea typeface="SF Pro Text" pitchFamily="2" charset="0"/>
                 <a:cs typeface="SF Pro Text" pitchFamily="2" charset="0"/>
               </a:rPr>
-              <a:t> </a:t>
-            </a:r>
-            <a:r>
-              <a:rPr lang="it-IT" b="1" dirty="0" err="1">
-                <a:solidFill>
-                  <a:srgbClr val="3F51C3"/>
-                </a:solidFill>
-                <a:latin typeface="SF Pro Text" pitchFamily="2" charset="0"/>
-                <a:ea typeface="SF Pro Text" pitchFamily="2" charset="0"/>
-                <a:cs typeface="SF Pro Text" pitchFamily="2" charset="0"/>
-              </a:rPr>
-              <a:t>Sensors</a:t>
-            </a:r>
-            <a:endParaRPr lang="it-IT" b="1" dirty="0">
-              <a:solidFill>
-                <a:srgbClr val="3F51C3"/>
-              </a:solidFill>
-              <a:latin typeface="SF Pro Text" pitchFamily="2" charset="0"/>
-              <a:ea typeface="SF Pro Text" pitchFamily="2" charset="0"/>
-              <a:cs typeface="SF Pro Text" pitchFamily="2" charset="0"/>
-            </a:endParaRPr>
-          </a:p>
-        </p:txBody>
-      </p:sp>
-      <p:sp>
-        <p:nvSpPr>
-          <p:cNvPr id="19" name="CasellaDiTesto 18">
-            <a:extLst>
-              <a:ext uri="{FF2B5EF4-FFF2-40B4-BE49-F238E27FC236}">
-                <a16:creationId xmlns:a16="http://schemas.microsoft.com/office/drawing/2014/main" id="{4BE836FD-FFD9-154E-A111-38BD742F636B}"/>
+              <a:t>Node-Red</a:t>
+            </a:r>
+          </a:p>
+        </p:txBody>
+      </p:sp>
+      <p:sp>
+        <p:nvSpPr>
+          <p:cNvPr id="23" name="CasellaDiTesto 22">
+            <a:extLst>
+              <a:ext uri="{FF2B5EF4-FFF2-40B4-BE49-F238E27FC236}">
+                <a16:creationId xmlns:a16="http://schemas.microsoft.com/office/drawing/2014/main" id="{892F21D5-48C3-29E0-0E42-D8A337B2DD07}"/>
               </a:ext>
             </a:extLst>
           </p:cNvPr>
@@ -4856,8 +4923,8 @@
         </p:nvSpPr>
         <p:spPr>
           <a:xfrm>
-            <a:off x="1567618" y="2873617"/>
-            <a:ext cx="1939434" cy="338554"/>
+            <a:off x="3498623" y="5717904"/>
+            <a:ext cx="1548816" cy="338554"/>
           </a:xfrm>
           <a:prstGeom prst="rect">
             <a:avLst/>
@@ -4870,168 +4937,8 @@
           </a:bodyPr>
           <a:lstStyle/>
           <a:p>
-            <a:pPr algn="ctr"/>
-            <a:r>
-              <a:rPr lang="it-IT" sz="1600" dirty="0" err="1">
-                <a:solidFill>
-                  <a:srgbClr val="3F3C53"/>
-                </a:solidFill>
-                <a:latin typeface="SF Pro Text" pitchFamily="2" charset="0"/>
-                <a:ea typeface="SF Pro Text" pitchFamily="2" charset="0"/>
-                <a:cs typeface="SF Pro Text" pitchFamily="2" charset="0"/>
-              </a:rPr>
-              <a:t>Contiki</a:t>
-            </a:r>
-            <a:r>
-              <a:rPr lang="it-IT" sz="1600" dirty="0">
-                <a:solidFill>
-                  <a:srgbClr val="3F3C53"/>
-                </a:solidFill>
-                <a:latin typeface="SF Pro Text" pitchFamily="2" charset="0"/>
-                <a:ea typeface="SF Pro Text" pitchFamily="2" charset="0"/>
-                <a:cs typeface="SF Pro Text" pitchFamily="2" charset="0"/>
-              </a:rPr>
-              <a:t>-NG</a:t>
-            </a:r>
-          </a:p>
-        </p:txBody>
-      </p:sp>
-      <p:sp>
-        <p:nvSpPr>
-          <p:cNvPr id="20" name="CasellaDiTesto 19">
-            <a:extLst>
-              <a:ext uri="{FF2B5EF4-FFF2-40B4-BE49-F238E27FC236}">
-                <a16:creationId xmlns:a16="http://schemas.microsoft.com/office/drawing/2014/main" id="{81FB7618-AA7F-418C-6737-06F0C3C62F59}"/>
-              </a:ext>
-            </a:extLst>
-          </p:cNvPr>
-          <p:cNvSpPr txBox="1"/>
-          <p:nvPr/>
-        </p:nvSpPr>
-        <p:spPr>
-          <a:xfrm>
-            <a:off x="9185108" y="1028831"/>
-            <a:ext cx="1764781" cy="369332"/>
-          </a:xfrm>
-          <a:prstGeom prst="rect">
-            <a:avLst/>
-          </a:prstGeom>
-          <a:noFill/>
-        </p:spPr>
-        <p:txBody>
-          <a:bodyPr wrap="square" rtlCol="0">
-            <a:spAutoFit/>
-          </a:bodyPr>
-          <a:lstStyle/>
-          <a:p>
-            <a:r>
-              <a:rPr lang="it-IT" b="1" dirty="0" err="1">
-                <a:solidFill>
-                  <a:srgbClr val="3F51C3"/>
-                </a:solidFill>
-                <a:latin typeface="SF Pro Text" pitchFamily="2" charset="0"/>
-                <a:ea typeface="SF Pro Text" pitchFamily="2" charset="0"/>
-                <a:cs typeface="SF Pro Text" pitchFamily="2" charset="0"/>
-              </a:rPr>
-              <a:t>Backend</a:t>
-            </a:r>
-            <a:r>
-              <a:rPr lang="it-IT" b="1" dirty="0">
-                <a:solidFill>
-                  <a:srgbClr val="3F51C3"/>
-                </a:solidFill>
-                <a:latin typeface="SF Pro Text" pitchFamily="2" charset="0"/>
-                <a:ea typeface="SF Pro Text" pitchFamily="2" charset="0"/>
-                <a:cs typeface="SF Pro Text" pitchFamily="2" charset="0"/>
-              </a:rPr>
-              <a:t> flow</a:t>
-            </a:r>
-          </a:p>
-        </p:txBody>
-      </p:sp>
-      <p:sp>
-        <p:nvSpPr>
-          <p:cNvPr id="22" name="CasellaDiTesto 21">
-            <a:extLst>
-              <a:ext uri="{FF2B5EF4-FFF2-40B4-BE49-F238E27FC236}">
-                <a16:creationId xmlns:a16="http://schemas.microsoft.com/office/drawing/2014/main" id="{95AF499D-F77A-6907-E654-2ACD0DB634FC}"/>
-              </a:ext>
-            </a:extLst>
-          </p:cNvPr>
-          <p:cNvSpPr txBox="1"/>
-          <p:nvPr/>
-        </p:nvSpPr>
-        <p:spPr>
-          <a:xfrm>
-            <a:off x="9449353" y="2873617"/>
-            <a:ext cx="1236288" cy="338554"/>
-          </a:xfrm>
-          <a:prstGeom prst="rect">
-            <a:avLst/>
-          </a:prstGeom>
-          <a:noFill/>
-        </p:spPr>
-        <p:txBody>
-          <a:bodyPr wrap="square" rtlCol="0">
-            <a:spAutoFit/>
-          </a:bodyPr>
-          <a:lstStyle/>
-          <a:p>
-            <a:r>
-              <a:rPr lang="it-IT" sz="1600" dirty="0" err="1">
-                <a:solidFill>
-                  <a:srgbClr val="3F3C53"/>
-                </a:solidFill>
-                <a:latin typeface="SF Pro Text" pitchFamily="2" charset="0"/>
-                <a:ea typeface="SF Pro Text" pitchFamily="2" charset="0"/>
-                <a:cs typeface="SF Pro Text" pitchFamily="2" charset="0"/>
-              </a:rPr>
-              <a:t>Node</a:t>
-            </a:r>
-            <a:r>
-              <a:rPr lang="it-IT" sz="1600" dirty="0">
-                <a:solidFill>
-                  <a:srgbClr val="3F3C53"/>
-                </a:solidFill>
-                <a:latin typeface="SF Pro Text" pitchFamily="2" charset="0"/>
-                <a:ea typeface="SF Pro Text" pitchFamily="2" charset="0"/>
-                <a:cs typeface="SF Pro Text" pitchFamily="2" charset="0"/>
-              </a:rPr>
-              <a:t>-Red</a:t>
-            </a:r>
-          </a:p>
-        </p:txBody>
-      </p:sp>
-      <p:sp>
-        <p:nvSpPr>
-          <p:cNvPr id="23" name="CasellaDiTesto 22">
-            <a:extLst>
-              <a:ext uri="{FF2B5EF4-FFF2-40B4-BE49-F238E27FC236}">
-                <a16:creationId xmlns:a16="http://schemas.microsoft.com/office/drawing/2014/main" id="{892F21D5-48C3-29E0-0E42-D8A337B2DD07}"/>
-              </a:ext>
-            </a:extLst>
-          </p:cNvPr>
-          <p:cNvSpPr txBox="1"/>
-          <p:nvPr/>
-        </p:nvSpPr>
-        <p:spPr>
-          <a:xfrm>
-            <a:off x="3498623" y="5717904"/>
-            <a:ext cx="1548816" cy="338554"/>
-          </a:xfrm>
-          <a:prstGeom prst="rect">
-            <a:avLst/>
-          </a:prstGeom>
-          <a:noFill/>
-        </p:spPr>
-        <p:txBody>
-          <a:bodyPr wrap="square" rtlCol="0">
-            <a:spAutoFit/>
-          </a:bodyPr>
-          <a:lstStyle/>
-          <a:p>
-            <a:r>
-              <a:rPr lang="it-IT" sz="1600" dirty="0">
+            <a:r>
+              <a:rPr lang="en-US" sz="1600">
                 <a:solidFill>
                   <a:srgbClr val="3F3C53"/>
                 </a:solidFill>
@@ -5066,11 +4973,11 @@
           <a:lstStyle/>
           <a:p>
             <a:fld id="{925FCEA2-F0DA-AB4C-B1CA-0E33C745EDE1}" type="slidenum">
-              <a:rPr lang="it-IT" smtClean="0"/>
+              <a:rPr lang="en-US" smtClean="0"/>
               <a:pPr/>
               <a:t>2</a:t>
             </a:fld>
-            <a:endParaRPr lang="it-IT" dirty="0"/>
+            <a:endParaRPr lang="en-US"/>
           </a:p>
         </p:txBody>
       </p:sp>
@@ -5141,7 +5048,7 @@
           <a:p>
             <a:pPr algn="ctr"/>
             <a:r>
-              <a:rPr lang="it-IT" sz="1600" dirty="0">
+              <a:rPr lang="en-US" sz="1600">
                 <a:solidFill>
                   <a:srgbClr val="3F3C53"/>
                 </a:solidFill>
@@ -5183,7 +5090,7 @@
           <a:lstStyle/>
           <a:p>
             <a:r>
-              <a:rPr lang="it-IT" b="1" dirty="0" err="1">
+              <a:rPr lang="en-US" b="1">
                 <a:solidFill>
                   <a:srgbClr val="3F51C3"/>
                 </a:solidFill>
@@ -5193,14 +5100,6 @@
               </a:rPr>
               <a:t>Statistics</a:t>
             </a:r>
-            <a:endParaRPr lang="it-IT" b="1" dirty="0">
-              <a:solidFill>
-                <a:srgbClr val="3F51C3"/>
-              </a:solidFill>
-              <a:latin typeface="SF Pro Text" pitchFamily="2" charset="0"/>
-              <a:ea typeface="SF Pro Text" pitchFamily="2" charset="0"/>
-              <a:cs typeface="SF Pro Text" pitchFamily="2" charset="0"/>
-            </a:endParaRPr>
           </a:p>
         </p:txBody>
       </p:sp>
@@ -5233,7 +5132,7 @@
           <a:lstStyle/>
           <a:p>
             <a:r>
-              <a:rPr lang="it-IT" b="1" dirty="0" err="1">
+              <a:rPr lang="en-US" b="1">
                 <a:solidFill>
                   <a:srgbClr val="3F51C3"/>
                 </a:solidFill>
@@ -5243,14 +5142,6 @@
               </a:rPr>
               <a:t>Actuators</a:t>
             </a:r>
-            <a:endParaRPr lang="it-IT" b="1" dirty="0">
-              <a:solidFill>
-                <a:srgbClr val="3F51C3"/>
-              </a:solidFill>
-              <a:latin typeface="SF Pro Text" pitchFamily="2" charset="0"/>
-              <a:ea typeface="SF Pro Text" pitchFamily="2" charset="0"/>
-              <a:cs typeface="SF Pro Text" pitchFamily="2" charset="0"/>
-            </a:endParaRPr>
           </a:p>
         </p:txBody>
       </p:sp>

--- a/Presentation/MTDS_Presentation.pptx
+++ b/Presentation/MTDS_Presentation.pptx
@@ -207,7 +207,7 @@
           <a:p>
             <a:fld id="{04871163-4F93-9544-967C-41CE9E9A3E47}" type="datetimeFigureOut">
               <a:rPr lang="it-IT" smtClean="0"/>
-              <a:t>06/09/22</a:t>
+              <a:t>06/09/2022</a:t>
             </a:fld>
             <a:endParaRPr lang="it-IT"/>
           </a:p>
@@ -2629,8 +2629,8 @@
         </p:nvSpPr>
         <p:spPr>
           <a:xfrm>
-            <a:off x="2995613" y="1326748"/>
-            <a:ext cx="648482" cy="369332"/>
+            <a:off x="2210994" y="1131721"/>
+            <a:ext cx="1859683" cy="646331"/>
           </a:xfrm>
           <a:prstGeom prst="rect">
             <a:avLst/>
@@ -2643,6 +2643,7 @@
           </a:bodyPr>
           <a:lstStyle/>
           <a:p>
+            <a:pPr algn="ctr"/>
             <a:r>
               <a:rPr lang="en-US" dirty="0">
                 <a:solidFill>
@@ -2652,7 +2653,7 @@
                 <a:ea typeface="SF Pro Text" pitchFamily="2" charset="0"/>
                 <a:cs typeface="SF Pro Text" pitchFamily="2" charset="0"/>
               </a:rPr>
-              <a:t>RPL</a:t>
+              <a:t>RPL Border Router</a:t>
             </a:r>
             <a:endParaRPr lang="it-IT" dirty="0">
               <a:solidFill>
@@ -6267,9 +6268,16 @@
                 <a:ea typeface="SF Pro Text" pitchFamily="2" charset="0"/>
                 <a:cs typeface="SF Pro Text" pitchFamily="2" charset="0"/>
               </a:rPr>
-              <a:t>configuration</a:t>
-            </a:r>
-            <a:endParaRPr lang="it-IT" sz="2000" dirty="0"/>
+              <a:t>configurator</a:t>
+            </a:r>
+            <a:endParaRPr lang="it-IT" sz="2000" b="1" dirty="0">
+              <a:solidFill>
+                <a:srgbClr val="3F51C3"/>
+              </a:solidFill>
+              <a:latin typeface="SF Pro Text" pitchFamily="2" charset="0"/>
+              <a:ea typeface="SF Pro Text" pitchFamily="2" charset="0"/>
+              <a:cs typeface="SF Pro Text" pitchFamily="2" charset="0"/>
+            </a:endParaRPr>
           </a:p>
         </p:txBody>
       </p:sp>
@@ -9006,8 +9014,8 @@
         </p:nvSpPr>
         <p:spPr>
           <a:xfrm>
-            <a:off x="8533732" y="4847674"/>
-            <a:ext cx="2850723" cy="923330"/>
+            <a:off x="8533732" y="4709174"/>
+            <a:ext cx="2850723" cy="1200329"/>
           </a:xfrm>
           <a:prstGeom prst="rect">
             <a:avLst/>
@@ -9029,7 +9037,20 @@
                 <a:ea typeface="SF Pro Text" pitchFamily="2" charset="0"/>
                 <a:cs typeface="SF Pro Text" pitchFamily="2" charset="0"/>
               </a:rPr>
-              <a:t>Operations are simulated with a console print</a:t>
+              <a:t>Operations are simulated with a console print and a Telegram</a:t>
+            </a:r>
+          </a:p>
+          <a:p>
+            <a:r>
+              <a:rPr lang="en-US" dirty="0">
+                <a:solidFill>
+                  <a:srgbClr val="3F3C53"/>
+                </a:solidFill>
+                <a:latin typeface="SF Pro Text" pitchFamily="2" charset="0"/>
+                <a:ea typeface="SF Pro Text" pitchFamily="2" charset="0"/>
+                <a:cs typeface="SF Pro Text" pitchFamily="2" charset="0"/>
+              </a:rPr>
+              <a:t>notification</a:t>
             </a:r>
             <a:endParaRPr lang="it-IT" dirty="0"/>
           </a:p>

--- a/Presentation/MTDS_Presentation.pptx
+++ b/Presentation/MTDS_Presentation.pptx
@@ -12,12 +12,12 @@
     <p:sldId id="258" r:id="rId3"/>
     <p:sldId id="259" r:id="rId4"/>
     <p:sldId id="260" r:id="rId5"/>
-    <p:sldId id="263" r:id="rId6"/>
-    <p:sldId id="264" r:id="rId7"/>
-    <p:sldId id="265" r:id="rId8"/>
-    <p:sldId id="266" r:id="rId9"/>
-    <p:sldId id="267" r:id="rId10"/>
-    <p:sldId id="268" r:id="rId11"/>
+    <p:sldId id="268" r:id="rId6"/>
+    <p:sldId id="263" r:id="rId7"/>
+    <p:sldId id="264" r:id="rId8"/>
+    <p:sldId id="265" r:id="rId9"/>
+    <p:sldId id="266" r:id="rId10"/>
+    <p:sldId id="267" r:id="rId11"/>
     <p:sldId id="262" r:id="rId12"/>
   </p:sldIdLst>
   <p:sldSz cx="12192000" cy="6858000"/>
@@ -207,7 +207,7 @@
           <a:p>
             <a:fld id="{04871163-4F93-9544-967C-41CE9E9A3E47}" type="datetimeFigureOut">
               <a:rPr lang="it-IT" smtClean="0"/>
-              <a:t>06/09/2022</a:t>
+              <a:t>07/09/2022</a:t>
             </a:fld>
             <a:endParaRPr lang="it-IT"/>
           </a:p>
@@ -2100,356 +2100,10 @@
       </p:grpSpPr>
       <p:sp>
         <p:nvSpPr>
-          <p:cNvPr id="2" name="Segnaposto numero diapositiva 1">
-            <a:extLst>
-              <a:ext uri="{FF2B5EF4-FFF2-40B4-BE49-F238E27FC236}">
-                <a16:creationId xmlns:a16="http://schemas.microsoft.com/office/drawing/2014/main" id="{1112F15A-AF2D-0315-6EB5-CF4F8393A887}"/>
-              </a:ext>
-            </a:extLst>
-          </p:cNvPr>
-          <p:cNvSpPr>
-            <a:spLocks noGrp="1"/>
-          </p:cNvSpPr>
-          <p:nvPr>
-            <p:ph type="sldNum" sz="quarter" idx="12"/>
-          </p:nvPr>
-        </p:nvSpPr>
-        <p:spPr/>
-        <p:txBody>
-          <a:bodyPr/>
-          <a:lstStyle/>
-          <a:p>
-            <a:fld id="{925FCEA2-F0DA-AB4C-B1CA-0E33C745EDE1}" type="slidenum">
-              <a:rPr lang="it-IT" smtClean="0"/>
-              <a:pPr/>
-              <a:t>9</a:t>
-            </a:fld>
-            <a:endParaRPr lang="it-IT" dirty="0"/>
-          </a:p>
-        </p:txBody>
-      </p:sp>
-      <p:sp>
-        <p:nvSpPr>
-          <p:cNvPr id="3" name="Titolo 2">
-            <a:extLst>
-              <a:ext uri="{FF2B5EF4-FFF2-40B4-BE49-F238E27FC236}">
-                <a16:creationId xmlns:a16="http://schemas.microsoft.com/office/drawing/2014/main" id="{A28CAE8F-84DF-0DA8-64E1-64708D12B1D0}"/>
-              </a:ext>
-            </a:extLst>
-          </p:cNvPr>
-          <p:cNvSpPr>
-            <a:spLocks noGrp="1"/>
-          </p:cNvSpPr>
-          <p:nvPr>
-            <p:ph type="title"/>
-          </p:nvPr>
-        </p:nvSpPr>
-        <p:spPr/>
-        <p:txBody>
-          <a:bodyPr/>
-          <a:lstStyle/>
-          <a:p>
-            <a:r>
-              <a:rPr lang="en-US"/>
-              <a:t>High level flow</a:t>
-            </a:r>
-          </a:p>
-        </p:txBody>
-      </p:sp>
-      <p:pic>
-        <p:nvPicPr>
-          <p:cNvPr id="5" name="Elemento grafico 4">
-            <a:extLst>
-              <a:ext uri="{FF2B5EF4-FFF2-40B4-BE49-F238E27FC236}">
-                <a16:creationId xmlns:a16="http://schemas.microsoft.com/office/drawing/2014/main" id="{C4655B58-DA4D-C6BF-DEF9-AF814985CCDA}"/>
-              </a:ext>
-            </a:extLst>
-          </p:cNvPr>
-          <p:cNvPicPr>
-            <a:picLocks noChangeAspect="1"/>
-          </p:cNvPicPr>
-          <p:nvPr/>
-        </p:nvPicPr>
-        <p:blipFill>
-          <a:blip r:embed="rId2">
-            <a:extLst>
-              <a:ext uri="{96DAC541-7B7A-43D3-8B79-37D633B846F1}">
-                <asvg:svgBlip xmlns:asvg="http://schemas.microsoft.com/office/drawing/2016/SVG/main" r:embed="rId3"/>
-              </a:ext>
-            </a:extLst>
-          </a:blip>
-          <a:stretch>
-            <a:fillRect/>
-          </a:stretch>
-        </p:blipFill>
-        <p:spPr>
-          <a:xfrm>
-            <a:off x="2903625" y="1705360"/>
-            <a:ext cx="543403" cy="543403"/>
-          </a:xfrm>
-          <a:prstGeom prst="rect">
-            <a:avLst/>
-          </a:prstGeom>
-        </p:spPr>
-      </p:pic>
-      <p:pic>
-        <p:nvPicPr>
-          <p:cNvPr id="7" name="Elemento grafico 6">
-            <a:extLst>
-              <a:ext uri="{FF2B5EF4-FFF2-40B4-BE49-F238E27FC236}">
-                <a16:creationId xmlns:a16="http://schemas.microsoft.com/office/drawing/2014/main" id="{C7F6B73C-DE11-DCF4-CCD8-FF82CDB65379}"/>
-              </a:ext>
-            </a:extLst>
-          </p:cNvPr>
-          <p:cNvPicPr>
-            <a:picLocks noChangeAspect="1"/>
-          </p:cNvPicPr>
-          <p:nvPr/>
-        </p:nvPicPr>
-        <p:blipFill>
-          <a:blip r:embed="rId4">
-            <a:extLst>
-              <a:ext uri="{96DAC541-7B7A-43D3-8B79-37D633B846F1}">
-                <asvg:svgBlip xmlns:asvg="http://schemas.microsoft.com/office/drawing/2016/SVG/main" r:embed="rId5"/>
-              </a:ext>
-            </a:extLst>
-          </a:blip>
-          <a:stretch>
-            <a:fillRect/>
-          </a:stretch>
-        </p:blipFill>
-        <p:spPr>
-          <a:xfrm>
-            <a:off x="8916485" y="1170601"/>
-            <a:ext cx="571500" cy="571500"/>
-          </a:xfrm>
-          <a:prstGeom prst="rect">
-            <a:avLst/>
-          </a:prstGeom>
-        </p:spPr>
-      </p:pic>
-      <p:pic>
-        <p:nvPicPr>
-          <p:cNvPr id="8" name="Elemento grafico 7">
-            <a:extLst>
-              <a:ext uri="{FF2B5EF4-FFF2-40B4-BE49-F238E27FC236}">
-                <a16:creationId xmlns:a16="http://schemas.microsoft.com/office/drawing/2014/main" id="{050C36DE-EDD9-29AB-E684-26FCDFFC01E9}"/>
-              </a:ext>
-            </a:extLst>
-          </p:cNvPr>
-          <p:cNvPicPr>
-            <a:picLocks noChangeAspect="1"/>
-          </p:cNvPicPr>
-          <p:nvPr/>
-        </p:nvPicPr>
-        <p:blipFill>
-          <a:blip r:embed="rId4">
-            <a:extLst>
-              <a:ext uri="{96DAC541-7B7A-43D3-8B79-37D633B846F1}">
-                <asvg:svgBlip xmlns:asvg="http://schemas.microsoft.com/office/drawing/2016/SVG/main" r:embed="rId5"/>
-              </a:ext>
-            </a:extLst>
-          </a:blip>
-          <a:stretch>
-            <a:fillRect/>
-          </a:stretch>
-        </p:blipFill>
-        <p:spPr>
-          <a:xfrm>
-            <a:off x="9854347" y="2397486"/>
-            <a:ext cx="571500" cy="571500"/>
-          </a:xfrm>
-          <a:prstGeom prst="rect">
-            <a:avLst/>
-          </a:prstGeom>
-        </p:spPr>
-      </p:pic>
-      <p:pic>
-        <p:nvPicPr>
-          <p:cNvPr id="10" name="Elemento grafico 9">
-            <a:extLst>
-              <a:ext uri="{FF2B5EF4-FFF2-40B4-BE49-F238E27FC236}">
-                <a16:creationId xmlns:a16="http://schemas.microsoft.com/office/drawing/2014/main" id="{694D992C-E08A-654A-3AFB-A2C47AF531B8}"/>
-              </a:ext>
-            </a:extLst>
-          </p:cNvPr>
-          <p:cNvPicPr>
-            <a:picLocks noChangeAspect="1"/>
-          </p:cNvPicPr>
-          <p:nvPr/>
-        </p:nvPicPr>
-        <p:blipFill>
-          <a:blip r:embed="rId6">
-            <a:extLst>
-              <a:ext uri="{96DAC541-7B7A-43D3-8B79-37D633B846F1}">
-                <asvg:svgBlip xmlns:asvg="http://schemas.microsoft.com/office/drawing/2016/SVG/main" r:embed="rId7"/>
-              </a:ext>
-            </a:extLst>
-          </a:blip>
-          <a:stretch>
-            <a:fillRect/>
-          </a:stretch>
-        </p:blipFill>
-        <p:spPr>
-          <a:xfrm flipH="1">
-            <a:off x="5228020" y="914411"/>
-            <a:ext cx="751780" cy="751780"/>
-          </a:xfrm>
-          <a:prstGeom prst="rect">
-            <a:avLst/>
-          </a:prstGeom>
-        </p:spPr>
-      </p:pic>
-      <p:pic>
-        <p:nvPicPr>
-          <p:cNvPr id="12" name="Elemento grafico 11">
-            <a:extLst>
-              <a:ext uri="{FF2B5EF4-FFF2-40B4-BE49-F238E27FC236}">
-                <a16:creationId xmlns:a16="http://schemas.microsoft.com/office/drawing/2014/main" id="{B12C6754-1024-4BD2-C309-5906966417D0}"/>
-              </a:ext>
-            </a:extLst>
-          </p:cNvPr>
-          <p:cNvPicPr>
-            <a:picLocks noChangeAspect="1"/>
-          </p:cNvPicPr>
-          <p:nvPr/>
-        </p:nvPicPr>
-        <p:blipFill>
-          <a:blip r:embed="rId8">
-            <a:extLst>
-              <a:ext uri="{96DAC541-7B7A-43D3-8B79-37D633B846F1}">
-                <asvg:svgBlip xmlns:asvg="http://schemas.microsoft.com/office/drawing/2016/SVG/main" r:embed="rId9"/>
-              </a:ext>
-            </a:extLst>
-          </a:blip>
-          <a:stretch>
-            <a:fillRect/>
-          </a:stretch>
-        </p:blipFill>
-        <p:spPr>
-          <a:xfrm>
-            <a:off x="1334740" y="2487872"/>
-            <a:ext cx="571500" cy="571500"/>
-          </a:xfrm>
-          <a:prstGeom prst="rect">
-            <a:avLst/>
-          </a:prstGeom>
-        </p:spPr>
-      </p:pic>
-      <p:pic>
-        <p:nvPicPr>
-          <p:cNvPr id="14" name="Elemento grafico 13">
-            <a:extLst>
-              <a:ext uri="{FF2B5EF4-FFF2-40B4-BE49-F238E27FC236}">
-                <a16:creationId xmlns:a16="http://schemas.microsoft.com/office/drawing/2014/main" id="{D5F848FC-D6C7-0ECF-39DA-D68DAA2A63BC}"/>
-              </a:ext>
-            </a:extLst>
-          </p:cNvPr>
-          <p:cNvPicPr>
-            <a:picLocks noChangeAspect="1"/>
-          </p:cNvPicPr>
-          <p:nvPr/>
-        </p:nvPicPr>
-        <p:blipFill>
-          <a:blip r:embed="rId10">
-            <a:extLst>
-              <a:ext uri="{96DAC541-7B7A-43D3-8B79-37D633B846F1}">
-                <asvg:svgBlip xmlns:asvg="http://schemas.microsoft.com/office/drawing/2016/SVG/main" r:embed="rId11"/>
-              </a:ext>
-            </a:extLst>
-          </a:blip>
-          <a:stretch>
-            <a:fillRect/>
-          </a:stretch>
-        </p:blipFill>
-        <p:spPr>
-          <a:xfrm>
-            <a:off x="9917852" y="3850952"/>
-            <a:ext cx="507995" cy="507995"/>
-          </a:xfrm>
-          <a:prstGeom prst="rect">
-            <a:avLst/>
-          </a:prstGeom>
-        </p:spPr>
-      </p:pic>
-      <p:pic>
-        <p:nvPicPr>
-          <p:cNvPr id="15" name="Elemento grafico 14">
-            <a:extLst>
-              <a:ext uri="{FF2B5EF4-FFF2-40B4-BE49-F238E27FC236}">
-                <a16:creationId xmlns:a16="http://schemas.microsoft.com/office/drawing/2014/main" id="{BEBDF187-CD14-7E47-B9BC-1B35525C5791}"/>
-              </a:ext>
-            </a:extLst>
-          </p:cNvPr>
-          <p:cNvPicPr>
-            <a:picLocks noChangeAspect="1"/>
-          </p:cNvPicPr>
-          <p:nvPr/>
-        </p:nvPicPr>
-        <p:blipFill>
-          <a:blip r:embed="rId8">
-            <a:extLst>
-              <a:ext uri="{96DAC541-7B7A-43D3-8B79-37D633B846F1}">
-                <asvg:svgBlip xmlns:asvg="http://schemas.microsoft.com/office/drawing/2016/SVG/main" r:embed="rId9"/>
-              </a:ext>
-            </a:extLst>
-          </a:blip>
-          <a:stretch>
-            <a:fillRect/>
-          </a:stretch>
-        </p:blipFill>
-        <p:spPr>
-          <a:xfrm>
-            <a:off x="1528763" y="3345122"/>
-            <a:ext cx="571500" cy="571500"/>
-          </a:xfrm>
-          <a:prstGeom prst="rect">
-            <a:avLst/>
-          </a:prstGeom>
-        </p:spPr>
-      </p:pic>
-      <p:pic>
-        <p:nvPicPr>
-          <p:cNvPr id="16" name="Elemento grafico 15">
-            <a:extLst>
-              <a:ext uri="{FF2B5EF4-FFF2-40B4-BE49-F238E27FC236}">
-                <a16:creationId xmlns:a16="http://schemas.microsoft.com/office/drawing/2014/main" id="{46410A6B-1395-B68B-9345-288940ADFF37}"/>
-              </a:ext>
-            </a:extLst>
-          </p:cNvPr>
-          <p:cNvPicPr>
-            <a:picLocks noChangeAspect="1"/>
-          </p:cNvPicPr>
-          <p:nvPr/>
-        </p:nvPicPr>
-        <p:blipFill>
-          <a:blip r:embed="rId8">
-            <a:extLst>
-              <a:ext uri="{96DAC541-7B7A-43D3-8B79-37D633B846F1}">
-                <asvg:svgBlip xmlns:asvg="http://schemas.microsoft.com/office/drawing/2016/SVG/main" r:embed="rId9"/>
-              </a:ext>
-            </a:extLst>
-          </a:blip>
-          <a:stretch>
-            <a:fillRect/>
-          </a:stretch>
-        </p:blipFill>
-        <p:spPr>
-          <a:xfrm>
-            <a:off x="2238441" y="3600447"/>
-            <a:ext cx="571500" cy="571500"/>
-          </a:xfrm>
-          <a:prstGeom prst="rect">
-            <a:avLst/>
-          </a:prstGeom>
-        </p:spPr>
-      </p:pic>
-      <p:sp>
-        <p:nvSpPr>
-          <p:cNvPr id="17" name="Ovale 16">
-            <a:extLst>
-              <a:ext uri="{FF2B5EF4-FFF2-40B4-BE49-F238E27FC236}">
-                <a16:creationId xmlns:a16="http://schemas.microsoft.com/office/drawing/2014/main" id="{E5DC80A2-EC0D-3BAA-D508-0EA6DECE2FEB}"/>
+          <p:cNvPr id="15" name="Rettangolo con angoli arrotondati 14">
+            <a:extLst>
+              <a:ext uri="{FF2B5EF4-FFF2-40B4-BE49-F238E27FC236}">
+                <a16:creationId xmlns:a16="http://schemas.microsoft.com/office/drawing/2014/main" id="{0B15F705-B4E6-84F6-2BC1-3350DABA5902}"/>
               </a:ext>
             </a:extLst>
           </p:cNvPr>
@@ -2458,17 +2112,21 @@
         </p:nvSpPr>
         <p:spPr>
           <a:xfrm>
-            <a:off x="1064256" y="1741007"/>
-            <a:ext cx="2617940" cy="2617940"/>
-          </a:xfrm>
-          <a:prstGeom prst="ellipse">
-            <a:avLst/>
-          </a:prstGeom>
-          <a:noFill/>
-          <a:ln>
-            <a:solidFill>
-              <a:srgbClr val="3F3C53"/>
-            </a:solidFill>
+            <a:off x="8264423" y="4588657"/>
+            <a:ext cx="3389343" cy="1441365"/>
+          </a:xfrm>
+          <a:prstGeom prst="roundRect">
+            <a:avLst>
+              <a:gd name="adj" fmla="val 30571"/>
+            </a:avLst>
+          </a:prstGeom>
+          <a:solidFill>
+            <a:srgbClr val="FFFFFF">
+              <a:alpha val="50196"/>
+            </a:srgbClr>
+          </a:solidFill>
+          <a:ln w="38100">
+            <a:noFill/>
           </a:ln>
         </p:spPr>
         <p:style>
@@ -2492,1405 +2150,979 @@
           <a:lstStyle/>
           <a:p>
             <a:pPr algn="ctr"/>
-            <a:endParaRPr lang="it-IT"/>
-          </a:p>
-        </p:txBody>
-      </p:sp>
-      <p:pic>
-        <p:nvPicPr>
-          <p:cNvPr id="18" name="Elemento grafico 17">
-            <a:extLst>
-              <a:ext uri="{FF2B5EF4-FFF2-40B4-BE49-F238E27FC236}">
-                <a16:creationId xmlns:a16="http://schemas.microsoft.com/office/drawing/2014/main" id="{2FB17263-A725-1783-9AE5-72C0FECBD7BA}"/>
-              </a:ext>
-            </a:extLst>
-          </p:cNvPr>
-          <p:cNvPicPr>
-            <a:picLocks noChangeAspect="1"/>
-          </p:cNvPicPr>
-          <p:nvPr/>
-        </p:nvPicPr>
-        <p:blipFill>
-          <a:blip r:embed="rId8">
-            <a:extLst>
-              <a:ext uri="{96DAC541-7B7A-43D3-8B79-37D633B846F1}">
-                <asvg:svgBlip xmlns:asvg="http://schemas.microsoft.com/office/drawing/2016/SVG/main" r:embed="rId9"/>
-              </a:ext>
-            </a:extLst>
-          </a:blip>
-          <a:stretch>
-            <a:fillRect/>
-          </a:stretch>
-        </p:blipFill>
-        <p:spPr>
-          <a:xfrm>
-            <a:off x="2855086" y="3059372"/>
-            <a:ext cx="571500" cy="571500"/>
-          </a:xfrm>
-          <a:prstGeom prst="rect">
-            <a:avLst/>
-          </a:prstGeom>
-        </p:spPr>
-      </p:pic>
-      <p:pic>
-        <p:nvPicPr>
-          <p:cNvPr id="19" name="Elemento grafico 18">
-            <a:extLst>
-              <a:ext uri="{FF2B5EF4-FFF2-40B4-BE49-F238E27FC236}">
-                <a16:creationId xmlns:a16="http://schemas.microsoft.com/office/drawing/2014/main" id="{AD3D8EF1-840E-4BC2-4650-D9B0271AAE6F}"/>
-              </a:ext>
-            </a:extLst>
-          </p:cNvPr>
-          <p:cNvPicPr>
-            <a:picLocks noChangeAspect="1"/>
-          </p:cNvPicPr>
-          <p:nvPr/>
-        </p:nvPicPr>
-        <p:blipFill>
-          <a:blip r:embed="rId8">
-            <a:extLst>
-              <a:ext uri="{96DAC541-7B7A-43D3-8B79-37D633B846F1}">
-                <asvg:svgBlip xmlns:asvg="http://schemas.microsoft.com/office/drawing/2016/SVG/main" r:embed="rId9"/>
-              </a:ext>
-            </a:extLst>
-          </a:blip>
-          <a:stretch>
-            <a:fillRect/>
-          </a:stretch>
-        </p:blipFill>
-        <p:spPr>
-          <a:xfrm>
-            <a:off x="2141364" y="2319934"/>
-            <a:ext cx="571500" cy="571500"/>
-          </a:xfrm>
-          <a:prstGeom prst="rect">
-            <a:avLst/>
-          </a:prstGeom>
-        </p:spPr>
-      </p:pic>
-      <p:sp>
-        <p:nvSpPr>
-          <p:cNvPr id="21" name="CasellaDiTesto 20">
-            <a:extLst>
-              <a:ext uri="{FF2B5EF4-FFF2-40B4-BE49-F238E27FC236}">
-                <a16:creationId xmlns:a16="http://schemas.microsoft.com/office/drawing/2014/main" id="{47469961-9073-842F-B167-1C2C568EDB3D}"/>
-              </a:ext>
-            </a:extLst>
-          </p:cNvPr>
-          <p:cNvSpPr txBox="1"/>
-          <p:nvPr/>
-        </p:nvSpPr>
-        <p:spPr>
-          <a:xfrm>
-            <a:off x="1294837" y="4535678"/>
-            <a:ext cx="2168828" cy="369332"/>
-          </a:xfrm>
-          <a:prstGeom prst="rect">
-            <a:avLst/>
-          </a:prstGeom>
-          <a:noFill/>
-        </p:spPr>
-        <p:txBody>
-          <a:bodyPr wrap="square">
-            <a:spAutoFit/>
-          </a:bodyPr>
-          <a:lstStyle/>
-          <a:p>
-            <a:r>
-              <a:rPr lang="en-US" dirty="0">
-                <a:solidFill>
-                  <a:srgbClr val="3F51C3"/>
-                </a:solidFill>
-                <a:latin typeface="SF Pro Text" pitchFamily="2" charset="0"/>
-                <a:ea typeface="SF Pro Text" pitchFamily="2" charset="0"/>
-                <a:cs typeface="SF Pro Text" pitchFamily="2" charset="0"/>
-              </a:rPr>
-              <a:t>6LowPan Network</a:t>
-            </a:r>
-            <a:endParaRPr lang="it-IT" dirty="0">
-              <a:solidFill>
-                <a:srgbClr val="3F51C3"/>
-              </a:solidFill>
-            </a:endParaRPr>
-          </a:p>
-        </p:txBody>
-      </p:sp>
-      <p:sp>
-        <p:nvSpPr>
-          <p:cNvPr id="23" name="CasellaDiTesto 22">
-            <a:extLst>
-              <a:ext uri="{FF2B5EF4-FFF2-40B4-BE49-F238E27FC236}">
-                <a16:creationId xmlns:a16="http://schemas.microsoft.com/office/drawing/2014/main" id="{400EC27A-7B92-BE85-6FAA-EF4A589C479D}"/>
-              </a:ext>
-            </a:extLst>
-          </p:cNvPr>
-          <p:cNvSpPr txBox="1"/>
-          <p:nvPr/>
-        </p:nvSpPr>
-        <p:spPr>
-          <a:xfrm>
-            <a:off x="2210994" y="1131721"/>
-            <a:ext cx="1859683" cy="646331"/>
-          </a:xfrm>
-          <a:prstGeom prst="rect">
-            <a:avLst/>
-          </a:prstGeom>
-          <a:noFill/>
-        </p:spPr>
-        <p:txBody>
-          <a:bodyPr wrap="square">
-            <a:spAutoFit/>
-          </a:bodyPr>
-          <a:lstStyle/>
-          <a:p>
-            <a:pPr algn="ctr"/>
-            <a:r>
-              <a:rPr lang="en-US" dirty="0">
-                <a:solidFill>
-                  <a:srgbClr val="3F51C3"/>
-                </a:solidFill>
-                <a:latin typeface="SF Pro Text" pitchFamily="2" charset="0"/>
-                <a:ea typeface="SF Pro Text" pitchFamily="2" charset="0"/>
-                <a:cs typeface="SF Pro Text" pitchFamily="2" charset="0"/>
-              </a:rPr>
-              <a:t>RPL Border Router</a:t>
-            </a:r>
-            <a:endParaRPr lang="it-IT" dirty="0">
-              <a:solidFill>
-                <a:srgbClr val="3F51C3"/>
-              </a:solidFill>
-            </a:endParaRPr>
-          </a:p>
-        </p:txBody>
-      </p:sp>
-      <p:sp>
-        <p:nvSpPr>
-          <p:cNvPr id="25" name="CasellaDiTesto 24">
-            <a:extLst>
-              <a:ext uri="{FF2B5EF4-FFF2-40B4-BE49-F238E27FC236}">
-                <a16:creationId xmlns:a16="http://schemas.microsoft.com/office/drawing/2014/main" id="{7187E555-53E6-9ED1-E32C-007DF9CC7556}"/>
-              </a:ext>
-            </a:extLst>
-          </p:cNvPr>
-          <p:cNvSpPr txBox="1"/>
-          <p:nvPr/>
-        </p:nvSpPr>
-        <p:spPr>
-          <a:xfrm>
-            <a:off x="4234833" y="1670507"/>
-            <a:ext cx="2760162" cy="646331"/>
-          </a:xfrm>
-          <a:prstGeom prst="rect">
-            <a:avLst/>
-          </a:prstGeom>
-          <a:noFill/>
-        </p:spPr>
-        <p:txBody>
-          <a:bodyPr wrap="square">
-            <a:spAutoFit/>
-          </a:bodyPr>
-          <a:lstStyle/>
-          <a:p>
-            <a:pPr algn="ctr"/>
-            <a:r>
-              <a:rPr lang="en-US" dirty="0">
-                <a:solidFill>
-                  <a:srgbClr val="3F51C3"/>
-                </a:solidFill>
-                <a:latin typeface="SF Pro Text" pitchFamily="2" charset="0"/>
-                <a:ea typeface="SF Pro Text" pitchFamily="2" charset="0"/>
-                <a:cs typeface="SF Pro Text" pitchFamily="2" charset="0"/>
-              </a:rPr>
-              <a:t>TunSlip6</a:t>
-            </a:r>
-          </a:p>
-          <a:p>
-            <a:pPr algn="ctr"/>
-            <a:r>
-              <a:rPr lang="en-US" dirty="0">
-                <a:solidFill>
-                  <a:srgbClr val="3F51C3"/>
-                </a:solidFill>
-                <a:latin typeface="SF Pro Text" pitchFamily="2" charset="0"/>
-                <a:ea typeface="SF Pro Text" pitchFamily="2" charset="0"/>
-                <a:cs typeface="SF Pro Text" pitchFamily="2" charset="0"/>
-              </a:rPr>
-              <a:t>Local </a:t>
-            </a:r>
-            <a:r>
-              <a:rPr lang="en-US" dirty="0" err="1">
-                <a:solidFill>
-                  <a:srgbClr val="3F51C3"/>
-                </a:solidFill>
-                <a:latin typeface="SF Pro Text" pitchFamily="2" charset="0"/>
-                <a:ea typeface="SF Pro Text" pitchFamily="2" charset="0"/>
-                <a:cs typeface="SF Pro Text" pitchFamily="2" charset="0"/>
-              </a:rPr>
-              <a:t>Mosquitto</a:t>
-            </a:r>
-            <a:r>
-              <a:rPr lang="en-US" dirty="0">
-                <a:solidFill>
-                  <a:srgbClr val="3F51C3"/>
-                </a:solidFill>
-                <a:latin typeface="SF Pro Text" pitchFamily="2" charset="0"/>
-                <a:ea typeface="SF Pro Text" pitchFamily="2" charset="0"/>
-                <a:cs typeface="SF Pro Text" pitchFamily="2" charset="0"/>
-              </a:rPr>
-              <a:t> Broker</a:t>
-            </a:r>
-            <a:endParaRPr lang="it-IT" dirty="0">
-              <a:solidFill>
-                <a:srgbClr val="3F51C3"/>
-              </a:solidFill>
-            </a:endParaRPr>
-          </a:p>
-        </p:txBody>
-      </p:sp>
-      <p:sp>
-        <p:nvSpPr>
-          <p:cNvPr id="27" name="CasellaDiTesto 26">
-            <a:extLst>
-              <a:ext uri="{FF2B5EF4-FFF2-40B4-BE49-F238E27FC236}">
-                <a16:creationId xmlns:a16="http://schemas.microsoft.com/office/drawing/2014/main" id="{C08C5B8A-80F6-C905-0D27-32F7C54660E6}"/>
-              </a:ext>
-            </a:extLst>
-          </p:cNvPr>
-          <p:cNvSpPr txBox="1"/>
-          <p:nvPr/>
-        </p:nvSpPr>
-        <p:spPr>
-          <a:xfrm>
-            <a:off x="7822154" y="635472"/>
-            <a:ext cx="2760162" cy="369332"/>
-          </a:xfrm>
-          <a:prstGeom prst="rect">
-            <a:avLst/>
-          </a:prstGeom>
-          <a:noFill/>
-        </p:spPr>
-        <p:txBody>
-          <a:bodyPr wrap="square">
-            <a:spAutoFit/>
-          </a:bodyPr>
-          <a:lstStyle/>
-          <a:p>
-            <a:r>
-              <a:rPr lang="en-US" dirty="0">
-                <a:solidFill>
-                  <a:srgbClr val="3F51C3"/>
-                </a:solidFill>
-                <a:latin typeface="SF Pro Text" pitchFamily="2" charset="0"/>
-                <a:ea typeface="SF Pro Text" pitchFamily="2" charset="0"/>
-                <a:cs typeface="SF Pro Text" pitchFamily="2" charset="0"/>
-              </a:rPr>
-              <a:t>Cloud </a:t>
-            </a:r>
-            <a:r>
-              <a:rPr lang="en-US" dirty="0" err="1">
-                <a:solidFill>
-                  <a:srgbClr val="3F51C3"/>
-                </a:solidFill>
-                <a:latin typeface="SF Pro Text" pitchFamily="2" charset="0"/>
-                <a:ea typeface="SF Pro Text" pitchFamily="2" charset="0"/>
-                <a:cs typeface="SF Pro Text" pitchFamily="2" charset="0"/>
-              </a:rPr>
-              <a:t>Mosquitto</a:t>
-            </a:r>
-            <a:r>
-              <a:rPr lang="en-US" dirty="0">
-                <a:solidFill>
-                  <a:srgbClr val="3F51C3"/>
-                </a:solidFill>
-                <a:latin typeface="SF Pro Text" pitchFamily="2" charset="0"/>
-                <a:ea typeface="SF Pro Text" pitchFamily="2" charset="0"/>
-                <a:cs typeface="SF Pro Text" pitchFamily="2" charset="0"/>
-              </a:rPr>
-              <a:t> Broker</a:t>
-            </a:r>
-            <a:endParaRPr lang="it-IT" dirty="0">
-              <a:solidFill>
-                <a:srgbClr val="3F51C3"/>
-              </a:solidFill>
-            </a:endParaRPr>
-          </a:p>
-        </p:txBody>
-      </p:sp>
-      <p:sp>
-        <p:nvSpPr>
-          <p:cNvPr id="28" name="CasellaDiTesto 27">
-            <a:extLst>
-              <a:ext uri="{FF2B5EF4-FFF2-40B4-BE49-F238E27FC236}">
-                <a16:creationId xmlns:a16="http://schemas.microsoft.com/office/drawing/2014/main" id="{DBD78D03-D8E7-4AC3-0D93-73914ABFC16B}"/>
-              </a:ext>
-            </a:extLst>
-          </p:cNvPr>
-          <p:cNvSpPr txBox="1"/>
-          <p:nvPr/>
-        </p:nvSpPr>
-        <p:spPr>
-          <a:xfrm>
-            <a:off x="10512267" y="2455646"/>
-            <a:ext cx="1462019" cy="369332"/>
-          </a:xfrm>
-          <a:prstGeom prst="rect">
-            <a:avLst/>
-          </a:prstGeom>
-          <a:noFill/>
-        </p:spPr>
-        <p:txBody>
-          <a:bodyPr wrap="square">
-            <a:spAutoFit/>
-          </a:bodyPr>
-          <a:lstStyle/>
-          <a:p>
-            <a:r>
-              <a:rPr lang="en-US" dirty="0">
-                <a:solidFill>
-                  <a:srgbClr val="3F51C3"/>
-                </a:solidFill>
-                <a:latin typeface="SF Pro Text" pitchFamily="2" charset="0"/>
-                <a:ea typeface="SF Pro Text" pitchFamily="2" charset="0"/>
-                <a:cs typeface="SF Pro Text" pitchFamily="2" charset="0"/>
-              </a:rPr>
-              <a:t>Node-Red</a:t>
-            </a:r>
-            <a:endParaRPr lang="it-IT" dirty="0">
-              <a:solidFill>
-                <a:srgbClr val="3F51C3"/>
-              </a:solidFill>
-            </a:endParaRPr>
-          </a:p>
-        </p:txBody>
-      </p:sp>
-      <p:sp>
-        <p:nvSpPr>
-          <p:cNvPr id="29" name="CasellaDiTesto 28">
-            <a:extLst>
-              <a:ext uri="{FF2B5EF4-FFF2-40B4-BE49-F238E27FC236}">
-                <a16:creationId xmlns:a16="http://schemas.microsoft.com/office/drawing/2014/main" id="{265F4FE8-DFB7-82B6-92ED-956B5FC3D182}"/>
-              </a:ext>
-            </a:extLst>
-          </p:cNvPr>
-          <p:cNvSpPr txBox="1"/>
-          <p:nvPr/>
-        </p:nvSpPr>
-        <p:spPr>
-          <a:xfrm>
-            <a:off x="10512267" y="3821233"/>
-            <a:ext cx="1120424" cy="646331"/>
-          </a:xfrm>
-          <a:prstGeom prst="rect">
-            <a:avLst/>
-          </a:prstGeom>
-          <a:noFill/>
-        </p:spPr>
-        <p:txBody>
-          <a:bodyPr wrap="square">
-            <a:spAutoFit/>
-          </a:bodyPr>
-          <a:lstStyle/>
-          <a:p>
-            <a:r>
-              <a:rPr lang="en-US" dirty="0">
-                <a:solidFill>
-                  <a:srgbClr val="3F51C3"/>
-                </a:solidFill>
-                <a:latin typeface="SF Pro Text" pitchFamily="2" charset="0"/>
-                <a:ea typeface="SF Pro Text" pitchFamily="2" charset="0"/>
-                <a:cs typeface="SF Pro Text" pitchFamily="2" charset="0"/>
-              </a:rPr>
-              <a:t>Data</a:t>
-            </a:r>
-          </a:p>
-          <a:p>
-            <a:r>
-              <a:rPr lang="en-US" dirty="0">
-                <a:solidFill>
-                  <a:srgbClr val="3F51C3"/>
-                </a:solidFill>
-                <a:latin typeface="SF Pro Text" pitchFamily="2" charset="0"/>
-                <a:ea typeface="SF Pro Text" pitchFamily="2" charset="0"/>
-                <a:cs typeface="SF Pro Text" pitchFamily="2" charset="0"/>
-              </a:rPr>
-              <a:t>Storage</a:t>
-            </a:r>
-            <a:endParaRPr lang="it-IT" dirty="0">
-              <a:solidFill>
-                <a:srgbClr val="3F51C3"/>
-              </a:solidFill>
-            </a:endParaRPr>
-          </a:p>
-        </p:txBody>
-      </p:sp>
-      <p:pic>
-        <p:nvPicPr>
-          <p:cNvPr id="31" name="Elemento grafico 30">
-            <a:extLst>
-              <a:ext uri="{FF2B5EF4-FFF2-40B4-BE49-F238E27FC236}">
-                <a16:creationId xmlns:a16="http://schemas.microsoft.com/office/drawing/2014/main" id="{F6DE5C95-EB02-BDC6-162B-6D70B1277176}"/>
-              </a:ext>
-            </a:extLst>
-          </p:cNvPr>
-          <p:cNvPicPr>
-            <a:picLocks noChangeAspect="1"/>
-          </p:cNvPicPr>
-          <p:nvPr/>
-        </p:nvPicPr>
-        <p:blipFill>
-          <a:blip r:embed="rId12">
-            <a:extLst>
-              <a:ext uri="{96DAC541-7B7A-43D3-8B79-37D633B846F1}">
-                <asvg:svgBlip xmlns:asvg="http://schemas.microsoft.com/office/drawing/2016/SVG/main" r:embed="rId13"/>
-              </a:ext>
-            </a:extLst>
-          </a:blip>
-          <a:stretch>
-            <a:fillRect/>
-          </a:stretch>
-        </p:blipFill>
-        <p:spPr>
-          <a:xfrm>
-            <a:off x="9735696" y="5168130"/>
-            <a:ext cx="690151" cy="690151"/>
-          </a:xfrm>
-          <a:prstGeom prst="rect">
-            <a:avLst/>
-          </a:prstGeom>
-        </p:spPr>
-      </p:pic>
-      <p:sp>
-        <p:nvSpPr>
-          <p:cNvPr id="32" name="CasellaDiTesto 31">
-            <a:extLst>
-              <a:ext uri="{FF2B5EF4-FFF2-40B4-BE49-F238E27FC236}">
-                <a16:creationId xmlns:a16="http://schemas.microsoft.com/office/drawing/2014/main" id="{9CBA51D3-2E02-AD80-BAFA-285486923710}"/>
-              </a:ext>
-            </a:extLst>
-          </p:cNvPr>
-          <p:cNvSpPr txBox="1"/>
-          <p:nvPr/>
-        </p:nvSpPr>
-        <p:spPr>
-          <a:xfrm>
-            <a:off x="10506773" y="5190039"/>
-            <a:ext cx="1120424" cy="646331"/>
-          </a:xfrm>
-          <a:prstGeom prst="rect">
-            <a:avLst/>
-          </a:prstGeom>
-          <a:noFill/>
-        </p:spPr>
-        <p:txBody>
-          <a:bodyPr wrap="square">
-            <a:spAutoFit/>
-          </a:bodyPr>
-          <a:lstStyle/>
-          <a:p>
-            <a:r>
-              <a:rPr lang="en-US" dirty="0">
-                <a:solidFill>
-                  <a:srgbClr val="3F51C3"/>
-                </a:solidFill>
-                <a:latin typeface="SF Pro Text" pitchFamily="2" charset="0"/>
-                <a:ea typeface="SF Pro Text" pitchFamily="2" charset="0"/>
-                <a:cs typeface="SF Pro Text" pitchFamily="2" charset="0"/>
-              </a:rPr>
-              <a:t>Apache</a:t>
-            </a:r>
-          </a:p>
-          <a:p>
-            <a:r>
-              <a:rPr lang="en-US" dirty="0">
-                <a:solidFill>
-                  <a:srgbClr val="3F51C3"/>
-                </a:solidFill>
-                <a:latin typeface="SF Pro Text" pitchFamily="2" charset="0"/>
-                <a:ea typeface="SF Pro Text" pitchFamily="2" charset="0"/>
-                <a:cs typeface="SF Pro Text" pitchFamily="2" charset="0"/>
-              </a:rPr>
-              <a:t>Spark</a:t>
-            </a:r>
-            <a:endParaRPr lang="it-IT" dirty="0">
-              <a:solidFill>
-                <a:srgbClr val="3F51C3"/>
-              </a:solidFill>
-            </a:endParaRPr>
-          </a:p>
-        </p:txBody>
-      </p:sp>
-      <p:cxnSp>
-        <p:nvCxnSpPr>
-          <p:cNvPr id="34" name="Connettore 2 33">
-            <a:extLst>
-              <a:ext uri="{FF2B5EF4-FFF2-40B4-BE49-F238E27FC236}">
-                <a16:creationId xmlns:a16="http://schemas.microsoft.com/office/drawing/2014/main" id="{F20E3A11-89F7-03B8-379F-7987D98098DB}"/>
-              </a:ext>
-            </a:extLst>
-          </p:cNvPr>
-          <p:cNvCxnSpPr/>
-          <p:nvPr/>
-        </p:nvCxnSpPr>
-        <p:spPr>
-          <a:xfrm flipV="1">
-            <a:off x="3644095" y="1456351"/>
-            <a:ext cx="1266108" cy="537321"/>
-          </a:xfrm>
-          <a:prstGeom prst="straightConnector1">
-            <a:avLst/>
-          </a:prstGeom>
+            <a:endParaRPr lang="en-US"/>
+          </a:p>
+        </p:txBody>
+      </p:sp>
+      <p:sp>
+        <p:nvSpPr>
+          <p:cNvPr id="14" name="Rettangolo con angoli arrotondati 13">
+            <a:extLst>
+              <a:ext uri="{FF2B5EF4-FFF2-40B4-BE49-F238E27FC236}">
+                <a16:creationId xmlns:a16="http://schemas.microsoft.com/office/drawing/2014/main" id="{38023296-86C1-AE5E-EFBB-7613852119E0}"/>
+              </a:ext>
+            </a:extLst>
+          </p:cNvPr>
+          <p:cNvSpPr/>
+          <p:nvPr/>
+        </p:nvSpPr>
+        <p:spPr>
+          <a:xfrm>
+            <a:off x="8264424" y="1012987"/>
+            <a:ext cx="3389343" cy="1441365"/>
+          </a:xfrm>
+          <a:prstGeom prst="roundRect">
+            <a:avLst>
+              <a:gd name="adj" fmla="val 30571"/>
+            </a:avLst>
+          </a:prstGeom>
+          <a:solidFill>
+            <a:srgbClr val="FFFFFF">
+              <a:alpha val="50196"/>
+            </a:srgbClr>
+          </a:solidFill>
           <a:ln w="38100">
-            <a:solidFill>
-              <a:srgbClr val="3F3C53"/>
-            </a:solidFill>
-            <a:headEnd type="triangle"/>
-            <a:tailEnd type="triangle"/>
+            <a:noFill/>
           </a:ln>
         </p:spPr>
         <p:style>
-          <a:lnRef idx="1">
-            <a:schemeClr val="accent1"/>
+          <a:lnRef idx="2">
+            <a:schemeClr val="accent1">
+              <a:shade val="50000"/>
+            </a:schemeClr>
           </a:lnRef>
-          <a:fillRef idx="0">
+          <a:fillRef idx="1">
             <a:schemeClr val="accent1"/>
           </a:fillRef>
           <a:effectRef idx="0">
             <a:schemeClr val="accent1"/>
           </a:effectRef>
           <a:fontRef idx="minor">
-            <a:schemeClr val="tx1"/>
+            <a:schemeClr val="lt1"/>
           </a:fontRef>
         </p:style>
-      </p:cxnSp>
-      <p:cxnSp>
-        <p:nvCxnSpPr>
-          <p:cNvPr id="35" name="Connettore 2 34">
-            <a:extLst>
-              <a:ext uri="{FF2B5EF4-FFF2-40B4-BE49-F238E27FC236}">
-                <a16:creationId xmlns:a16="http://schemas.microsoft.com/office/drawing/2014/main" id="{8D79D00B-4951-5112-E7AB-D4626021D1C4}"/>
-              </a:ext>
-            </a:extLst>
-          </p:cNvPr>
-          <p:cNvCxnSpPr>
-            <a:cxnSpLocks/>
-          </p:cNvCxnSpPr>
-          <p:nvPr/>
-        </p:nvCxnSpPr>
-        <p:spPr>
-          <a:xfrm>
-            <a:off x="6358109" y="1351445"/>
-            <a:ext cx="2435162" cy="0"/>
-          </a:xfrm>
-          <a:prstGeom prst="straightConnector1">
-            <a:avLst/>
-          </a:prstGeom>
+        <p:txBody>
+          <a:bodyPr rtlCol="0" anchor="ctr"/>
+          <a:lstStyle/>
+          <a:p>
+            <a:pPr algn="ctr"/>
+            <a:endParaRPr lang="en-US"/>
+          </a:p>
+        </p:txBody>
+      </p:sp>
+      <p:sp>
+        <p:nvSpPr>
+          <p:cNvPr id="13" name="Rettangolo con angoli arrotondati 12">
+            <a:extLst>
+              <a:ext uri="{FF2B5EF4-FFF2-40B4-BE49-F238E27FC236}">
+                <a16:creationId xmlns:a16="http://schemas.microsoft.com/office/drawing/2014/main" id="{5A5BF927-E0EA-6ABC-4365-79739CCBA44C}"/>
+              </a:ext>
+            </a:extLst>
+          </p:cNvPr>
+          <p:cNvSpPr/>
+          <p:nvPr/>
+        </p:nvSpPr>
+        <p:spPr>
+          <a:xfrm>
+            <a:off x="1205440" y="4591698"/>
+            <a:ext cx="3389343" cy="1441365"/>
+          </a:xfrm>
+          <a:prstGeom prst="roundRect">
+            <a:avLst>
+              <a:gd name="adj" fmla="val 30571"/>
+            </a:avLst>
+          </a:prstGeom>
+          <a:solidFill>
+            <a:srgbClr val="FFFFFF">
+              <a:alpha val="50196"/>
+            </a:srgbClr>
+          </a:solidFill>
           <a:ln w="38100">
-            <a:solidFill>
-              <a:srgbClr val="3F3C53"/>
-            </a:solidFill>
-            <a:headEnd type="triangle"/>
-            <a:tailEnd type="triangle"/>
+            <a:noFill/>
           </a:ln>
         </p:spPr>
         <p:style>
-          <a:lnRef idx="1">
-            <a:schemeClr val="accent1"/>
+          <a:lnRef idx="2">
+            <a:schemeClr val="accent1">
+              <a:shade val="50000"/>
+            </a:schemeClr>
           </a:lnRef>
-          <a:fillRef idx="0">
+          <a:fillRef idx="1">
             <a:schemeClr val="accent1"/>
           </a:fillRef>
           <a:effectRef idx="0">
             <a:schemeClr val="accent1"/>
           </a:effectRef>
           <a:fontRef idx="minor">
-            <a:schemeClr val="tx1"/>
+            <a:schemeClr val="lt1"/>
           </a:fontRef>
         </p:style>
-      </p:cxnSp>
-      <p:cxnSp>
-        <p:nvCxnSpPr>
-          <p:cNvPr id="38" name="Connettore 2 37">
-            <a:extLst>
-              <a:ext uri="{FF2B5EF4-FFF2-40B4-BE49-F238E27FC236}">
-                <a16:creationId xmlns:a16="http://schemas.microsoft.com/office/drawing/2014/main" id="{6F454FEB-176C-7C9F-1B29-DF23BB5032F5}"/>
-              </a:ext>
-            </a:extLst>
-          </p:cNvPr>
-          <p:cNvCxnSpPr>
-            <a:cxnSpLocks/>
-          </p:cNvCxnSpPr>
-          <p:nvPr/>
-        </p:nvCxnSpPr>
-        <p:spPr>
-          <a:xfrm>
-            <a:off x="9619989" y="1363522"/>
-            <a:ext cx="551860" cy="926021"/>
-          </a:xfrm>
-          <a:prstGeom prst="straightConnector1">
-            <a:avLst/>
-          </a:prstGeom>
+        <p:txBody>
+          <a:bodyPr rtlCol="0" anchor="ctr"/>
+          <a:lstStyle/>
+          <a:p>
+            <a:pPr algn="ctr"/>
+            <a:endParaRPr lang="en-US"/>
+          </a:p>
+        </p:txBody>
+      </p:sp>
+      <p:sp>
+        <p:nvSpPr>
+          <p:cNvPr id="12" name="Rettangolo con angoli arrotondati 11">
+            <a:extLst>
+              <a:ext uri="{FF2B5EF4-FFF2-40B4-BE49-F238E27FC236}">
+                <a16:creationId xmlns:a16="http://schemas.microsoft.com/office/drawing/2014/main" id="{33ED0006-BB16-C99B-0E9A-ECABD3896000}"/>
+              </a:ext>
+            </a:extLst>
+          </p:cNvPr>
+          <p:cNvSpPr/>
+          <p:nvPr/>
+        </p:nvSpPr>
+        <p:spPr>
+          <a:xfrm>
+            <a:off x="1205440" y="1201040"/>
+            <a:ext cx="3389343" cy="1065263"/>
+          </a:xfrm>
+          <a:prstGeom prst="roundRect">
+            <a:avLst>
+              <a:gd name="adj" fmla="val 30571"/>
+            </a:avLst>
+          </a:prstGeom>
+          <a:solidFill>
+            <a:srgbClr val="FFFFFF">
+              <a:alpha val="50196"/>
+            </a:srgbClr>
+          </a:solidFill>
           <a:ln w="38100">
-            <a:solidFill>
-              <a:srgbClr val="3F3C53"/>
-            </a:solidFill>
-            <a:headEnd type="triangle"/>
-            <a:tailEnd type="triangle"/>
+            <a:noFill/>
           </a:ln>
         </p:spPr>
         <p:style>
-          <a:lnRef idx="1">
-            <a:schemeClr val="accent1"/>
+          <a:lnRef idx="2">
+            <a:schemeClr val="accent1">
+              <a:shade val="50000"/>
+            </a:schemeClr>
           </a:lnRef>
-          <a:fillRef idx="0">
+          <a:fillRef idx="1">
             <a:schemeClr val="accent1"/>
           </a:fillRef>
           <a:effectRef idx="0">
             <a:schemeClr val="accent1"/>
           </a:effectRef>
           <a:fontRef idx="minor">
-            <a:schemeClr val="tx1"/>
+            <a:schemeClr val="lt1"/>
           </a:fontRef>
         </p:style>
-      </p:cxnSp>
-      <p:cxnSp>
-        <p:nvCxnSpPr>
-          <p:cNvPr id="42" name="Connettore 2 41">
-            <a:extLst>
-              <a:ext uri="{FF2B5EF4-FFF2-40B4-BE49-F238E27FC236}">
-                <a16:creationId xmlns:a16="http://schemas.microsoft.com/office/drawing/2014/main" id="{278FF521-F50B-AD90-6A33-0704DE5ADB89}"/>
-              </a:ext>
-            </a:extLst>
-          </p:cNvPr>
-          <p:cNvCxnSpPr>
-            <a:cxnSpLocks/>
-          </p:cNvCxnSpPr>
-          <p:nvPr/>
-        </p:nvCxnSpPr>
-        <p:spPr>
-          <a:xfrm>
-            <a:off x="10133172" y="3085097"/>
-            <a:ext cx="0" cy="693072"/>
-          </a:xfrm>
-          <a:prstGeom prst="straightConnector1">
-            <a:avLst/>
-          </a:prstGeom>
+        <p:txBody>
+          <a:bodyPr rtlCol="0" anchor="ctr"/>
+          <a:lstStyle/>
+          <a:p>
+            <a:pPr algn="ctr"/>
+            <a:endParaRPr lang="en-US"/>
+          </a:p>
+        </p:txBody>
+      </p:sp>
+      <p:sp>
+        <p:nvSpPr>
+          <p:cNvPr id="10" name="Rettangolo con angoli arrotondati 9">
+            <a:extLst>
+              <a:ext uri="{FF2B5EF4-FFF2-40B4-BE49-F238E27FC236}">
+                <a16:creationId xmlns:a16="http://schemas.microsoft.com/office/drawing/2014/main" id="{A5F53523-41A5-DFCA-B546-ADE54F7993DF}"/>
+              </a:ext>
+            </a:extLst>
+          </p:cNvPr>
+          <p:cNvSpPr/>
+          <p:nvPr/>
+        </p:nvSpPr>
+        <p:spPr>
+          <a:xfrm>
+            <a:off x="5113180" y="2112546"/>
+            <a:ext cx="2671919" cy="2621084"/>
+          </a:xfrm>
+          <a:prstGeom prst="roundRect">
+            <a:avLst>
+              <a:gd name="adj" fmla="val 30571"/>
+            </a:avLst>
+          </a:prstGeom>
+          <a:solidFill>
+            <a:srgbClr val="FFFFFF">
+              <a:alpha val="50196"/>
+            </a:srgbClr>
+          </a:solidFill>
           <a:ln w="38100">
-            <a:solidFill>
-              <a:srgbClr val="3F3C53"/>
-            </a:solidFill>
-            <a:tailEnd type="triangle"/>
+            <a:noFill/>
           </a:ln>
         </p:spPr>
         <p:style>
-          <a:lnRef idx="1">
-            <a:schemeClr val="accent1"/>
+          <a:lnRef idx="2">
+            <a:schemeClr val="accent1">
+              <a:shade val="50000"/>
+            </a:schemeClr>
           </a:lnRef>
-          <a:fillRef idx="0">
+          <a:fillRef idx="1">
             <a:schemeClr val="accent1"/>
           </a:fillRef>
           <a:effectRef idx="0">
             <a:schemeClr val="accent1"/>
           </a:effectRef>
           <a:fontRef idx="minor">
-            <a:schemeClr val="tx1"/>
+            <a:schemeClr val="lt1"/>
           </a:fontRef>
         </p:style>
-      </p:cxnSp>
-      <p:cxnSp>
-        <p:nvCxnSpPr>
-          <p:cNvPr id="45" name="Connettore 2 44">
-            <a:extLst>
-              <a:ext uri="{FF2B5EF4-FFF2-40B4-BE49-F238E27FC236}">
-                <a16:creationId xmlns:a16="http://schemas.microsoft.com/office/drawing/2014/main" id="{695C6249-A30A-4583-A4B4-CDDDD7679C76}"/>
-              </a:ext>
-            </a:extLst>
-          </p:cNvPr>
-          <p:cNvCxnSpPr>
-            <a:cxnSpLocks/>
-          </p:cNvCxnSpPr>
-          <p:nvPr/>
-        </p:nvCxnSpPr>
-        <p:spPr>
-          <a:xfrm flipV="1">
-            <a:off x="10140097" y="4495549"/>
-            <a:ext cx="0" cy="614627"/>
-          </a:xfrm>
-          <a:prstGeom prst="straightConnector1">
-            <a:avLst/>
-          </a:prstGeom>
+        <p:txBody>
+          <a:bodyPr rtlCol="0" anchor="ctr"/>
+          <a:lstStyle/>
+          <a:p>
+            <a:pPr algn="ctr"/>
+            <a:endParaRPr lang="en-US"/>
+          </a:p>
+        </p:txBody>
+      </p:sp>
+      <p:sp>
+        <p:nvSpPr>
+          <p:cNvPr id="2" name="Segnaposto numero diapositiva 1">
+            <a:extLst>
+              <a:ext uri="{FF2B5EF4-FFF2-40B4-BE49-F238E27FC236}">
+                <a16:creationId xmlns:a16="http://schemas.microsoft.com/office/drawing/2014/main" id="{884DD8DA-0D96-74B3-D3D6-50D54A9BF1BB}"/>
+              </a:ext>
+            </a:extLst>
+          </p:cNvPr>
+          <p:cNvSpPr>
+            <a:spLocks noGrp="1"/>
+          </p:cNvSpPr>
+          <p:nvPr>
+            <p:ph type="sldNum" sz="quarter" idx="12"/>
+          </p:nvPr>
+        </p:nvSpPr>
+        <p:spPr/>
+        <p:txBody>
+          <a:bodyPr/>
+          <a:lstStyle/>
+          <a:p>
+            <a:fld id="{925FCEA2-F0DA-AB4C-B1CA-0E33C745EDE1}" type="slidenum">
+              <a:rPr lang="it-IT" smtClean="0"/>
+              <a:pPr/>
+              <a:t>9</a:t>
+            </a:fld>
+            <a:endParaRPr lang="it-IT" dirty="0"/>
+          </a:p>
+        </p:txBody>
+      </p:sp>
+      <p:sp>
+        <p:nvSpPr>
+          <p:cNvPr id="3" name="Titolo 2">
+            <a:extLst>
+              <a:ext uri="{FF2B5EF4-FFF2-40B4-BE49-F238E27FC236}">
+                <a16:creationId xmlns:a16="http://schemas.microsoft.com/office/drawing/2014/main" id="{81CE2E52-7F3A-AAF4-73A7-395E57991AFB}"/>
+              </a:ext>
+            </a:extLst>
+          </p:cNvPr>
+          <p:cNvSpPr>
+            <a:spLocks noGrp="1"/>
+          </p:cNvSpPr>
+          <p:nvPr>
+            <p:ph type="title"/>
+          </p:nvPr>
+        </p:nvSpPr>
+        <p:spPr/>
+        <p:txBody>
+          <a:bodyPr/>
+          <a:lstStyle/>
+          <a:p>
+            <a:r>
+              <a:rPr lang="en-US"/>
+              <a:t>Actuators</a:t>
+            </a:r>
+          </a:p>
+        </p:txBody>
+      </p:sp>
+      <p:sp>
+        <p:nvSpPr>
+          <p:cNvPr id="5" name="CasellaDiTesto 4">
+            <a:extLst>
+              <a:ext uri="{FF2B5EF4-FFF2-40B4-BE49-F238E27FC236}">
+                <a16:creationId xmlns:a16="http://schemas.microsoft.com/office/drawing/2014/main" id="{1C09F81F-2C1B-6809-7BAC-927B1E5ACCB8}"/>
+              </a:ext>
+            </a:extLst>
+          </p:cNvPr>
+          <p:cNvSpPr txBox="1"/>
+          <p:nvPr/>
+        </p:nvSpPr>
+        <p:spPr>
+          <a:xfrm>
+            <a:off x="1435550" y="1410505"/>
+            <a:ext cx="3034850" cy="646331"/>
+          </a:xfrm>
+          <a:prstGeom prst="rect">
+            <a:avLst/>
+          </a:prstGeom>
+          <a:noFill/>
+        </p:spPr>
+        <p:txBody>
+          <a:bodyPr wrap="square">
+            <a:spAutoFit/>
+          </a:bodyPr>
+          <a:lstStyle/>
+          <a:p>
+            <a:r>
+              <a:rPr lang="en-US" dirty="0">
+                <a:solidFill>
+                  <a:srgbClr val="3F3C53"/>
+                </a:solidFill>
+                <a:latin typeface="SF Pro Text" pitchFamily="2" charset="0"/>
+                <a:ea typeface="SF Pro Text" pitchFamily="2" charset="0"/>
+                <a:cs typeface="SF Pro Text" pitchFamily="2" charset="0"/>
+              </a:rPr>
+              <a:t>Smart devices with full flagged operating system</a:t>
+            </a:r>
+            <a:endParaRPr lang="it-IT" dirty="0"/>
+          </a:p>
+        </p:txBody>
+      </p:sp>
+      <p:sp>
+        <p:nvSpPr>
+          <p:cNvPr id="6" name="CasellaDiTesto 5">
+            <a:extLst>
+              <a:ext uri="{FF2B5EF4-FFF2-40B4-BE49-F238E27FC236}">
+                <a16:creationId xmlns:a16="http://schemas.microsoft.com/office/drawing/2014/main" id="{47E0B106-54C4-9619-605F-AC17C7BAADE3}"/>
+              </a:ext>
+            </a:extLst>
+          </p:cNvPr>
+          <p:cNvSpPr txBox="1"/>
+          <p:nvPr/>
+        </p:nvSpPr>
+        <p:spPr>
+          <a:xfrm>
+            <a:off x="8604017" y="1270729"/>
+            <a:ext cx="2850723" cy="923330"/>
+          </a:xfrm>
+          <a:prstGeom prst="rect">
+            <a:avLst/>
+          </a:prstGeom>
+          <a:noFill/>
+        </p:spPr>
+        <p:txBody>
+          <a:bodyPr wrap="square">
+            <a:spAutoFit/>
+          </a:bodyPr>
+          <a:lstStyle/>
+          <a:p>
+            <a:r>
+              <a:rPr lang="en-US" dirty="0">
+                <a:solidFill>
+                  <a:srgbClr val="3F3C53"/>
+                </a:solidFill>
+                <a:latin typeface="SF Pro Text" pitchFamily="2" charset="0"/>
+                <a:ea typeface="SF Pro Text" pitchFamily="2" charset="0"/>
+                <a:cs typeface="SF Pro Text" pitchFamily="2" charset="0"/>
+              </a:rPr>
+              <a:t>Read sensor publication based on the location topic</a:t>
+            </a:r>
+            <a:endParaRPr lang="it-IT" dirty="0"/>
+          </a:p>
+        </p:txBody>
+      </p:sp>
+      <p:sp>
+        <p:nvSpPr>
+          <p:cNvPr id="7" name="CasellaDiTesto 6">
+            <a:extLst>
+              <a:ext uri="{FF2B5EF4-FFF2-40B4-BE49-F238E27FC236}">
+                <a16:creationId xmlns:a16="http://schemas.microsoft.com/office/drawing/2014/main" id="{5F977612-74A3-A8B8-36B3-8F90CDB3D516}"/>
+              </a:ext>
+            </a:extLst>
+          </p:cNvPr>
+          <p:cNvSpPr txBox="1"/>
+          <p:nvPr/>
+        </p:nvSpPr>
+        <p:spPr>
+          <a:xfrm>
+            <a:off x="1474749" y="4850715"/>
+            <a:ext cx="2850723" cy="923330"/>
+          </a:xfrm>
+          <a:prstGeom prst="rect">
+            <a:avLst/>
+          </a:prstGeom>
+          <a:noFill/>
+        </p:spPr>
+        <p:txBody>
+          <a:bodyPr wrap="square">
+            <a:spAutoFit/>
+          </a:bodyPr>
+          <a:lstStyle/>
+          <a:p>
+            <a:r>
+              <a:rPr lang="en-US" dirty="0">
+                <a:solidFill>
+                  <a:srgbClr val="3F3C53"/>
+                </a:solidFill>
+                <a:latin typeface="SF Pro Text" pitchFamily="2" charset="0"/>
+                <a:ea typeface="SF Pro Text" pitchFamily="2" charset="0"/>
+                <a:cs typeface="SF Pro Text" pitchFamily="2" charset="0"/>
+              </a:rPr>
+              <a:t>Contains the logic to perform operations based on received data </a:t>
+            </a:r>
+            <a:endParaRPr lang="it-IT" dirty="0"/>
+          </a:p>
+        </p:txBody>
+      </p:sp>
+      <p:sp>
+        <p:nvSpPr>
+          <p:cNvPr id="8" name="CasellaDiTesto 7">
+            <a:extLst>
+              <a:ext uri="{FF2B5EF4-FFF2-40B4-BE49-F238E27FC236}">
+                <a16:creationId xmlns:a16="http://schemas.microsoft.com/office/drawing/2014/main" id="{A584B77C-4893-FD20-0B39-42E90C01E4C8}"/>
+              </a:ext>
+            </a:extLst>
+          </p:cNvPr>
+          <p:cNvSpPr txBox="1"/>
+          <p:nvPr/>
+        </p:nvSpPr>
+        <p:spPr>
+          <a:xfrm>
+            <a:off x="8533732" y="4709174"/>
+            <a:ext cx="2850723" cy="1200329"/>
+          </a:xfrm>
+          <a:prstGeom prst="rect">
+            <a:avLst/>
+          </a:prstGeom>
+          <a:noFill/>
+        </p:spPr>
+        <p:txBody>
+          <a:bodyPr wrap="square">
+            <a:spAutoFit/>
+          </a:bodyPr>
+          <a:lstStyle/>
+          <a:p>
+            <a:r>
+              <a:rPr lang="en-US" dirty="0">
+                <a:solidFill>
+                  <a:srgbClr val="3F3C53"/>
+                </a:solidFill>
+                <a:latin typeface="SF Pro Text" pitchFamily="2" charset="0"/>
+                <a:ea typeface="SF Pro Text" pitchFamily="2" charset="0"/>
+                <a:cs typeface="SF Pro Text" pitchFamily="2" charset="0"/>
+              </a:rPr>
+              <a:t>Operations are simulated with a console print and a Telegram</a:t>
+            </a:r>
+          </a:p>
+          <a:p>
+            <a:r>
+              <a:rPr lang="en-US" dirty="0">
+                <a:solidFill>
+                  <a:srgbClr val="3F3C53"/>
+                </a:solidFill>
+                <a:latin typeface="SF Pro Text" pitchFamily="2" charset="0"/>
+                <a:ea typeface="SF Pro Text" pitchFamily="2" charset="0"/>
+                <a:cs typeface="SF Pro Text" pitchFamily="2" charset="0"/>
+              </a:rPr>
+              <a:t>notification</a:t>
+            </a:r>
+            <a:endParaRPr lang="it-IT" dirty="0"/>
+          </a:p>
+        </p:txBody>
+      </p:sp>
+      <p:pic>
+        <p:nvPicPr>
+          <p:cNvPr id="9" name="Elemento grafico 8">
+            <a:extLst>
+              <a:ext uri="{FF2B5EF4-FFF2-40B4-BE49-F238E27FC236}">
+                <a16:creationId xmlns:a16="http://schemas.microsoft.com/office/drawing/2014/main" id="{2DC3088A-60D6-C11F-96DF-118052EC7C16}"/>
+              </a:ext>
+            </a:extLst>
+          </p:cNvPr>
+          <p:cNvPicPr>
+            <a:picLocks noChangeAspect="1"/>
+          </p:cNvPicPr>
+          <p:nvPr/>
+        </p:nvPicPr>
+        <p:blipFill>
+          <a:blip r:embed="rId2">
+            <a:extLst>
+              <a:ext uri="{96DAC541-7B7A-43D3-8B79-37D633B846F1}">
+                <asvg:svgBlip xmlns:asvg="http://schemas.microsoft.com/office/drawing/2016/SVG/main" r:embed="rId3"/>
+              </a:ext>
+            </a:extLst>
+          </a:blip>
+          <a:stretch>
+            <a:fillRect/>
+          </a:stretch>
+        </p:blipFill>
+        <p:spPr>
+          <a:xfrm>
+            <a:off x="5883917" y="2883313"/>
+            <a:ext cx="1091371" cy="1091371"/>
+          </a:xfrm>
+          <a:prstGeom prst="rect">
+            <a:avLst/>
+          </a:prstGeom>
+        </p:spPr>
+      </p:pic>
+      <p:sp>
+        <p:nvSpPr>
+          <p:cNvPr id="11" name="Rettangolo con angoli arrotondati 10">
+            <a:extLst>
+              <a:ext uri="{FF2B5EF4-FFF2-40B4-BE49-F238E27FC236}">
+                <a16:creationId xmlns:a16="http://schemas.microsoft.com/office/drawing/2014/main" id="{32AEB671-16C0-E4CC-7464-7346C54C2CD9}"/>
+              </a:ext>
+            </a:extLst>
+          </p:cNvPr>
+          <p:cNvSpPr/>
+          <p:nvPr/>
+        </p:nvSpPr>
+        <p:spPr>
+          <a:xfrm>
+            <a:off x="4954044" y="1994982"/>
+            <a:ext cx="2951119" cy="2868035"/>
+          </a:xfrm>
+          <a:prstGeom prst="roundRect">
+            <a:avLst>
+              <a:gd name="adj" fmla="val 30571"/>
+            </a:avLst>
+          </a:prstGeom>
+          <a:noFill/>
           <a:ln w="38100">
             <a:solidFill>
               <a:srgbClr val="3F3C53"/>
             </a:solidFill>
-            <a:tailEnd type="triangle"/>
           </a:ln>
         </p:spPr>
         <p:style>
-          <a:lnRef idx="1">
-            <a:schemeClr val="accent1"/>
+          <a:lnRef idx="2">
+            <a:schemeClr val="accent1">
+              <a:shade val="50000"/>
+            </a:schemeClr>
           </a:lnRef>
-          <a:fillRef idx="0">
+          <a:fillRef idx="1">
             <a:schemeClr val="accent1"/>
           </a:fillRef>
           <a:effectRef idx="0">
             <a:schemeClr val="accent1"/>
           </a:effectRef>
           <a:fontRef idx="minor">
-            <a:schemeClr val="tx1"/>
+            <a:schemeClr val="lt1"/>
           </a:fontRef>
         </p:style>
-      </p:cxnSp>
-      <p:sp>
-        <p:nvSpPr>
-          <p:cNvPr id="49" name="CasellaDiTesto 48">
-            <a:extLst>
-              <a:ext uri="{FF2B5EF4-FFF2-40B4-BE49-F238E27FC236}">
-                <a16:creationId xmlns:a16="http://schemas.microsoft.com/office/drawing/2014/main" id="{E29D867A-7763-3FAC-3D6B-E54172AE309D}"/>
-              </a:ext>
-            </a:extLst>
-          </p:cNvPr>
-          <p:cNvSpPr txBox="1"/>
-          <p:nvPr/>
-        </p:nvSpPr>
-        <p:spPr>
-          <a:xfrm rot="20251971">
-            <a:off x="3579073" y="1161806"/>
-            <a:ext cx="1197433" cy="584775"/>
-          </a:xfrm>
-          <a:prstGeom prst="rect">
-            <a:avLst/>
-          </a:prstGeom>
-          <a:noFill/>
-        </p:spPr>
-        <p:txBody>
-          <a:bodyPr wrap="square">
-            <a:spAutoFit/>
-          </a:bodyPr>
+        <p:txBody>
+          <a:bodyPr rtlCol="0" anchor="ctr"/>
           <a:lstStyle/>
           <a:p>
             <a:pPr algn="ctr"/>
-            <a:r>
-              <a:rPr lang="en-US" sz="1600" dirty="0">
-                <a:solidFill>
-                  <a:srgbClr val="3F3C53"/>
-                </a:solidFill>
-                <a:latin typeface="SF Pro Text" pitchFamily="2" charset="0"/>
-                <a:ea typeface="SF Pro Text" pitchFamily="2" charset="0"/>
-                <a:cs typeface="SF Pro Text" pitchFamily="2" charset="0"/>
-              </a:rPr>
-              <a:t>tun0</a:t>
-            </a:r>
-          </a:p>
-          <a:p>
-            <a:pPr algn="ctr"/>
-            <a:r>
-              <a:rPr lang="en-US" sz="1600" dirty="0">
-                <a:solidFill>
-                  <a:srgbClr val="3F3C53"/>
-                </a:solidFill>
-                <a:latin typeface="SF Pro Text" pitchFamily="2" charset="0"/>
-                <a:ea typeface="SF Pro Text" pitchFamily="2" charset="0"/>
-                <a:cs typeface="SF Pro Text" pitchFamily="2" charset="0"/>
-              </a:rPr>
-              <a:t>Pub/Sub</a:t>
-            </a:r>
-            <a:endParaRPr lang="it-IT" sz="1600" dirty="0"/>
-          </a:p>
-        </p:txBody>
-      </p:sp>
-      <p:sp>
-        <p:nvSpPr>
-          <p:cNvPr id="50" name="CasellaDiTesto 49">
-            <a:extLst>
-              <a:ext uri="{FF2B5EF4-FFF2-40B4-BE49-F238E27FC236}">
-                <a16:creationId xmlns:a16="http://schemas.microsoft.com/office/drawing/2014/main" id="{0AB2F549-FE53-6D5E-5EEB-84DCE8A86BC8}"/>
-              </a:ext>
-            </a:extLst>
-          </p:cNvPr>
-          <p:cNvSpPr txBox="1"/>
-          <p:nvPr/>
-        </p:nvSpPr>
-        <p:spPr>
-          <a:xfrm>
-            <a:off x="6870656" y="1051732"/>
-            <a:ext cx="1688055" cy="338554"/>
-          </a:xfrm>
-          <a:prstGeom prst="rect">
-            <a:avLst/>
-          </a:prstGeom>
-          <a:noFill/>
-        </p:spPr>
-        <p:txBody>
-          <a:bodyPr wrap="square">
-            <a:spAutoFit/>
-          </a:bodyPr>
-          <a:lstStyle/>
-          <a:p>
-            <a:r>
-              <a:rPr lang="en-US" sz="1600" dirty="0">
-                <a:solidFill>
-                  <a:srgbClr val="3F3C53"/>
-                </a:solidFill>
-                <a:latin typeface="SF Pro Text" pitchFamily="2" charset="0"/>
-                <a:ea typeface="SF Pro Text" pitchFamily="2" charset="0"/>
-                <a:cs typeface="SF Pro Text" pitchFamily="2" charset="0"/>
-              </a:rPr>
-              <a:t>Broker bridge</a:t>
-            </a:r>
-            <a:endParaRPr lang="it-IT" sz="1600" dirty="0"/>
-          </a:p>
-        </p:txBody>
-      </p:sp>
-      <p:sp>
-        <p:nvSpPr>
-          <p:cNvPr id="51" name="CasellaDiTesto 50">
-            <a:extLst>
-              <a:ext uri="{FF2B5EF4-FFF2-40B4-BE49-F238E27FC236}">
-                <a16:creationId xmlns:a16="http://schemas.microsoft.com/office/drawing/2014/main" id="{1689532D-1BDA-7F5C-D97B-89E9DC9A5F81}"/>
-              </a:ext>
-            </a:extLst>
-          </p:cNvPr>
-          <p:cNvSpPr txBox="1"/>
-          <p:nvPr/>
-        </p:nvSpPr>
-        <p:spPr>
-          <a:xfrm rot="3573375">
-            <a:off x="9586308" y="1645733"/>
-            <a:ext cx="1093730" cy="338554"/>
-          </a:xfrm>
-          <a:prstGeom prst="rect">
-            <a:avLst/>
-          </a:prstGeom>
-          <a:noFill/>
-        </p:spPr>
-        <p:txBody>
-          <a:bodyPr wrap="square">
-            <a:spAutoFit/>
-          </a:bodyPr>
-          <a:lstStyle/>
-          <a:p>
-            <a:r>
-              <a:rPr lang="en-US" sz="1600" dirty="0">
-                <a:solidFill>
-                  <a:srgbClr val="3F3C53"/>
-                </a:solidFill>
-                <a:latin typeface="SF Pro Text" pitchFamily="2" charset="0"/>
-                <a:ea typeface="SF Pro Text" pitchFamily="2" charset="0"/>
-                <a:cs typeface="SF Pro Text" pitchFamily="2" charset="0"/>
-              </a:rPr>
-              <a:t>Pub/Sub</a:t>
-            </a:r>
-            <a:endParaRPr lang="it-IT" sz="1600" dirty="0"/>
-          </a:p>
-        </p:txBody>
-      </p:sp>
-      <p:sp>
-        <p:nvSpPr>
-          <p:cNvPr id="52" name="CasellaDiTesto 51">
-            <a:extLst>
-              <a:ext uri="{FF2B5EF4-FFF2-40B4-BE49-F238E27FC236}">
-                <a16:creationId xmlns:a16="http://schemas.microsoft.com/office/drawing/2014/main" id="{0F493253-6CE1-1B22-BC9F-19FA0B8115BF}"/>
-              </a:ext>
-            </a:extLst>
-          </p:cNvPr>
-          <p:cNvSpPr txBox="1"/>
-          <p:nvPr/>
-        </p:nvSpPr>
-        <p:spPr>
-          <a:xfrm rot="5400000">
-            <a:off x="9806049" y="3374431"/>
-            <a:ext cx="987462" cy="338554"/>
-          </a:xfrm>
-          <a:prstGeom prst="rect">
-            <a:avLst/>
-          </a:prstGeom>
-          <a:noFill/>
-        </p:spPr>
-        <p:txBody>
-          <a:bodyPr wrap="square">
-            <a:spAutoFit/>
-          </a:bodyPr>
-          <a:lstStyle/>
-          <a:p>
-            <a:r>
-              <a:rPr lang="en-US" sz="1600" dirty="0">
-                <a:solidFill>
-                  <a:srgbClr val="3F3C53"/>
-                </a:solidFill>
-                <a:latin typeface="SF Pro Text" pitchFamily="2" charset="0"/>
-                <a:ea typeface="SF Pro Text" pitchFamily="2" charset="0"/>
-                <a:cs typeface="SF Pro Text" pitchFamily="2" charset="0"/>
-              </a:rPr>
-              <a:t>Write</a:t>
-            </a:r>
-            <a:endParaRPr lang="it-IT" sz="1600" dirty="0"/>
-          </a:p>
-        </p:txBody>
-      </p:sp>
-      <p:sp>
-        <p:nvSpPr>
-          <p:cNvPr id="53" name="CasellaDiTesto 52">
-            <a:extLst>
-              <a:ext uri="{FF2B5EF4-FFF2-40B4-BE49-F238E27FC236}">
-                <a16:creationId xmlns:a16="http://schemas.microsoft.com/office/drawing/2014/main" id="{9E692C84-4342-73B2-C0B0-FBE8180A4A86}"/>
-              </a:ext>
-            </a:extLst>
-          </p:cNvPr>
-          <p:cNvSpPr txBox="1"/>
-          <p:nvPr/>
-        </p:nvSpPr>
-        <p:spPr>
-          <a:xfrm rot="5400000">
-            <a:off x="9803302" y="4792018"/>
-            <a:ext cx="987462" cy="338554"/>
-          </a:xfrm>
-          <a:prstGeom prst="rect">
-            <a:avLst/>
-          </a:prstGeom>
-          <a:noFill/>
-        </p:spPr>
-        <p:txBody>
-          <a:bodyPr wrap="square">
-            <a:spAutoFit/>
-          </a:bodyPr>
-          <a:lstStyle/>
-          <a:p>
-            <a:r>
-              <a:rPr lang="en-US" sz="1600" dirty="0">
-                <a:solidFill>
-                  <a:srgbClr val="3F3C53"/>
-                </a:solidFill>
-                <a:latin typeface="SF Pro Text" pitchFamily="2" charset="0"/>
-                <a:ea typeface="SF Pro Text" pitchFamily="2" charset="0"/>
-                <a:cs typeface="SF Pro Text" pitchFamily="2" charset="0"/>
-              </a:rPr>
-              <a:t>Read</a:t>
-            </a:r>
-            <a:endParaRPr lang="it-IT" sz="1600" dirty="0"/>
-          </a:p>
-        </p:txBody>
-      </p:sp>
-      <p:pic>
-        <p:nvPicPr>
-          <p:cNvPr id="59" name="Elemento grafico 58">
-            <a:extLst>
-              <a:ext uri="{FF2B5EF4-FFF2-40B4-BE49-F238E27FC236}">
-                <a16:creationId xmlns:a16="http://schemas.microsoft.com/office/drawing/2014/main" id="{A519B49E-28B0-AD88-5BE8-862A4DDFDFC4}"/>
-              </a:ext>
-            </a:extLst>
-          </p:cNvPr>
-          <p:cNvPicPr>
-            <a:picLocks noChangeAspect="1"/>
-          </p:cNvPicPr>
-          <p:nvPr/>
-        </p:nvPicPr>
-        <p:blipFill>
-          <a:blip r:embed="rId14">
-            <a:extLst>
-              <a:ext uri="{96DAC541-7B7A-43D3-8B79-37D633B846F1}">
-                <asvg:svgBlip xmlns:asvg="http://schemas.microsoft.com/office/drawing/2016/SVG/main" r:embed="rId15"/>
-              </a:ext>
-            </a:extLst>
-          </a:blip>
-          <a:stretch>
-            <a:fillRect/>
-          </a:stretch>
-        </p:blipFill>
-        <p:spPr>
-          <a:xfrm>
-            <a:off x="5722788" y="3289501"/>
-            <a:ext cx="528996" cy="528996"/>
-          </a:xfrm>
-          <a:prstGeom prst="rect">
-            <a:avLst/>
-          </a:prstGeom>
-        </p:spPr>
-      </p:pic>
-      <p:pic>
-        <p:nvPicPr>
-          <p:cNvPr id="60" name="Elemento grafico 59">
-            <a:extLst>
-              <a:ext uri="{FF2B5EF4-FFF2-40B4-BE49-F238E27FC236}">
-                <a16:creationId xmlns:a16="http://schemas.microsoft.com/office/drawing/2014/main" id="{EFE4BF5C-810B-A9F0-4D94-F3F762DCA593}"/>
-              </a:ext>
-            </a:extLst>
-          </p:cNvPr>
-          <p:cNvPicPr>
-            <a:picLocks noChangeAspect="1"/>
-          </p:cNvPicPr>
-          <p:nvPr/>
-        </p:nvPicPr>
-        <p:blipFill>
-          <a:blip r:embed="rId14">
-            <a:extLst>
-              <a:ext uri="{96DAC541-7B7A-43D3-8B79-37D633B846F1}">
-                <asvg:svgBlip xmlns:asvg="http://schemas.microsoft.com/office/drawing/2016/SVG/main" r:embed="rId15"/>
-              </a:ext>
-            </a:extLst>
-          </a:blip>
-          <a:stretch>
-            <a:fillRect/>
-          </a:stretch>
-        </p:blipFill>
-        <p:spPr>
-          <a:xfrm>
-            <a:off x="6358109" y="3291177"/>
-            <a:ext cx="528996" cy="528996"/>
-          </a:xfrm>
-          <a:prstGeom prst="rect">
-            <a:avLst/>
-          </a:prstGeom>
-        </p:spPr>
-      </p:pic>
-      <p:pic>
-        <p:nvPicPr>
-          <p:cNvPr id="61" name="Elemento grafico 60">
-            <a:extLst>
-              <a:ext uri="{FF2B5EF4-FFF2-40B4-BE49-F238E27FC236}">
-                <a16:creationId xmlns:a16="http://schemas.microsoft.com/office/drawing/2014/main" id="{A3D70A75-1987-455F-DA21-252B22D124F1}"/>
-              </a:ext>
-            </a:extLst>
-          </p:cNvPr>
-          <p:cNvPicPr>
-            <a:picLocks noChangeAspect="1"/>
-          </p:cNvPicPr>
-          <p:nvPr/>
-        </p:nvPicPr>
-        <p:blipFill>
-          <a:blip r:embed="rId14">
-            <a:extLst>
-              <a:ext uri="{96DAC541-7B7A-43D3-8B79-37D633B846F1}">
-                <asvg:svgBlip xmlns:asvg="http://schemas.microsoft.com/office/drawing/2016/SVG/main" r:embed="rId15"/>
-              </a:ext>
-            </a:extLst>
-          </a:blip>
-          <a:stretch>
-            <a:fillRect/>
-          </a:stretch>
-        </p:blipFill>
-        <p:spPr>
-          <a:xfrm>
-            <a:off x="6047936" y="3817922"/>
-            <a:ext cx="528996" cy="528996"/>
-          </a:xfrm>
-          <a:prstGeom prst="rect">
-            <a:avLst/>
-          </a:prstGeom>
-        </p:spPr>
-      </p:pic>
-      <p:sp>
-        <p:nvSpPr>
-          <p:cNvPr id="62" name="CasellaDiTesto 61">
-            <a:extLst>
-              <a:ext uri="{FF2B5EF4-FFF2-40B4-BE49-F238E27FC236}">
-                <a16:creationId xmlns:a16="http://schemas.microsoft.com/office/drawing/2014/main" id="{8E72761B-4800-60CB-24DD-5A66DF99F12B}"/>
-              </a:ext>
-            </a:extLst>
-          </p:cNvPr>
-          <p:cNvSpPr txBox="1"/>
-          <p:nvPr/>
-        </p:nvSpPr>
-        <p:spPr>
-          <a:xfrm>
-            <a:off x="5167370" y="4433530"/>
-            <a:ext cx="2168828" cy="369332"/>
-          </a:xfrm>
-          <a:prstGeom prst="rect">
-            <a:avLst/>
-          </a:prstGeom>
-          <a:noFill/>
-        </p:spPr>
-        <p:txBody>
-          <a:bodyPr wrap="square">
-            <a:spAutoFit/>
-          </a:bodyPr>
-          <a:lstStyle/>
-          <a:p>
-            <a:pPr algn="ctr"/>
-            <a:r>
-              <a:rPr lang="en-US" dirty="0">
-                <a:solidFill>
-                  <a:srgbClr val="3F51C3"/>
-                </a:solidFill>
-                <a:latin typeface="SF Pro Text" pitchFamily="2" charset="0"/>
-                <a:ea typeface="SF Pro Text" pitchFamily="2" charset="0"/>
-                <a:cs typeface="SF Pro Text" pitchFamily="2" charset="0"/>
-              </a:rPr>
-              <a:t>Actuators</a:t>
-            </a:r>
-            <a:endParaRPr lang="it-IT" dirty="0">
-              <a:solidFill>
-                <a:srgbClr val="3F51C3"/>
-              </a:solidFill>
-            </a:endParaRPr>
-          </a:p>
-        </p:txBody>
-      </p:sp>
-      <p:cxnSp>
-        <p:nvCxnSpPr>
-          <p:cNvPr id="63" name="Connettore 2 62">
-            <a:extLst>
-              <a:ext uri="{FF2B5EF4-FFF2-40B4-BE49-F238E27FC236}">
-                <a16:creationId xmlns:a16="http://schemas.microsoft.com/office/drawing/2014/main" id="{71FDBBB2-F520-3434-4BDE-2FBB5A6303E8}"/>
-              </a:ext>
-            </a:extLst>
-          </p:cNvPr>
-          <p:cNvCxnSpPr>
-            <a:cxnSpLocks/>
-          </p:cNvCxnSpPr>
-          <p:nvPr/>
-        </p:nvCxnSpPr>
-        <p:spPr>
-          <a:xfrm flipV="1">
-            <a:off x="7019109" y="1845604"/>
-            <a:ext cx="2013151" cy="1708395"/>
-          </a:xfrm>
-          <a:prstGeom prst="straightConnector1">
-            <a:avLst/>
-          </a:prstGeom>
-          <a:ln w="38100">
-            <a:solidFill>
-              <a:srgbClr val="3F3C53"/>
-            </a:solidFill>
-            <a:headEnd type="none"/>
-            <a:tailEnd type="triangle"/>
+            <a:endParaRPr lang="en-US"/>
+          </a:p>
+        </p:txBody>
+      </p:sp>
+      <p:sp>
+        <p:nvSpPr>
+          <p:cNvPr id="16" name="Ovale 15">
+            <a:extLst>
+              <a:ext uri="{FF2B5EF4-FFF2-40B4-BE49-F238E27FC236}">
+                <a16:creationId xmlns:a16="http://schemas.microsoft.com/office/drawing/2014/main" id="{5ACCD1DB-A90D-8B8A-BF9F-0B85677D6B6B}"/>
+              </a:ext>
+            </a:extLst>
+          </p:cNvPr>
+          <p:cNvSpPr/>
+          <p:nvPr/>
+        </p:nvSpPr>
+        <p:spPr>
+          <a:xfrm>
+            <a:off x="913357" y="922498"/>
+            <a:ext cx="646331" cy="646331"/>
+          </a:xfrm>
+          <a:prstGeom prst="ellipse">
+            <a:avLst/>
+          </a:prstGeom>
+          <a:solidFill>
+            <a:srgbClr val="3F51C3"/>
+          </a:solidFill>
+          <a:ln>
+            <a:noFill/>
           </a:ln>
         </p:spPr>
         <p:style>
-          <a:lnRef idx="1">
-            <a:schemeClr val="accent1"/>
+          <a:lnRef idx="2">
+            <a:schemeClr val="accent1">
+              <a:shade val="50000"/>
+            </a:schemeClr>
           </a:lnRef>
-          <a:fillRef idx="0">
+          <a:fillRef idx="1">
             <a:schemeClr val="accent1"/>
           </a:fillRef>
           <a:effectRef idx="0">
             <a:schemeClr val="accent1"/>
           </a:effectRef>
           <a:fontRef idx="minor">
-            <a:schemeClr val="tx1"/>
+            <a:schemeClr val="lt1"/>
           </a:fontRef>
         </p:style>
-      </p:cxnSp>
-      <p:sp>
-        <p:nvSpPr>
-          <p:cNvPr id="65" name="CasellaDiTesto 64">
-            <a:extLst>
-              <a:ext uri="{FF2B5EF4-FFF2-40B4-BE49-F238E27FC236}">
-                <a16:creationId xmlns:a16="http://schemas.microsoft.com/office/drawing/2014/main" id="{CF2D068B-A15A-4224-C219-A6B16DFF4AB8}"/>
-              </a:ext>
-            </a:extLst>
-          </p:cNvPr>
-          <p:cNvSpPr txBox="1"/>
-          <p:nvPr/>
-        </p:nvSpPr>
-        <p:spPr>
-          <a:xfrm rot="19167962">
-            <a:off x="7240669" y="2487789"/>
-            <a:ext cx="1197433" cy="338554"/>
-          </a:xfrm>
-          <a:prstGeom prst="rect">
-            <a:avLst/>
-          </a:prstGeom>
-          <a:noFill/>
-        </p:spPr>
-        <p:txBody>
-          <a:bodyPr wrap="square">
-            <a:spAutoFit/>
-          </a:bodyPr>
+        <p:txBody>
+          <a:bodyPr rtlCol="0" anchor="ctr"/>
           <a:lstStyle/>
           <a:p>
             <a:pPr algn="ctr"/>
-            <a:r>
-              <a:rPr lang="en-US" sz="1600" dirty="0">
-                <a:solidFill>
-                  <a:srgbClr val="3F3C53"/>
-                </a:solidFill>
-                <a:latin typeface="SF Pro Text" pitchFamily="2" charset="0"/>
-                <a:ea typeface="SF Pro Text" pitchFamily="2" charset="0"/>
-                <a:cs typeface="SF Pro Text" pitchFamily="2" charset="0"/>
-              </a:rPr>
-              <a:t>Subscribe</a:t>
-            </a:r>
-          </a:p>
-        </p:txBody>
-      </p:sp>
-      <p:pic>
-        <p:nvPicPr>
-          <p:cNvPr id="68" name="Elemento grafico 67">
-            <a:extLst>
-              <a:ext uri="{FF2B5EF4-FFF2-40B4-BE49-F238E27FC236}">
-                <a16:creationId xmlns:a16="http://schemas.microsoft.com/office/drawing/2014/main" id="{2A32FA45-33B5-BA07-CDCA-17B3BA6AD6B9}"/>
-              </a:ext>
-            </a:extLst>
-          </p:cNvPr>
-          <p:cNvPicPr>
-            <a:picLocks noChangeAspect="1"/>
-          </p:cNvPicPr>
-          <p:nvPr/>
-        </p:nvPicPr>
-        <p:blipFill>
-          <a:blip r:embed="rId16">
-            <a:extLst>
-              <a:ext uri="{96DAC541-7B7A-43D3-8B79-37D633B846F1}">
-                <asvg:svgBlip xmlns:asvg="http://schemas.microsoft.com/office/drawing/2016/SVG/main" r:embed="rId17"/>
-              </a:ext>
-            </a:extLst>
-          </a:blip>
-          <a:stretch>
-            <a:fillRect/>
-          </a:stretch>
-        </p:blipFill>
-        <p:spPr>
-          <a:xfrm>
-            <a:off x="6036589" y="5638532"/>
-            <a:ext cx="530481" cy="530481"/>
-          </a:xfrm>
-          <a:prstGeom prst="rect">
-            <a:avLst/>
-          </a:prstGeom>
-        </p:spPr>
-      </p:pic>
-      <p:sp>
-        <p:nvSpPr>
-          <p:cNvPr id="69" name="CasellaDiTesto 68">
-            <a:extLst>
-              <a:ext uri="{FF2B5EF4-FFF2-40B4-BE49-F238E27FC236}">
-                <a16:creationId xmlns:a16="http://schemas.microsoft.com/office/drawing/2014/main" id="{FEB6255B-7B61-23AA-D9FE-C3BECD3D3360}"/>
-              </a:ext>
-            </a:extLst>
-          </p:cNvPr>
-          <p:cNvSpPr txBox="1"/>
-          <p:nvPr/>
-        </p:nvSpPr>
-        <p:spPr>
-          <a:xfrm rot="5400000">
-            <a:off x="5801657" y="5047635"/>
-            <a:ext cx="1197433" cy="338554"/>
-          </a:xfrm>
-          <a:prstGeom prst="rect">
-            <a:avLst/>
-          </a:prstGeom>
-          <a:noFill/>
-        </p:spPr>
-        <p:txBody>
-          <a:bodyPr wrap="square">
-            <a:spAutoFit/>
-          </a:bodyPr>
-          <a:lstStyle/>
-          <a:p>
-            <a:pPr algn="ctr"/>
-            <a:r>
-              <a:rPr lang="en-US" sz="1600" dirty="0">
-                <a:solidFill>
-                  <a:srgbClr val="3F3C53"/>
-                </a:solidFill>
-                <a:latin typeface="SF Pro Text" pitchFamily="2" charset="0"/>
-                <a:ea typeface="SF Pro Text" pitchFamily="2" charset="0"/>
-                <a:cs typeface="SF Pro Text" pitchFamily="2" charset="0"/>
-              </a:rPr>
-              <a:t>POST</a:t>
-            </a:r>
-            <a:endParaRPr lang="it-IT" sz="1600" dirty="0"/>
-          </a:p>
-        </p:txBody>
-      </p:sp>
-      <p:sp>
-        <p:nvSpPr>
-          <p:cNvPr id="70" name="CasellaDiTesto 69">
-            <a:extLst>
-              <a:ext uri="{FF2B5EF4-FFF2-40B4-BE49-F238E27FC236}">
-                <a16:creationId xmlns:a16="http://schemas.microsoft.com/office/drawing/2014/main" id="{1E9935CF-9BB4-7DA0-78EF-1E6F3BDD7E05}"/>
-              </a:ext>
-            </a:extLst>
-          </p:cNvPr>
-          <p:cNvSpPr txBox="1"/>
-          <p:nvPr/>
-        </p:nvSpPr>
-        <p:spPr>
-          <a:xfrm>
-            <a:off x="5228020" y="6108481"/>
-            <a:ext cx="2168828" cy="369332"/>
-          </a:xfrm>
-          <a:prstGeom prst="rect">
-            <a:avLst/>
-          </a:prstGeom>
-          <a:noFill/>
-        </p:spPr>
-        <p:txBody>
-          <a:bodyPr wrap="square">
-            <a:spAutoFit/>
-          </a:bodyPr>
-          <a:lstStyle/>
-          <a:p>
-            <a:pPr algn="ctr"/>
-            <a:r>
-              <a:rPr lang="en-US" dirty="0">
-                <a:solidFill>
-                  <a:srgbClr val="3F51C3"/>
-                </a:solidFill>
-                <a:latin typeface="SF Pro Text" pitchFamily="2" charset="0"/>
-                <a:ea typeface="SF Pro Text" pitchFamily="2" charset="0"/>
-                <a:cs typeface="SF Pro Text" pitchFamily="2" charset="0"/>
-              </a:rPr>
-              <a:t>Notification</a:t>
-            </a:r>
-            <a:endParaRPr lang="it-IT" dirty="0">
-              <a:solidFill>
-                <a:srgbClr val="3F51C3"/>
-              </a:solidFill>
-            </a:endParaRPr>
-          </a:p>
-        </p:txBody>
-      </p:sp>
-      <p:cxnSp>
-        <p:nvCxnSpPr>
-          <p:cNvPr id="72" name="Connettore 2 71">
-            <a:extLst>
-              <a:ext uri="{FF2B5EF4-FFF2-40B4-BE49-F238E27FC236}">
-                <a16:creationId xmlns:a16="http://schemas.microsoft.com/office/drawing/2014/main" id="{1A13164C-92CC-80BA-EB53-9034F24BD7D4}"/>
-              </a:ext>
-            </a:extLst>
-          </p:cNvPr>
-          <p:cNvCxnSpPr>
-            <a:cxnSpLocks/>
-          </p:cNvCxnSpPr>
-          <p:nvPr/>
-        </p:nvCxnSpPr>
-        <p:spPr>
-          <a:xfrm>
-            <a:off x="6253570" y="4905010"/>
-            <a:ext cx="0" cy="689944"/>
-          </a:xfrm>
-          <a:prstGeom prst="straightConnector1">
-            <a:avLst/>
-          </a:prstGeom>
-          <a:ln w="38100">
-            <a:solidFill>
-              <a:srgbClr val="3F3C53"/>
-            </a:solidFill>
-            <a:headEnd type="none"/>
-            <a:tailEnd type="triangle"/>
+            <a:endParaRPr lang="en-US"/>
+          </a:p>
+        </p:txBody>
+      </p:sp>
+      <p:sp>
+        <p:nvSpPr>
+          <p:cNvPr id="17" name="Ovale 16">
+            <a:extLst>
+              <a:ext uri="{FF2B5EF4-FFF2-40B4-BE49-F238E27FC236}">
+                <a16:creationId xmlns:a16="http://schemas.microsoft.com/office/drawing/2014/main" id="{29A34E43-3907-049E-64D1-5A592CE87440}"/>
+              </a:ext>
+            </a:extLst>
+          </p:cNvPr>
+          <p:cNvSpPr/>
+          <p:nvPr/>
+        </p:nvSpPr>
+        <p:spPr>
+          <a:xfrm>
+            <a:off x="913356" y="5645749"/>
+            <a:ext cx="646331" cy="646331"/>
+          </a:xfrm>
+          <a:prstGeom prst="ellipse">
+            <a:avLst/>
+          </a:prstGeom>
+          <a:solidFill>
+            <a:srgbClr val="3F51C3"/>
+          </a:solidFill>
+          <a:ln>
+            <a:noFill/>
           </a:ln>
         </p:spPr>
         <p:style>
-          <a:lnRef idx="1">
-            <a:schemeClr val="accent1"/>
+          <a:lnRef idx="2">
+            <a:schemeClr val="accent1">
+              <a:shade val="50000"/>
+            </a:schemeClr>
           </a:lnRef>
-          <a:fillRef idx="0">
+          <a:fillRef idx="1">
             <a:schemeClr val="accent1"/>
           </a:fillRef>
           <a:effectRef idx="0">
             <a:schemeClr val="accent1"/>
           </a:effectRef>
           <a:fontRef idx="minor">
-            <a:schemeClr val="tx1"/>
+            <a:schemeClr val="lt1"/>
           </a:fontRef>
         </p:style>
-      </p:cxnSp>
+        <p:txBody>
+          <a:bodyPr rtlCol="0" anchor="ctr"/>
+          <a:lstStyle/>
+          <a:p>
+            <a:pPr algn="ctr"/>
+            <a:endParaRPr lang="en-US"/>
+          </a:p>
+        </p:txBody>
+      </p:sp>
+      <p:sp>
+        <p:nvSpPr>
+          <p:cNvPr id="18" name="Ovale 17">
+            <a:extLst>
+              <a:ext uri="{FF2B5EF4-FFF2-40B4-BE49-F238E27FC236}">
+                <a16:creationId xmlns:a16="http://schemas.microsoft.com/office/drawing/2014/main" id="{35B779F7-0A44-1FA9-6195-29DE10B08BF7}"/>
+              </a:ext>
+            </a:extLst>
+          </p:cNvPr>
+          <p:cNvSpPr/>
+          <p:nvPr/>
+        </p:nvSpPr>
+        <p:spPr>
+          <a:xfrm>
+            <a:off x="11307816" y="5645749"/>
+            <a:ext cx="646331" cy="646331"/>
+          </a:xfrm>
+          <a:prstGeom prst="ellipse">
+            <a:avLst/>
+          </a:prstGeom>
+          <a:solidFill>
+            <a:srgbClr val="3F51C3"/>
+          </a:solidFill>
+          <a:ln>
+            <a:noFill/>
+          </a:ln>
+        </p:spPr>
+        <p:style>
+          <a:lnRef idx="2">
+            <a:schemeClr val="accent1">
+              <a:shade val="50000"/>
+            </a:schemeClr>
+          </a:lnRef>
+          <a:fillRef idx="1">
+            <a:schemeClr val="accent1"/>
+          </a:fillRef>
+          <a:effectRef idx="0">
+            <a:schemeClr val="accent1"/>
+          </a:effectRef>
+          <a:fontRef idx="minor">
+            <a:schemeClr val="lt1"/>
+          </a:fontRef>
+        </p:style>
+        <p:txBody>
+          <a:bodyPr rtlCol="0" anchor="ctr"/>
+          <a:lstStyle/>
+          <a:p>
+            <a:pPr algn="ctr"/>
+            <a:endParaRPr lang="en-US"/>
+          </a:p>
+        </p:txBody>
+      </p:sp>
+      <p:sp>
+        <p:nvSpPr>
+          <p:cNvPr id="19" name="Ovale 18">
+            <a:extLst>
+              <a:ext uri="{FF2B5EF4-FFF2-40B4-BE49-F238E27FC236}">
+                <a16:creationId xmlns:a16="http://schemas.microsoft.com/office/drawing/2014/main" id="{05BF79B6-886E-FBCB-B08B-01BAC2B45420}"/>
+              </a:ext>
+            </a:extLst>
+          </p:cNvPr>
+          <p:cNvSpPr/>
+          <p:nvPr/>
+        </p:nvSpPr>
+        <p:spPr>
+          <a:xfrm>
+            <a:off x="11307816" y="921223"/>
+            <a:ext cx="646331" cy="646331"/>
+          </a:xfrm>
+          <a:prstGeom prst="ellipse">
+            <a:avLst/>
+          </a:prstGeom>
+          <a:solidFill>
+            <a:srgbClr val="3F51C3"/>
+          </a:solidFill>
+          <a:ln>
+            <a:noFill/>
+          </a:ln>
+        </p:spPr>
+        <p:style>
+          <a:lnRef idx="2">
+            <a:schemeClr val="accent1">
+              <a:shade val="50000"/>
+            </a:schemeClr>
+          </a:lnRef>
+          <a:fillRef idx="1">
+            <a:schemeClr val="accent1"/>
+          </a:fillRef>
+          <a:effectRef idx="0">
+            <a:schemeClr val="accent1"/>
+          </a:effectRef>
+          <a:fontRef idx="minor">
+            <a:schemeClr val="lt1"/>
+          </a:fontRef>
+        </p:style>
+        <p:txBody>
+          <a:bodyPr rtlCol="0" anchor="ctr"/>
+          <a:lstStyle/>
+          <a:p>
+            <a:pPr algn="ctr"/>
+            <a:endParaRPr lang="en-US"/>
+          </a:p>
+        </p:txBody>
+      </p:sp>
+      <p:sp>
+        <p:nvSpPr>
+          <p:cNvPr id="20" name="CasellaDiTesto 19">
+            <a:extLst>
+              <a:ext uri="{FF2B5EF4-FFF2-40B4-BE49-F238E27FC236}">
+                <a16:creationId xmlns:a16="http://schemas.microsoft.com/office/drawing/2014/main" id="{C417B028-32D5-E975-A3B7-629869D07BE4}"/>
+              </a:ext>
+            </a:extLst>
+          </p:cNvPr>
+          <p:cNvSpPr txBox="1"/>
+          <p:nvPr/>
+        </p:nvSpPr>
+        <p:spPr>
+          <a:xfrm>
+            <a:off x="1040890" y="952000"/>
+            <a:ext cx="394660" cy="584775"/>
+          </a:xfrm>
+          <a:prstGeom prst="rect">
+            <a:avLst/>
+          </a:prstGeom>
+          <a:noFill/>
+        </p:spPr>
+        <p:txBody>
+          <a:bodyPr wrap="none" rtlCol="0">
+            <a:spAutoFit/>
+          </a:bodyPr>
+          <a:lstStyle/>
+          <a:p>
+            <a:r>
+              <a:rPr lang="it-IT" sz="3200" b="1" dirty="0">
+                <a:solidFill>
+                  <a:srgbClr val="FFFFFF"/>
+                </a:solidFill>
+                <a:latin typeface="SF Pro Text" pitchFamily="2" charset="0"/>
+                <a:ea typeface="SF Pro Text" pitchFamily="2" charset="0"/>
+                <a:cs typeface="SF Pro Text" pitchFamily="2" charset="0"/>
+              </a:rPr>
+              <a:t>1</a:t>
+            </a:r>
+            <a:endParaRPr lang="it-IT" sz="2000" b="1" dirty="0">
+              <a:solidFill>
+                <a:srgbClr val="FFFFFF"/>
+              </a:solidFill>
+              <a:latin typeface="SF Pro Text" pitchFamily="2" charset="0"/>
+              <a:ea typeface="SF Pro Text" pitchFamily="2" charset="0"/>
+              <a:cs typeface="SF Pro Text" pitchFamily="2" charset="0"/>
+            </a:endParaRPr>
+          </a:p>
+        </p:txBody>
+      </p:sp>
+      <p:sp>
+        <p:nvSpPr>
+          <p:cNvPr id="21" name="CasellaDiTesto 20">
+            <a:extLst>
+              <a:ext uri="{FF2B5EF4-FFF2-40B4-BE49-F238E27FC236}">
+                <a16:creationId xmlns:a16="http://schemas.microsoft.com/office/drawing/2014/main" id="{E040198A-9FD3-33DE-5154-2A75EE7527A8}"/>
+              </a:ext>
+            </a:extLst>
+          </p:cNvPr>
+          <p:cNvSpPr txBox="1"/>
+          <p:nvPr/>
+        </p:nvSpPr>
+        <p:spPr>
+          <a:xfrm>
+            <a:off x="11429185" y="926487"/>
+            <a:ext cx="449162" cy="584775"/>
+          </a:xfrm>
+          <a:prstGeom prst="rect">
+            <a:avLst/>
+          </a:prstGeom>
+          <a:noFill/>
+        </p:spPr>
+        <p:txBody>
+          <a:bodyPr wrap="none" rtlCol="0">
+            <a:spAutoFit/>
+          </a:bodyPr>
+          <a:lstStyle/>
+          <a:p>
+            <a:r>
+              <a:rPr lang="it-IT" sz="3200" b="1" dirty="0">
+                <a:solidFill>
+                  <a:srgbClr val="FFFFFF"/>
+                </a:solidFill>
+                <a:latin typeface="SF Pro Text" pitchFamily="2" charset="0"/>
+                <a:ea typeface="SF Pro Text" pitchFamily="2" charset="0"/>
+                <a:cs typeface="SF Pro Text" pitchFamily="2" charset="0"/>
+              </a:rPr>
+              <a:t>2</a:t>
+            </a:r>
+            <a:endParaRPr lang="it-IT" sz="2000" b="1" dirty="0">
+              <a:solidFill>
+                <a:srgbClr val="FFFFFF"/>
+              </a:solidFill>
+              <a:latin typeface="SF Pro Text" pitchFamily="2" charset="0"/>
+              <a:ea typeface="SF Pro Text" pitchFamily="2" charset="0"/>
+              <a:cs typeface="SF Pro Text" pitchFamily="2" charset="0"/>
+            </a:endParaRPr>
+          </a:p>
+        </p:txBody>
+      </p:sp>
+      <p:sp>
+        <p:nvSpPr>
+          <p:cNvPr id="22" name="CasellaDiTesto 21">
+            <a:extLst>
+              <a:ext uri="{FF2B5EF4-FFF2-40B4-BE49-F238E27FC236}">
+                <a16:creationId xmlns:a16="http://schemas.microsoft.com/office/drawing/2014/main" id="{FF4420EF-84B8-F769-E691-F6F6207B7960}"/>
+              </a:ext>
+            </a:extLst>
+          </p:cNvPr>
+          <p:cNvSpPr txBox="1"/>
+          <p:nvPr/>
+        </p:nvSpPr>
+        <p:spPr>
+          <a:xfrm>
+            <a:off x="1006121" y="5676526"/>
+            <a:ext cx="458780" cy="584775"/>
+          </a:xfrm>
+          <a:prstGeom prst="rect">
+            <a:avLst/>
+          </a:prstGeom>
+          <a:noFill/>
+        </p:spPr>
+        <p:txBody>
+          <a:bodyPr wrap="none" rtlCol="0">
+            <a:spAutoFit/>
+          </a:bodyPr>
+          <a:lstStyle/>
+          <a:p>
+            <a:r>
+              <a:rPr lang="it-IT" sz="3200" b="1" dirty="0">
+                <a:solidFill>
+                  <a:srgbClr val="FFFFFF"/>
+                </a:solidFill>
+                <a:latin typeface="SF Pro Text" pitchFamily="2" charset="0"/>
+                <a:ea typeface="SF Pro Text" pitchFamily="2" charset="0"/>
+                <a:cs typeface="SF Pro Text" pitchFamily="2" charset="0"/>
+              </a:rPr>
+              <a:t>3</a:t>
+            </a:r>
+            <a:endParaRPr lang="it-IT" sz="2000" b="1" dirty="0">
+              <a:solidFill>
+                <a:srgbClr val="FFFFFF"/>
+              </a:solidFill>
+              <a:latin typeface="SF Pro Text" pitchFamily="2" charset="0"/>
+              <a:ea typeface="SF Pro Text" pitchFamily="2" charset="0"/>
+              <a:cs typeface="SF Pro Text" pitchFamily="2" charset="0"/>
+            </a:endParaRPr>
+          </a:p>
+        </p:txBody>
+      </p:sp>
+      <p:sp>
+        <p:nvSpPr>
+          <p:cNvPr id="23" name="CasellaDiTesto 22">
+            <a:extLst>
+              <a:ext uri="{FF2B5EF4-FFF2-40B4-BE49-F238E27FC236}">
+                <a16:creationId xmlns:a16="http://schemas.microsoft.com/office/drawing/2014/main" id="{0C4C9457-9717-D57F-E18A-0B6FA771D4A8}"/>
+              </a:ext>
+            </a:extLst>
+          </p:cNvPr>
+          <p:cNvSpPr txBox="1"/>
+          <p:nvPr/>
+        </p:nvSpPr>
+        <p:spPr>
+          <a:xfrm>
+            <a:off x="11406400" y="5676525"/>
+            <a:ext cx="466794" cy="584775"/>
+          </a:xfrm>
+          <a:prstGeom prst="rect">
+            <a:avLst/>
+          </a:prstGeom>
+          <a:noFill/>
+        </p:spPr>
+        <p:txBody>
+          <a:bodyPr wrap="none" rtlCol="0">
+            <a:spAutoFit/>
+          </a:bodyPr>
+          <a:lstStyle/>
+          <a:p>
+            <a:r>
+              <a:rPr lang="it-IT" sz="3200" b="1" dirty="0">
+                <a:solidFill>
+                  <a:srgbClr val="FFFFFF"/>
+                </a:solidFill>
+                <a:latin typeface="SF Pro Text" pitchFamily="2" charset="0"/>
+                <a:ea typeface="SF Pro Text" pitchFamily="2" charset="0"/>
+                <a:cs typeface="SF Pro Text" pitchFamily="2" charset="0"/>
+              </a:rPr>
+              <a:t>4</a:t>
+            </a:r>
+            <a:endParaRPr lang="it-IT" sz="2000" b="1" dirty="0">
+              <a:solidFill>
+                <a:srgbClr val="FFFFFF"/>
+              </a:solidFill>
+              <a:latin typeface="SF Pro Text" pitchFamily="2" charset="0"/>
+              <a:ea typeface="SF Pro Text" pitchFamily="2" charset="0"/>
+              <a:cs typeface="SF Pro Text" pitchFamily="2" charset="0"/>
+            </a:endParaRPr>
+          </a:p>
+        </p:txBody>
+      </p:sp>
     </p:spTree>
     <p:extLst>
       <p:ext uri="{BB962C8B-B14F-4D97-AF65-F5344CB8AC3E}">
-        <p14:creationId xmlns:p14="http://schemas.microsoft.com/office/powerpoint/2010/main" val="2065719661"/>
+        <p14:creationId xmlns:p14="http://schemas.microsoft.com/office/powerpoint/2010/main" val="2186821990"/>
       </p:ext>
     </p:extLst>
   </p:cSld>
@@ -5984,7 +5216,7 @@
           <p:cNvPr id="2" name="Segnaposto numero diapositiva 1">
             <a:extLst>
               <a:ext uri="{FF2B5EF4-FFF2-40B4-BE49-F238E27FC236}">
-                <a16:creationId xmlns:a16="http://schemas.microsoft.com/office/drawing/2014/main" id="{45A54448-1436-7BC6-503C-4B54A504143F}"/>
+                <a16:creationId xmlns:a16="http://schemas.microsoft.com/office/drawing/2014/main" id="{1112F15A-AF2D-0315-6EB5-CF4F8393A887}"/>
               </a:ext>
             </a:extLst>
           </p:cNvPr>
@@ -6014,7 +5246,7 @@
           <p:cNvPr id="3" name="Titolo 2">
             <a:extLst>
               <a:ext uri="{FF2B5EF4-FFF2-40B4-BE49-F238E27FC236}">
-                <a16:creationId xmlns:a16="http://schemas.microsoft.com/office/drawing/2014/main" id="{96978928-391D-AECF-C362-9F92E8CB8AF3}"/>
+                <a16:creationId xmlns:a16="http://schemas.microsoft.com/office/drawing/2014/main" id="{A28CAE8F-84DF-0DA8-64E1-64708D12B1D0}"/>
               </a:ext>
             </a:extLst>
           </p:cNvPr>
@@ -6031,18 +5263,18 @@
           <a:lstStyle/>
           <a:p>
             <a:r>
-              <a:rPr lang="it-IT" dirty="0"/>
-              <a:t>Sensor State Machine</a:t>
+              <a:rPr lang="en-US"/>
+              <a:t>High level flow</a:t>
             </a:r>
           </a:p>
         </p:txBody>
       </p:sp>
       <p:pic>
         <p:nvPicPr>
-          <p:cNvPr id="5" name="Immagine 4">
-            <a:extLst>
-              <a:ext uri="{FF2B5EF4-FFF2-40B4-BE49-F238E27FC236}">
-                <a16:creationId xmlns:a16="http://schemas.microsoft.com/office/drawing/2014/main" id="{4DBEBACF-D594-FA52-9857-DD5BA45A6A10}"/>
+          <p:cNvPr id="5" name="Elemento grafico 4">
+            <a:extLst>
+              <a:ext uri="{FF2B5EF4-FFF2-40B4-BE49-F238E27FC236}">
+                <a16:creationId xmlns:a16="http://schemas.microsoft.com/office/drawing/2014/main" id="{C4655B58-DA4D-C6BF-DEF9-AF814985CCDA}"/>
               </a:ext>
             </a:extLst>
           </p:cNvPr>
@@ -6052,25 +5284,1726 @@
           <p:nvPr/>
         </p:nvPicPr>
         <p:blipFill>
-          <a:blip r:embed="rId2"/>
+          <a:blip r:embed="rId2">
+            <a:extLst>
+              <a:ext uri="{96DAC541-7B7A-43D3-8B79-37D633B846F1}">
+                <asvg:svgBlip xmlns:asvg="http://schemas.microsoft.com/office/drawing/2016/SVG/main" r:embed="rId3"/>
+              </a:ext>
+            </a:extLst>
+          </a:blip>
           <a:stretch>
             <a:fillRect/>
           </a:stretch>
         </p:blipFill>
         <p:spPr>
           <a:xfrm>
-            <a:off x="1103885" y="854635"/>
-            <a:ext cx="9984229" cy="5148730"/>
+            <a:off x="2903625" y="1705360"/>
+            <a:ext cx="543403" cy="543403"/>
           </a:xfrm>
           <a:prstGeom prst="rect">
             <a:avLst/>
           </a:prstGeom>
         </p:spPr>
       </p:pic>
+      <p:pic>
+        <p:nvPicPr>
+          <p:cNvPr id="7" name="Elemento grafico 6">
+            <a:extLst>
+              <a:ext uri="{FF2B5EF4-FFF2-40B4-BE49-F238E27FC236}">
+                <a16:creationId xmlns:a16="http://schemas.microsoft.com/office/drawing/2014/main" id="{C7F6B73C-DE11-DCF4-CCD8-FF82CDB65379}"/>
+              </a:ext>
+            </a:extLst>
+          </p:cNvPr>
+          <p:cNvPicPr>
+            <a:picLocks noChangeAspect="1"/>
+          </p:cNvPicPr>
+          <p:nvPr/>
+        </p:nvPicPr>
+        <p:blipFill>
+          <a:blip r:embed="rId4">
+            <a:extLst>
+              <a:ext uri="{96DAC541-7B7A-43D3-8B79-37D633B846F1}">
+                <asvg:svgBlip xmlns:asvg="http://schemas.microsoft.com/office/drawing/2016/SVG/main" r:embed="rId5"/>
+              </a:ext>
+            </a:extLst>
+          </a:blip>
+          <a:stretch>
+            <a:fillRect/>
+          </a:stretch>
+        </p:blipFill>
+        <p:spPr>
+          <a:xfrm>
+            <a:off x="8916485" y="1170601"/>
+            <a:ext cx="571500" cy="571500"/>
+          </a:xfrm>
+          <a:prstGeom prst="rect">
+            <a:avLst/>
+          </a:prstGeom>
+        </p:spPr>
+      </p:pic>
+      <p:pic>
+        <p:nvPicPr>
+          <p:cNvPr id="8" name="Elemento grafico 7">
+            <a:extLst>
+              <a:ext uri="{FF2B5EF4-FFF2-40B4-BE49-F238E27FC236}">
+                <a16:creationId xmlns:a16="http://schemas.microsoft.com/office/drawing/2014/main" id="{050C36DE-EDD9-29AB-E684-26FCDFFC01E9}"/>
+              </a:ext>
+            </a:extLst>
+          </p:cNvPr>
+          <p:cNvPicPr>
+            <a:picLocks noChangeAspect="1"/>
+          </p:cNvPicPr>
+          <p:nvPr/>
+        </p:nvPicPr>
+        <p:blipFill>
+          <a:blip r:embed="rId4">
+            <a:extLst>
+              <a:ext uri="{96DAC541-7B7A-43D3-8B79-37D633B846F1}">
+                <asvg:svgBlip xmlns:asvg="http://schemas.microsoft.com/office/drawing/2016/SVG/main" r:embed="rId5"/>
+              </a:ext>
+            </a:extLst>
+          </a:blip>
+          <a:stretch>
+            <a:fillRect/>
+          </a:stretch>
+        </p:blipFill>
+        <p:spPr>
+          <a:xfrm>
+            <a:off x="9854347" y="2397486"/>
+            <a:ext cx="571500" cy="571500"/>
+          </a:xfrm>
+          <a:prstGeom prst="rect">
+            <a:avLst/>
+          </a:prstGeom>
+        </p:spPr>
+      </p:pic>
+      <p:pic>
+        <p:nvPicPr>
+          <p:cNvPr id="10" name="Elemento grafico 9">
+            <a:extLst>
+              <a:ext uri="{FF2B5EF4-FFF2-40B4-BE49-F238E27FC236}">
+                <a16:creationId xmlns:a16="http://schemas.microsoft.com/office/drawing/2014/main" id="{694D992C-E08A-654A-3AFB-A2C47AF531B8}"/>
+              </a:ext>
+            </a:extLst>
+          </p:cNvPr>
+          <p:cNvPicPr>
+            <a:picLocks noChangeAspect="1"/>
+          </p:cNvPicPr>
+          <p:nvPr/>
+        </p:nvPicPr>
+        <p:blipFill>
+          <a:blip r:embed="rId6">
+            <a:extLst>
+              <a:ext uri="{96DAC541-7B7A-43D3-8B79-37D633B846F1}">
+                <asvg:svgBlip xmlns:asvg="http://schemas.microsoft.com/office/drawing/2016/SVG/main" r:embed="rId7"/>
+              </a:ext>
+            </a:extLst>
+          </a:blip>
+          <a:stretch>
+            <a:fillRect/>
+          </a:stretch>
+        </p:blipFill>
+        <p:spPr>
+          <a:xfrm flipH="1">
+            <a:off x="5228020" y="914411"/>
+            <a:ext cx="751780" cy="751780"/>
+          </a:xfrm>
+          <a:prstGeom prst="rect">
+            <a:avLst/>
+          </a:prstGeom>
+        </p:spPr>
+      </p:pic>
+      <p:pic>
+        <p:nvPicPr>
+          <p:cNvPr id="12" name="Elemento grafico 11">
+            <a:extLst>
+              <a:ext uri="{FF2B5EF4-FFF2-40B4-BE49-F238E27FC236}">
+                <a16:creationId xmlns:a16="http://schemas.microsoft.com/office/drawing/2014/main" id="{B12C6754-1024-4BD2-C309-5906966417D0}"/>
+              </a:ext>
+            </a:extLst>
+          </p:cNvPr>
+          <p:cNvPicPr>
+            <a:picLocks noChangeAspect="1"/>
+          </p:cNvPicPr>
+          <p:nvPr/>
+        </p:nvPicPr>
+        <p:blipFill>
+          <a:blip r:embed="rId8">
+            <a:extLst>
+              <a:ext uri="{96DAC541-7B7A-43D3-8B79-37D633B846F1}">
+                <asvg:svgBlip xmlns:asvg="http://schemas.microsoft.com/office/drawing/2016/SVG/main" r:embed="rId9"/>
+              </a:ext>
+            </a:extLst>
+          </a:blip>
+          <a:stretch>
+            <a:fillRect/>
+          </a:stretch>
+        </p:blipFill>
+        <p:spPr>
+          <a:xfrm>
+            <a:off x="1334740" y="2487872"/>
+            <a:ext cx="571500" cy="571500"/>
+          </a:xfrm>
+          <a:prstGeom prst="rect">
+            <a:avLst/>
+          </a:prstGeom>
+        </p:spPr>
+      </p:pic>
+      <p:pic>
+        <p:nvPicPr>
+          <p:cNvPr id="14" name="Elemento grafico 13">
+            <a:extLst>
+              <a:ext uri="{FF2B5EF4-FFF2-40B4-BE49-F238E27FC236}">
+                <a16:creationId xmlns:a16="http://schemas.microsoft.com/office/drawing/2014/main" id="{D5F848FC-D6C7-0ECF-39DA-D68DAA2A63BC}"/>
+              </a:ext>
+            </a:extLst>
+          </p:cNvPr>
+          <p:cNvPicPr>
+            <a:picLocks noChangeAspect="1"/>
+          </p:cNvPicPr>
+          <p:nvPr/>
+        </p:nvPicPr>
+        <p:blipFill>
+          <a:blip r:embed="rId10">
+            <a:extLst>
+              <a:ext uri="{96DAC541-7B7A-43D3-8B79-37D633B846F1}">
+                <asvg:svgBlip xmlns:asvg="http://schemas.microsoft.com/office/drawing/2016/SVG/main" r:embed="rId11"/>
+              </a:ext>
+            </a:extLst>
+          </a:blip>
+          <a:stretch>
+            <a:fillRect/>
+          </a:stretch>
+        </p:blipFill>
+        <p:spPr>
+          <a:xfrm>
+            <a:off x="9917852" y="3850952"/>
+            <a:ext cx="507995" cy="507995"/>
+          </a:xfrm>
+          <a:prstGeom prst="rect">
+            <a:avLst/>
+          </a:prstGeom>
+        </p:spPr>
+      </p:pic>
+      <p:pic>
+        <p:nvPicPr>
+          <p:cNvPr id="15" name="Elemento grafico 14">
+            <a:extLst>
+              <a:ext uri="{FF2B5EF4-FFF2-40B4-BE49-F238E27FC236}">
+                <a16:creationId xmlns:a16="http://schemas.microsoft.com/office/drawing/2014/main" id="{BEBDF187-CD14-7E47-B9BC-1B35525C5791}"/>
+              </a:ext>
+            </a:extLst>
+          </p:cNvPr>
+          <p:cNvPicPr>
+            <a:picLocks noChangeAspect="1"/>
+          </p:cNvPicPr>
+          <p:nvPr/>
+        </p:nvPicPr>
+        <p:blipFill>
+          <a:blip r:embed="rId8">
+            <a:extLst>
+              <a:ext uri="{96DAC541-7B7A-43D3-8B79-37D633B846F1}">
+                <asvg:svgBlip xmlns:asvg="http://schemas.microsoft.com/office/drawing/2016/SVG/main" r:embed="rId9"/>
+              </a:ext>
+            </a:extLst>
+          </a:blip>
+          <a:stretch>
+            <a:fillRect/>
+          </a:stretch>
+        </p:blipFill>
+        <p:spPr>
+          <a:xfrm>
+            <a:off x="1528763" y="3345122"/>
+            <a:ext cx="571500" cy="571500"/>
+          </a:xfrm>
+          <a:prstGeom prst="rect">
+            <a:avLst/>
+          </a:prstGeom>
+        </p:spPr>
+      </p:pic>
+      <p:pic>
+        <p:nvPicPr>
+          <p:cNvPr id="16" name="Elemento grafico 15">
+            <a:extLst>
+              <a:ext uri="{FF2B5EF4-FFF2-40B4-BE49-F238E27FC236}">
+                <a16:creationId xmlns:a16="http://schemas.microsoft.com/office/drawing/2014/main" id="{46410A6B-1395-B68B-9345-288940ADFF37}"/>
+              </a:ext>
+            </a:extLst>
+          </p:cNvPr>
+          <p:cNvPicPr>
+            <a:picLocks noChangeAspect="1"/>
+          </p:cNvPicPr>
+          <p:nvPr/>
+        </p:nvPicPr>
+        <p:blipFill>
+          <a:blip r:embed="rId8">
+            <a:extLst>
+              <a:ext uri="{96DAC541-7B7A-43D3-8B79-37D633B846F1}">
+                <asvg:svgBlip xmlns:asvg="http://schemas.microsoft.com/office/drawing/2016/SVG/main" r:embed="rId9"/>
+              </a:ext>
+            </a:extLst>
+          </a:blip>
+          <a:stretch>
+            <a:fillRect/>
+          </a:stretch>
+        </p:blipFill>
+        <p:spPr>
+          <a:xfrm>
+            <a:off x="2238441" y="3600447"/>
+            <a:ext cx="571500" cy="571500"/>
+          </a:xfrm>
+          <a:prstGeom prst="rect">
+            <a:avLst/>
+          </a:prstGeom>
+        </p:spPr>
+      </p:pic>
+      <p:sp>
+        <p:nvSpPr>
+          <p:cNvPr id="17" name="Ovale 16">
+            <a:extLst>
+              <a:ext uri="{FF2B5EF4-FFF2-40B4-BE49-F238E27FC236}">
+                <a16:creationId xmlns:a16="http://schemas.microsoft.com/office/drawing/2014/main" id="{E5DC80A2-EC0D-3BAA-D508-0EA6DECE2FEB}"/>
+              </a:ext>
+            </a:extLst>
+          </p:cNvPr>
+          <p:cNvSpPr/>
+          <p:nvPr/>
+        </p:nvSpPr>
+        <p:spPr>
+          <a:xfrm>
+            <a:off x="1064256" y="1741007"/>
+            <a:ext cx="2617940" cy="2617940"/>
+          </a:xfrm>
+          <a:prstGeom prst="ellipse">
+            <a:avLst/>
+          </a:prstGeom>
+          <a:noFill/>
+          <a:ln>
+            <a:solidFill>
+              <a:srgbClr val="3F3C53"/>
+            </a:solidFill>
+          </a:ln>
+        </p:spPr>
+        <p:style>
+          <a:lnRef idx="2">
+            <a:schemeClr val="accent1">
+              <a:shade val="50000"/>
+            </a:schemeClr>
+          </a:lnRef>
+          <a:fillRef idx="1">
+            <a:schemeClr val="accent1"/>
+          </a:fillRef>
+          <a:effectRef idx="0">
+            <a:schemeClr val="accent1"/>
+          </a:effectRef>
+          <a:fontRef idx="minor">
+            <a:schemeClr val="lt1"/>
+          </a:fontRef>
+        </p:style>
+        <p:txBody>
+          <a:bodyPr rtlCol="0" anchor="ctr"/>
+          <a:lstStyle/>
+          <a:p>
+            <a:pPr algn="ctr"/>
+            <a:endParaRPr lang="it-IT"/>
+          </a:p>
+        </p:txBody>
+      </p:sp>
+      <p:pic>
+        <p:nvPicPr>
+          <p:cNvPr id="18" name="Elemento grafico 17">
+            <a:extLst>
+              <a:ext uri="{FF2B5EF4-FFF2-40B4-BE49-F238E27FC236}">
+                <a16:creationId xmlns:a16="http://schemas.microsoft.com/office/drawing/2014/main" id="{2FB17263-A725-1783-9AE5-72C0FECBD7BA}"/>
+              </a:ext>
+            </a:extLst>
+          </p:cNvPr>
+          <p:cNvPicPr>
+            <a:picLocks noChangeAspect="1"/>
+          </p:cNvPicPr>
+          <p:nvPr/>
+        </p:nvPicPr>
+        <p:blipFill>
+          <a:blip r:embed="rId8">
+            <a:extLst>
+              <a:ext uri="{96DAC541-7B7A-43D3-8B79-37D633B846F1}">
+                <asvg:svgBlip xmlns:asvg="http://schemas.microsoft.com/office/drawing/2016/SVG/main" r:embed="rId9"/>
+              </a:ext>
+            </a:extLst>
+          </a:blip>
+          <a:stretch>
+            <a:fillRect/>
+          </a:stretch>
+        </p:blipFill>
+        <p:spPr>
+          <a:xfrm>
+            <a:off x="2855086" y="3059372"/>
+            <a:ext cx="571500" cy="571500"/>
+          </a:xfrm>
+          <a:prstGeom prst="rect">
+            <a:avLst/>
+          </a:prstGeom>
+        </p:spPr>
+      </p:pic>
+      <p:pic>
+        <p:nvPicPr>
+          <p:cNvPr id="19" name="Elemento grafico 18">
+            <a:extLst>
+              <a:ext uri="{FF2B5EF4-FFF2-40B4-BE49-F238E27FC236}">
+                <a16:creationId xmlns:a16="http://schemas.microsoft.com/office/drawing/2014/main" id="{AD3D8EF1-840E-4BC2-4650-D9B0271AAE6F}"/>
+              </a:ext>
+            </a:extLst>
+          </p:cNvPr>
+          <p:cNvPicPr>
+            <a:picLocks noChangeAspect="1"/>
+          </p:cNvPicPr>
+          <p:nvPr/>
+        </p:nvPicPr>
+        <p:blipFill>
+          <a:blip r:embed="rId8">
+            <a:extLst>
+              <a:ext uri="{96DAC541-7B7A-43D3-8B79-37D633B846F1}">
+                <asvg:svgBlip xmlns:asvg="http://schemas.microsoft.com/office/drawing/2016/SVG/main" r:embed="rId9"/>
+              </a:ext>
+            </a:extLst>
+          </a:blip>
+          <a:stretch>
+            <a:fillRect/>
+          </a:stretch>
+        </p:blipFill>
+        <p:spPr>
+          <a:xfrm>
+            <a:off x="2141364" y="2319934"/>
+            <a:ext cx="571500" cy="571500"/>
+          </a:xfrm>
+          <a:prstGeom prst="rect">
+            <a:avLst/>
+          </a:prstGeom>
+        </p:spPr>
+      </p:pic>
+      <p:sp>
+        <p:nvSpPr>
+          <p:cNvPr id="21" name="CasellaDiTesto 20">
+            <a:extLst>
+              <a:ext uri="{FF2B5EF4-FFF2-40B4-BE49-F238E27FC236}">
+                <a16:creationId xmlns:a16="http://schemas.microsoft.com/office/drawing/2014/main" id="{47469961-9073-842F-B167-1C2C568EDB3D}"/>
+              </a:ext>
+            </a:extLst>
+          </p:cNvPr>
+          <p:cNvSpPr txBox="1"/>
+          <p:nvPr/>
+        </p:nvSpPr>
+        <p:spPr>
+          <a:xfrm>
+            <a:off x="1294837" y="4535678"/>
+            <a:ext cx="2168828" cy="369332"/>
+          </a:xfrm>
+          <a:prstGeom prst="rect">
+            <a:avLst/>
+          </a:prstGeom>
+          <a:noFill/>
+        </p:spPr>
+        <p:txBody>
+          <a:bodyPr wrap="square">
+            <a:spAutoFit/>
+          </a:bodyPr>
+          <a:lstStyle/>
+          <a:p>
+            <a:r>
+              <a:rPr lang="en-US" dirty="0">
+                <a:solidFill>
+                  <a:srgbClr val="3F51C3"/>
+                </a:solidFill>
+                <a:latin typeface="SF Pro Text" pitchFamily="2" charset="0"/>
+                <a:ea typeface="SF Pro Text" pitchFamily="2" charset="0"/>
+                <a:cs typeface="SF Pro Text" pitchFamily="2" charset="0"/>
+              </a:rPr>
+              <a:t>6LowPan Network</a:t>
+            </a:r>
+            <a:endParaRPr lang="it-IT" dirty="0">
+              <a:solidFill>
+                <a:srgbClr val="3F51C3"/>
+              </a:solidFill>
+            </a:endParaRPr>
+          </a:p>
+        </p:txBody>
+      </p:sp>
+      <p:sp>
+        <p:nvSpPr>
+          <p:cNvPr id="23" name="CasellaDiTesto 22">
+            <a:extLst>
+              <a:ext uri="{FF2B5EF4-FFF2-40B4-BE49-F238E27FC236}">
+                <a16:creationId xmlns:a16="http://schemas.microsoft.com/office/drawing/2014/main" id="{400EC27A-7B92-BE85-6FAA-EF4A589C479D}"/>
+              </a:ext>
+            </a:extLst>
+          </p:cNvPr>
+          <p:cNvSpPr txBox="1"/>
+          <p:nvPr/>
+        </p:nvSpPr>
+        <p:spPr>
+          <a:xfrm>
+            <a:off x="2210994" y="1131721"/>
+            <a:ext cx="1859683" cy="646331"/>
+          </a:xfrm>
+          <a:prstGeom prst="rect">
+            <a:avLst/>
+          </a:prstGeom>
+          <a:noFill/>
+        </p:spPr>
+        <p:txBody>
+          <a:bodyPr wrap="square">
+            <a:spAutoFit/>
+          </a:bodyPr>
+          <a:lstStyle/>
+          <a:p>
+            <a:pPr algn="ctr"/>
+            <a:r>
+              <a:rPr lang="en-US" dirty="0">
+                <a:solidFill>
+                  <a:srgbClr val="3F51C3"/>
+                </a:solidFill>
+                <a:latin typeface="SF Pro Text" pitchFamily="2" charset="0"/>
+                <a:ea typeface="SF Pro Text" pitchFamily="2" charset="0"/>
+                <a:cs typeface="SF Pro Text" pitchFamily="2" charset="0"/>
+              </a:rPr>
+              <a:t>RPL Border Router</a:t>
+            </a:r>
+            <a:endParaRPr lang="it-IT" dirty="0">
+              <a:solidFill>
+                <a:srgbClr val="3F51C3"/>
+              </a:solidFill>
+            </a:endParaRPr>
+          </a:p>
+        </p:txBody>
+      </p:sp>
+      <p:sp>
+        <p:nvSpPr>
+          <p:cNvPr id="25" name="CasellaDiTesto 24">
+            <a:extLst>
+              <a:ext uri="{FF2B5EF4-FFF2-40B4-BE49-F238E27FC236}">
+                <a16:creationId xmlns:a16="http://schemas.microsoft.com/office/drawing/2014/main" id="{7187E555-53E6-9ED1-E32C-007DF9CC7556}"/>
+              </a:ext>
+            </a:extLst>
+          </p:cNvPr>
+          <p:cNvSpPr txBox="1"/>
+          <p:nvPr/>
+        </p:nvSpPr>
+        <p:spPr>
+          <a:xfrm>
+            <a:off x="4234833" y="1670507"/>
+            <a:ext cx="2760162" cy="646331"/>
+          </a:xfrm>
+          <a:prstGeom prst="rect">
+            <a:avLst/>
+          </a:prstGeom>
+          <a:noFill/>
+        </p:spPr>
+        <p:txBody>
+          <a:bodyPr wrap="square">
+            <a:spAutoFit/>
+          </a:bodyPr>
+          <a:lstStyle/>
+          <a:p>
+            <a:pPr algn="ctr"/>
+            <a:r>
+              <a:rPr lang="en-US" dirty="0">
+                <a:solidFill>
+                  <a:srgbClr val="3F51C3"/>
+                </a:solidFill>
+                <a:latin typeface="SF Pro Text" pitchFamily="2" charset="0"/>
+                <a:ea typeface="SF Pro Text" pitchFamily="2" charset="0"/>
+                <a:cs typeface="SF Pro Text" pitchFamily="2" charset="0"/>
+              </a:rPr>
+              <a:t>TunSlip6</a:t>
+            </a:r>
+          </a:p>
+          <a:p>
+            <a:pPr algn="ctr"/>
+            <a:r>
+              <a:rPr lang="en-US" dirty="0">
+                <a:solidFill>
+                  <a:srgbClr val="3F51C3"/>
+                </a:solidFill>
+                <a:latin typeface="SF Pro Text" pitchFamily="2" charset="0"/>
+                <a:ea typeface="SF Pro Text" pitchFamily="2" charset="0"/>
+                <a:cs typeface="SF Pro Text" pitchFamily="2" charset="0"/>
+              </a:rPr>
+              <a:t>Local </a:t>
+            </a:r>
+            <a:r>
+              <a:rPr lang="en-US" dirty="0" err="1">
+                <a:solidFill>
+                  <a:srgbClr val="3F51C3"/>
+                </a:solidFill>
+                <a:latin typeface="SF Pro Text" pitchFamily="2" charset="0"/>
+                <a:ea typeface="SF Pro Text" pitchFamily="2" charset="0"/>
+                <a:cs typeface="SF Pro Text" pitchFamily="2" charset="0"/>
+              </a:rPr>
+              <a:t>Mosquitto</a:t>
+            </a:r>
+            <a:r>
+              <a:rPr lang="en-US" dirty="0">
+                <a:solidFill>
+                  <a:srgbClr val="3F51C3"/>
+                </a:solidFill>
+                <a:latin typeface="SF Pro Text" pitchFamily="2" charset="0"/>
+                <a:ea typeface="SF Pro Text" pitchFamily="2" charset="0"/>
+                <a:cs typeface="SF Pro Text" pitchFamily="2" charset="0"/>
+              </a:rPr>
+              <a:t> Broker</a:t>
+            </a:r>
+            <a:endParaRPr lang="it-IT" dirty="0">
+              <a:solidFill>
+                <a:srgbClr val="3F51C3"/>
+              </a:solidFill>
+            </a:endParaRPr>
+          </a:p>
+        </p:txBody>
+      </p:sp>
+      <p:sp>
+        <p:nvSpPr>
+          <p:cNvPr id="27" name="CasellaDiTesto 26">
+            <a:extLst>
+              <a:ext uri="{FF2B5EF4-FFF2-40B4-BE49-F238E27FC236}">
+                <a16:creationId xmlns:a16="http://schemas.microsoft.com/office/drawing/2014/main" id="{C08C5B8A-80F6-C905-0D27-32F7C54660E6}"/>
+              </a:ext>
+            </a:extLst>
+          </p:cNvPr>
+          <p:cNvSpPr txBox="1"/>
+          <p:nvPr/>
+        </p:nvSpPr>
+        <p:spPr>
+          <a:xfrm>
+            <a:off x="7822154" y="635472"/>
+            <a:ext cx="2760162" cy="369332"/>
+          </a:xfrm>
+          <a:prstGeom prst="rect">
+            <a:avLst/>
+          </a:prstGeom>
+          <a:noFill/>
+        </p:spPr>
+        <p:txBody>
+          <a:bodyPr wrap="square">
+            <a:spAutoFit/>
+          </a:bodyPr>
+          <a:lstStyle/>
+          <a:p>
+            <a:r>
+              <a:rPr lang="en-US" dirty="0">
+                <a:solidFill>
+                  <a:srgbClr val="3F51C3"/>
+                </a:solidFill>
+                <a:latin typeface="SF Pro Text" pitchFamily="2" charset="0"/>
+                <a:ea typeface="SF Pro Text" pitchFamily="2" charset="0"/>
+                <a:cs typeface="SF Pro Text" pitchFamily="2" charset="0"/>
+              </a:rPr>
+              <a:t>Cloud </a:t>
+            </a:r>
+            <a:r>
+              <a:rPr lang="en-US" dirty="0" err="1">
+                <a:solidFill>
+                  <a:srgbClr val="3F51C3"/>
+                </a:solidFill>
+                <a:latin typeface="SF Pro Text" pitchFamily="2" charset="0"/>
+                <a:ea typeface="SF Pro Text" pitchFamily="2" charset="0"/>
+                <a:cs typeface="SF Pro Text" pitchFamily="2" charset="0"/>
+              </a:rPr>
+              <a:t>Mosquitto</a:t>
+            </a:r>
+            <a:r>
+              <a:rPr lang="en-US" dirty="0">
+                <a:solidFill>
+                  <a:srgbClr val="3F51C3"/>
+                </a:solidFill>
+                <a:latin typeface="SF Pro Text" pitchFamily="2" charset="0"/>
+                <a:ea typeface="SF Pro Text" pitchFamily="2" charset="0"/>
+                <a:cs typeface="SF Pro Text" pitchFamily="2" charset="0"/>
+              </a:rPr>
+              <a:t> Broker</a:t>
+            </a:r>
+            <a:endParaRPr lang="it-IT" dirty="0">
+              <a:solidFill>
+                <a:srgbClr val="3F51C3"/>
+              </a:solidFill>
+            </a:endParaRPr>
+          </a:p>
+        </p:txBody>
+      </p:sp>
+      <p:sp>
+        <p:nvSpPr>
+          <p:cNvPr id="28" name="CasellaDiTesto 27">
+            <a:extLst>
+              <a:ext uri="{FF2B5EF4-FFF2-40B4-BE49-F238E27FC236}">
+                <a16:creationId xmlns:a16="http://schemas.microsoft.com/office/drawing/2014/main" id="{DBD78D03-D8E7-4AC3-0D93-73914ABFC16B}"/>
+              </a:ext>
+            </a:extLst>
+          </p:cNvPr>
+          <p:cNvSpPr txBox="1"/>
+          <p:nvPr/>
+        </p:nvSpPr>
+        <p:spPr>
+          <a:xfrm>
+            <a:off x="10512267" y="2455646"/>
+            <a:ext cx="1462019" cy="369332"/>
+          </a:xfrm>
+          <a:prstGeom prst="rect">
+            <a:avLst/>
+          </a:prstGeom>
+          <a:noFill/>
+        </p:spPr>
+        <p:txBody>
+          <a:bodyPr wrap="square">
+            <a:spAutoFit/>
+          </a:bodyPr>
+          <a:lstStyle/>
+          <a:p>
+            <a:r>
+              <a:rPr lang="en-US" dirty="0">
+                <a:solidFill>
+                  <a:srgbClr val="3F51C3"/>
+                </a:solidFill>
+                <a:latin typeface="SF Pro Text" pitchFamily="2" charset="0"/>
+                <a:ea typeface="SF Pro Text" pitchFamily="2" charset="0"/>
+                <a:cs typeface="SF Pro Text" pitchFamily="2" charset="0"/>
+              </a:rPr>
+              <a:t>Node-Red</a:t>
+            </a:r>
+            <a:endParaRPr lang="it-IT" dirty="0">
+              <a:solidFill>
+                <a:srgbClr val="3F51C3"/>
+              </a:solidFill>
+            </a:endParaRPr>
+          </a:p>
+        </p:txBody>
+      </p:sp>
+      <p:sp>
+        <p:nvSpPr>
+          <p:cNvPr id="29" name="CasellaDiTesto 28">
+            <a:extLst>
+              <a:ext uri="{FF2B5EF4-FFF2-40B4-BE49-F238E27FC236}">
+                <a16:creationId xmlns:a16="http://schemas.microsoft.com/office/drawing/2014/main" id="{265F4FE8-DFB7-82B6-92ED-956B5FC3D182}"/>
+              </a:ext>
+            </a:extLst>
+          </p:cNvPr>
+          <p:cNvSpPr txBox="1"/>
+          <p:nvPr/>
+        </p:nvSpPr>
+        <p:spPr>
+          <a:xfrm>
+            <a:off x="10512267" y="3821233"/>
+            <a:ext cx="1120424" cy="646331"/>
+          </a:xfrm>
+          <a:prstGeom prst="rect">
+            <a:avLst/>
+          </a:prstGeom>
+          <a:noFill/>
+        </p:spPr>
+        <p:txBody>
+          <a:bodyPr wrap="square">
+            <a:spAutoFit/>
+          </a:bodyPr>
+          <a:lstStyle/>
+          <a:p>
+            <a:r>
+              <a:rPr lang="en-US" dirty="0">
+                <a:solidFill>
+                  <a:srgbClr val="3F51C3"/>
+                </a:solidFill>
+                <a:latin typeface="SF Pro Text" pitchFamily="2" charset="0"/>
+                <a:ea typeface="SF Pro Text" pitchFamily="2" charset="0"/>
+                <a:cs typeface="SF Pro Text" pitchFamily="2" charset="0"/>
+              </a:rPr>
+              <a:t>Data</a:t>
+            </a:r>
+          </a:p>
+          <a:p>
+            <a:r>
+              <a:rPr lang="en-US" dirty="0">
+                <a:solidFill>
+                  <a:srgbClr val="3F51C3"/>
+                </a:solidFill>
+                <a:latin typeface="SF Pro Text" pitchFamily="2" charset="0"/>
+                <a:ea typeface="SF Pro Text" pitchFamily="2" charset="0"/>
+                <a:cs typeface="SF Pro Text" pitchFamily="2" charset="0"/>
+              </a:rPr>
+              <a:t>Storage</a:t>
+            </a:r>
+            <a:endParaRPr lang="it-IT" dirty="0">
+              <a:solidFill>
+                <a:srgbClr val="3F51C3"/>
+              </a:solidFill>
+            </a:endParaRPr>
+          </a:p>
+        </p:txBody>
+      </p:sp>
+      <p:pic>
+        <p:nvPicPr>
+          <p:cNvPr id="31" name="Elemento grafico 30">
+            <a:extLst>
+              <a:ext uri="{FF2B5EF4-FFF2-40B4-BE49-F238E27FC236}">
+                <a16:creationId xmlns:a16="http://schemas.microsoft.com/office/drawing/2014/main" id="{F6DE5C95-EB02-BDC6-162B-6D70B1277176}"/>
+              </a:ext>
+            </a:extLst>
+          </p:cNvPr>
+          <p:cNvPicPr>
+            <a:picLocks noChangeAspect="1"/>
+          </p:cNvPicPr>
+          <p:nvPr/>
+        </p:nvPicPr>
+        <p:blipFill>
+          <a:blip r:embed="rId12">
+            <a:extLst>
+              <a:ext uri="{96DAC541-7B7A-43D3-8B79-37D633B846F1}">
+                <asvg:svgBlip xmlns:asvg="http://schemas.microsoft.com/office/drawing/2016/SVG/main" r:embed="rId13"/>
+              </a:ext>
+            </a:extLst>
+          </a:blip>
+          <a:stretch>
+            <a:fillRect/>
+          </a:stretch>
+        </p:blipFill>
+        <p:spPr>
+          <a:xfrm>
+            <a:off x="9735696" y="5168130"/>
+            <a:ext cx="690151" cy="690151"/>
+          </a:xfrm>
+          <a:prstGeom prst="rect">
+            <a:avLst/>
+          </a:prstGeom>
+        </p:spPr>
+      </p:pic>
+      <p:sp>
+        <p:nvSpPr>
+          <p:cNvPr id="32" name="CasellaDiTesto 31">
+            <a:extLst>
+              <a:ext uri="{FF2B5EF4-FFF2-40B4-BE49-F238E27FC236}">
+                <a16:creationId xmlns:a16="http://schemas.microsoft.com/office/drawing/2014/main" id="{9CBA51D3-2E02-AD80-BAFA-285486923710}"/>
+              </a:ext>
+            </a:extLst>
+          </p:cNvPr>
+          <p:cNvSpPr txBox="1"/>
+          <p:nvPr/>
+        </p:nvSpPr>
+        <p:spPr>
+          <a:xfrm>
+            <a:off x="10506773" y="5190039"/>
+            <a:ext cx="1120424" cy="646331"/>
+          </a:xfrm>
+          <a:prstGeom prst="rect">
+            <a:avLst/>
+          </a:prstGeom>
+          <a:noFill/>
+        </p:spPr>
+        <p:txBody>
+          <a:bodyPr wrap="square">
+            <a:spAutoFit/>
+          </a:bodyPr>
+          <a:lstStyle/>
+          <a:p>
+            <a:r>
+              <a:rPr lang="en-US" dirty="0">
+                <a:solidFill>
+                  <a:srgbClr val="3F51C3"/>
+                </a:solidFill>
+                <a:latin typeface="SF Pro Text" pitchFamily="2" charset="0"/>
+                <a:ea typeface="SF Pro Text" pitchFamily="2" charset="0"/>
+                <a:cs typeface="SF Pro Text" pitchFamily="2" charset="0"/>
+              </a:rPr>
+              <a:t>Apache</a:t>
+            </a:r>
+          </a:p>
+          <a:p>
+            <a:r>
+              <a:rPr lang="en-US" dirty="0">
+                <a:solidFill>
+                  <a:srgbClr val="3F51C3"/>
+                </a:solidFill>
+                <a:latin typeface="SF Pro Text" pitchFamily="2" charset="0"/>
+                <a:ea typeface="SF Pro Text" pitchFamily="2" charset="0"/>
+                <a:cs typeface="SF Pro Text" pitchFamily="2" charset="0"/>
+              </a:rPr>
+              <a:t>Spark</a:t>
+            </a:r>
+            <a:endParaRPr lang="it-IT" dirty="0">
+              <a:solidFill>
+                <a:srgbClr val="3F51C3"/>
+              </a:solidFill>
+            </a:endParaRPr>
+          </a:p>
+        </p:txBody>
+      </p:sp>
+      <p:cxnSp>
+        <p:nvCxnSpPr>
+          <p:cNvPr id="34" name="Connettore 2 33">
+            <a:extLst>
+              <a:ext uri="{FF2B5EF4-FFF2-40B4-BE49-F238E27FC236}">
+                <a16:creationId xmlns:a16="http://schemas.microsoft.com/office/drawing/2014/main" id="{F20E3A11-89F7-03B8-379F-7987D98098DB}"/>
+              </a:ext>
+            </a:extLst>
+          </p:cNvPr>
+          <p:cNvCxnSpPr/>
+          <p:nvPr/>
+        </p:nvCxnSpPr>
+        <p:spPr>
+          <a:xfrm flipV="1">
+            <a:off x="3644095" y="1456351"/>
+            <a:ext cx="1266108" cy="537321"/>
+          </a:xfrm>
+          <a:prstGeom prst="straightConnector1">
+            <a:avLst/>
+          </a:prstGeom>
+          <a:ln w="38100">
+            <a:solidFill>
+              <a:srgbClr val="3F3C53"/>
+            </a:solidFill>
+            <a:headEnd type="triangle"/>
+            <a:tailEnd type="triangle"/>
+          </a:ln>
+        </p:spPr>
+        <p:style>
+          <a:lnRef idx="1">
+            <a:schemeClr val="accent1"/>
+          </a:lnRef>
+          <a:fillRef idx="0">
+            <a:schemeClr val="accent1"/>
+          </a:fillRef>
+          <a:effectRef idx="0">
+            <a:schemeClr val="accent1"/>
+          </a:effectRef>
+          <a:fontRef idx="minor">
+            <a:schemeClr val="tx1"/>
+          </a:fontRef>
+        </p:style>
+      </p:cxnSp>
+      <p:cxnSp>
+        <p:nvCxnSpPr>
+          <p:cNvPr id="35" name="Connettore 2 34">
+            <a:extLst>
+              <a:ext uri="{FF2B5EF4-FFF2-40B4-BE49-F238E27FC236}">
+                <a16:creationId xmlns:a16="http://schemas.microsoft.com/office/drawing/2014/main" id="{8D79D00B-4951-5112-E7AB-D4626021D1C4}"/>
+              </a:ext>
+            </a:extLst>
+          </p:cNvPr>
+          <p:cNvCxnSpPr>
+            <a:cxnSpLocks/>
+          </p:cNvCxnSpPr>
+          <p:nvPr/>
+        </p:nvCxnSpPr>
+        <p:spPr>
+          <a:xfrm>
+            <a:off x="6358109" y="1351445"/>
+            <a:ext cx="2435162" cy="0"/>
+          </a:xfrm>
+          <a:prstGeom prst="straightConnector1">
+            <a:avLst/>
+          </a:prstGeom>
+          <a:ln w="38100">
+            <a:solidFill>
+              <a:srgbClr val="3F3C53"/>
+            </a:solidFill>
+            <a:headEnd type="triangle"/>
+            <a:tailEnd type="triangle"/>
+          </a:ln>
+        </p:spPr>
+        <p:style>
+          <a:lnRef idx="1">
+            <a:schemeClr val="accent1"/>
+          </a:lnRef>
+          <a:fillRef idx="0">
+            <a:schemeClr val="accent1"/>
+          </a:fillRef>
+          <a:effectRef idx="0">
+            <a:schemeClr val="accent1"/>
+          </a:effectRef>
+          <a:fontRef idx="minor">
+            <a:schemeClr val="tx1"/>
+          </a:fontRef>
+        </p:style>
+      </p:cxnSp>
+      <p:cxnSp>
+        <p:nvCxnSpPr>
+          <p:cNvPr id="38" name="Connettore 2 37">
+            <a:extLst>
+              <a:ext uri="{FF2B5EF4-FFF2-40B4-BE49-F238E27FC236}">
+                <a16:creationId xmlns:a16="http://schemas.microsoft.com/office/drawing/2014/main" id="{6F454FEB-176C-7C9F-1B29-DF23BB5032F5}"/>
+              </a:ext>
+            </a:extLst>
+          </p:cNvPr>
+          <p:cNvCxnSpPr>
+            <a:cxnSpLocks/>
+          </p:cNvCxnSpPr>
+          <p:nvPr/>
+        </p:nvCxnSpPr>
+        <p:spPr>
+          <a:xfrm>
+            <a:off x="9619989" y="1363522"/>
+            <a:ext cx="551860" cy="926021"/>
+          </a:xfrm>
+          <a:prstGeom prst="straightConnector1">
+            <a:avLst/>
+          </a:prstGeom>
+          <a:ln w="38100">
+            <a:solidFill>
+              <a:srgbClr val="3F3C53"/>
+            </a:solidFill>
+            <a:headEnd type="triangle"/>
+            <a:tailEnd type="triangle"/>
+          </a:ln>
+        </p:spPr>
+        <p:style>
+          <a:lnRef idx="1">
+            <a:schemeClr val="accent1"/>
+          </a:lnRef>
+          <a:fillRef idx="0">
+            <a:schemeClr val="accent1"/>
+          </a:fillRef>
+          <a:effectRef idx="0">
+            <a:schemeClr val="accent1"/>
+          </a:effectRef>
+          <a:fontRef idx="minor">
+            <a:schemeClr val="tx1"/>
+          </a:fontRef>
+        </p:style>
+      </p:cxnSp>
+      <p:cxnSp>
+        <p:nvCxnSpPr>
+          <p:cNvPr id="42" name="Connettore 2 41">
+            <a:extLst>
+              <a:ext uri="{FF2B5EF4-FFF2-40B4-BE49-F238E27FC236}">
+                <a16:creationId xmlns:a16="http://schemas.microsoft.com/office/drawing/2014/main" id="{278FF521-F50B-AD90-6A33-0704DE5ADB89}"/>
+              </a:ext>
+            </a:extLst>
+          </p:cNvPr>
+          <p:cNvCxnSpPr>
+            <a:cxnSpLocks/>
+          </p:cNvCxnSpPr>
+          <p:nvPr/>
+        </p:nvCxnSpPr>
+        <p:spPr>
+          <a:xfrm>
+            <a:off x="10133172" y="3085097"/>
+            <a:ext cx="0" cy="693072"/>
+          </a:xfrm>
+          <a:prstGeom prst="straightConnector1">
+            <a:avLst/>
+          </a:prstGeom>
+          <a:ln w="38100">
+            <a:solidFill>
+              <a:srgbClr val="3F3C53"/>
+            </a:solidFill>
+            <a:tailEnd type="triangle"/>
+          </a:ln>
+        </p:spPr>
+        <p:style>
+          <a:lnRef idx="1">
+            <a:schemeClr val="accent1"/>
+          </a:lnRef>
+          <a:fillRef idx="0">
+            <a:schemeClr val="accent1"/>
+          </a:fillRef>
+          <a:effectRef idx="0">
+            <a:schemeClr val="accent1"/>
+          </a:effectRef>
+          <a:fontRef idx="minor">
+            <a:schemeClr val="tx1"/>
+          </a:fontRef>
+        </p:style>
+      </p:cxnSp>
+      <p:cxnSp>
+        <p:nvCxnSpPr>
+          <p:cNvPr id="45" name="Connettore 2 44">
+            <a:extLst>
+              <a:ext uri="{FF2B5EF4-FFF2-40B4-BE49-F238E27FC236}">
+                <a16:creationId xmlns:a16="http://schemas.microsoft.com/office/drawing/2014/main" id="{695C6249-A30A-4583-A4B4-CDDDD7679C76}"/>
+              </a:ext>
+            </a:extLst>
+          </p:cNvPr>
+          <p:cNvCxnSpPr>
+            <a:cxnSpLocks/>
+          </p:cNvCxnSpPr>
+          <p:nvPr/>
+        </p:nvCxnSpPr>
+        <p:spPr>
+          <a:xfrm flipV="1">
+            <a:off x="10140097" y="4495549"/>
+            <a:ext cx="0" cy="614627"/>
+          </a:xfrm>
+          <a:prstGeom prst="straightConnector1">
+            <a:avLst/>
+          </a:prstGeom>
+          <a:ln w="38100">
+            <a:solidFill>
+              <a:srgbClr val="3F3C53"/>
+            </a:solidFill>
+            <a:tailEnd type="triangle"/>
+          </a:ln>
+        </p:spPr>
+        <p:style>
+          <a:lnRef idx="1">
+            <a:schemeClr val="accent1"/>
+          </a:lnRef>
+          <a:fillRef idx="0">
+            <a:schemeClr val="accent1"/>
+          </a:fillRef>
+          <a:effectRef idx="0">
+            <a:schemeClr val="accent1"/>
+          </a:effectRef>
+          <a:fontRef idx="minor">
+            <a:schemeClr val="tx1"/>
+          </a:fontRef>
+        </p:style>
+      </p:cxnSp>
+      <p:sp>
+        <p:nvSpPr>
+          <p:cNvPr id="49" name="CasellaDiTesto 48">
+            <a:extLst>
+              <a:ext uri="{FF2B5EF4-FFF2-40B4-BE49-F238E27FC236}">
+                <a16:creationId xmlns:a16="http://schemas.microsoft.com/office/drawing/2014/main" id="{E29D867A-7763-3FAC-3D6B-E54172AE309D}"/>
+              </a:ext>
+            </a:extLst>
+          </p:cNvPr>
+          <p:cNvSpPr txBox="1"/>
+          <p:nvPr/>
+        </p:nvSpPr>
+        <p:spPr>
+          <a:xfrm rot="20251971">
+            <a:off x="3579073" y="1161806"/>
+            <a:ext cx="1197433" cy="584775"/>
+          </a:xfrm>
+          <a:prstGeom prst="rect">
+            <a:avLst/>
+          </a:prstGeom>
+          <a:noFill/>
+        </p:spPr>
+        <p:txBody>
+          <a:bodyPr wrap="square">
+            <a:spAutoFit/>
+          </a:bodyPr>
+          <a:lstStyle/>
+          <a:p>
+            <a:pPr algn="ctr"/>
+            <a:r>
+              <a:rPr lang="en-US" sz="1600" dirty="0">
+                <a:solidFill>
+                  <a:srgbClr val="3F3C53"/>
+                </a:solidFill>
+                <a:latin typeface="SF Pro Text" pitchFamily="2" charset="0"/>
+                <a:ea typeface="SF Pro Text" pitchFamily="2" charset="0"/>
+                <a:cs typeface="SF Pro Text" pitchFamily="2" charset="0"/>
+              </a:rPr>
+              <a:t>tun0</a:t>
+            </a:r>
+          </a:p>
+          <a:p>
+            <a:pPr algn="ctr"/>
+            <a:r>
+              <a:rPr lang="en-US" sz="1600" dirty="0">
+                <a:solidFill>
+                  <a:srgbClr val="3F3C53"/>
+                </a:solidFill>
+                <a:latin typeface="SF Pro Text" pitchFamily="2" charset="0"/>
+                <a:ea typeface="SF Pro Text" pitchFamily="2" charset="0"/>
+                <a:cs typeface="SF Pro Text" pitchFamily="2" charset="0"/>
+              </a:rPr>
+              <a:t>Pub/Sub</a:t>
+            </a:r>
+            <a:endParaRPr lang="it-IT" sz="1600" dirty="0"/>
+          </a:p>
+        </p:txBody>
+      </p:sp>
+      <p:sp>
+        <p:nvSpPr>
+          <p:cNvPr id="50" name="CasellaDiTesto 49">
+            <a:extLst>
+              <a:ext uri="{FF2B5EF4-FFF2-40B4-BE49-F238E27FC236}">
+                <a16:creationId xmlns:a16="http://schemas.microsoft.com/office/drawing/2014/main" id="{0AB2F549-FE53-6D5E-5EEB-84DCE8A86BC8}"/>
+              </a:ext>
+            </a:extLst>
+          </p:cNvPr>
+          <p:cNvSpPr txBox="1"/>
+          <p:nvPr/>
+        </p:nvSpPr>
+        <p:spPr>
+          <a:xfrm>
+            <a:off x="6870656" y="1051732"/>
+            <a:ext cx="1688055" cy="338554"/>
+          </a:xfrm>
+          <a:prstGeom prst="rect">
+            <a:avLst/>
+          </a:prstGeom>
+          <a:noFill/>
+        </p:spPr>
+        <p:txBody>
+          <a:bodyPr wrap="square">
+            <a:spAutoFit/>
+          </a:bodyPr>
+          <a:lstStyle/>
+          <a:p>
+            <a:r>
+              <a:rPr lang="en-US" sz="1600" dirty="0">
+                <a:solidFill>
+                  <a:srgbClr val="3F3C53"/>
+                </a:solidFill>
+                <a:latin typeface="SF Pro Text" pitchFamily="2" charset="0"/>
+                <a:ea typeface="SF Pro Text" pitchFamily="2" charset="0"/>
+                <a:cs typeface="SF Pro Text" pitchFamily="2" charset="0"/>
+              </a:rPr>
+              <a:t>Broker bridge</a:t>
+            </a:r>
+            <a:endParaRPr lang="it-IT" sz="1600" dirty="0"/>
+          </a:p>
+        </p:txBody>
+      </p:sp>
+      <p:sp>
+        <p:nvSpPr>
+          <p:cNvPr id="51" name="CasellaDiTesto 50">
+            <a:extLst>
+              <a:ext uri="{FF2B5EF4-FFF2-40B4-BE49-F238E27FC236}">
+                <a16:creationId xmlns:a16="http://schemas.microsoft.com/office/drawing/2014/main" id="{1689532D-1BDA-7F5C-D97B-89E9DC9A5F81}"/>
+              </a:ext>
+            </a:extLst>
+          </p:cNvPr>
+          <p:cNvSpPr txBox="1"/>
+          <p:nvPr/>
+        </p:nvSpPr>
+        <p:spPr>
+          <a:xfrm rot="3573375">
+            <a:off x="9586308" y="1645733"/>
+            <a:ext cx="1093730" cy="338554"/>
+          </a:xfrm>
+          <a:prstGeom prst="rect">
+            <a:avLst/>
+          </a:prstGeom>
+          <a:noFill/>
+        </p:spPr>
+        <p:txBody>
+          <a:bodyPr wrap="square">
+            <a:spAutoFit/>
+          </a:bodyPr>
+          <a:lstStyle/>
+          <a:p>
+            <a:r>
+              <a:rPr lang="en-US" sz="1600" dirty="0">
+                <a:solidFill>
+                  <a:srgbClr val="3F3C53"/>
+                </a:solidFill>
+                <a:latin typeface="SF Pro Text" pitchFamily="2" charset="0"/>
+                <a:ea typeface="SF Pro Text" pitchFamily="2" charset="0"/>
+                <a:cs typeface="SF Pro Text" pitchFamily="2" charset="0"/>
+              </a:rPr>
+              <a:t>Pub/Sub</a:t>
+            </a:r>
+            <a:endParaRPr lang="it-IT" sz="1600" dirty="0"/>
+          </a:p>
+        </p:txBody>
+      </p:sp>
+      <p:sp>
+        <p:nvSpPr>
+          <p:cNvPr id="52" name="CasellaDiTesto 51">
+            <a:extLst>
+              <a:ext uri="{FF2B5EF4-FFF2-40B4-BE49-F238E27FC236}">
+                <a16:creationId xmlns:a16="http://schemas.microsoft.com/office/drawing/2014/main" id="{0F493253-6CE1-1B22-BC9F-19FA0B8115BF}"/>
+              </a:ext>
+            </a:extLst>
+          </p:cNvPr>
+          <p:cNvSpPr txBox="1"/>
+          <p:nvPr/>
+        </p:nvSpPr>
+        <p:spPr>
+          <a:xfrm rot="5400000">
+            <a:off x="9806049" y="3374431"/>
+            <a:ext cx="987462" cy="338554"/>
+          </a:xfrm>
+          <a:prstGeom prst="rect">
+            <a:avLst/>
+          </a:prstGeom>
+          <a:noFill/>
+        </p:spPr>
+        <p:txBody>
+          <a:bodyPr wrap="square">
+            <a:spAutoFit/>
+          </a:bodyPr>
+          <a:lstStyle/>
+          <a:p>
+            <a:r>
+              <a:rPr lang="en-US" sz="1600" dirty="0">
+                <a:solidFill>
+                  <a:srgbClr val="3F3C53"/>
+                </a:solidFill>
+                <a:latin typeface="SF Pro Text" pitchFamily="2" charset="0"/>
+                <a:ea typeface="SF Pro Text" pitchFamily="2" charset="0"/>
+                <a:cs typeface="SF Pro Text" pitchFamily="2" charset="0"/>
+              </a:rPr>
+              <a:t>Write</a:t>
+            </a:r>
+            <a:endParaRPr lang="it-IT" sz="1600" dirty="0"/>
+          </a:p>
+        </p:txBody>
+      </p:sp>
+      <p:sp>
+        <p:nvSpPr>
+          <p:cNvPr id="53" name="CasellaDiTesto 52">
+            <a:extLst>
+              <a:ext uri="{FF2B5EF4-FFF2-40B4-BE49-F238E27FC236}">
+                <a16:creationId xmlns:a16="http://schemas.microsoft.com/office/drawing/2014/main" id="{9E692C84-4342-73B2-C0B0-FBE8180A4A86}"/>
+              </a:ext>
+            </a:extLst>
+          </p:cNvPr>
+          <p:cNvSpPr txBox="1"/>
+          <p:nvPr/>
+        </p:nvSpPr>
+        <p:spPr>
+          <a:xfrm rot="5400000">
+            <a:off x="9803302" y="4792018"/>
+            <a:ext cx="987462" cy="338554"/>
+          </a:xfrm>
+          <a:prstGeom prst="rect">
+            <a:avLst/>
+          </a:prstGeom>
+          <a:noFill/>
+        </p:spPr>
+        <p:txBody>
+          <a:bodyPr wrap="square">
+            <a:spAutoFit/>
+          </a:bodyPr>
+          <a:lstStyle/>
+          <a:p>
+            <a:r>
+              <a:rPr lang="en-US" sz="1600" dirty="0">
+                <a:solidFill>
+                  <a:srgbClr val="3F3C53"/>
+                </a:solidFill>
+                <a:latin typeface="SF Pro Text" pitchFamily="2" charset="0"/>
+                <a:ea typeface="SF Pro Text" pitchFamily="2" charset="0"/>
+                <a:cs typeface="SF Pro Text" pitchFamily="2" charset="0"/>
+              </a:rPr>
+              <a:t>Read</a:t>
+            </a:r>
+            <a:endParaRPr lang="it-IT" sz="1600" dirty="0"/>
+          </a:p>
+        </p:txBody>
+      </p:sp>
+      <p:pic>
+        <p:nvPicPr>
+          <p:cNvPr id="59" name="Elemento grafico 58">
+            <a:extLst>
+              <a:ext uri="{FF2B5EF4-FFF2-40B4-BE49-F238E27FC236}">
+                <a16:creationId xmlns:a16="http://schemas.microsoft.com/office/drawing/2014/main" id="{A519B49E-28B0-AD88-5BE8-862A4DDFDFC4}"/>
+              </a:ext>
+            </a:extLst>
+          </p:cNvPr>
+          <p:cNvPicPr>
+            <a:picLocks noChangeAspect="1"/>
+          </p:cNvPicPr>
+          <p:nvPr/>
+        </p:nvPicPr>
+        <p:blipFill>
+          <a:blip r:embed="rId14">
+            <a:extLst>
+              <a:ext uri="{96DAC541-7B7A-43D3-8B79-37D633B846F1}">
+                <asvg:svgBlip xmlns:asvg="http://schemas.microsoft.com/office/drawing/2016/SVG/main" r:embed="rId15"/>
+              </a:ext>
+            </a:extLst>
+          </a:blip>
+          <a:stretch>
+            <a:fillRect/>
+          </a:stretch>
+        </p:blipFill>
+        <p:spPr>
+          <a:xfrm>
+            <a:off x="5722788" y="3289501"/>
+            <a:ext cx="528996" cy="528996"/>
+          </a:xfrm>
+          <a:prstGeom prst="rect">
+            <a:avLst/>
+          </a:prstGeom>
+        </p:spPr>
+      </p:pic>
+      <p:pic>
+        <p:nvPicPr>
+          <p:cNvPr id="60" name="Elemento grafico 59">
+            <a:extLst>
+              <a:ext uri="{FF2B5EF4-FFF2-40B4-BE49-F238E27FC236}">
+                <a16:creationId xmlns:a16="http://schemas.microsoft.com/office/drawing/2014/main" id="{EFE4BF5C-810B-A9F0-4D94-F3F762DCA593}"/>
+              </a:ext>
+            </a:extLst>
+          </p:cNvPr>
+          <p:cNvPicPr>
+            <a:picLocks noChangeAspect="1"/>
+          </p:cNvPicPr>
+          <p:nvPr/>
+        </p:nvPicPr>
+        <p:blipFill>
+          <a:blip r:embed="rId14">
+            <a:extLst>
+              <a:ext uri="{96DAC541-7B7A-43D3-8B79-37D633B846F1}">
+                <asvg:svgBlip xmlns:asvg="http://schemas.microsoft.com/office/drawing/2016/SVG/main" r:embed="rId15"/>
+              </a:ext>
+            </a:extLst>
+          </a:blip>
+          <a:stretch>
+            <a:fillRect/>
+          </a:stretch>
+        </p:blipFill>
+        <p:spPr>
+          <a:xfrm>
+            <a:off x="6358109" y="3291177"/>
+            <a:ext cx="528996" cy="528996"/>
+          </a:xfrm>
+          <a:prstGeom prst="rect">
+            <a:avLst/>
+          </a:prstGeom>
+        </p:spPr>
+      </p:pic>
+      <p:pic>
+        <p:nvPicPr>
+          <p:cNvPr id="61" name="Elemento grafico 60">
+            <a:extLst>
+              <a:ext uri="{FF2B5EF4-FFF2-40B4-BE49-F238E27FC236}">
+                <a16:creationId xmlns:a16="http://schemas.microsoft.com/office/drawing/2014/main" id="{A3D70A75-1987-455F-DA21-252B22D124F1}"/>
+              </a:ext>
+            </a:extLst>
+          </p:cNvPr>
+          <p:cNvPicPr>
+            <a:picLocks noChangeAspect="1"/>
+          </p:cNvPicPr>
+          <p:nvPr/>
+        </p:nvPicPr>
+        <p:blipFill>
+          <a:blip r:embed="rId14">
+            <a:extLst>
+              <a:ext uri="{96DAC541-7B7A-43D3-8B79-37D633B846F1}">
+                <asvg:svgBlip xmlns:asvg="http://schemas.microsoft.com/office/drawing/2016/SVG/main" r:embed="rId15"/>
+              </a:ext>
+            </a:extLst>
+          </a:blip>
+          <a:stretch>
+            <a:fillRect/>
+          </a:stretch>
+        </p:blipFill>
+        <p:spPr>
+          <a:xfrm>
+            <a:off x="6047936" y="3817922"/>
+            <a:ext cx="528996" cy="528996"/>
+          </a:xfrm>
+          <a:prstGeom prst="rect">
+            <a:avLst/>
+          </a:prstGeom>
+        </p:spPr>
+      </p:pic>
+      <p:sp>
+        <p:nvSpPr>
+          <p:cNvPr id="62" name="CasellaDiTesto 61">
+            <a:extLst>
+              <a:ext uri="{FF2B5EF4-FFF2-40B4-BE49-F238E27FC236}">
+                <a16:creationId xmlns:a16="http://schemas.microsoft.com/office/drawing/2014/main" id="{8E72761B-4800-60CB-24DD-5A66DF99F12B}"/>
+              </a:ext>
+            </a:extLst>
+          </p:cNvPr>
+          <p:cNvSpPr txBox="1"/>
+          <p:nvPr/>
+        </p:nvSpPr>
+        <p:spPr>
+          <a:xfrm>
+            <a:off x="5167370" y="4433530"/>
+            <a:ext cx="2168828" cy="369332"/>
+          </a:xfrm>
+          <a:prstGeom prst="rect">
+            <a:avLst/>
+          </a:prstGeom>
+          <a:noFill/>
+        </p:spPr>
+        <p:txBody>
+          <a:bodyPr wrap="square">
+            <a:spAutoFit/>
+          </a:bodyPr>
+          <a:lstStyle/>
+          <a:p>
+            <a:pPr algn="ctr"/>
+            <a:r>
+              <a:rPr lang="en-US" dirty="0">
+                <a:solidFill>
+                  <a:srgbClr val="3F51C3"/>
+                </a:solidFill>
+                <a:latin typeface="SF Pro Text" pitchFamily="2" charset="0"/>
+                <a:ea typeface="SF Pro Text" pitchFamily="2" charset="0"/>
+                <a:cs typeface="SF Pro Text" pitchFamily="2" charset="0"/>
+              </a:rPr>
+              <a:t>Actuators</a:t>
+            </a:r>
+            <a:endParaRPr lang="it-IT" dirty="0">
+              <a:solidFill>
+                <a:srgbClr val="3F51C3"/>
+              </a:solidFill>
+            </a:endParaRPr>
+          </a:p>
+        </p:txBody>
+      </p:sp>
+      <p:cxnSp>
+        <p:nvCxnSpPr>
+          <p:cNvPr id="63" name="Connettore 2 62">
+            <a:extLst>
+              <a:ext uri="{FF2B5EF4-FFF2-40B4-BE49-F238E27FC236}">
+                <a16:creationId xmlns:a16="http://schemas.microsoft.com/office/drawing/2014/main" id="{71FDBBB2-F520-3434-4BDE-2FBB5A6303E8}"/>
+              </a:ext>
+            </a:extLst>
+          </p:cNvPr>
+          <p:cNvCxnSpPr>
+            <a:cxnSpLocks/>
+          </p:cNvCxnSpPr>
+          <p:nvPr/>
+        </p:nvCxnSpPr>
+        <p:spPr>
+          <a:xfrm flipV="1">
+            <a:off x="7019109" y="1845604"/>
+            <a:ext cx="2013151" cy="1708395"/>
+          </a:xfrm>
+          <a:prstGeom prst="straightConnector1">
+            <a:avLst/>
+          </a:prstGeom>
+          <a:ln w="38100">
+            <a:solidFill>
+              <a:srgbClr val="3F3C53"/>
+            </a:solidFill>
+            <a:headEnd type="none"/>
+            <a:tailEnd type="triangle"/>
+          </a:ln>
+        </p:spPr>
+        <p:style>
+          <a:lnRef idx="1">
+            <a:schemeClr val="accent1"/>
+          </a:lnRef>
+          <a:fillRef idx="0">
+            <a:schemeClr val="accent1"/>
+          </a:fillRef>
+          <a:effectRef idx="0">
+            <a:schemeClr val="accent1"/>
+          </a:effectRef>
+          <a:fontRef idx="minor">
+            <a:schemeClr val="tx1"/>
+          </a:fontRef>
+        </p:style>
+      </p:cxnSp>
+      <p:sp>
+        <p:nvSpPr>
+          <p:cNvPr id="65" name="CasellaDiTesto 64">
+            <a:extLst>
+              <a:ext uri="{FF2B5EF4-FFF2-40B4-BE49-F238E27FC236}">
+                <a16:creationId xmlns:a16="http://schemas.microsoft.com/office/drawing/2014/main" id="{CF2D068B-A15A-4224-C219-A6B16DFF4AB8}"/>
+              </a:ext>
+            </a:extLst>
+          </p:cNvPr>
+          <p:cNvSpPr txBox="1"/>
+          <p:nvPr/>
+        </p:nvSpPr>
+        <p:spPr>
+          <a:xfrm rot="19167962">
+            <a:off x="7240669" y="2487789"/>
+            <a:ext cx="1197433" cy="338554"/>
+          </a:xfrm>
+          <a:prstGeom prst="rect">
+            <a:avLst/>
+          </a:prstGeom>
+          <a:noFill/>
+        </p:spPr>
+        <p:txBody>
+          <a:bodyPr wrap="square">
+            <a:spAutoFit/>
+          </a:bodyPr>
+          <a:lstStyle/>
+          <a:p>
+            <a:pPr algn="ctr"/>
+            <a:r>
+              <a:rPr lang="en-US" sz="1600" dirty="0">
+                <a:solidFill>
+                  <a:srgbClr val="3F3C53"/>
+                </a:solidFill>
+                <a:latin typeface="SF Pro Text" pitchFamily="2" charset="0"/>
+                <a:ea typeface="SF Pro Text" pitchFamily="2" charset="0"/>
+                <a:cs typeface="SF Pro Text" pitchFamily="2" charset="0"/>
+              </a:rPr>
+              <a:t>Subscribe</a:t>
+            </a:r>
+          </a:p>
+        </p:txBody>
+      </p:sp>
+      <p:pic>
+        <p:nvPicPr>
+          <p:cNvPr id="68" name="Elemento grafico 67">
+            <a:extLst>
+              <a:ext uri="{FF2B5EF4-FFF2-40B4-BE49-F238E27FC236}">
+                <a16:creationId xmlns:a16="http://schemas.microsoft.com/office/drawing/2014/main" id="{2A32FA45-33B5-BA07-CDCA-17B3BA6AD6B9}"/>
+              </a:ext>
+            </a:extLst>
+          </p:cNvPr>
+          <p:cNvPicPr>
+            <a:picLocks noChangeAspect="1"/>
+          </p:cNvPicPr>
+          <p:nvPr/>
+        </p:nvPicPr>
+        <p:blipFill>
+          <a:blip r:embed="rId16">
+            <a:extLst>
+              <a:ext uri="{96DAC541-7B7A-43D3-8B79-37D633B846F1}">
+                <asvg:svgBlip xmlns:asvg="http://schemas.microsoft.com/office/drawing/2016/SVG/main" r:embed="rId17"/>
+              </a:ext>
+            </a:extLst>
+          </a:blip>
+          <a:stretch>
+            <a:fillRect/>
+          </a:stretch>
+        </p:blipFill>
+        <p:spPr>
+          <a:xfrm>
+            <a:off x="6036589" y="5638532"/>
+            <a:ext cx="530481" cy="530481"/>
+          </a:xfrm>
+          <a:prstGeom prst="rect">
+            <a:avLst/>
+          </a:prstGeom>
+        </p:spPr>
+      </p:pic>
+      <p:sp>
+        <p:nvSpPr>
+          <p:cNvPr id="69" name="CasellaDiTesto 68">
+            <a:extLst>
+              <a:ext uri="{FF2B5EF4-FFF2-40B4-BE49-F238E27FC236}">
+                <a16:creationId xmlns:a16="http://schemas.microsoft.com/office/drawing/2014/main" id="{FEB6255B-7B61-23AA-D9FE-C3BECD3D3360}"/>
+              </a:ext>
+            </a:extLst>
+          </p:cNvPr>
+          <p:cNvSpPr txBox="1"/>
+          <p:nvPr/>
+        </p:nvSpPr>
+        <p:spPr>
+          <a:xfrm rot="5400000">
+            <a:off x="5801657" y="5047635"/>
+            <a:ext cx="1197433" cy="338554"/>
+          </a:xfrm>
+          <a:prstGeom prst="rect">
+            <a:avLst/>
+          </a:prstGeom>
+          <a:noFill/>
+        </p:spPr>
+        <p:txBody>
+          <a:bodyPr wrap="square">
+            <a:spAutoFit/>
+          </a:bodyPr>
+          <a:lstStyle/>
+          <a:p>
+            <a:pPr algn="ctr"/>
+            <a:r>
+              <a:rPr lang="en-US" sz="1600" dirty="0">
+                <a:solidFill>
+                  <a:srgbClr val="3F3C53"/>
+                </a:solidFill>
+                <a:latin typeface="SF Pro Text" pitchFamily="2" charset="0"/>
+                <a:ea typeface="SF Pro Text" pitchFamily="2" charset="0"/>
+                <a:cs typeface="SF Pro Text" pitchFamily="2" charset="0"/>
+              </a:rPr>
+              <a:t>POST</a:t>
+            </a:r>
+            <a:endParaRPr lang="it-IT" sz="1600" dirty="0"/>
+          </a:p>
+        </p:txBody>
+      </p:sp>
+      <p:sp>
+        <p:nvSpPr>
+          <p:cNvPr id="70" name="CasellaDiTesto 69">
+            <a:extLst>
+              <a:ext uri="{FF2B5EF4-FFF2-40B4-BE49-F238E27FC236}">
+                <a16:creationId xmlns:a16="http://schemas.microsoft.com/office/drawing/2014/main" id="{1E9935CF-9BB4-7DA0-78EF-1E6F3BDD7E05}"/>
+              </a:ext>
+            </a:extLst>
+          </p:cNvPr>
+          <p:cNvSpPr txBox="1"/>
+          <p:nvPr/>
+        </p:nvSpPr>
+        <p:spPr>
+          <a:xfrm>
+            <a:off x="5228020" y="6108481"/>
+            <a:ext cx="2168828" cy="369332"/>
+          </a:xfrm>
+          <a:prstGeom prst="rect">
+            <a:avLst/>
+          </a:prstGeom>
+          <a:noFill/>
+        </p:spPr>
+        <p:txBody>
+          <a:bodyPr wrap="square">
+            <a:spAutoFit/>
+          </a:bodyPr>
+          <a:lstStyle/>
+          <a:p>
+            <a:pPr algn="ctr"/>
+            <a:r>
+              <a:rPr lang="en-US" dirty="0">
+                <a:solidFill>
+                  <a:srgbClr val="3F51C3"/>
+                </a:solidFill>
+                <a:latin typeface="SF Pro Text" pitchFamily="2" charset="0"/>
+                <a:ea typeface="SF Pro Text" pitchFamily="2" charset="0"/>
+                <a:cs typeface="SF Pro Text" pitchFamily="2" charset="0"/>
+              </a:rPr>
+              <a:t>Notification</a:t>
+            </a:r>
+            <a:endParaRPr lang="it-IT" dirty="0">
+              <a:solidFill>
+                <a:srgbClr val="3F51C3"/>
+              </a:solidFill>
+            </a:endParaRPr>
+          </a:p>
+        </p:txBody>
+      </p:sp>
+      <p:cxnSp>
+        <p:nvCxnSpPr>
+          <p:cNvPr id="72" name="Connettore 2 71">
+            <a:extLst>
+              <a:ext uri="{FF2B5EF4-FFF2-40B4-BE49-F238E27FC236}">
+                <a16:creationId xmlns:a16="http://schemas.microsoft.com/office/drawing/2014/main" id="{1A13164C-92CC-80BA-EB53-9034F24BD7D4}"/>
+              </a:ext>
+            </a:extLst>
+          </p:cNvPr>
+          <p:cNvCxnSpPr>
+            <a:cxnSpLocks/>
+          </p:cNvCxnSpPr>
+          <p:nvPr/>
+        </p:nvCxnSpPr>
+        <p:spPr>
+          <a:xfrm>
+            <a:off x="6253570" y="4905010"/>
+            <a:ext cx="0" cy="689944"/>
+          </a:xfrm>
+          <a:prstGeom prst="straightConnector1">
+            <a:avLst/>
+          </a:prstGeom>
+          <a:ln w="38100">
+            <a:solidFill>
+              <a:srgbClr val="3F3C53"/>
+            </a:solidFill>
+            <a:headEnd type="none"/>
+            <a:tailEnd type="triangle"/>
+          </a:ln>
+        </p:spPr>
+        <p:style>
+          <a:lnRef idx="1">
+            <a:schemeClr val="accent1"/>
+          </a:lnRef>
+          <a:fillRef idx="0">
+            <a:schemeClr val="accent1"/>
+          </a:fillRef>
+          <a:effectRef idx="0">
+            <a:schemeClr val="accent1"/>
+          </a:effectRef>
+          <a:fontRef idx="minor">
+            <a:schemeClr val="tx1"/>
+          </a:fontRef>
+        </p:style>
+      </p:cxnSp>
     </p:spTree>
     <p:extLst>
       <p:ext uri="{BB962C8B-B14F-4D97-AF65-F5344CB8AC3E}">
-        <p14:creationId xmlns:p14="http://schemas.microsoft.com/office/powerpoint/2010/main" val="101086455"/>
+        <p14:creationId xmlns:p14="http://schemas.microsoft.com/office/powerpoint/2010/main" val="2065719661"/>
       </p:ext>
     </p:extLst>
   </p:cSld>
@@ -6102,7 +7035,7 @@
           <p:cNvPr id="2" name="Segnaposto numero diapositiva 1">
             <a:extLst>
               <a:ext uri="{FF2B5EF4-FFF2-40B4-BE49-F238E27FC236}">
-                <a16:creationId xmlns:a16="http://schemas.microsoft.com/office/drawing/2014/main" id="{A377DAF4-AB89-6CF0-0E08-95E402492507}"/>
+                <a16:creationId xmlns:a16="http://schemas.microsoft.com/office/drawing/2014/main" id="{45A54448-1436-7BC6-503C-4B54A504143F}"/>
               </a:ext>
             </a:extLst>
           </p:cNvPr>
@@ -6132,7 +7065,7 @@
           <p:cNvPr id="3" name="Titolo 2">
             <a:extLst>
               <a:ext uri="{FF2B5EF4-FFF2-40B4-BE49-F238E27FC236}">
-                <a16:creationId xmlns:a16="http://schemas.microsoft.com/office/drawing/2014/main" id="{89844C63-5E62-8A51-AE34-813263A4B823}"/>
+                <a16:creationId xmlns:a16="http://schemas.microsoft.com/office/drawing/2014/main" id="{96978928-391D-AECF-C362-9F92E8CB8AF3}"/>
               </a:ext>
             </a:extLst>
           </p:cNvPr>
@@ -6149,12 +7082,8 @@
           <a:lstStyle/>
           <a:p>
             <a:r>
-              <a:rPr lang="it-IT" dirty="0" err="1"/>
-              <a:t>Node</a:t>
-            </a:r>
-            <a:r>
               <a:rPr lang="it-IT" dirty="0"/>
-              <a:t>-Red Flows</a:t>
+              <a:t>Sensor State Machine</a:t>
             </a:r>
           </a:p>
         </p:txBody>
@@ -6164,7 +7093,7 @@
           <p:cNvPr id="5" name="Immagine 4">
             <a:extLst>
               <a:ext uri="{FF2B5EF4-FFF2-40B4-BE49-F238E27FC236}">
-                <a16:creationId xmlns:a16="http://schemas.microsoft.com/office/drawing/2014/main" id="{E3C54A2E-5985-814F-CA05-69D04C475D7F}"/>
+                <a16:creationId xmlns:a16="http://schemas.microsoft.com/office/drawing/2014/main" id="{4DBEBACF-D594-FA52-9857-DD5BA45A6A10}"/>
               </a:ext>
             </a:extLst>
           </p:cNvPr>
@@ -6181,165 +7110,18 @@
         </p:blipFill>
         <p:spPr>
           <a:xfrm>
-            <a:off x="844417" y="4347570"/>
-            <a:ext cx="10978727" cy="895103"/>
+            <a:off x="1103885" y="854635"/>
+            <a:ext cx="9984229" cy="5148730"/>
           </a:xfrm>
           <a:prstGeom prst="rect">
             <a:avLst/>
           </a:prstGeom>
         </p:spPr>
       </p:pic>
-      <p:pic>
-        <p:nvPicPr>
-          <p:cNvPr id="7" name="Immagine 6">
-            <a:extLst>
-              <a:ext uri="{FF2B5EF4-FFF2-40B4-BE49-F238E27FC236}">
-                <a16:creationId xmlns:a16="http://schemas.microsoft.com/office/drawing/2014/main" id="{D3C9F9BA-14A0-A5DC-B008-2E75F4D91BB4}"/>
-              </a:ext>
-            </a:extLst>
-          </p:cNvPr>
-          <p:cNvPicPr>
-            <a:picLocks noChangeAspect="1"/>
-          </p:cNvPicPr>
-          <p:nvPr/>
-        </p:nvPicPr>
-        <p:blipFill>
-          <a:blip r:embed="rId3"/>
-          <a:stretch>
-            <a:fillRect/>
-          </a:stretch>
-        </p:blipFill>
-        <p:spPr>
-          <a:xfrm>
-            <a:off x="817624" y="1935549"/>
-            <a:ext cx="11032312" cy="620256"/>
-          </a:xfrm>
-          <a:prstGeom prst="rect">
-            <a:avLst/>
-          </a:prstGeom>
-        </p:spPr>
-      </p:pic>
-      <p:sp>
-        <p:nvSpPr>
-          <p:cNvPr id="9" name="CasellaDiTesto 8">
-            <a:extLst>
-              <a:ext uri="{FF2B5EF4-FFF2-40B4-BE49-F238E27FC236}">
-                <a16:creationId xmlns:a16="http://schemas.microsoft.com/office/drawing/2014/main" id="{CB1D75F4-4092-F10D-8F0C-9C961966DB16}"/>
-              </a:ext>
-            </a:extLst>
-          </p:cNvPr>
-          <p:cNvSpPr txBox="1"/>
-          <p:nvPr/>
-        </p:nvSpPr>
-        <p:spPr>
-          <a:xfrm>
-            <a:off x="3046971" y="1099460"/>
-            <a:ext cx="6098058" cy="400110"/>
-          </a:xfrm>
-          <a:prstGeom prst="rect">
-            <a:avLst/>
-          </a:prstGeom>
-          <a:noFill/>
-        </p:spPr>
-        <p:txBody>
-          <a:bodyPr wrap="square">
-            <a:spAutoFit/>
-          </a:bodyPr>
-          <a:lstStyle/>
-          <a:p>
-            <a:pPr algn="ctr"/>
-            <a:r>
-              <a:rPr lang="it-IT" sz="2000" b="1" dirty="0">
-                <a:solidFill>
-                  <a:srgbClr val="3F51C3"/>
-                </a:solidFill>
-                <a:latin typeface="SF Pro Text" pitchFamily="2" charset="0"/>
-                <a:ea typeface="SF Pro Text" pitchFamily="2" charset="0"/>
-                <a:cs typeface="SF Pro Text" pitchFamily="2" charset="0"/>
-              </a:rPr>
-              <a:t>Sensor </a:t>
-            </a:r>
-            <a:r>
-              <a:rPr lang="it-IT" sz="2000" b="1" dirty="0" err="1">
-                <a:solidFill>
-                  <a:srgbClr val="3F51C3"/>
-                </a:solidFill>
-                <a:latin typeface="SF Pro Text" pitchFamily="2" charset="0"/>
-                <a:ea typeface="SF Pro Text" pitchFamily="2" charset="0"/>
-                <a:cs typeface="SF Pro Text" pitchFamily="2" charset="0"/>
-              </a:rPr>
-              <a:t>configurator</a:t>
-            </a:r>
-            <a:endParaRPr lang="it-IT" sz="2000" b="1" dirty="0">
-              <a:solidFill>
-                <a:srgbClr val="3F51C3"/>
-              </a:solidFill>
-              <a:latin typeface="SF Pro Text" pitchFamily="2" charset="0"/>
-              <a:ea typeface="SF Pro Text" pitchFamily="2" charset="0"/>
-              <a:cs typeface="SF Pro Text" pitchFamily="2" charset="0"/>
-            </a:endParaRPr>
-          </a:p>
-        </p:txBody>
-      </p:sp>
-      <p:sp>
-        <p:nvSpPr>
-          <p:cNvPr id="10" name="CasellaDiTesto 9">
-            <a:extLst>
-              <a:ext uri="{FF2B5EF4-FFF2-40B4-BE49-F238E27FC236}">
-                <a16:creationId xmlns:a16="http://schemas.microsoft.com/office/drawing/2014/main" id="{AAEAA87A-D026-7E31-AC44-22BC69BBE422}"/>
-              </a:ext>
-            </a:extLst>
-          </p:cNvPr>
-          <p:cNvSpPr txBox="1"/>
-          <p:nvPr/>
-        </p:nvSpPr>
-        <p:spPr>
-          <a:xfrm>
-            <a:off x="3046971" y="3251632"/>
-            <a:ext cx="6098058" cy="400110"/>
-          </a:xfrm>
-          <a:prstGeom prst="rect">
-            <a:avLst/>
-          </a:prstGeom>
-          <a:noFill/>
-        </p:spPr>
-        <p:txBody>
-          <a:bodyPr wrap="square">
-            <a:spAutoFit/>
-          </a:bodyPr>
-          <a:lstStyle/>
-          <a:p>
-            <a:pPr algn="ctr"/>
-            <a:r>
-              <a:rPr lang="it-IT" sz="2000" b="1" dirty="0">
-                <a:solidFill>
-                  <a:srgbClr val="3F51C3"/>
-                </a:solidFill>
-                <a:latin typeface="SF Pro Text" pitchFamily="2" charset="0"/>
-                <a:ea typeface="SF Pro Text" pitchFamily="2" charset="0"/>
-                <a:cs typeface="SF Pro Text" pitchFamily="2" charset="0"/>
-              </a:rPr>
-              <a:t>Data </a:t>
-            </a:r>
-            <a:r>
-              <a:rPr lang="it-IT" sz="2000" b="1" dirty="0" err="1">
-                <a:solidFill>
-                  <a:srgbClr val="3F51C3"/>
-                </a:solidFill>
-                <a:latin typeface="SF Pro Text" pitchFamily="2" charset="0"/>
-                <a:ea typeface="SF Pro Text" pitchFamily="2" charset="0"/>
-                <a:cs typeface="SF Pro Text" pitchFamily="2" charset="0"/>
-              </a:rPr>
-              <a:t>saving</a:t>
-            </a:r>
-            <a:endParaRPr lang="it-IT" sz="2000" dirty="0"/>
-          </a:p>
-        </p:txBody>
-      </p:sp>
     </p:spTree>
     <p:extLst>
       <p:ext uri="{BB962C8B-B14F-4D97-AF65-F5344CB8AC3E}">
-        <p14:creationId xmlns:p14="http://schemas.microsoft.com/office/powerpoint/2010/main" val="504224111"/>
+        <p14:creationId xmlns:p14="http://schemas.microsoft.com/office/powerpoint/2010/main" val="101086455"/>
       </p:ext>
     </p:extLst>
   </p:cSld>
@@ -6371,7 +7153,7 @@
           <p:cNvPr id="2" name="Segnaposto numero diapositiva 1">
             <a:extLst>
               <a:ext uri="{FF2B5EF4-FFF2-40B4-BE49-F238E27FC236}">
-                <a16:creationId xmlns:a16="http://schemas.microsoft.com/office/drawing/2014/main" id="{01303757-A3B3-190E-86DC-9302C028F931}"/>
+                <a16:creationId xmlns:a16="http://schemas.microsoft.com/office/drawing/2014/main" id="{A377DAF4-AB89-6CF0-0E08-95E402492507}"/>
               </a:ext>
             </a:extLst>
           </p:cNvPr>
@@ -6391,6 +7173,275 @@
               <a:rPr lang="it-IT" smtClean="0"/>
               <a:pPr/>
               <a:t>6</a:t>
+            </a:fld>
+            <a:endParaRPr lang="it-IT" dirty="0"/>
+          </a:p>
+        </p:txBody>
+      </p:sp>
+      <p:sp>
+        <p:nvSpPr>
+          <p:cNvPr id="3" name="Titolo 2">
+            <a:extLst>
+              <a:ext uri="{FF2B5EF4-FFF2-40B4-BE49-F238E27FC236}">
+                <a16:creationId xmlns:a16="http://schemas.microsoft.com/office/drawing/2014/main" id="{89844C63-5E62-8A51-AE34-813263A4B823}"/>
+              </a:ext>
+            </a:extLst>
+          </p:cNvPr>
+          <p:cNvSpPr>
+            <a:spLocks noGrp="1"/>
+          </p:cNvSpPr>
+          <p:nvPr>
+            <p:ph type="title"/>
+          </p:nvPr>
+        </p:nvSpPr>
+        <p:spPr/>
+        <p:txBody>
+          <a:bodyPr/>
+          <a:lstStyle/>
+          <a:p>
+            <a:r>
+              <a:rPr lang="it-IT" dirty="0" err="1"/>
+              <a:t>Node</a:t>
+            </a:r>
+            <a:r>
+              <a:rPr lang="it-IT" dirty="0"/>
+              <a:t>-Red Flows</a:t>
+            </a:r>
+          </a:p>
+        </p:txBody>
+      </p:sp>
+      <p:pic>
+        <p:nvPicPr>
+          <p:cNvPr id="5" name="Immagine 4">
+            <a:extLst>
+              <a:ext uri="{FF2B5EF4-FFF2-40B4-BE49-F238E27FC236}">
+                <a16:creationId xmlns:a16="http://schemas.microsoft.com/office/drawing/2014/main" id="{E3C54A2E-5985-814F-CA05-69D04C475D7F}"/>
+              </a:ext>
+            </a:extLst>
+          </p:cNvPr>
+          <p:cNvPicPr>
+            <a:picLocks noChangeAspect="1"/>
+          </p:cNvPicPr>
+          <p:nvPr/>
+        </p:nvPicPr>
+        <p:blipFill>
+          <a:blip r:embed="rId2"/>
+          <a:stretch>
+            <a:fillRect/>
+          </a:stretch>
+        </p:blipFill>
+        <p:spPr>
+          <a:xfrm>
+            <a:off x="844417" y="4347570"/>
+            <a:ext cx="10978727" cy="895103"/>
+          </a:xfrm>
+          <a:prstGeom prst="rect">
+            <a:avLst/>
+          </a:prstGeom>
+        </p:spPr>
+      </p:pic>
+      <p:pic>
+        <p:nvPicPr>
+          <p:cNvPr id="7" name="Immagine 6">
+            <a:extLst>
+              <a:ext uri="{FF2B5EF4-FFF2-40B4-BE49-F238E27FC236}">
+                <a16:creationId xmlns:a16="http://schemas.microsoft.com/office/drawing/2014/main" id="{D3C9F9BA-14A0-A5DC-B008-2E75F4D91BB4}"/>
+              </a:ext>
+            </a:extLst>
+          </p:cNvPr>
+          <p:cNvPicPr>
+            <a:picLocks noChangeAspect="1"/>
+          </p:cNvPicPr>
+          <p:nvPr/>
+        </p:nvPicPr>
+        <p:blipFill>
+          <a:blip r:embed="rId3"/>
+          <a:stretch>
+            <a:fillRect/>
+          </a:stretch>
+        </p:blipFill>
+        <p:spPr>
+          <a:xfrm>
+            <a:off x="817624" y="1935549"/>
+            <a:ext cx="11032312" cy="620256"/>
+          </a:xfrm>
+          <a:prstGeom prst="rect">
+            <a:avLst/>
+          </a:prstGeom>
+        </p:spPr>
+      </p:pic>
+      <p:sp>
+        <p:nvSpPr>
+          <p:cNvPr id="9" name="CasellaDiTesto 8">
+            <a:extLst>
+              <a:ext uri="{FF2B5EF4-FFF2-40B4-BE49-F238E27FC236}">
+                <a16:creationId xmlns:a16="http://schemas.microsoft.com/office/drawing/2014/main" id="{CB1D75F4-4092-F10D-8F0C-9C961966DB16}"/>
+              </a:ext>
+            </a:extLst>
+          </p:cNvPr>
+          <p:cNvSpPr txBox="1"/>
+          <p:nvPr/>
+        </p:nvSpPr>
+        <p:spPr>
+          <a:xfrm>
+            <a:off x="3046971" y="1099460"/>
+            <a:ext cx="6098058" cy="400110"/>
+          </a:xfrm>
+          <a:prstGeom prst="rect">
+            <a:avLst/>
+          </a:prstGeom>
+          <a:noFill/>
+        </p:spPr>
+        <p:txBody>
+          <a:bodyPr wrap="square">
+            <a:spAutoFit/>
+          </a:bodyPr>
+          <a:lstStyle/>
+          <a:p>
+            <a:pPr algn="ctr"/>
+            <a:r>
+              <a:rPr lang="it-IT" sz="2000" b="1" dirty="0">
+                <a:solidFill>
+                  <a:srgbClr val="3F51C3"/>
+                </a:solidFill>
+                <a:latin typeface="SF Pro Text" pitchFamily="2" charset="0"/>
+                <a:ea typeface="SF Pro Text" pitchFamily="2" charset="0"/>
+                <a:cs typeface="SF Pro Text" pitchFamily="2" charset="0"/>
+              </a:rPr>
+              <a:t>Sensor </a:t>
+            </a:r>
+            <a:r>
+              <a:rPr lang="it-IT" sz="2000" b="1" dirty="0" err="1">
+                <a:solidFill>
+                  <a:srgbClr val="3F51C3"/>
+                </a:solidFill>
+                <a:latin typeface="SF Pro Text" pitchFamily="2" charset="0"/>
+                <a:ea typeface="SF Pro Text" pitchFamily="2" charset="0"/>
+                <a:cs typeface="SF Pro Text" pitchFamily="2" charset="0"/>
+              </a:rPr>
+              <a:t>configurator</a:t>
+            </a:r>
+            <a:endParaRPr lang="it-IT" sz="2000" b="1" dirty="0">
+              <a:solidFill>
+                <a:srgbClr val="3F51C3"/>
+              </a:solidFill>
+              <a:latin typeface="SF Pro Text" pitchFamily="2" charset="0"/>
+              <a:ea typeface="SF Pro Text" pitchFamily="2" charset="0"/>
+              <a:cs typeface="SF Pro Text" pitchFamily="2" charset="0"/>
+            </a:endParaRPr>
+          </a:p>
+        </p:txBody>
+      </p:sp>
+      <p:sp>
+        <p:nvSpPr>
+          <p:cNvPr id="10" name="CasellaDiTesto 9">
+            <a:extLst>
+              <a:ext uri="{FF2B5EF4-FFF2-40B4-BE49-F238E27FC236}">
+                <a16:creationId xmlns:a16="http://schemas.microsoft.com/office/drawing/2014/main" id="{AAEAA87A-D026-7E31-AC44-22BC69BBE422}"/>
+              </a:ext>
+            </a:extLst>
+          </p:cNvPr>
+          <p:cNvSpPr txBox="1"/>
+          <p:nvPr/>
+        </p:nvSpPr>
+        <p:spPr>
+          <a:xfrm>
+            <a:off x="3046971" y="3251632"/>
+            <a:ext cx="6098058" cy="400110"/>
+          </a:xfrm>
+          <a:prstGeom prst="rect">
+            <a:avLst/>
+          </a:prstGeom>
+          <a:noFill/>
+        </p:spPr>
+        <p:txBody>
+          <a:bodyPr wrap="square">
+            <a:spAutoFit/>
+          </a:bodyPr>
+          <a:lstStyle/>
+          <a:p>
+            <a:pPr algn="ctr"/>
+            <a:r>
+              <a:rPr lang="it-IT" sz="2000" b="1" dirty="0">
+                <a:solidFill>
+                  <a:srgbClr val="3F51C3"/>
+                </a:solidFill>
+                <a:latin typeface="SF Pro Text" pitchFamily="2" charset="0"/>
+                <a:ea typeface="SF Pro Text" pitchFamily="2" charset="0"/>
+                <a:cs typeface="SF Pro Text" pitchFamily="2" charset="0"/>
+              </a:rPr>
+              <a:t>Data </a:t>
+            </a:r>
+            <a:r>
+              <a:rPr lang="it-IT" sz="2000" b="1" dirty="0" err="1">
+                <a:solidFill>
+                  <a:srgbClr val="3F51C3"/>
+                </a:solidFill>
+                <a:latin typeface="SF Pro Text" pitchFamily="2" charset="0"/>
+                <a:ea typeface="SF Pro Text" pitchFamily="2" charset="0"/>
+                <a:cs typeface="SF Pro Text" pitchFamily="2" charset="0"/>
+              </a:rPr>
+              <a:t>saving</a:t>
+            </a:r>
+            <a:endParaRPr lang="it-IT" sz="2000" dirty="0"/>
+          </a:p>
+        </p:txBody>
+      </p:sp>
+    </p:spTree>
+    <p:extLst>
+      <p:ext uri="{BB962C8B-B14F-4D97-AF65-F5344CB8AC3E}">
+        <p14:creationId xmlns:p14="http://schemas.microsoft.com/office/powerpoint/2010/main" val="504224111"/>
+      </p:ext>
+    </p:extLst>
+  </p:cSld>
+  <p:clrMapOvr>
+    <a:masterClrMapping/>
+  </p:clrMapOvr>
+</p:sld>
+</file>
+
+<file path=ppt/slides/slide8.xml><?xml version="1.0" encoding="utf-8"?>
+<p:sld xmlns:a="http://schemas.openxmlformats.org/drawingml/2006/main" xmlns:r="http://schemas.openxmlformats.org/officeDocument/2006/relationships" xmlns:p="http://schemas.openxmlformats.org/presentationml/2006/main">
+  <p:cSld>
+    <p:spTree>
+      <p:nvGrpSpPr>
+        <p:cNvPr id="1" name=""/>
+        <p:cNvGrpSpPr/>
+        <p:nvPr/>
+      </p:nvGrpSpPr>
+      <p:grpSpPr>
+        <a:xfrm>
+          <a:off x="0" y="0"/>
+          <a:ext cx="0" cy="0"/>
+          <a:chOff x="0" y="0"/>
+          <a:chExt cx="0" cy="0"/>
+        </a:xfrm>
+      </p:grpSpPr>
+      <p:sp>
+        <p:nvSpPr>
+          <p:cNvPr id="2" name="Segnaposto numero diapositiva 1">
+            <a:extLst>
+              <a:ext uri="{FF2B5EF4-FFF2-40B4-BE49-F238E27FC236}">
+                <a16:creationId xmlns:a16="http://schemas.microsoft.com/office/drawing/2014/main" id="{01303757-A3B3-190E-86DC-9302C028F931}"/>
+              </a:ext>
+            </a:extLst>
+          </p:cNvPr>
+          <p:cNvSpPr>
+            <a:spLocks noGrp="1"/>
+          </p:cNvSpPr>
+          <p:nvPr>
+            <p:ph type="sldNum" sz="quarter" idx="12"/>
+          </p:nvPr>
+        </p:nvSpPr>
+        <p:spPr/>
+        <p:txBody>
+          <a:bodyPr/>
+          <a:lstStyle/>
+          <a:p>
+            <a:fld id="{925FCEA2-F0DA-AB4C-B1CA-0E33C745EDE1}" type="slidenum">
+              <a:rPr lang="it-IT" smtClean="0"/>
+              <a:pPr/>
+              <a:t>7</a:t>
             </a:fld>
             <a:endParaRPr lang="it-IT" dirty="0"/>
           </a:p>
@@ -7545,7 +8596,7 @@
 </p:sld>
 </file>
 
-<file path=ppt/slides/slide8.xml><?xml version="1.0" encoding="utf-8"?>
+<file path=ppt/slides/slide9.xml><?xml version="1.0" encoding="utf-8"?>
 <p:sld xmlns:a="http://schemas.openxmlformats.org/drawingml/2006/main" xmlns:r="http://schemas.openxmlformats.org/officeDocument/2006/relationships" xmlns:p="http://schemas.openxmlformats.org/presentationml/2006/main">
   <p:cSld>
     <p:spTree>
@@ -8024,7 +9075,7 @@
             <a:fld id="{925FCEA2-F0DA-AB4C-B1CA-0E33C745EDE1}" type="slidenum">
               <a:rPr lang="en-US" smtClean="0"/>
               <a:pPr/>
-              <a:t>7</a:t>
+              <a:t>8</a:t>
             </a:fld>
             <a:endParaRPr lang="en-US"/>
           </a:p>
@@ -8507,1057 +9558,6 @@
     <p:extLst>
       <p:ext uri="{BB962C8B-B14F-4D97-AF65-F5344CB8AC3E}">
         <p14:creationId xmlns:p14="http://schemas.microsoft.com/office/powerpoint/2010/main" val="350084944"/>
-      </p:ext>
-    </p:extLst>
-  </p:cSld>
-  <p:clrMapOvr>
-    <a:masterClrMapping/>
-  </p:clrMapOvr>
-</p:sld>
-</file>
-
-<file path=ppt/slides/slide9.xml><?xml version="1.0" encoding="utf-8"?>
-<p:sld xmlns:a="http://schemas.openxmlformats.org/drawingml/2006/main" xmlns:r="http://schemas.openxmlformats.org/officeDocument/2006/relationships" xmlns:p="http://schemas.openxmlformats.org/presentationml/2006/main">
-  <p:cSld>
-    <p:spTree>
-      <p:nvGrpSpPr>
-        <p:cNvPr id="1" name=""/>
-        <p:cNvGrpSpPr/>
-        <p:nvPr/>
-      </p:nvGrpSpPr>
-      <p:grpSpPr>
-        <a:xfrm>
-          <a:off x="0" y="0"/>
-          <a:ext cx="0" cy="0"/>
-          <a:chOff x="0" y="0"/>
-          <a:chExt cx="0" cy="0"/>
-        </a:xfrm>
-      </p:grpSpPr>
-      <p:sp>
-        <p:nvSpPr>
-          <p:cNvPr id="15" name="Rettangolo con angoli arrotondati 14">
-            <a:extLst>
-              <a:ext uri="{FF2B5EF4-FFF2-40B4-BE49-F238E27FC236}">
-                <a16:creationId xmlns:a16="http://schemas.microsoft.com/office/drawing/2014/main" id="{0B15F705-B4E6-84F6-2BC1-3350DABA5902}"/>
-              </a:ext>
-            </a:extLst>
-          </p:cNvPr>
-          <p:cNvSpPr/>
-          <p:nvPr/>
-        </p:nvSpPr>
-        <p:spPr>
-          <a:xfrm>
-            <a:off x="8264423" y="4588657"/>
-            <a:ext cx="3389343" cy="1441365"/>
-          </a:xfrm>
-          <a:prstGeom prst="roundRect">
-            <a:avLst>
-              <a:gd name="adj" fmla="val 30571"/>
-            </a:avLst>
-          </a:prstGeom>
-          <a:solidFill>
-            <a:srgbClr val="FFFFFF">
-              <a:alpha val="50196"/>
-            </a:srgbClr>
-          </a:solidFill>
-          <a:ln w="38100">
-            <a:noFill/>
-          </a:ln>
-        </p:spPr>
-        <p:style>
-          <a:lnRef idx="2">
-            <a:schemeClr val="accent1">
-              <a:shade val="50000"/>
-            </a:schemeClr>
-          </a:lnRef>
-          <a:fillRef idx="1">
-            <a:schemeClr val="accent1"/>
-          </a:fillRef>
-          <a:effectRef idx="0">
-            <a:schemeClr val="accent1"/>
-          </a:effectRef>
-          <a:fontRef idx="minor">
-            <a:schemeClr val="lt1"/>
-          </a:fontRef>
-        </p:style>
-        <p:txBody>
-          <a:bodyPr rtlCol="0" anchor="ctr"/>
-          <a:lstStyle/>
-          <a:p>
-            <a:pPr algn="ctr"/>
-            <a:endParaRPr lang="en-US"/>
-          </a:p>
-        </p:txBody>
-      </p:sp>
-      <p:sp>
-        <p:nvSpPr>
-          <p:cNvPr id="14" name="Rettangolo con angoli arrotondati 13">
-            <a:extLst>
-              <a:ext uri="{FF2B5EF4-FFF2-40B4-BE49-F238E27FC236}">
-                <a16:creationId xmlns:a16="http://schemas.microsoft.com/office/drawing/2014/main" id="{38023296-86C1-AE5E-EFBB-7613852119E0}"/>
-              </a:ext>
-            </a:extLst>
-          </p:cNvPr>
-          <p:cNvSpPr/>
-          <p:nvPr/>
-        </p:nvSpPr>
-        <p:spPr>
-          <a:xfrm>
-            <a:off x="8264424" y="1012987"/>
-            <a:ext cx="3389343" cy="1441365"/>
-          </a:xfrm>
-          <a:prstGeom prst="roundRect">
-            <a:avLst>
-              <a:gd name="adj" fmla="val 30571"/>
-            </a:avLst>
-          </a:prstGeom>
-          <a:solidFill>
-            <a:srgbClr val="FFFFFF">
-              <a:alpha val="50196"/>
-            </a:srgbClr>
-          </a:solidFill>
-          <a:ln w="38100">
-            <a:noFill/>
-          </a:ln>
-        </p:spPr>
-        <p:style>
-          <a:lnRef idx="2">
-            <a:schemeClr val="accent1">
-              <a:shade val="50000"/>
-            </a:schemeClr>
-          </a:lnRef>
-          <a:fillRef idx="1">
-            <a:schemeClr val="accent1"/>
-          </a:fillRef>
-          <a:effectRef idx="0">
-            <a:schemeClr val="accent1"/>
-          </a:effectRef>
-          <a:fontRef idx="minor">
-            <a:schemeClr val="lt1"/>
-          </a:fontRef>
-        </p:style>
-        <p:txBody>
-          <a:bodyPr rtlCol="0" anchor="ctr"/>
-          <a:lstStyle/>
-          <a:p>
-            <a:pPr algn="ctr"/>
-            <a:endParaRPr lang="en-US"/>
-          </a:p>
-        </p:txBody>
-      </p:sp>
-      <p:sp>
-        <p:nvSpPr>
-          <p:cNvPr id="13" name="Rettangolo con angoli arrotondati 12">
-            <a:extLst>
-              <a:ext uri="{FF2B5EF4-FFF2-40B4-BE49-F238E27FC236}">
-                <a16:creationId xmlns:a16="http://schemas.microsoft.com/office/drawing/2014/main" id="{5A5BF927-E0EA-6ABC-4365-79739CCBA44C}"/>
-              </a:ext>
-            </a:extLst>
-          </p:cNvPr>
-          <p:cNvSpPr/>
-          <p:nvPr/>
-        </p:nvSpPr>
-        <p:spPr>
-          <a:xfrm>
-            <a:off x="1205440" y="4591698"/>
-            <a:ext cx="3389343" cy="1441365"/>
-          </a:xfrm>
-          <a:prstGeom prst="roundRect">
-            <a:avLst>
-              <a:gd name="adj" fmla="val 30571"/>
-            </a:avLst>
-          </a:prstGeom>
-          <a:solidFill>
-            <a:srgbClr val="FFFFFF">
-              <a:alpha val="50196"/>
-            </a:srgbClr>
-          </a:solidFill>
-          <a:ln w="38100">
-            <a:noFill/>
-          </a:ln>
-        </p:spPr>
-        <p:style>
-          <a:lnRef idx="2">
-            <a:schemeClr val="accent1">
-              <a:shade val="50000"/>
-            </a:schemeClr>
-          </a:lnRef>
-          <a:fillRef idx="1">
-            <a:schemeClr val="accent1"/>
-          </a:fillRef>
-          <a:effectRef idx="0">
-            <a:schemeClr val="accent1"/>
-          </a:effectRef>
-          <a:fontRef idx="minor">
-            <a:schemeClr val="lt1"/>
-          </a:fontRef>
-        </p:style>
-        <p:txBody>
-          <a:bodyPr rtlCol="0" anchor="ctr"/>
-          <a:lstStyle/>
-          <a:p>
-            <a:pPr algn="ctr"/>
-            <a:endParaRPr lang="en-US"/>
-          </a:p>
-        </p:txBody>
-      </p:sp>
-      <p:sp>
-        <p:nvSpPr>
-          <p:cNvPr id="12" name="Rettangolo con angoli arrotondati 11">
-            <a:extLst>
-              <a:ext uri="{FF2B5EF4-FFF2-40B4-BE49-F238E27FC236}">
-                <a16:creationId xmlns:a16="http://schemas.microsoft.com/office/drawing/2014/main" id="{33ED0006-BB16-C99B-0E9A-ECABD3896000}"/>
-              </a:ext>
-            </a:extLst>
-          </p:cNvPr>
-          <p:cNvSpPr/>
-          <p:nvPr/>
-        </p:nvSpPr>
-        <p:spPr>
-          <a:xfrm>
-            <a:off x="1205440" y="1201040"/>
-            <a:ext cx="3389343" cy="1065263"/>
-          </a:xfrm>
-          <a:prstGeom prst="roundRect">
-            <a:avLst>
-              <a:gd name="adj" fmla="val 30571"/>
-            </a:avLst>
-          </a:prstGeom>
-          <a:solidFill>
-            <a:srgbClr val="FFFFFF">
-              <a:alpha val="50196"/>
-            </a:srgbClr>
-          </a:solidFill>
-          <a:ln w="38100">
-            <a:noFill/>
-          </a:ln>
-        </p:spPr>
-        <p:style>
-          <a:lnRef idx="2">
-            <a:schemeClr val="accent1">
-              <a:shade val="50000"/>
-            </a:schemeClr>
-          </a:lnRef>
-          <a:fillRef idx="1">
-            <a:schemeClr val="accent1"/>
-          </a:fillRef>
-          <a:effectRef idx="0">
-            <a:schemeClr val="accent1"/>
-          </a:effectRef>
-          <a:fontRef idx="minor">
-            <a:schemeClr val="lt1"/>
-          </a:fontRef>
-        </p:style>
-        <p:txBody>
-          <a:bodyPr rtlCol="0" anchor="ctr"/>
-          <a:lstStyle/>
-          <a:p>
-            <a:pPr algn="ctr"/>
-            <a:endParaRPr lang="en-US"/>
-          </a:p>
-        </p:txBody>
-      </p:sp>
-      <p:sp>
-        <p:nvSpPr>
-          <p:cNvPr id="10" name="Rettangolo con angoli arrotondati 9">
-            <a:extLst>
-              <a:ext uri="{FF2B5EF4-FFF2-40B4-BE49-F238E27FC236}">
-                <a16:creationId xmlns:a16="http://schemas.microsoft.com/office/drawing/2014/main" id="{A5F53523-41A5-DFCA-B546-ADE54F7993DF}"/>
-              </a:ext>
-            </a:extLst>
-          </p:cNvPr>
-          <p:cNvSpPr/>
-          <p:nvPr/>
-        </p:nvSpPr>
-        <p:spPr>
-          <a:xfrm>
-            <a:off x="5113180" y="2112546"/>
-            <a:ext cx="2671919" cy="2621084"/>
-          </a:xfrm>
-          <a:prstGeom prst="roundRect">
-            <a:avLst>
-              <a:gd name="adj" fmla="val 30571"/>
-            </a:avLst>
-          </a:prstGeom>
-          <a:solidFill>
-            <a:srgbClr val="FFFFFF">
-              <a:alpha val="50196"/>
-            </a:srgbClr>
-          </a:solidFill>
-          <a:ln w="38100">
-            <a:noFill/>
-          </a:ln>
-        </p:spPr>
-        <p:style>
-          <a:lnRef idx="2">
-            <a:schemeClr val="accent1">
-              <a:shade val="50000"/>
-            </a:schemeClr>
-          </a:lnRef>
-          <a:fillRef idx="1">
-            <a:schemeClr val="accent1"/>
-          </a:fillRef>
-          <a:effectRef idx="0">
-            <a:schemeClr val="accent1"/>
-          </a:effectRef>
-          <a:fontRef idx="minor">
-            <a:schemeClr val="lt1"/>
-          </a:fontRef>
-        </p:style>
-        <p:txBody>
-          <a:bodyPr rtlCol="0" anchor="ctr"/>
-          <a:lstStyle/>
-          <a:p>
-            <a:pPr algn="ctr"/>
-            <a:endParaRPr lang="en-US"/>
-          </a:p>
-        </p:txBody>
-      </p:sp>
-      <p:sp>
-        <p:nvSpPr>
-          <p:cNvPr id="2" name="Segnaposto numero diapositiva 1">
-            <a:extLst>
-              <a:ext uri="{FF2B5EF4-FFF2-40B4-BE49-F238E27FC236}">
-                <a16:creationId xmlns:a16="http://schemas.microsoft.com/office/drawing/2014/main" id="{884DD8DA-0D96-74B3-D3D6-50D54A9BF1BB}"/>
-              </a:ext>
-            </a:extLst>
-          </p:cNvPr>
-          <p:cNvSpPr>
-            <a:spLocks noGrp="1"/>
-          </p:cNvSpPr>
-          <p:nvPr>
-            <p:ph type="sldNum" sz="quarter" idx="12"/>
-          </p:nvPr>
-        </p:nvSpPr>
-        <p:spPr/>
-        <p:txBody>
-          <a:bodyPr/>
-          <a:lstStyle/>
-          <a:p>
-            <a:fld id="{925FCEA2-F0DA-AB4C-B1CA-0E33C745EDE1}" type="slidenum">
-              <a:rPr lang="it-IT" smtClean="0"/>
-              <a:pPr/>
-              <a:t>8</a:t>
-            </a:fld>
-            <a:endParaRPr lang="it-IT" dirty="0"/>
-          </a:p>
-        </p:txBody>
-      </p:sp>
-      <p:sp>
-        <p:nvSpPr>
-          <p:cNvPr id="3" name="Titolo 2">
-            <a:extLst>
-              <a:ext uri="{FF2B5EF4-FFF2-40B4-BE49-F238E27FC236}">
-                <a16:creationId xmlns:a16="http://schemas.microsoft.com/office/drawing/2014/main" id="{81CE2E52-7F3A-AAF4-73A7-395E57991AFB}"/>
-              </a:ext>
-            </a:extLst>
-          </p:cNvPr>
-          <p:cNvSpPr>
-            <a:spLocks noGrp="1"/>
-          </p:cNvSpPr>
-          <p:nvPr>
-            <p:ph type="title"/>
-          </p:nvPr>
-        </p:nvSpPr>
-        <p:spPr/>
-        <p:txBody>
-          <a:bodyPr/>
-          <a:lstStyle/>
-          <a:p>
-            <a:r>
-              <a:rPr lang="en-US"/>
-              <a:t>Actuators</a:t>
-            </a:r>
-          </a:p>
-        </p:txBody>
-      </p:sp>
-      <p:sp>
-        <p:nvSpPr>
-          <p:cNvPr id="5" name="CasellaDiTesto 4">
-            <a:extLst>
-              <a:ext uri="{FF2B5EF4-FFF2-40B4-BE49-F238E27FC236}">
-                <a16:creationId xmlns:a16="http://schemas.microsoft.com/office/drawing/2014/main" id="{1C09F81F-2C1B-6809-7BAC-927B1E5ACCB8}"/>
-              </a:ext>
-            </a:extLst>
-          </p:cNvPr>
-          <p:cNvSpPr txBox="1"/>
-          <p:nvPr/>
-        </p:nvSpPr>
-        <p:spPr>
-          <a:xfrm>
-            <a:off x="1435550" y="1410505"/>
-            <a:ext cx="3034850" cy="646331"/>
-          </a:xfrm>
-          <a:prstGeom prst="rect">
-            <a:avLst/>
-          </a:prstGeom>
-          <a:noFill/>
-        </p:spPr>
-        <p:txBody>
-          <a:bodyPr wrap="square">
-            <a:spAutoFit/>
-          </a:bodyPr>
-          <a:lstStyle/>
-          <a:p>
-            <a:r>
-              <a:rPr lang="en-US" dirty="0">
-                <a:solidFill>
-                  <a:srgbClr val="3F3C53"/>
-                </a:solidFill>
-                <a:latin typeface="SF Pro Text" pitchFamily="2" charset="0"/>
-                <a:ea typeface="SF Pro Text" pitchFamily="2" charset="0"/>
-                <a:cs typeface="SF Pro Text" pitchFamily="2" charset="0"/>
-              </a:rPr>
-              <a:t>Smart devices with full flagged operating system</a:t>
-            </a:r>
-            <a:endParaRPr lang="it-IT" dirty="0"/>
-          </a:p>
-        </p:txBody>
-      </p:sp>
-      <p:sp>
-        <p:nvSpPr>
-          <p:cNvPr id="6" name="CasellaDiTesto 5">
-            <a:extLst>
-              <a:ext uri="{FF2B5EF4-FFF2-40B4-BE49-F238E27FC236}">
-                <a16:creationId xmlns:a16="http://schemas.microsoft.com/office/drawing/2014/main" id="{47E0B106-54C4-9619-605F-AC17C7BAADE3}"/>
-              </a:ext>
-            </a:extLst>
-          </p:cNvPr>
-          <p:cNvSpPr txBox="1"/>
-          <p:nvPr/>
-        </p:nvSpPr>
-        <p:spPr>
-          <a:xfrm>
-            <a:off x="8604017" y="1270729"/>
-            <a:ext cx="2850723" cy="923330"/>
-          </a:xfrm>
-          <a:prstGeom prst="rect">
-            <a:avLst/>
-          </a:prstGeom>
-          <a:noFill/>
-        </p:spPr>
-        <p:txBody>
-          <a:bodyPr wrap="square">
-            <a:spAutoFit/>
-          </a:bodyPr>
-          <a:lstStyle/>
-          <a:p>
-            <a:r>
-              <a:rPr lang="en-US" dirty="0">
-                <a:solidFill>
-                  <a:srgbClr val="3F3C53"/>
-                </a:solidFill>
-                <a:latin typeface="SF Pro Text" pitchFamily="2" charset="0"/>
-                <a:ea typeface="SF Pro Text" pitchFamily="2" charset="0"/>
-                <a:cs typeface="SF Pro Text" pitchFamily="2" charset="0"/>
-              </a:rPr>
-              <a:t>Read sensor publication based on the location topic</a:t>
-            </a:r>
-            <a:endParaRPr lang="it-IT" dirty="0"/>
-          </a:p>
-        </p:txBody>
-      </p:sp>
-      <p:sp>
-        <p:nvSpPr>
-          <p:cNvPr id="7" name="CasellaDiTesto 6">
-            <a:extLst>
-              <a:ext uri="{FF2B5EF4-FFF2-40B4-BE49-F238E27FC236}">
-                <a16:creationId xmlns:a16="http://schemas.microsoft.com/office/drawing/2014/main" id="{5F977612-74A3-A8B8-36B3-8F90CDB3D516}"/>
-              </a:ext>
-            </a:extLst>
-          </p:cNvPr>
-          <p:cNvSpPr txBox="1"/>
-          <p:nvPr/>
-        </p:nvSpPr>
-        <p:spPr>
-          <a:xfrm>
-            <a:off x="1474749" y="4850715"/>
-            <a:ext cx="2850723" cy="923330"/>
-          </a:xfrm>
-          <a:prstGeom prst="rect">
-            <a:avLst/>
-          </a:prstGeom>
-          <a:noFill/>
-        </p:spPr>
-        <p:txBody>
-          <a:bodyPr wrap="square">
-            <a:spAutoFit/>
-          </a:bodyPr>
-          <a:lstStyle/>
-          <a:p>
-            <a:r>
-              <a:rPr lang="en-US" dirty="0">
-                <a:solidFill>
-                  <a:srgbClr val="3F3C53"/>
-                </a:solidFill>
-                <a:latin typeface="SF Pro Text" pitchFamily="2" charset="0"/>
-                <a:ea typeface="SF Pro Text" pitchFamily="2" charset="0"/>
-                <a:cs typeface="SF Pro Text" pitchFamily="2" charset="0"/>
-              </a:rPr>
-              <a:t>Contains the logic to perform operations based on received data </a:t>
-            </a:r>
-            <a:endParaRPr lang="it-IT" dirty="0"/>
-          </a:p>
-        </p:txBody>
-      </p:sp>
-      <p:sp>
-        <p:nvSpPr>
-          <p:cNvPr id="8" name="CasellaDiTesto 7">
-            <a:extLst>
-              <a:ext uri="{FF2B5EF4-FFF2-40B4-BE49-F238E27FC236}">
-                <a16:creationId xmlns:a16="http://schemas.microsoft.com/office/drawing/2014/main" id="{A584B77C-4893-FD20-0B39-42E90C01E4C8}"/>
-              </a:ext>
-            </a:extLst>
-          </p:cNvPr>
-          <p:cNvSpPr txBox="1"/>
-          <p:nvPr/>
-        </p:nvSpPr>
-        <p:spPr>
-          <a:xfrm>
-            <a:off x="8533732" y="4709174"/>
-            <a:ext cx="2850723" cy="1200329"/>
-          </a:xfrm>
-          <a:prstGeom prst="rect">
-            <a:avLst/>
-          </a:prstGeom>
-          <a:noFill/>
-        </p:spPr>
-        <p:txBody>
-          <a:bodyPr wrap="square">
-            <a:spAutoFit/>
-          </a:bodyPr>
-          <a:lstStyle/>
-          <a:p>
-            <a:r>
-              <a:rPr lang="en-US" dirty="0">
-                <a:solidFill>
-                  <a:srgbClr val="3F3C53"/>
-                </a:solidFill>
-                <a:latin typeface="SF Pro Text" pitchFamily="2" charset="0"/>
-                <a:ea typeface="SF Pro Text" pitchFamily="2" charset="0"/>
-                <a:cs typeface="SF Pro Text" pitchFamily="2" charset="0"/>
-              </a:rPr>
-              <a:t>Operations are simulated with a console print and a Telegram</a:t>
-            </a:r>
-          </a:p>
-          <a:p>
-            <a:r>
-              <a:rPr lang="en-US" dirty="0">
-                <a:solidFill>
-                  <a:srgbClr val="3F3C53"/>
-                </a:solidFill>
-                <a:latin typeface="SF Pro Text" pitchFamily="2" charset="0"/>
-                <a:ea typeface="SF Pro Text" pitchFamily="2" charset="0"/>
-                <a:cs typeface="SF Pro Text" pitchFamily="2" charset="0"/>
-              </a:rPr>
-              <a:t>notification</a:t>
-            </a:r>
-            <a:endParaRPr lang="it-IT" dirty="0"/>
-          </a:p>
-        </p:txBody>
-      </p:sp>
-      <p:pic>
-        <p:nvPicPr>
-          <p:cNvPr id="9" name="Elemento grafico 8">
-            <a:extLst>
-              <a:ext uri="{FF2B5EF4-FFF2-40B4-BE49-F238E27FC236}">
-                <a16:creationId xmlns:a16="http://schemas.microsoft.com/office/drawing/2014/main" id="{2DC3088A-60D6-C11F-96DF-118052EC7C16}"/>
-              </a:ext>
-            </a:extLst>
-          </p:cNvPr>
-          <p:cNvPicPr>
-            <a:picLocks noChangeAspect="1"/>
-          </p:cNvPicPr>
-          <p:nvPr/>
-        </p:nvPicPr>
-        <p:blipFill>
-          <a:blip r:embed="rId2">
-            <a:extLst>
-              <a:ext uri="{96DAC541-7B7A-43D3-8B79-37D633B846F1}">
-                <asvg:svgBlip xmlns:asvg="http://schemas.microsoft.com/office/drawing/2016/SVG/main" r:embed="rId3"/>
-              </a:ext>
-            </a:extLst>
-          </a:blip>
-          <a:stretch>
-            <a:fillRect/>
-          </a:stretch>
-        </p:blipFill>
-        <p:spPr>
-          <a:xfrm>
-            <a:off x="5883917" y="2883313"/>
-            <a:ext cx="1091371" cy="1091371"/>
-          </a:xfrm>
-          <a:prstGeom prst="rect">
-            <a:avLst/>
-          </a:prstGeom>
-        </p:spPr>
-      </p:pic>
-      <p:sp>
-        <p:nvSpPr>
-          <p:cNvPr id="11" name="Rettangolo con angoli arrotondati 10">
-            <a:extLst>
-              <a:ext uri="{FF2B5EF4-FFF2-40B4-BE49-F238E27FC236}">
-                <a16:creationId xmlns:a16="http://schemas.microsoft.com/office/drawing/2014/main" id="{32AEB671-16C0-E4CC-7464-7346C54C2CD9}"/>
-              </a:ext>
-            </a:extLst>
-          </p:cNvPr>
-          <p:cNvSpPr/>
-          <p:nvPr/>
-        </p:nvSpPr>
-        <p:spPr>
-          <a:xfrm>
-            <a:off x="4954044" y="1994982"/>
-            <a:ext cx="2951119" cy="2868035"/>
-          </a:xfrm>
-          <a:prstGeom prst="roundRect">
-            <a:avLst>
-              <a:gd name="adj" fmla="val 30571"/>
-            </a:avLst>
-          </a:prstGeom>
-          <a:noFill/>
-          <a:ln w="38100">
-            <a:solidFill>
-              <a:srgbClr val="3F3C53"/>
-            </a:solidFill>
-          </a:ln>
-        </p:spPr>
-        <p:style>
-          <a:lnRef idx="2">
-            <a:schemeClr val="accent1">
-              <a:shade val="50000"/>
-            </a:schemeClr>
-          </a:lnRef>
-          <a:fillRef idx="1">
-            <a:schemeClr val="accent1"/>
-          </a:fillRef>
-          <a:effectRef idx="0">
-            <a:schemeClr val="accent1"/>
-          </a:effectRef>
-          <a:fontRef idx="minor">
-            <a:schemeClr val="lt1"/>
-          </a:fontRef>
-        </p:style>
-        <p:txBody>
-          <a:bodyPr rtlCol="0" anchor="ctr"/>
-          <a:lstStyle/>
-          <a:p>
-            <a:pPr algn="ctr"/>
-            <a:endParaRPr lang="en-US"/>
-          </a:p>
-        </p:txBody>
-      </p:sp>
-      <p:sp>
-        <p:nvSpPr>
-          <p:cNvPr id="16" name="Ovale 15">
-            <a:extLst>
-              <a:ext uri="{FF2B5EF4-FFF2-40B4-BE49-F238E27FC236}">
-                <a16:creationId xmlns:a16="http://schemas.microsoft.com/office/drawing/2014/main" id="{5ACCD1DB-A90D-8B8A-BF9F-0B85677D6B6B}"/>
-              </a:ext>
-            </a:extLst>
-          </p:cNvPr>
-          <p:cNvSpPr/>
-          <p:nvPr/>
-        </p:nvSpPr>
-        <p:spPr>
-          <a:xfrm>
-            <a:off x="913357" y="922498"/>
-            <a:ext cx="646331" cy="646331"/>
-          </a:xfrm>
-          <a:prstGeom prst="ellipse">
-            <a:avLst/>
-          </a:prstGeom>
-          <a:solidFill>
-            <a:srgbClr val="3F51C3"/>
-          </a:solidFill>
-          <a:ln>
-            <a:noFill/>
-          </a:ln>
-        </p:spPr>
-        <p:style>
-          <a:lnRef idx="2">
-            <a:schemeClr val="accent1">
-              <a:shade val="50000"/>
-            </a:schemeClr>
-          </a:lnRef>
-          <a:fillRef idx="1">
-            <a:schemeClr val="accent1"/>
-          </a:fillRef>
-          <a:effectRef idx="0">
-            <a:schemeClr val="accent1"/>
-          </a:effectRef>
-          <a:fontRef idx="minor">
-            <a:schemeClr val="lt1"/>
-          </a:fontRef>
-        </p:style>
-        <p:txBody>
-          <a:bodyPr rtlCol="0" anchor="ctr"/>
-          <a:lstStyle/>
-          <a:p>
-            <a:pPr algn="ctr"/>
-            <a:endParaRPr lang="en-US"/>
-          </a:p>
-        </p:txBody>
-      </p:sp>
-      <p:sp>
-        <p:nvSpPr>
-          <p:cNvPr id="17" name="Ovale 16">
-            <a:extLst>
-              <a:ext uri="{FF2B5EF4-FFF2-40B4-BE49-F238E27FC236}">
-                <a16:creationId xmlns:a16="http://schemas.microsoft.com/office/drawing/2014/main" id="{29A34E43-3907-049E-64D1-5A592CE87440}"/>
-              </a:ext>
-            </a:extLst>
-          </p:cNvPr>
-          <p:cNvSpPr/>
-          <p:nvPr/>
-        </p:nvSpPr>
-        <p:spPr>
-          <a:xfrm>
-            <a:off x="913356" y="5645749"/>
-            <a:ext cx="646331" cy="646331"/>
-          </a:xfrm>
-          <a:prstGeom prst="ellipse">
-            <a:avLst/>
-          </a:prstGeom>
-          <a:solidFill>
-            <a:srgbClr val="3F51C3"/>
-          </a:solidFill>
-          <a:ln>
-            <a:noFill/>
-          </a:ln>
-        </p:spPr>
-        <p:style>
-          <a:lnRef idx="2">
-            <a:schemeClr val="accent1">
-              <a:shade val="50000"/>
-            </a:schemeClr>
-          </a:lnRef>
-          <a:fillRef idx="1">
-            <a:schemeClr val="accent1"/>
-          </a:fillRef>
-          <a:effectRef idx="0">
-            <a:schemeClr val="accent1"/>
-          </a:effectRef>
-          <a:fontRef idx="minor">
-            <a:schemeClr val="lt1"/>
-          </a:fontRef>
-        </p:style>
-        <p:txBody>
-          <a:bodyPr rtlCol="0" anchor="ctr"/>
-          <a:lstStyle/>
-          <a:p>
-            <a:pPr algn="ctr"/>
-            <a:endParaRPr lang="en-US"/>
-          </a:p>
-        </p:txBody>
-      </p:sp>
-      <p:sp>
-        <p:nvSpPr>
-          <p:cNvPr id="18" name="Ovale 17">
-            <a:extLst>
-              <a:ext uri="{FF2B5EF4-FFF2-40B4-BE49-F238E27FC236}">
-                <a16:creationId xmlns:a16="http://schemas.microsoft.com/office/drawing/2014/main" id="{35B779F7-0A44-1FA9-6195-29DE10B08BF7}"/>
-              </a:ext>
-            </a:extLst>
-          </p:cNvPr>
-          <p:cNvSpPr/>
-          <p:nvPr/>
-        </p:nvSpPr>
-        <p:spPr>
-          <a:xfrm>
-            <a:off x="11307816" y="5645749"/>
-            <a:ext cx="646331" cy="646331"/>
-          </a:xfrm>
-          <a:prstGeom prst="ellipse">
-            <a:avLst/>
-          </a:prstGeom>
-          <a:solidFill>
-            <a:srgbClr val="3F51C3"/>
-          </a:solidFill>
-          <a:ln>
-            <a:noFill/>
-          </a:ln>
-        </p:spPr>
-        <p:style>
-          <a:lnRef idx="2">
-            <a:schemeClr val="accent1">
-              <a:shade val="50000"/>
-            </a:schemeClr>
-          </a:lnRef>
-          <a:fillRef idx="1">
-            <a:schemeClr val="accent1"/>
-          </a:fillRef>
-          <a:effectRef idx="0">
-            <a:schemeClr val="accent1"/>
-          </a:effectRef>
-          <a:fontRef idx="minor">
-            <a:schemeClr val="lt1"/>
-          </a:fontRef>
-        </p:style>
-        <p:txBody>
-          <a:bodyPr rtlCol="0" anchor="ctr"/>
-          <a:lstStyle/>
-          <a:p>
-            <a:pPr algn="ctr"/>
-            <a:endParaRPr lang="en-US"/>
-          </a:p>
-        </p:txBody>
-      </p:sp>
-      <p:sp>
-        <p:nvSpPr>
-          <p:cNvPr id="19" name="Ovale 18">
-            <a:extLst>
-              <a:ext uri="{FF2B5EF4-FFF2-40B4-BE49-F238E27FC236}">
-                <a16:creationId xmlns:a16="http://schemas.microsoft.com/office/drawing/2014/main" id="{05BF79B6-886E-FBCB-B08B-01BAC2B45420}"/>
-              </a:ext>
-            </a:extLst>
-          </p:cNvPr>
-          <p:cNvSpPr/>
-          <p:nvPr/>
-        </p:nvSpPr>
-        <p:spPr>
-          <a:xfrm>
-            <a:off x="11307816" y="921223"/>
-            <a:ext cx="646331" cy="646331"/>
-          </a:xfrm>
-          <a:prstGeom prst="ellipse">
-            <a:avLst/>
-          </a:prstGeom>
-          <a:solidFill>
-            <a:srgbClr val="3F51C3"/>
-          </a:solidFill>
-          <a:ln>
-            <a:noFill/>
-          </a:ln>
-        </p:spPr>
-        <p:style>
-          <a:lnRef idx="2">
-            <a:schemeClr val="accent1">
-              <a:shade val="50000"/>
-            </a:schemeClr>
-          </a:lnRef>
-          <a:fillRef idx="1">
-            <a:schemeClr val="accent1"/>
-          </a:fillRef>
-          <a:effectRef idx="0">
-            <a:schemeClr val="accent1"/>
-          </a:effectRef>
-          <a:fontRef idx="minor">
-            <a:schemeClr val="lt1"/>
-          </a:fontRef>
-        </p:style>
-        <p:txBody>
-          <a:bodyPr rtlCol="0" anchor="ctr"/>
-          <a:lstStyle/>
-          <a:p>
-            <a:pPr algn="ctr"/>
-            <a:endParaRPr lang="en-US"/>
-          </a:p>
-        </p:txBody>
-      </p:sp>
-      <p:sp>
-        <p:nvSpPr>
-          <p:cNvPr id="20" name="CasellaDiTesto 19">
-            <a:extLst>
-              <a:ext uri="{FF2B5EF4-FFF2-40B4-BE49-F238E27FC236}">
-                <a16:creationId xmlns:a16="http://schemas.microsoft.com/office/drawing/2014/main" id="{C417B028-32D5-E975-A3B7-629869D07BE4}"/>
-              </a:ext>
-            </a:extLst>
-          </p:cNvPr>
-          <p:cNvSpPr txBox="1"/>
-          <p:nvPr/>
-        </p:nvSpPr>
-        <p:spPr>
-          <a:xfrm>
-            <a:off x="1040890" y="952000"/>
-            <a:ext cx="394660" cy="584775"/>
-          </a:xfrm>
-          <a:prstGeom prst="rect">
-            <a:avLst/>
-          </a:prstGeom>
-          <a:noFill/>
-        </p:spPr>
-        <p:txBody>
-          <a:bodyPr wrap="none" rtlCol="0">
-            <a:spAutoFit/>
-          </a:bodyPr>
-          <a:lstStyle/>
-          <a:p>
-            <a:r>
-              <a:rPr lang="it-IT" sz="3200" b="1" dirty="0">
-                <a:solidFill>
-                  <a:srgbClr val="FFFFFF"/>
-                </a:solidFill>
-                <a:latin typeface="SF Pro Text" pitchFamily="2" charset="0"/>
-                <a:ea typeface="SF Pro Text" pitchFamily="2" charset="0"/>
-                <a:cs typeface="SF Pro Text" pitchFamily="2" charset="0"/>
-              </a:rPr>
-              <a:t>1</a:t>
-            </a:r>
-            <a:endParaRPr lang="it-IT" sz="2000" b="1" dirty="0">
-              <a:solidFill>
-                <a:srgbClr val="FFFFFF"/>
-              </a:solidFill>
-              <a:latin typeface="SF Pro Text" pitchFamily="2" charset="0"/>
-              <a:ea typeface="SF Pro Text" pitchFamily="2" charset="0"/>
-              <a:cs typeface="SF Pro Text" pitchFamily="2" charset="0"/>
-            </a:endParaRPr>
-          </a:p>
-        </p:txBody>
-      </p:sp>
-      <p:sp>
-        <p:nvSpPr>
-          <p:cNvPr id="21" name="CasellaDiTesto 20">
-            <a:extLst>
-              <a:ext uri="{FF2B5EF4-FFF2-40B4-BE49-F238E27FC236}">
-                <a16:creationId xmlns:a16="http://schemas.microsoft.com/office/drawing/2014/main" id="{E040198A-9FD3-33DE-5154-2A75EE7527A8}"/>
-              </a:ext>
-            </a:extLst>
-          </p:cNvPr>
-          <p:cNvSpPr txBox="1"/>
-          <p:nvPr/>
-        </p:nvSpPr>
-        <p:spPr>
-          <a:xfrm>
-            <a:off x="11429185" y="926487"/>
-            <a:ext cx="449162" cy="584775"/>
-          </a:xfrm>
-          <a:prstGeom prst="rect">
-            <a:avLst/>
-          </a:prstGeom>
-          <a:noFill/>
-        </p:spPr>
-        <p:txBody>
-          <a:bodyPr wrap="none" rtlCol="0">
-            <a:spAutoFit/>
-          </a:bodyPr>
-          <a:lstStyle/>
-          <a:p>
-            <a:r>
-              <a:rPr lang="it-IT" sz="3200" b="1" dirty="0">
-                <a:solidFill>
-                  <a:srgbClr val="FFFFFF"/>
-                </a:solidFill>
-                <a:latin typeface="SF Pro Text" pitchFamily="2" charset="0"/>
-                <a:ea typeface="SF Pro Text" pitchFamily="2" charset="0"/>
-                <a:cs typeface="SF Pro Text" pitchFamily="2" charset="0"/>
-              </a:rPr>
-              <a:t>2</a:t>
-            </a:r>
-            <a:endParaRPr lang="it-IT" sz="2000" b="1" dirty="0">
-              <a:solidFill>
-                <a:srgbClr val="FFFFFF"/>
-              </a:solidFill>
-              <a:latin typeface="SF Pro Text" pitchFamily="2" charset="0"/>
-              <a:ea typeface="SF Pro Text" pitchFamily="2" charset="0"/>
-              <a:cs typeface="SF Pro Text" pitchFamily="2" charset="0"/>
-            </a:endParaRPr>
-          </a:p>
-        </p:txBody>
-      </p:sp>
-      <p:sp>
-        <p:nvSpPr>
-          <p:cNvPr id="22" name="CasellaDiTesto 21">
-            <a:extLst>
-              <a:ext uri="{FF2B5EF4-FFF2-40B4-BE49-F238E27FC236}">
-                <a16:creationId xmlns:a16="http://schemas.microsoft.com/office/drawing/2014/main" id="{FF4420EF-84B8-F769-E691-F6F6207B7960}"/>
-              </a:ext>
-            </a:extLst>
-          </p:cNvPr>
-          <p:cNvSpPr txBox="1"/>
-          <p:nvPr/>
-        </p:nvSpPr>
-        <p:spPr>
-          <a:xfrm>
-            <a:off x="1006121" y="5676526"/>
-            <a:ext cx="458780" cy="584775"/>
-          </a:xfrm>
-          <a:prstGeom prst="rect">
-            <a:avLst/>
-          </a:prstGeom>
-          <a:noFill/>
-        </p:spPr>
-        <p:txBody>
-          <a:bodyPr wrap="none" rtlCol="0">
-            <a:spAutoFit/>
-          </a:bodyPr>
-          <a:lstStyle/>
-          <a:p>
-            <a:r>
-              <a:rPr lang="it-IT" sz="3200" b="1" dirty="0">
-                <a:solidFill>
-                  <a:srgbClr val="FFFFFF"/>
-                </a:solidFill>
-                <a:latin typeface="SF Pro Text" pitchFamily="2" charset="0"/>
-                <a:ea typeface="SF Pro Text" pitchFamily="2" charset="0"/>
-                <a:cs typeface="SF Pro Text" pitchFamily="2" charset="0"/>
-              </a:rPr>
-              <a:t>3</a:t>
-            </a:r>
-            <a:endParaRPr lang="it-IT" sz="2000" b="1" dirty="0">
-              <a:solidFill>
-                <a:srgbClr val="FFFFFF"/>
-              </a:solidFill>
-              <a:latin typeface="SF Pro Text" pitchFamily="2" charset="0"/>
-              <a:ea typeface="SF Pro Text" pitchFamily="2" charset="0"/>
-              <a:cs typeface="SF Pro Text" pitchFamily="2" charset="0"/>
-            </a:endParaRPr>
-          </a:p>
-        </p:txBody>
-      </p:sp>
-      <p:sp>
-        <p:nvSpPr>
-          <p:cNvPr id="23" name="CasellaDiTesto 22">
-            <a:extLst>
-              <a:ext uri="{FF2B5EF4-FFF2-40B4-BE49-F238E27FC236}">
-                <a16:creationId xmlns:a16="http://schemas.microsoft.com/office/drawing/2014/main" id="{0C4C9457-9717-D57F-E18A-0B6FA771D4A8}"/>
-              </a:ext>
-            </a:extLst>
-          </p:cNvPr>
-          <p:cNvSpPr txBox="1"/>
-          <p:nvPr/>
-        </p:nvSpPr>
-        <p:spPr>
-          <a:xfrm>
-            <a:off x="11406400" y="5676525"/>
-            <a:ext cx="466794" cy="584775"/>
-          </a:xfrm>
-          <a:prstGeom prst="rect">
-            <a:avLst/>
-          </a:prstGeom>
-          <a:noFill/>
-        </p:spPr>
-        <p:txBody>
-          <a:bodyPr wrap="none" rtlCol="0">
-            <a:spAutoFit/>
-          </a:bodyPr>
-          <a:lstStyle/>
-          <a:p>
-            <a:r>
-              <a:rPr lang="it-IT" sz="3200" b="1" dirty="0">
-                <a:solidFill>
-                  <a:srgbClr val="FFFFFF"/>
-                </a:solidFill>
-                <a:latin typeface="SF Pro Text" pitchFamily="2" charset="0"/>
-                <a:ea typeface="SF Pro Text" pitchFamily="2" charset="0"/>
-                <a:cs typeface="SF Pro Text" pitchFamily="2" charset="0"/>
-              </a:rPr>
-              <a:t>4</a:t>
-            </a:r>
-            <a:endParaRPr lang="it-IT" sz="2000" b="1" dirty="0">
-              <a:solidFill>
-                <a:srgbClr val="FFFFFF"/>
-              </a:solidFill>
-              <a:latin typeface="SF Pro Text" pitchFamily="2" charset="0"/>
-              <a:ea typeface="SF Pro Text" pitchFamily="2" charset="0"/>
-              <a:cs typeface="SF Pro Text" pitchFamily="2" charset="0"/>
-            </a:endParaRPr>
-          </a:p>
-        </p:txBody>
-      </p:sp>
-    </p:spTree>
-    <p:extLst>
-      <p:ext uri="{BB962C8B-B14F-4D97-AF65-F5344CB8AC3E}">
-        <p14:creationId xmlns:p14="http://schemas.microsoft.com/office/powerpoint/2010/main" val="2186821990"/>
       </p:ext>
     </p:extLst>
   </p:cSld>

--- a/Presentation/MTDS_Presentation.pptx
+++ b/Presentation/MTDS_Presentation.pptx
@@ -14,8 +14,8 @@
     <p:sldId id="260" r:id="rId5"/>
     <p:sldId id="268" r:id="rId6"/>
     <p:sldId id="263" r:id="rId7"/>
-    <p:sldId id="264" r:id="rId8"/>
-    <p:sldId id="265" r:id="rId9"/>
+    <p:sldId id="265" r:id="rId8"/>
+    <p:sldId id="264" r:id="rId9"/>
     <p:sldId id="266" r:id="rId10"/>
     <p:sldId id="267" r:id="rId11"/>
     <p:sldId id="262" r:id="rId12"/>
@@ -7153,7 +7153,7 @@
           <p:cNvPr id="2" name="Segnaposto numero diapositiva 1">
             <a:extLst>
               <a:ext uri="{FF2B5EF4-FFF2-40B4-BE49-F238E27FC236}">
-                <a16:creationId xmlns:a16="http://schemas.microsoft.com/office/drawing/2014/main" id="{A377DAF4-AB89-6CF0-0E08-95E402492507}"/>
+                <a16:creationId xmlns:a16="http://schemas.microsoft.com/office/drawing/2014/main" id="{01303757-A3B3-190E-86DC-9302C028F931}"/>
               </a:ext>
             </a:extLst>
           </p:cNvPr>
@@ -7183,7 +7183,7 @@
           <p:cNvPr id="3" name="Titolo 2">
             <a:extLst>
               <a:ext uri="{FF2B5EF4-FFF2-40B4-BE49-F238E27FC236}">
-                <a16:creationId xmlns:a16="http://schemas.microsoft.com/office/drawing/2014/main" id="{89844C63-5E62-8A51-AE34-813263A4B823}"/>
+                <a16:creationId xmlns:a16="http://schemas.microsoft.com/office/drawing/2014/main" id="{A0706494-7128-994E-63F3-7ECC216074E2}"/>
               </a:ext>
             </a:extLst>
           </p:cNvPr>
@@ -7200,82 +7200,23 @@
           <a:lstStyle/>
           <a:p>
             <a:r>
+              <a:rPr lang="it-IT" dirty="0"/>
+              <a:t>MQTT </a:t>
+            </a:r>
+            <a:r>
               <a:rPr lang="it-IT" dirty="0" err="1"/>
-              <a:t>Node</a:t>
-            </a:r>
-            <a:r>
-              <a:rPr lang="it-IT" dirty="0"/>
-              <a:t>-Red Flows</a:t>
-            </a:r>
-          </a:p>
-        </p:txBody>
-      </p:sp>
-      <p:pic>
-        <p:nvPicPr>
-          <p:cNvPr id="5" name="Immagine 4">
-            <a:extLst>
-              <a:ext uri="{FF2B5EF4-FFF2-40B4-BE49-F238E27FC236}">
-                <a16:creationId xmlns:a16="http://schemas.microsoft.com/office/drawing/2014/main" id="{E3C54A2E-5985-814F-CA05-69D04C475D7F}"/>
-              </a:ext>
-            </a:extLst>
-          </p:cNvPr>
-          <p:cNvPicPr>
-            <a:picLocks noChangeAspect="1"/>
-          </p:cNvPicPr>
-          <p:nvPr/>
-        </p:nvPicPr>
-        <p:blipFill>
-          <a:blip r:embed="rId2"/>
-          <a:stretch>
-            <a:fillRect/>
-          </a:stretch>
-        </p:blipFill>
-        <p:spPr>
-          <a:xfrm>
-            <a:off x="844417" y="4347570"/>
-            <a:ext cx="10978727" cy="895103"/>
-          </a:xfrm>
-          <a:prstGeom prst="rect">
-            <a:avLst/>
-          </a:prstGeom>
-        </p:spPr>
-      </p:pic>
-      <p:pic>
-        <p:nvPicPr>
-          <p:cNvPr id="7" name="Immagine 6">
-            <a:extLst>
-              <a:ext uri="{FF2B5EF4-FFF2-40B4-BE49-F238E27FC236}">
-                <a16:creationId xmlns:a16="http://schemas.microsoft.com/office/drawing/2014/main" id="{D3C9F9BA-14A0-A5DC-B008-2E75F4D91BB4}"/>
-              </a:ext>
-            </a:extLst>
-          </p:cNvPr>
-          <p:cNvPicPr>
-            <a:picLocks noChangeAspect="1"/>
-          </p:cNvPicPr>
-          <p:nvPr/>
-        </p:nvPicPr>
-        <p:blipFill>
-          <a:blip r:embed="rId3"/>
-          <a:stretch>
-            <a:fillRect/>
-          </a:stretch>
-        </p:blipFill>
-        <p:spPr>
-          <a:xfrm>
-            <a:off x="817624" y="1935549"/>
-            <a:ext cx="11032312" cy="620256"/>
-          </a:xfrm>
-          <a:prstGeom prst="rect">
-            <a:avLst/>
-          </a:prstGeom>
-        </p:spPr>
-      </p:pic>
-      <p:sp>
-        <p:nvSpPr>
-          <p:cNvPr id="9" name="CasellaDiTesto 8">
-            <a:extLst>
-              <a:ext uri="{FF2B5EF4-FFF2-40B4-BE49-F238E27FC236}">
-                <a16:creationId xmlns:a16="http://schemas.microsoft.com/office/drawing/2014/main" id="{CB1D75F4-4092-F10D-8F0C-9C961966DB16}"/>
+              <a:t>Topics</a:t>
+            </a:r>
+            <a:endParaRPr lang="it-IT" dirty="0"/>
+          </a:p>
+        </p:txBody>
+      </p:sp>
+      <p:sp>
+        <p:nvSpPr>
+          <p:cNvPr id="4" name="CasellaDiTesto 3">
+            <a:extLst>
+              <a:ext uri="{FF2B5EF4-FFF2-40B4-BE49-F238E27FC236}">
+                <a16:creationId xmlns:a16="http://schemas.microsoft.com/office/drawing/2014/main" id="{93D3FD20-1DD5-75C9-C4DE-F67F9B314BCF}"/>
               </a:ext>
             </a:extLst>
           </p:cNvPr>
@@ -7284,8 +7225,8 @@
         </p:nvSpPr>
         <p:spPr>
           <a:xfrm>
-            <a:off x="3046971" y="1099460"/>
-            <a:ext cx="6098058" cy="400110"/>
+            <a:off x="601265" y="1148887"/>
+            <a:ext cx="1684735" cy="400110"/>
           </a:xfrm>
           <a:prstGeom prst="rect">
             <a:avLst/>
@@ -7298,7 +7239,6 @@
           </a:bodyPr>
           <a:lstStyle/>
           <a:p>
-            <a:pPr algn="ctr"/>
             <a:r>
               <a:rPr lang="it-IT" sz="2000" b="1" dirty="0">
                 <a:solidFill>
@@ -7308,7 +7248,7 @@
                 <a:ea typeface="SF Pro Text" pitchFamily="2" charset="0"/>
                 <a:cs typeface="SF Pro Text" pitchFamily="2" charset="0"/>
               </a:rPr>
-              <a:t>Sensor </a:t>
+              <a:t>Base </a:t>
             </a:r>
             <a:r>
               <a:rPr lang="it-IT" sz="2000" b="1" dirty="0" err="1">
@@ -7319,11 +7259,1010 @@
                 <a:ea typeface="SF Pro Text" pitchFamily="2" charset="0"/>
                 <a:cs typeface="SF Pro Text" pitchFamily="2" charset="0"/>
               </a:rPr>
-              <a:t>configurator</a:t>
-            </a:r>
-            <a:endParaRPr lang="it-IT" sz="2000" b="1" dirty="0">
+              <a:t>topic</a:t>
+            </a:r>
+            <a:r>
+              <a:rPr lang="it-IT" sz="2000" b="1" dirty="0">
+                <a:solidFill>
+                  <a:srgbClr val="3F51C3"/>
+                </a:solidFill>
+                <a:latin typeface="SF Pro Text" pitchFamily="2" charset="0"/>
+                <a:ea typeface="SF Pro Text" pitchFamily="2" charset="0"/>
+                <a:cs typeface="SF Pro Text" pitchFamily="2" charset="0"/>
+              </a:rPr>
+              <a:t>:</a:t>
+            </a:r>
+            <a:endParaRPr lang="it-IT" sz="2000" dirty="0"/>
+          </a:p>
+        </p:txBody>
+      </p:sp>
+      <p:sp>
+        <p:nvSpPr>
+          <p:cNvPr id="6" name="CasellaDiTesto 5">
+            <a:extLst>
+              <a:ext uri="{FF2B5EF4-FFF2-40B4-BE49-F238E27FC236}">
+                <a16:creationId xmlns:a16="http://schemas.microsoft.com/office/drawing/2014/main" id="{4C66AE55-88B3-E620-60B6-C43BCE2F71E5}"/>
+              </a:ext>
+            </a:extLst>
+          </p:cNvPr>
+          <p:cNvSpPr txBox="1"/>
+          <p:nvPr/>
+        </p:nvSpPr>
+        <p:spPr>
+          <a:xfrm>
+            <a:off x="3543300" y="1148887"/>
+            <a:ext cx="2165521" cy="400110"/>
+          </a:xfrm>
+          <a:prstGeom prst="rect">
+            <a:avLst/>
+          </a:prstGeom>
+          <a:noFill/>
+        </p:spPr>
+        <p:txBody>
+          <a:bodyPr wrap="square">
+            <a:spAutoFit/>
+          </a:bodyPr>
+          <a:lstStyle/>
+          <a:p>
+            <a:r>
+              <a:rPr lang="en-US" sz="2000" b="1" dirty="0" err="1">
+                <a:solidFill>
+                  <a:srgbClr val="3F3C53"/>
+                </a:solidFill>
+                <a:latin typeface="SF Pro Text" pitchFamily="2" charset="0"/>
+                <a:ea typeface="SF Pro Text" pitchFamily="2" charset="0"/>
+                <a:cs typeface="SF Pro Text" pitchFamily="2" charset="0"/>
+              </a:rPr>
+              <a:t>mtds</a:t>
+            </a:r>
+            <a:r>
+              <a:rPr lang="en-US" sz="2000" b="1" dirty="0">
+                <a:solidFill>
+                  <a:srgbClr val="3F3C53"/>
+                </a:solidFill>
+                <a:latin typeface="SF Pro Text" pitchFamily="2" charset="0"/>
+                <a:ea typeface="SF Pro Text" pitchFamily="2" charset="0"/>
+                <a:cs typeface="SF Pro Text" pitchFamily="2" charset="0"/>
+              </a:rPr>
+              <a:t>/sensor/</a:t>
+            </a:r>
+            <a:endParaRPr lang="it-IT" sz="2000" b="1" dirty="0"/>
+          </a:p>
+        </p:txBody>
+      </p:sp>
+      <p:sp>
+        <p:nvSpPr>
+          <p:cNvPr id="7" name="CasellaDiTesto 6">
+            <a:extLst>
+              <a:ext uri="{FF2B5EF4-FFF2-40B4-BE49-F238E27FC236}">
+                <a16:creationId xmlns:a16="http://schemas.microsoft.com/office/drawing/2014/main" id="{3638F7D6-59D5-78B8-6A31-D832D5915E04}"/>
+              </a:ext>
+            </a:extLst>
+          </p:cNvPr>
+          <p:cNvSpPr txBox="1"/>
+          <p:nvPr/>
+        </p:nvSpPr>
+        <p:spPr>
+          <a:xfrm>
+            <a:off x="601265" y="2028906"/>
+            <a:ext cx="2784486" cy="400110"/>
+          </a:xfrm>
+          <a:prstGeom prst="rect">
+            <a:avLst/>
+          </a:prstGeom>
+          <a:noFill/>
+        </p:spPr>
+        <p:txBody>
+          <a:bodyPr wrap="square">
+            <a:spAutoFit/>
+          </a:bodyPr>
+          <a:lstStyle/>
+          <a:p>
+            <a:r>
+              <a:rPr lang="it-IT" sz="2000" b="1" dirty="0" err="1">
+                <a:solidFill>
+                  <a:srgbClr val="3F51C3"/>
+                </a:solidFill>
+                <a:latin typeface="SF Pro Text" pitchFamily="2" charset="0"/>
+                <a:ea typeface="SF Pro Text" pitchFamily="2" charset="0"/>
+                <a:cs typeface="SF Pro Text" pitchFamily="2" charset="0"/>
+              </a:rPr>
+              <a:t>Configuration</a:t>
+            </a:r>
+            <a:r>
+              <a:rPr lang="it-IT" sz="2000" b="1" dirty="0">
+                <a:solidFill>
+                  <a:srgbClr val="3F51C3"/>
+                </a:solidFill>
+                <a:latin typeface="SF Pro Text" pitchFamily="2" charset="0"/>
+                <a:ea typeface="SF Pro Text" pitchFamily="2" charset="0"/>
+                <a:cs typeface="SF Pro Text" pitchFamily="2" charset="0"/>
+              </a:rPr>
+              <a:t> </a:t>
+            </a:r>
+            <a:r>
+              <a:rPr lang="it-IT" sz="2000" b="1" dirty="0" err="1">
+                <a:solidFill>
+                  <a:srgbClr val="3F51C3"/>
+                </a:solidFill>
+                <a:latin typeface="SF Pro Text" pitchFamily="2" charset="0"/>
+                <a:ea typeface="SF Pro Text" pitchFamily="2" charset="0"/>
+                <a:cs typeface="SF Pro Text" pitchFamily="2" charset="0"/>
+              </a:rPr>
+              <a:t>topic</a:t>
+            </a:r>
+            <a:r>
+              <a:rPr lang="it-IT" sz="2000" b="1" dirty="0">
+                <a:solidFill>
+                  <a:srgbClr val="3F51C3"/>
+                </a:solidFill>
+                <a:latin typeface="SF Pro Text" pitchFamily="2" charset="0"/>
+                <a:ea typeface="SF Pro Text" pitchFamily="2" charset="0"/>
+                <a:cs typeface="SF Pro Text" pitchFamily="2" charset="0"/>
+              </a:rPr>
+              <a:t>:</a:t>
+            </a:r>
+            <a:endParaRPr lang="it-IT" sz="2000" dirty="0"/>
+          </a:p>
+        </p:txBody>
+      </p:sp>
+      <p:sp>
+        <p:nvSpPr>
+          <p:cNvPr id="8" name="CasellaDiTesto 7">
+            <a:extLst>
+              <a:ext uri="{FF2B5EF4-FFF2-40B4-BE49-F238E27FC236}">
+                <a16:creationId xmlns:a16="http://schemas.microsoft.com/office/drawing/2014/main" id="{B6AF9DFA-386F-C21D-8698-FE07714C426E}"/>
+              </a:ext>
+            </a:extLst>
+          </p:cNvPr>
+          <p:cNvSpPr txBox="1"/>
+          <p:nvPr/>
+        </p:nvSpPr>
+        <p:spPr>
+          <a:xfrm>
+            <a:off x="3543301" y="2028906"/>
+            <a:ext cx="2784486" cy="400110"/>
+          </a:xfrm>
+          <a:prstGeom prst="rect">
+            <a:avLst/>
+          </a:prstGeom>
+          <a:noFill/>
+        </p:spPr>
+        <p:txBody>
+          <a:bodyPr wrap="square">
+            <a:spAutoFit/>
+          </a:bodyPr>
+          <a:lstStyle/>
+          <a:p>
+            <a:r>
+              <a:rPr lang="en-US" sz="2000" b="1" dirty="0">
+                <a:solidFill>
+                  <a:srgbClr val="3F3C53"/>
+                </a:solidFill>
+                <a:latin typeface="SF Pro Text" pitchFamily="2" charset="0"/>
+                <a:ea typeface="SF Pro Text" pitchFamily="2" charset="0"/>
+                <a:cs typeface="SF Pro Text" pitchFamily="2" charset="0"/>
+              </a:rPr>
+              <a:t>config/{{</a:t>
+            </a:r>
+            <a:r>
+              <a:rPr lang="en-US" sz="2000" b="1" dirty="0" err="1">
+                <a:solidFill>
+                  <a:srgbClr val="3F3C53"/>
+                </a:solidFill>
+                <a:latin typeface="SF Pro Text" pitchFamily="2" charset="0"/>
+                <a:ea typeface="SF Pro Text" pitchFamily="2" charset="0"/>
+                <a:cs typeface="SF Pro Text" pitchFamily="2" charset="0"/>
+              </a:rPr>
+              <a:t>sensor_id</a:t>
+            </a:r>
+            <a:r>
+              <a:rPr lang="en-US" sz="2000" b="1" dirty="0">
+                <a:solidFill>
+                  <a:srgbClr val="3F3C53"/>
+                </a:solidFill>
+                <a:latin typeface="SF Pro Text" pitchFamily="2" charset="0"/>
+                <a:ea typeface="SF Pro Text" pitchFamily="2" charset="0"/>
+                <a:cs typeface="SF Pro Text" pitchFamily="2" charset="0"/>
+              </a:rPr>
+              <a:t>}}</a:t>
+            </a:r>
+            <a:endParaRPr lang="it-IT" sz="2000" b="1" dirty="0"/>
+          </a:p>
+        </p:txBody>
+      </p:sp>
+      <p:sp>
+        <p:nvSpPr>
+          <p:cNvPr id="9" name="CasellaDiTesto 8">
+            <a:extLst>
+              <a:ext uri="{FF2B5EF4-FFF2-40B4-BE49-F238E27FC236}">
+                <a16:creationId xmlns:a16="http://schemas.microsoft.com/office/drawing/2014/main" id="{DDBD09EC-CD26-3A46-3521-EC714BDF6466}"/>
+              </a:ext>
+            </a:extLst>
+          </p:cNvPr>
+          <p:cNvSpPr txBox="1"/>
+          <p:nvPr/>
+        </p:nvSpPr>
+        <p:spPr>
+          <a:xfrm>
+            <a:off x="6949744" y="2059684"/>
+            <a:ext cx="4640991" cy="338554"/>
+          </a:xfrm>
+          <a:prstGeom prst="rect">
+            <a:avLst/>
+          </a:prstGeom>
+          <a:noFill/>
+        </p:spPr>
+        <p:txBody>
+          <a:bodyPr wrap="square">
+            <a:spAutoFit/>
+          </a:bodyPr>
+          <a:lstStyle/>
+          <a:p>
+            <a:r>
+              <a:rPr lang="en-US" sz="1600" dirty="0">
+                <a:solidFill>
+                  <a:srgbClr val="3F3C53"/>
+                </a:solidFill>
+                <a:latin typeface="SF Pro Text" pitchFamily="2" charset="0"/>
+                <a:ea typeface="SF Pro Text" pitchFamily="2" charset="0"/>
+                <a:cs typeface="SF Pro Text" pitchFamily="2" charset="0"/>
+              </a:rPr>
+              <a:t>Ex: </a:t>
+            </a:r>
+            <a:r>
+              <a:rPr lang="en-US" sz="1600" dirty="0" err="1">
+                <a:solidFill>
+                  <a:srgbClr val="3F3C53"/>
+                </a:solidFill>
+                <a:latin typeface="SF Pro Text" pitchFamily="2" charset="0"/>
+                <a:ea typeface="SF Pro Text" pitchFamily="2" charset="0"/>
+                <a:cs typeface="SF Pro Text" pitchFamily="2" charset="0"/>
+              </a:rPr>
+              <a:t>mtds</a:t>
+            </a:r>
+            <a:r>
+              <a:rPr lang="en-US" sz="1600" dirty="0">
+                <a:solidFill>
+                  <a:srgbClr val="3F3C53"/>
+                </a:solidFill>
+                <a:latin typeface="SF Pro Text" pitchFamily="2" charset="0"/>
+                <a:ea typeface="SF Pro Text" pitchFamily="2" charset="0"/>
+                <a:cs typeface="SF Pro Text" pitchFamily="2" charset="0"/>
+              </a:rPr>
+              <a:t>/sensor/config</a:t>
+            </a:r>
+            <a:r>
+              <a:rPr lang="en-US" sz="1600">
+                <a:solidFill>
+                  <a:srgbClr val="3F3C53"/>
+                </a:solidFill>
+                <a:latin typeface="SF Pro Text" pitchFamily="2" charset="0"/>
+                <a:ea typeface="SF Pro Text" pitchFamily="2" charset="0"/>
+                <a:cs typeface="SF Pro Text" pitchFamily="2" charset="0"/>
+              </a:rPr>
+              <a:t>/mtdssens_</a:t>
+            </a:r>
+            <a:r>
+              <a:rPr lang="en-US" sz="1600" dirty="0">
+                <a:solidFill>
+                  <a:srgbClr val="3F3C53"/>
+                </a:solidFill>
+                <a:latin typeface="SF Pro Text" pitchFamily="2" charset="0"/>
+                <a:ea typeface="SF Pro Text" pitchFamily="2" charset="0"/>
+                <a:cs typeface="SF Pro Text" pitchFamily="2" charset="0"/>
+              </a:rPr>
+              <a:t>0002</a:t>
+            </a:r>
+            <a:endParaRPr lang="it-IT" sz="1600" dirty="0"/>
+          </a:p>
+        </p:txBody>
+      </p:sp>
+      <p:sp>
+        <p:nvSpPr>
+          <p:cNvPr id="10" name="CasellaDiTesto 9">
+            <a:extLst>
+              <a:ext uri="{FF2B5EF4-FFF2-40B4-BE49-F238E27FC236}">
+                <a16:creationId xmlns:a16="http://schemas.microsoft.com/office/drawing/2014/main" id="{61D44AFD-D57E-29AA-877A-9C5848869FCB}"/>
+              </a:ext>
+            </a:extLst>
+          </p:cNvPr>
+          <p:cNvSpPr txBox="1"/>
+          <p:nvPr/>
+        </p:nvSpPr>
+        <p:spPr>
+          <a:xfrm>
+            <a:off x="601265" y="2908925"/>
+            <a:ext cx="2784486" cy="400110"/>
+          </a:xfrm>
+          <a:prstGeom prst="rect">
+            <a:avLst/>
+          </a:prstGeom>
+          <a:noFill/>
+        </p:spPr>
+        <p:txBody>
+          <a:bodyPr wrap="square">
+            <a:spAutoFit/>
+          </a:bodyPr>
+          <a:lstStyle/>
+          <a:p>
+            <a:r>
+              <a:rPr lang="it-IT" sz="2000" b="1" dirty="0" err="1">
+                <a:solidFill>
+                  <a:srgbClr val="3F51C3"/>
+                </a:solidFill>
+                <a:latin typeface="SF Pro Text" pitchFamily="2" charset="0"/>
+                <a:ea typeface="SF Pro Text" pitchFamily="2" charset="0"/>
+                <a:cs typeface="SF Pro Text" pitchFamily="2" charset="0"/>
+              </a:rPr>
+              <a:t>Publication</a:t>
+            </a:r>
+            <a:r>
+              <a:rPr lang="it-IT" sz="2000" b="1" dirty="0">
+                <a:solidFill>
+                  <a:srgbClr val="3F51C3"/>
+                </a:solidFill>
+                <a:latin typeface="SF Pro Text" pitchFamily="2" charset="0"/>
+                <a:ea typeface="SF Pro Text" pitchFamily="2" charset="0"/>
+                <a:cs typeface="SF Pro Text" pitchFamily="2" charset="0"/>
+              </a:rPr>
+              <a:t> </a:t>
+            </a:r>
+            <a:r>
+              <a:rPr lang="it-IT" sz="2000" b="1" dirty="0" err="1">
+                <a:solidFill>
+                  <a:srgbClr val="3F51C3"/>
+                </a:solidFill>
+                <a:latin typeface="SF Pro Text" pitchFamily="2" charset="0"/>
+                <a:ea typeface="SF Pro Text" pitchFamily="2" charset="0"/>
+                <a:cs typeface="SF Pro Text" pitchFamily="2" charset="0"/>
+              </a:rPr>
+              <a:t>topic</a:t>
+            </a:r>
+            <a:r>
+              <a:rPr lang="it-IT" sz="2000" b="1" dirty="0">
+                <a:solidFill>
+                  <a:srgbClr val="3F51C3"/>
+                </a:solidFill>
+                <a:latin typeface="SF Pro Text" pitchFamily="2" charset="0"/>
+                <a:ea typeface="SF Pro Text" pitchFamily="2" charset="0"/>
+                <a:cs typeface="SF Pro Text" pitchFamily="2" charset="0"/>
+              </a:rPr>
+              <a:t>:</a:t>
+            </a:r>
+            <a:endParaRPr lang="it-IT" sz="2000" dirty="0"/>
+          </a:p>
+        </p:txBody>
+      </p:sp>
+      <p:sp>
+        <p:nvSpPr>
+          <p:cNvPr id="11" name="CasellaDiTesto 10">
+            <a:extLst>
+              <a:ext uri="{FF2B5EF4-FFF2-40B4-BE49-F238E27FC236}">
+                <a16:creationId xmlns:a16="http://schemas.microsoft.com/office/drawing/2014/main" id="{DA86A821-A3C0-0CC8-A0B6-32A036CB53A8}"/>
+              </a:ext>
+            </a:extLst>
+          </p:cNvPr>
+          <p:cNvSpPr txBox="1"/>
+          <p:nvPr/>
+        </p:nvSpPr>
+        <p:spPr>
+          <a:xfrm>
+            <a:off x="3543301" y="2908925"/>
+            <a:ext cx="2784486" cy="400110"/>
+          </a:xfrm>
+          <a:prstGeom prst="rect">
+            <a:avLst/>
+          </a:prstGeom>
+          <a:noFill/>
+        </p:spPr>
+        <p:txBody>
+          <a:bodyPr wrap="square">
+            <a:spAutoFit/>
+          </a:bodyPr>
+          <a:lstStyle/>
+          <a:p>
+            <a:r>
+              <a:rPr lang="en-US" sz="2000" b="1" dirty="0">
+                <a:solidFill>
+                  <a:srgbClr val="3F3C53"/>
+                </a:solidFill>
+                <a:latin typeface="SF Pro Text" pitchFamily="2" charset="0"/>
+                <a:ea typeface="SF Pro Text" pitchFamily="2" charset="0"/>
+                <a:cs typeface="SF Pro Text" pitchFamily="2" charset="0"/>
+              </a:rPr>
+              <a:t>data/A/B/C/D</a:t>
+            </a:r>
+            <a:endParaRPr lang="it-IT" sz="2000" b="1" dirty="0"/>
+          </a:p>
+        </p:txBody>
+      </p:sp>
+      <p:sp>
+        <p:nvSpPr>
+          <p:cNvPr id="12" name="CasellaDiTesto 11">
+            <a:extLst>
+              <a:ext uri="{FF2B5EF4-FFF2-40B4-BE49-F238E27FC236}">
+                <a16:creationId xmlns:a16="http://schemas.microsoft.com/office/drawing/2014/main" id="{43F58E7F-0F30-9FCB-ECE9-3F4AA4F1B629}"/>
+              </a:ext>
+            </a:extLst>
+          </p:cNvPr>
+          <p:cNvSpPr txBox="1"/>
+          <p:nvPr/>
+        </p:nvSpPr>
+        <p:spPr>
+          <a:xfrm>
+            <a:off x="6949743" y="2939703"/>
+            <a:ext cx="4640991" cy="338554"/>
+          </a:xfrm>
+          <a:prstGeom prst="rect">
+            <a:avLst/>
+          </a:prstGeom>
+          <a:noFill/>
+        </p:spPr>
+        <p:txBody>
+          <a:bodyPr wrap="square">
+            <a:spAutoFit/>
+          </a:bodyPr>
+          <a:lstStyle/>
+          <a:p>
+            <a:r>
+              <a:rPr lang="en-US" sz="1600" dirty="0">
+                <a:solidFill>
+                  <a:srgbClr val="3F3C53"/>
+                </a:solidFill>
+                <a:latin typeface="SF Pro Text" pitchFamily="2" charset="0"/>
+                <a:ea typeface="SF Pro Text" pitchFamily="2" charset="0"/>
+                <a:cs typeface="SF Pro Text" pitchFamily="2" charset="0"/>
+              </a:rPr>
+              <a:t>Ex: </a:t>
+            </a:r>
+            <a:r>
+              <a:rPr lang="en-US" sz="1600" dirty="0" err="1">
+                <a:solidFill>
+                  <a:srgbClr val="3F3C53"/>
+                </a:solidFill>
+                <a:latin typeface="SF Pro Text" pitchFamily="2" charset="0"/>
+                <a:ea typeface="SF Pro Text" pitchFamily="2" charset="0"/>
+                <a:cs typeface="SF Pro Text" pitchFamily="2" charset="0"/>
+              </a:rPr>
+              <a:t>mtds</a:t>
+            </a:r>
+            <a:r>
+              <a:rPr lang="en-US" sz="1600" dirty="0">
+                <a:solidFill>
+                  <a:srgbClr val="3F3C53"/>
+                </a:solidFill>
+                <a:latin typeface="SF Pro Text" pitchFamily="2" charset="0"/>
+                <a:ea typeface="SF Pro Text" pitchFamily="2" charset="0"/>
+                <a:cs typeface="SF Pro Text" pitchFamily="2" charset="0"/>
+              </a:rPr>
+              <a:t>/sensor/data/A/0/S/1</a:t>
+            </a:r>
+            <a:endParaRPr lang="it-IT" sz="1600" dirty="0"/>
+          </a:p>
+        </p:txBody>
+      </p:sp>
+      <p:sp>
+        <p:nvSpPr>
+          <p:cNvPr id="13" name="CasellaDiTesto 12">
+            <a:extLst>
+              <a:ext uri="{FF2B5EF4-FFF2-40B4-BE49-F238E27FC236}">
+                <a16:creationId xmlns:a16="http://schemas.microsoft.com/office/drawing/2014/main" id="{18825DFF-CD32-94D0-E181-EAD1761DA953}"/>
+              </a:ext>
+            </a:extLst>
+          </p:cNvPr>
+          <p:cNvSpPr txBox="1"/>
+          <p:nvPr/>
+        </p:nvSpPr>
+        <p:spPr>
+          <a:xfrm>
+            <a:off x="2891481" y="4464467"/>
+            <a:ext cx="1813870" cy="369332"/>
+          </a:xfrm>
+          <a:prstGeom prst="rect">
+            <a:avLst/>
+          </a:prstGeom>
+          <a:noFill/>
+        </p:spPr>
+        <p:txBody>
+          <a:bodyPr wrap="square">
+            <a:spAutoFit/>
+          </a:bodyPr>
+          <a:lstStyle/>
+          <a:p>
+            <a:r>
+              <a:rPr lang="en-US" dirty="0">
+                <a:solidFill>
+                  <a:srgbClr val="3F3C53"/>
+                </a:solidFill>
+                <a:latin typeface="SF Pro Text" pitchFamily="2" charset="0"/>
+                <a:ea typeface="SF Pro Text" pitchFamily="2" charset="0"/>
+                <a:cs typeface="SF Pro Text" pitchFamily="2" charset="0"/>
+              </a:rPr>
+              <a:t>Neighborhood</a:t>
+            </a:r>
+            <a:endParaRPr lang="it-IT" dirty="0"/>
+          </a:p>
+        </p:txBody>
+      </p:sp>
+      <p:sp>
+        <p:nvSpPr>
+          <p:cNvPr id="14" name="CasellaDiTesto 13">
+            <a:extLst>
+              <a:ext uri="{FF2B5EF4-FFF2-40B4-BE49-F238E27FC236}">
+                <a16:creationId xmlns:a16="http://schemas.microsoft.com/office/drawing/2014/main" id="{86374BAD-834B-9A9C-E959-C87B85FB383B}"/>
+              </a:ext>
+            </a:extLst>
+          </p:cNvPr>
+          <p:cNvSpPr txBox="1"/>
+          <p:nvPr/>
+        </p:nvSpPr>
+        <p:spPr>
+          <a:xfrm>
+            <a:off x="4610871" y="4443067"/>
+            <a:ext cx="1813870" cy="369332"/>
+          </a:xfrm>
+          <a:prstGeom prst="rect">
+            <a:avLst/>
+          </a:prstGeom>
+          <a:noFill/>
+        </p:spPr>
+        <p:txBody>
+          <a:bodyPr wrap="square">
+            <a:spAutoFit/>
+          </a:bodyPr>
+          <a:lstStyle/>
+          <a:p>
+            <a:r>
+              <a:rPr lang="en-US" dirty="0">
+                <a:solidFill>
+                  <a:srgbClr val="3F3C53"/>
+                </a:solidFill>
+                <a:latin typeface="SF Pro Text" pitchFamily="2" charset="0"/>
+                <a:ea typeface="SF Pro Text" pitchFamily="2" charset="0"/>
+                <a:cs typeface="SF Pro Text" pitchFamily="2" charset="0"/>
+              </a:rPr>
+              <a:t>Building</a:t>
+            </a:r>
+            <a:endParaRPr lang="it-IT" dirty="0"/>
+          </a:p>
+        </p:txBody>
+      </p:sp>
+      <p:sp>
+        <p:nvSpPr>
+          <p:cNvPr id="15" name="CasellaDiTesto 14">
+            <a:extLst>
+              <a:ext uri="{FF2B5EF4-FFF2-40B4-BE49-F238E27FC236}">
+                <a16:creationId xmlns:a16="http://schemas.microsoft.com/office/drawing/2014/main" id="{07E6B3A5-53E8-CDBA-E524-143E61421C79}"/>
+              </a:ext>
+            </a:extLst>
+          </p:cNvPr>
+          <p:cNvSpPr txBox="1"/>
+          <p:nvPr/>
+        </p:nvSpPr>
+        <p:spPr>
+          <a:xfrm>
+            <a:off x="5735342" y="4464467"/>
+            <a:ext cx="1813870" cy="369332"/>
+          </a:xfrm>
+          <a:prstGeom prst="rect">
+            <a:avLst/>
+          </a:prstGeom>
+          <a:noFill/>
+        </p:spPr>
+        <p:txBody>
+          <a:bodyPr wrap="square">
+            <a:spAutoFit/>
+          </a:bodyPr>
+          <a:lstStyle/>
+          <a:p>
+            <a:r>
+              <a:rPr lang="en-US" dirty="0">
+                <a:solidFill>
+                  <a:srgbClr val="3F3C53"/>
+                </a:solidFill>
+                <a:latin typeface="SF Pro Text" pitchFamily="2" charset="0"/>
+                <a:ea typeface="SF Pro Text" pitchFamily="2" charset="0"/>
+                <a:cs typeface="SF Pro Text" pitchFamily="2" charset="0"/>
+              </a:rPr>
+              <a:t>Floor</a:t>
+            </a:r>
+            <a:endParaRPr lang="it-IT" dirty="0"/>
+          </a:p>
+        </p:txBody>
+      </p:sp>
+      <p:sp>
+        <p:nvSpPr>
+          <p:cNvPr id="16" name="CasellaDiTesto 15">
+            <a:extLst>
+              <a:ext uri="{FF2B5EF4-FFF2-40B4-BE49-F238E27FC236}">
+                <a16:creationId xmlns:a16="http://schemas.microsoft.com/office/drawing/2014/main" id="{B70E526A-F354-2ACA-753B-79A18394D832}"/>
+              </a:ext>
+            </a:extLst>
+          </p:cNvPr>
+          <p:cNvSpPr txBox="1"/>
+          <p:nvPr/>
+        </p:nvSpPr>
+        <p:spPr>
+          <a:xfrm>
+            <a:off x="6547797" y="4464467"/>
+            <a:ext cx="1813870" cy="369332"/>
+          </a:xfrm>
+          <a:prstGeom prst="rect">
+            <a:avLst/>
+          </a:prstGeom>
+          <a:noFill/>
+        </p:spPr>
+        <p:txBody>
+          <a:bodyPr wrap="square">
+            <a:spAutoFit/>
+          </a:bodyPr>
+          <a:lstStyle/>
+          <a:p>
+            <a:r>
+              <a:rPr lang="en-US" dirty="0">
+                <a:solidFill>
+                  <a:srgbClr val="3F3C53"/>
+                </a:solidFill>
+                <a:latin typeface="SF Pro Text" pitchFamily="2" charset="0"/>
+                <a:ea typeface="SF Pro Text" pitchFamily="2" charset="0"/>
+                <a:cs typeface="SF Pro Text" pitchFamily="2" charset="0"/>
+              </a:rPr>
+              <a:t>Room</a:t>
+            </a:r>
+            <a:endParaRPr lang="it-IT" dirty="0"/>
+          </a:p>
+        </p:txBody>
+      </p:sp>
+      <p:cxnSp>
+        <p:nvCxnSpPr>
+          <p:cNvPr id="18" name="Connettore 2 17">
+            <a:extLst>
+              <a:ext uri="{FF2B5EF4-FFF2-40B4-BE49-F238E27FC236}">
+                <a16:creationId xmlns:a16="http://schemas.microsoft.com/office/drawing/2014/main" id="{88361B55-8DBF-CB2A-033F-9643646B2522}"/>
+              </a:ext>
+            </a:extLst>
+          </p:cNvPr>
+          <p:cNvCxnSpPr>
+            <a:cxnSpLocks/>
+            <a:stCxn id="13" idx="0"/>
+          </p:cNvCxnSpPr>
+          <p:nvPr/>
+        </p:nvCxnSpPr>
+        <p:spPr>
+          <a:xfrm flipV="1">
+            <a:off x="3798416" y="3272246"/>
+            <a:ext cx="584512" cy="1192221"/>
+          </a:xfrm>
+          <a:prstGeom prst="straightConnector1">
+            <a:avLst/>
+          </a:prstGeom>
+          <a:ln w="12700">
+            <a:tailEnd type="triangle"/>
+          </a:ln>
+        </p:spPr>
+        <p:style>
+          <a:lnRef idx="1">
+            <a:schemeClr val="dk1"/>
+          </a:lnRef>
+          <a:fillRef idx="0">
+            <a:schemeClr val="dk1"/>
+          </a:fillRef>
+          <a:effectRef idx="0">
+            <a:schemeClr val="dk1"/>
+          </a:effectRef>
+          <a:fontRef idx="minor">
+            <a:schemeClr val="tx1"/>
+          </a:fontRef>
+        </p:style>
+      </p:cxnSp>
+      <p:cxnSp>
+        <p:nvCxnSpPr>
+          <p:cNvPr id="19" name="Connettore 2 18">
+            <a:extLst>
+              <a:ext uri="{FF2B5EF4-FFF2-40B4-BE49-F238E27FC236}">
+                <a16:creationId xmlns:a16="http://schemas.microsoft.com/office/drawing/2014/main" id="{16D8118B-3BFF-193B-47A0-AFA9285BDEE4}"/>
+              </a:ext>
+            </a:extLst>
+          </p:cNvPr>
+          <p:cNvCxnSpPr>
+            <a:cxnSpLocks/>
+          </p:cNvCxnSpPr>
+          <p:nvPr/>
+        </p:nvCxnSpPr>
+        <p:spPr>
+          <a:xfrm flipH="1" flipV="1">
+            <a:off x="4626060" y="3309035"/>
+            <a:ext cx="621957" cy="1134032"/>
+          </a:xfrm>
+          <a:prstGeom prst="straightConnector1">
+            <a:avLst/>
+          </a:prstGeom>
+          <a:ln w="12700">
+            <a:tailEnd type="triangle"/>
+          </a:ln>
+        </p:spPr>
+        <p:style>
+          <a:lnRef idx="1">
+            <a:schemeClr val="dk1"/>
+          </a:lnRef>
+          <a:fillRef idx="0">
+            <a:schemeClr val="dk1"/>
+          </a:fillRef>
+          <a:effectRef idx="0">
+            <a:schemeClr val="dk1"/>
+          </a:effectRef>
+          <a:fontRef idx="minor">
+            <a:schemeClr val="tx1"/>
+          </a:fontRef>
+        </p:style>
+      </p:cxnSp>
+      <p:cxnSp>
+        <p:nvCxnSpPr>
+          <p:cNvPr id="22" name="Connettore 2 21">
+            <a:extLst>
+              <a:ext uri="{FF2B5EF4-FFF2-40B4-BE49-F238E27FC236}">
+                <a16:creationId xmlns:a16="http://schemas.microsoft.com/office/drawing/2014/main" id="{B6298009-E5AF-0231-C4FF-74BB4E1C2127}"/>
+              </a:ext>
+            </a:extLst>
+          </p:cNvPr>
+          <p:cNvCxnSpPr>
+            <a:cxnSpLocks/>
+            <a:endCxn id="11" idx="2"/>
+          </p:cNvCxnSpPr>
+          <p:nvPr/>
+        </p:nvCxnSpPr>
+        <p:spPr>
+          <a:xfrm flipH="1" flipV="1">
+            <a:off x="4935544" y="3309035"/>
+            <a:ext cx="1118523" cy="1155432"/>
+          </a:xfrm>
+          <a:prstGeom prst="straightConnector1">
+            <a:avLst/>
+          </a:prstGeom>
+          <a:ln w="12700">
+            <a:tailEnd type="triangle"/>
+          </a:ln>
+        </p:spPr>
+        <p:style>
+          <a:lnRef idx="1">
+            <a:schemeClr val="dk1"/>
+          </a:lnRef>
+          <a:fillRef idx="0">
+            <a:schemeClr val="dk1"/>
+          </a:fillRef>
+          <a:effectRef idx="0">
+            <a:schemeClr val="dk1"/>
+          </a:effectRef>
+          <a:fontRef idx="minor">
+            <a:schemeClr val="tx1"/>
+          </a:fontRef>
+        </p:style>
+      </p:cxnSp>
+      <p:cxnSp>
+        <p:nvCxnSpPr>
+          <p:cNvPr id="25" name="Connettore 2 24">
+            <a:extLst>
+              <a:ext uri="{FF2B5EF4-FFF2-40B4-BE49-F238E27FC236}">
+                <a16:creationId xmlns:a16="http://schemas.microsoft.com/office/drawing/2014/main" id="{5268DDAF-4BA8-ACE0-8C1F-70987D663880}"/>
+              </a:ext>
+            </a:extLst>
+          </p:cNvPr>
+          <p:cNvCxnSpPr>
+            <a:cxnSpLocks/>
+          </p:cNvCxnSpPr>
+          <p:nvPr/>
+        </p:nvCxnSpPr>
+        <p:spPr>
+          <a:xfrm flipH="1" flipV="1">
+            <a:off x="5248017" y="3278257"/>
+            <a:ext cx="1603997" cy="1186210"/>
+          </a:xfrm>
+          <a:prstGeom prst="straightConnector1">
+            <a:avLst/>
+          </a:prstGeom>
+          <a:ln w="12700">
+            <a:tailEnd type="triangle"/>
+          </a:ln>
+        </p:spPr>
+        <p:style>
+          <a:lnRef idx="1">
+            <a:schemeClr val="dk1"/>
+          </a:lnRef>
+          <a:fillRef idx="0">
+            <a:schemeClr val="dk1"/>
+          </a:fillRef>
+          <a:effectRef idx="0">
+            <a:schemeClr val="dk1"/>
+          </a:effectRef>
+          <a:fontRef idx="minor">
+            <a:schemeClr val="tx1"/>
+          </a:fontRef>
+        </p:style>
+      </p:cxnSp>
+      <p:sp>
+        <p:nvSpPr>
+          <p:cNvPr id="32" name="CasellaDiTesto 31">
+            <a:extLst>
+              <a:ext uri="{FF2B5EF4-FFF2-40B4-BE49-F238E27FC236}">
+                <a16:creationId xmlns:a16="http://schemas.microsoft.com/office/drawing/2014/main" id="{D603FB35-85FE-0201-A20F-103F704DD61D}"/>
+              </a:ext>
+            </a:extLst>
+          </p:cNvPr>
+          <p:cNvSpPr txBox="1"/>
+          <p:nvPr/>
+        </p:nvSpPr>
+        <p:spPr>
+          <a:xfrm>
+            <a:off x="4504085" y="4464467"/>
+            <a:ext cx="213571" cy="369332"/>
+          </a:xfrm>
+          <a:prstGeom prst="rect">
+            <a:avLst/>
+          </a:prstGeom>
+          <a:noFill/>
+        </p:spPr>
+        <p:txBody>
+          <a:bodyPr wrap="square">
+            <a:spAutoFit/>
+          </a:bodyPr>
+          <a:lstStyle/>
+          <a:p>
+            <a:r>
+              <a:rPr lang="en-US" dirty="0">
+                <a:solidFill>
+                  <a:srgbClr val="3F3C53"/>
+                </a:solidFill>
+                <a:latin typeface="SF Pro Text" pitchFamily="2" charset="0"/>
+                <a:ea typeface="SF Pro Text" pitchFamily="2" charset="0"/>
+                <a:cs typeface="SF Pro Text" pitchFamily="2" charset="0"/>
+              </a:rPr>
+              <a:t>/</a:t>
+            </a:r>
+            <a:endParaRPr lang="it-IT" dirty="0"/>
+          </a:p>
+        </p:txBody>
+      </p:sp>
+      <p:sp>
+        <p:nvSpPr>
+          <p:cNvPr id="33" name="CasellaDiTesto 32">
+            <a:extLst>
+              <a:ext uri="{FF2B5EF4-FFF2-40B4-BE49-F238E27FC236}">
+                <a16:creationId xmlns:a16="http://schemas.microsoft.com/office/drawing/2014/main" id="{F7C67078-871B-E87F-EF00-2D686C56B781}"/>
+              </a:ext>
+            </a:extLst>
+          </p:cNvPr>
+          <p:cNvSpPr txBox="1"/>
+          <p:nvPr/>
+        </p:nvSpPr>
+        <p:spPr>
+          <a:xfrm>
+            <a:off x="5585844" y="4443067"/>
+            <a:ext cx="213571" cy="369332"/>
+          </a:xfrm>
+          <a:prstGeom prst="rect">
+            <a:avLst/>
+          </a:prstGeom>
+          <a:noFill/>
+        </p:spPr>
+        <p:txBody>
+          <a:bodyPr wrap="square">
+            <a:spAutoFit/>
+          </a:bodyPr>
+          <a:lstStyle/>
+          <a:p>
+            <a:r>
+              <a:rPr lang="en-US" dirty="0">
+                <a:solidFill>
+                  <a:srgbClr val="3F3C53"/>
+                </a:solidFill>
+                <a:latin typeface="SF Pro Text" pitchFamily="2" charset="0"/>
+                <a:ea typeface="SF Pro Text" pitchFamily="2" charset="0"/>
+                <a:cs typeface="SF Pro Text" pitchFamily="2" charset="0"/>
+              </a:rPr>
+              <a:t>/</a:t>
+            </a:r>
+            <a:endParaRPr lang="it-IT" dirty="0"/>
+          </a:p>
+        </p:txBody>
+      </p:sp>
+      <p:sp>
+        <p:nvSpPr>
+          <p:cNvPr id="34" name="CasellaDiTesto 33">
+            <a:extLst>
+              <a:ext uri="{FF2B5EF4-FFF2-40B4-BE49-F238E27FC236}">
+                <a16:creationId xmlns:a16="http://schemas.microsoft.com/office/drawing/2014/main" id="{C9A7F956-71CE-085C-8018-C3559439E575}"/>
+              </a:ext>
+            </a:extLst>
+          </p:cNvPr>
+          <p:cNvSpPr txBox="1"/>
+          <p:nvPr/>
+        </p:nvSpPr>
+        <p:spPr>
+          <a:xfrm>
+            <a:off x="6410500" y="4443067"/>
+            <a:ext cx="213571" cy="369332"/>
+          </a:xfrm>
+          <a:prstGeom prst="rect">
+            <a:avLst/>
+          </a:prstGeom>
+          <a:noFill/>
+        </p:spPr>
+        <p:txBody>
+          <a:bodyPr wrap="square">
+            <a:spAutoFit/>
+          </a:bodyPr>
+          <a:lstStyle/>
+          <a:p>
+            <a:r>
+              <a:rPr lang="en-US" dirty="0">
+                <a:solidFill>
+                  <a:srgbClr val="3F3C53"/>
+                </a:solidFill>
+                <a:latin typeface="SF Pro Text" pitchFamily="2" charset="0"/>
+                <a:ea typeface="SF Pro Text" pitchFamily="2" charset="0"/>
+                <a:cs typeface="SF Pro Text" pitchFamily="2" charset="0"/>
+              </a:rPr>
+              <a:t>/</a:t>
+            </a:r>
+            <a:endParaRPr lang="it-IT" dirty="0"/>
+          </a:p>
+        </p:txBody>
+      </p:sp>
+      <p:sp>
+        <p:nvSpPr>
+          <p:cNvPr id="38" name="Rettangolo con angoli arrotondati 37">
+            <a:extLst>
+              <a:ext uri="{FF2B5EF4-FFF2-40B4-BE49-F238E27FC236}">
+                <a16:creationId xmlns:a16="http://schemas.microsoft.com/office/drawing/2014/main" id="{B7BC2C3B-64C5-C1EF-DA80-4DFECBFA2D74}"/>
+              </a:ext>
+            </a:extLst>
+          </p:cNvPr>
+          <p:cNvSpPr/>
+          <p:nvPr/>
+        </p:nvSpPr>
+        <p:spPr>
+          <a:xfrm>
+            <a:off x="910282" y="5330404"/>
+            <a:ext cx="10768695" cy="916294"/>
+          </a:xfrm>
+          <a:prstGeom prst="roundRect">
+            <a:avLst>
+              <a:gd name="adj" fmla="val 30571"/>
+            </a:avLst>
+          </a:prstGeom>
+          <a:solidFill>
+            <a:srgbClr val="FFFFFF">
+              <a:alpha val="50196"/>
+            </a:srgbClr>
+          </a:solidFill>
+          <a:ln w="38100">
+            <a:noFill/>
+          </a:ln>
+        </p:spPr>
+        <p:style>
+          <a:lnRef idx="2">
+            <a:schemeClr val="accent1">
+              <a:shade val="50000"/>
+            </a:schemeClr>
+          </a:lnRef>
+          <a:fillRef idx="1">
+            <a:schemeClr val="accent1"/>
+          </a:fillRef>
+          <a:effectRef idx="0">
+            <a:schemeClr val="accent1"/>
+          </a:effectRef>
+          <a:fontRef idx="minor">
+            <a:schemeClr val="lt1"/>
+          </a:fontRef>
+        </p:style>
+        <p:txBody>
+          <a:bodyPr rtlCol="0" anchor="ctr"/>
+          <a:lstStyle/>
+          <a:p>
+            <a:endParaRPr lang="en-US" dirty="0">
               <a:solidFill>
-                <a:srgbClr val="3F51C3"/>
+                <a:srgbClr val="3F3C53"/>
               </a:solidFill>
               <a:latin typeface="SF Pro Text" pitchFamily="2" charset="0"/>
               <a:ea typeface="SF Pro Text" pitchFamily="2" charset="0"/>
@@ -7334,10 +8273,10 @@
       </p:sp>
       <p:sp>
         <p:nvSpPr>
-          <p:cNvPr id="10" name="CasellaDiTesto 9">
-            <a:extLst>
-              <a:ext uri="{FF2B5EF4-FFF2-40B4-BE49-F238E27FC236}">
-                <a16:creationId xmlns:a16="http://schemas.microsoft.com/office/drawing/2014/main" id="{AAEAA87A-D026-7E31-AC44-22BC69BBE422}"/>
+          <p:cNvPr id="37" name="CasellaDiTesto 36">
+            <a:extLst>
+              <a:ext uri="{FF2B5EF4-FFF2-40B4-BE49-F238E27FC236}">
+                <a16:creationId xmlns:a16="http://schemas.microsoft.com/office/drawing/2014/main" id="{ED7B3FD6-2F82-268D-4DBF-2731BB065305}"/>
               </a:ext>
             </a:extLst>
           </p:cNvPr>
@@ -7346,8 +8285,8 @@
         </p:nvSpPr>
         <p:spPr>
           <a:xfrm>
-            <a:off x="3046971" y="3251632"/>
-            <a:ext cx="6098058" cy="400110"/>
+            <a:off x="1310222" y="5603885"/>
+            <a:ext cx="9968813" cy="369332"/>
           </a:xfrm>
           <a:prstGeom prst="rect">
             <a:avLst/>
@@ -7362,35 +8301,23 @@
           <a:p>
             <a:pPr algn="ctr"/>
             <a:r>
-              <a:rPr lang="it-IT" sz="2000" b="1" dirty="0">
-                <a:solidFill>
-                  <a:srgbClr val="3F51C3"/>
+              <a:rPr lang="en-US" i="1" dirty="0">
+                <a:solidFill>
+                  <a:srgbClr val="3F3C53"/>
                 </a:solidFill>
                 <a:latin typeface="SF Pro Text" pitchFamily="2" charset="0"/>
                 <a:ea typeface="SF Pro Text" pitchFamily="2" charset="0"/>
                 <a:cs typeface="SF Pro Text" pitchFamily="2" charset="0"/>
               </a:rPr>
-              <a:t>Data </a:t>
-            </a:r>
-            <a:r>
-              <a:rPr lang="it-IT" sz="2000" b="1" dirty="0" err="1">
-                <a:solidFill>
-                  <a:srgbClr val="3F51C3"/>
-                </a:solidFill>
-                <a:latin typeface="SF Pro Text" pitchFamily="2" charset="0"/>
-                <a:ea typeface="SF Pro Text" pitchFamily="2" charset="0"/>
-                <a:cs typeface="SF Pro Text" pitchFamily="2" charset="0"/>
-              </a:rPr>
-              <a:t>saving</a:t>
-            </a:r>
-            <a:endParaRPr lang="it-IT" sz="2000" dirty="0"/>
+              <a:t>*Dividing location in topics is useful to subscribe for data with different granularity</a:t>
+            </a:r>
           </a:p>
         </p:txBody>
       </p:sp>
     </p:spTree>
     <p:extLst>
       <p:ext uri="{BB962C8B-B14F-4D97-AF65-F5344CB8AC3E}">
-        <p14:creationId xmlns:p14="http://schemas.microsoft.com/office/powerpoint/2010/main" val="504224111"/>
+        <p14:creationId xmlns:p14="http://schemas.microsoft.com/office/powerpoint/2010/main" val="3202666200"/>
       </p:ext>
     </p:extLst>
   </p:cSld>
@@ -7422,7 +8349,7 @@
           <p:cNvPr id="2" name="Segnaposto numero diapositiva 1">
             <a:extLst>
               <a:ext uri="{FF2B5EF4-FFF2-40B4-BE49-F238E27FC236}">
-                <a16:creationId xmlns:a16="http://schemas.microsoft.com/office/drawing/2014/main" id="{01303757-A3B3-190E-86DC-9302C028F931}"/>
+                <a16:creationId xmlns:a16="http://schemas.microsoft.com/office/drawing/2014/main" id="{A377DAF4-AB89-6CF0-0E08-95E402492507}"/>
               </a:ext>
             </a:extLst>
           </p:cNvPr>
@@ -7452,7 +8379,7 @@
           <p:cNvPr id="3" name="Titolo 2">
             <a:extLst>
               <a:ext uri="{FF2B5EF4-FFF2-40B4-BE49-F238E27FC236}">
-                <a16:creationId xmlns:a16="http://schemas.microsoft.com/office/drawing/2014/main" id="{A0706494-7128-994E-63F3-7ECC216074E2}"/>
+                <a16:creationId xmlns:a16="http://schemas.microsoft.com/office/drawing/2014/main" id="{89844C63-5E62-8A51-AE34-813263A4B823}"/>
               </a:ext>
             </a:extLst>
           </p:cNvPr>
@@ -7469,23 +8396,82 @@
           <a:lstStyle/>
           <a:p>
             <a:r>
+              <a:rPr lang="it-IT" dirty="0" err="1"/>
+              <a:t>Node</a:t>
+            </a:r>
+            <a:r>
               <a:rPr lang="it-IT" dirty="0"/>
-              <a:t>MQTT </a:t>
-            </a:r>
-            <a:r>
-              <a:rPr lang="it-IT" dirty="0" err="1"/>
-              <a:t>Topics</a:t>
-            </a:r>
-            <a:endParaRPr lang="it-IT" dirty="0"/>
-          </a:p>
-        </p:txBody>
-      </p:sp>
-      <p:sp>
-        <p:nvSpPr>
-          <p:cNvPr id="4" name="CasellaDiTesto 3">
-            <a:extLst>
-              <a:ext uri="{FF2B5EF4-FFF2-40B4-BE49-F238E27FC236}">
-                <a16:creationId xmlns:a16="http://schemas.microsoft.com/office/drawing/2014/main" id="{93D3FD20-1DD5-75C9-C4DE-F67F9B314BCF}"/>
+              <a:t>-Red Flows</a:t>
+            </a:r>
+          </a:p>
+        </p:txBody>
+      </p:sp>
+      <p:pic>
+        <p:nvPicPr>
+          <p:cNvPr id="5" name="Immagine 4">
+            <a:extLst>
+              <a:ext uri="{FF2B5EF4-FFF2-40B4-BE49-F238E27FC236}">
+                <a16:creationId xmlns:a16="http://schemas.microsoft.com/office/drawing/2014/main" id="{E3C54A2E-5985-814F-CA05-69D04C475D7F}"/>
+              </a:ext>
+            </a:extLst>
+          </p:cNvPr>
+          <p:cNvPicPr>
+            <a:picLocks noChangeAspect="1"/>
+          </p:cNvPicPr>
+          <p:nvPr/>
+        </p:nvPicPr>
+        <p:blipFill>
+          <a:blip r:embed="rId2"/>
+          <a:stretch>
+            <a:fillRect/>
+          </a:stretch>
+        </p:blipFill>
+        <p:spPr>
+          <a:xfrm>
+            <a:off x="844417" y="4347570"/>
+            <a:ext cx="10978727" cy="895103"/>
+          </a:xfrm>
+          <a:prstGeom prst="rect">
+            <a:avLst/>
+          </a:prstGeom>
+        </p:spPr>
+      </p:pic>
+      <p:pic>
+        <p:nvPicPr>
+          <p:cNvPr id="7" name="Immagine 6">
+            <a:extLst>
+              <a:ext uri="{FF2B5EF4-FFF2-40B4-BE49-F238E27FC236}">
+                <a16:creationId xmlns:a16="http://schemas.microsoft.com/office/drawing/2014/main" id="{D3C9F9BA-14A0-A5DC-B008-2E75F4D91BB4}"/>
+              </a:ext>
+            </a:extLst>
+          </p:cNvPr>
+          <p:cNvPicPr>
+            <a:picLocks noChangeAspect="1"/>
+          </p:cNvPicPr>
+          <p:nvPr/>
+        </p:nvPicPr>
+        <p:blipFill>
+          <a:blip r:embed="rId3"/>
+          <a:stretch>
+            <a:fillRect/>
+          </a:stretch>
+        </p:blipFill>
+        <p:spPr>
+          <a:xfrm>
+            <a:off x="817624" y="1935549"/>
+            <a:ext cx="11032312" cy="620256"/>
+          </a:xfrm>
+          <a:prstGeom prst="rect">
+            <a:avLst/>
+          </a:prstGeom>
+        </p:spPr>
+      </p:pic>
+      <p:sp>
+        <p:nvSpPr>
+          <p:cNvPr id="9" name="CasellaDiTesto 8">
+            <a:extLst>
+              <a:ext uri="{FF2B5EF4-FFF2-40B4-BE49-F238E27FC236}">
+                <a16:creationId xmlns:a16="http://schemas.microsoft.com/office/drawing/2014/main" id="{CB1D75F4-4092-F10D-8F0C-9C961966DB16}"/>
               </a:ext>
             </a:extLst>
           </p:cNvPr>
@@ -7494,8 +8480,8 @@
         </p:nvSpPr>
         <p:spPr>
           <a:xfrm>
-            <a:off x="601265" y="1148887"/>
-            <a:ext cx="1684735" cy="400110"/>
+            <a:off x="3046971" y="1099460"/>
+            <a:ext cx="6098058" cy="400110"/>
           </a:xfrm>
           <a:prstGeom prst="rect">
             <a:avLst/>
@@ -7508,6 +8494,7 @@
           </a:bodyPr>
           <a:lstStyle/>
           <a:p>
+            <a:pPr algn="ctr"/>
             <a:r>
               <a:rPr lang="it-IT" sz="2000" b="1" dirty="0">
                 <a:solidFill>
@@ -7517,7 +8504,7 @@
                 <a:ea typeface="SF Pro Text" pitchFamily="2" charset="0"/>
                 <a:cs typeface="SF Pro Text" pitchFamily="2" charset="0"/>
               </a:rPr>
-              <a:t>Base </a:t>
+              <a:t>Sensor </a:t>
             </a:r>
             <a:r>
               <a:rPr lang="it-IT" sz="2000" b="1" dirty="0" err="1">
@@ -7528,1010 +8515,11 @@
                 <a:ea typeface="SF Pro Text" pitchFamily="2" charset="0"/>
                 <a:cs typeface="SF Pro Text" pitchFamily="2" charset="0"/>
               </a:rPr>
-              <a:t>topic</a:t>
-            </a:r>
-            <a:r>
-              <a:rPr lang="it-IT" sz="2000" b="1" dirty="0">
-                <a:solidFill>
-                  <a:srgbClr val="3F51C3"/>
-                </a:solidFill>
-                <a:latin typeface="SF Pro Text" pitchFamily="2" charset="0"/>
-                <a:ea typeface="SF Pro Text" pitchFamily="2" charset="0"/>
-                <a:cs typeface="SF Pro Text" pitchFamily="2" charset="0"/>
-              </a:rPr>
-              <a:t>:</a:t>
-            </a:r>
-            <a:endParaRPr lang="it-IT" sz="2000" dirty="0"/>
-          </a:p>
-        </p:txBody>
-      </p:sp>
-      <p:sp>
-        <p:nvSpPr>
-          <p:cNvPr id="6" name="CasellaDiTesto 5">
-            <a:extLst>
-              <a:ext uri="{FF2B5EF4-FFF2-40B4-BE49-F238E27FC236}">
-                <a16:creationId xmlns:a16="http://schemas.microsoft.com/office/drawing/2014/main" id="{4C66AE55-88B3-E620-60B6-C43BCE2F71E5}"/>
-              </a:ext>
-            </a:extLst>
-          </p:cNvPr>
-          <p:cNvSpPr txBox="1"/>
-          <p:nvPr/>
-        </p:nvSpPr>
-        <p:spPr>
-          <a:xfrm>
-            <a:off x="3543300" y="1148887"/>
-            <a:ext cx="2165521" cy="400110"/>
-          </a:xfrm>
-          <a:prstGeom prst="rect">
-            <a:avLst/>
-          </a:prstGeom>
-          <a:noFill/>
-        </p:spPr>
-        <p:txBody>
-          <a:bodyPr wrap="square">
-            <a:spAutoFit/>
-          </a:bodyPr>
-          <a:lstStyle/>
-          <a:p>
-            <a:r>
-              <a:rPr lang="en-US" sz="2000" b="1" dirty="0" err="1">
-                <a:solidFill>
-                  <a:srgbClr val="3F3C53"/>
-                </a:solidFill>
-                <a:latin typeface="SF Pro Text" pitchFamily="2" charset="0"/>
-                <a:ea typeface="SF Pro Text" pitchFamily="2" charset="0"/>
-                <a:cs typeface="SF Pro Text" pitchFamily="2" charset="0"/>
-              </a:rPr>
-              <a:t>mtds</a:t>
-            </a:r>
-            <a:r>
-              <a:rPr lang="en-US" sz="2000" b="1" dirty="0">
-                <a:solidFill>
-                  <a:srgbClr val="3F3C53"/>
-                </a:solidFill>
-                <a:latin typeface="SF Pro Text" pitchFamily="2" charset="0"/>
-                <a:ea typeface="SF Pro Text" pitchFamily="2" charset="0"/>
-                <a:cs typeface="SF Pro Text" pitchFamily="2" charset="0"/>
-              </a:rPr>
-              <a:t>/sensor/</a:t>
-            </a:r>
-            <a:endParaRPr lang="it-IT" sz="2000" b="1" dirty="0"/>
-          </a:p>
-        </p:txBody>
-      </p:sp>
-      <p:sp>
-        <p:nvSpPr>
-          <p:cNvPr id="7" name="CasellaDiTesto 6">
-            <a:extLst>
-              <a:ext uri="{FF2B5EF4-FFF2-40B4-BE49-F238E27FC236}">
-                <a16:creationId xmlns:a16="http://schemas.microsoft.com/office/drawing/2014/main" id="{3638F7D6-59D5-78B8-6A31-D832D5915E04}"/>
-              </a:ext>
-            </a:extLst>
-          </p:cNvPr>
-          <p:cNvSpPr txBox="1"/>
-          <p:nvPr/>
-        </p:nvSpPr>
-        <p:spPr>
-          <a:xfrm>
-            <a:off x="601265" y="2028906"/>
-            <a:ext cx="2784486" cy="400110"/>
-          </a:xfrm>
-          <a:prstGeom prst="rect">
-            <a:avLst/>
-          </a:prstGeom>
-          <a:noFill/>
-        </p:spPr>
-        <p:txBody>
-          <a:bodyPr wrap="square">
-            <a:spAutoFit/>
-          </a:bodyPr>
-          <a:lstStyle/>
-          <a:p>
-            <a:r>
-              <a:rPr lang="it-IT" sz="2000" b="1" dirty="0" err="1">
-                <a:solidFill>
-                  <a:srgbClr val="3F51C3"/>
-                </a:solidFill>
-                <a:latin typeface="SF Pro Text" pitchFamily="2" charset="0"/>
-                <a:ea typeface="SF Pro Text" pitchFamily="2" charset="0"/>
-                <a:cs typeface="SF Pro Text" pitchFamily="2" charset="0"/>
-              </a:rPr>
-              <a:t>Configuration</a:t>
-            </a:r>
-            <a:r>
-              <a:rPr lang="it-IT" sz="2000" b="1" dirty="0">
-                <a:solidFill>
-                  <a:srgbClr val="3F51C3"/>
-                </a:solidFill>
-                <a:latin typeface="SF Pro Text" pitchFamily="2" charset="0"/>
-                <a:ea typeface="SF Pro Text" pitchFamily="2" charset="0"/>
-                <a:cs typeface="SF Pro Text" pitchFamily="2" charset="0"/>
-              </a:rPr>
-              <a:t> </a:t>
-            </a:r>
-            <a:r>
-              <a:rPr lang="it-IT" sz="2000" b="1" dirty="0" err="1">
-                <a:solidFill>
-                  <a:srgbClr val="3F51C3"/>
-                </a:solidFill>
-                <a:latin typeface="SF Pro Text" pitchFamily="2" charset="0"/>
-                <a:ea typeface="SF Pro Text" pitchFamily="2" charset="0"/>
-                <a:cs typeface="SF Pro Text" pitchFamily="2" charset="0"/>
-              </a:rPr>
-              <a:t>topic</a:t>
-            </a:r>
-            <a:r>
-              <a:rPr lang="it-IT" sz="2000" b="1" dirty="0">
-                <a:solidFill>
-                  <a:srgbClr val="3F51C3"/>
-                </a:solidFill>
-                <a:latin typeface="SF Pro Text" pitchFamily="2" charset="0"/>
-                <a:ea typeface="SF Pro Text" pitchFamily="2" charset="0"/>
-                <a:cs typeface="SF Pro Text" pitchFamily="2" charset="0"/>
-              </a:rPr>
-              <a:t>:</a:t>
-            </a:r>
-            <a:endParaRPr lang="it-IT" sz="2000" dirty="0"/>
-          </a:p>
-        </p:txBody>
-      </p:sp>
-      <p:sp>
-        <p:nvSpPr>
-          <p:cNvPr id="8" name="CasellaDiTesto 7">
-            <a:extLst>
-              <a:ext uri="{FF2B5EF4-FFF2-40B4-BE49-F238E27FC236}">
-                <a16:creationId xmlns:a16="http://schemas.microsoft.com/office/drawing/2014/main" id="{B6AF9DFA-386F-C21D-8698-FE07714C426E}"/>
-              </a:ext>
-            </a:extLst>
-          </p:cNvPr>
-          <p:cNvSpPr txBox="1"/>
-          <p:nvPr/>
-        </p:nvSpPr>
-        <p:spPr>
-          <a:xfrm>
-            <a:off x="3543301" y="2028906"/>
-            <a:ext cx="2784486" cy="400110"/>
-          </a:xfrm>
-          <a:prstGeom prst="rect">
-            <a:avLst/>
-          </a:prstGeom>
-          <a:noFill/>
-        </p:spPr>
-        <p:txBody>
-          <a:bodyPr wrap="square">
-            <a:spAutoFit/>
-          </a:bodyPr>
-          <a:lstStyle/>
-          <a:p>
-            <a:r>
-              <a:rPr lang="en-US" sz="2000" b="1" dirty="0">
-                <a:solidFill>
-                  <a:srgbClr val="3F3C53"/>
-                </a:solidFill>
-                <a:latin typeface="SF Pro Text" pitchFamily="2" charset="0"/>
-                <a:ea typeface="SF Pro Text" pitchFamily="2" charset="0"/>
-                <a:cs typeface="SF Pro Text" pitchFamily="2" charset="0"/>
-              </a:rPr>
-              <a:t>config/{{</a:t>
-            </a:r>
-            <a:r>
-              <a:rPr lang="en-US" sz="2000" b="1" dirty="0" err="1">
-                <a:solidFill>
-                  <a:srgbClr val="3F3C53"/>
-                </a:solidFill>
-                <a:latin typeface="SF Pro Text" pitchFamily="2" charset="0"/>
-                <a:ea typeface="SF Pro Text" pitchFamily="2" charset="0"/>
-                <a:cs typeface="SF Pro Text" pitchFamily="2" charset="0"/>
-              </a:rPr>
-              <a:t>sensor_id</a:t>
-            </a:r>
-            <a:r>
-              <a:rPr lang="en-US" sz="2000" b="1" dirty="0">
-                <a:solidFill>
-                  <a:srgbClr val="3F3C53"/>
-                </a:solidFill>
-                <a:latin typeface="SF Pro Text" pitchFamily="2" charset="0"/>
-                <a:ea typeface="SF Pro Text" pitchFamily="2" charset="0"/>
-                <a:cs typeface="SF Pro Text" pitchFamily="2" charset="0"/>
-              </a:rPr>
-              <a:t>}}</a:t>
-            </a:r>
-            <a:endParaRPr lang="it-IT" sz="2000" b="1" dirty="0"/>
-          </a:p>
-        </p:txBody>
-      </p:sp>
-      <p:sp>
-        <p:nvSpPr>
-          <p:cNvPr id="9" name="CasellaDiTesto 8">
-            <a:extLst>
-              <a:ext uri="{FF2B5EF4-FFF2-40B4-BE49-F238E27FC236}">
-                <a16:creationId xmlns:a16="http://schemas.microsoft.com/office/drawing/2014/main" id="{DDBD09EC-CD26-3A46-3521-EC714BDF6466}"/>
-              </a:ext>
-            </a:extLst>
-          </p:cNvPr>
-          <p:cNvSpPr txBox="1"/>
-          <p:nvPr/>
-        </p:nvSpPr>
-        <p:spPr>
-          <a:xfrm>
-            <a:off x="6949744" y="2059684"/>
-            <a:ext cx="4640991" cy="338554"/>
-          </a:xfrm>
-          <a:prstGeom prst="rect">
-            <a:avLst/>
-          </a:prstGeom>
-          <a:noFill/>
-        </p:spPr>
-        <p:txBody>
-          <a:bodyPr wrap="square">
-            <a:spAutoFit/>
-          </a:bodyPr>
-          <a:lstStyle/>
-          <a:p>
-            <a:r>
-              <a:rPr lang="en-US" sz="1600" dirty="0">
-                <a:solidFill>
-                  <a:srgbClr val="3F3C53"/>
-                </a:solidFill>
-                <a:latin typeface="SF Pro Text" pitchFamily="2" charset="0"/>
-                <a:ea typeface="SF Pro Text" pitchFamily="2" charset="0"/>
-                <a:cs typeface="SF Pro Text" pitchFamily="2" charset="0"/>
-              </a:rPr>
-              <a:t>Ex: </a:t>
-            </a:r>
-            <a:r>
-              <a:rPr lang="en-US" sz="1600" dirty="0" err="1">
-                <a:solidFill>
-                  <a:srgbClr val="3F3C53"/>
-                </a:solidFill>
-                <a:latin typeface="SF Pro Text" pitchFamily="2" charset="0"/>
-                <a:ea typeface="SF Pro Text" pitchFamily="2" charset="0"/>
-                <a:cs typeface="SF Pro Text" pitchFamily="2" charset="0"/>
-              </a:rPr>
-              <a:t>mtds</a:t>
-            </a:r>
-            <a:r>
-              <a:rPr lang="en-US" sz="1600" dirty="0">
-                <a:solidFill>
-                  <a:srgbClr val="3F3C53"/>
-                </a:solidFill>
-                <a:latin typeface="SF Pro Text" pitchFamily="2" charset="0"/>
-                <a:ea typeface="SF Pro Text" pitchFamily="2" charset="0"/>
-                <a:cs typeface="SF Pro Text" pitchFamily="2" charset="0"/>
-              </a:rPr>
-              <a:t>/sensor/config</a:t>
-            </a:r>
-            <a:r>
-              <a:rPr lang="en-US" sz="1600">
-                <a:solidFill>
-                  <a:srgbClr val="3F3C53"/>
-                </a:solidFill>
-                <a:latin typeface="SF Pro Text" pitchFamily="2" charset="0"/>
-                <a:ea typeface="SF Pro Text" pitchFamily="2" charset="0"/>
-                <a:cs typeface="SF Pro Text" pitchFamily="2" charset="0"/>
-              </a:rPr>
-              <a:t>/mtdssens_</a:t>
-            </a:r>
-            <a:r>
-              <a:rPr lang="en-US" sz="1600" dirty="0">
-                <a:solidFill>
-                  <a:srgbClr val="3F3C53"/>
-                </a:solidFill>
-                <a:latin typeface="SF Pro Text" pitchFamily="2" charset="0"/>
-                <a:ea typeface="SF Pro Text" pitchFamily="2" charset="0"/>
-                <a:cs typeface="SF Pro Text" pitchFamily="2" charset="0"/>
-              </a:rPr>
-              <a:t>0002</a:t>
-            </a:r>
-            <a:endParaRPr lang="it-IT" sz="1600" dirty="0"/>
-          </a:p>
-        </p:txBody>
-      </p:sp>
-      <p:sp>
-        <p:nvSpPr>
-          <p:cNvPr id="10" name="CasellaDiTesto 9">
-            <a:extLst>
-              <a:ext uri="{FF2B5EF4-FFF2-40B4-BE49-F238E27FC236}">
-                <a16:creationId xmlns:a16="http://schemas.microsoft.com/office/drawing/2014/main" id="{61D44AFD-D57E-29AA-877A-9C5848869FCB}"/>
-              </a:ext>
-            </a:extLst>
-          </p:cNvPr>
-          <p:cNvSpPr txBox="1"/>
-          <p:nvPr/>
-        </p:nvSpPr>
-        <p:spPr>
-          <a:xfrm>
-            <a:off x="601265" y="2908925"/>
-            <a:ext cx="2784486" cy="400110"/>
-          </a:xfrm>
-          <a:prstGeom prst="rect">
-            <a:avLst/>
-          </a:prstGeom>
-          <a:noFill/>
-        </p:spPr>
-        <p:txBody>
-          <a:bodyPr wrap="square">
-            <a:spAutoFit/>
-          </a:bodyPr>
-          <a:lstStyle/>
-          <a:p>
-            <a:r>
-              <a:rPr lang="it-IT" sz="2000" b="1" dirty="0" err="1">
-                <a:solidFill>
-                  <a:srgbClr val="3F51C3"/>
-                </a:solidFill>
-                <a:latin typeface="SF Pro Text" pitchFamily="2" charset="0"/>
-                <a:ea typeface="SF Pro Text" pitchFamily="2" charset="0"/>
-                <a:cs typeface="SF Pro Text" pitchFamily="2" charset="0"/>
-              </a:rPr>
-              <a:t>Publication</a:t>
-            </a:r>
-            <a:r>
-              <a:rPr lang="it-IT" sz="2000" b="1" dirty="0">
-                <a:solidFill>
-                  <a:srgbClr val="3F51C3"/>
-                </a:solidFill>
-                <a:latin typeface="SF Pro Text" pitchFamily="2" charset="0"/>
-                <a:ea typeface="SF Pro Text" pitchFamily="2" charset="0"/>
-                <a:cs typeface="SF Pro Text" pitchFamily="2" charset="0"/>
-              </a:rPr>
-              <a:t> </a:t>
-            </a:r>
-            <a:r>
-              <a:rPr lang="it-IT" sz="2000" b="1" dirty="0" err="1">
-                <a:solidFill>
-                  <a:srgbClr val="3F51C3"/>
-                </a:solidFill>
-                <a:latin typeface="SF Pro Text" pitchFamily="2" charset="0"/>
-                <a:ea typeface="SF Pro Text" pitchFamily="2" charset="0"/>
-                <a:cs typeface="SF Pro Text" pitchFamily="2" charset="0"/>
-              </a:rPr>
-              <a:t>topic</a:t>
-            </a:r>
-            <a:r>
-              <a:rPr lang="it-IT" sz="2000" b="1" dirty="0">
-                <a:solidFill>
-                  <a:srgbClr val="3F51C3"/>
-                </a:solidFill>
-                <a:latin typeface="SF Pro Text" pitchFamily="2" charset="0"/>
-                <a:ea typeface="SF Pro Text" pitchFamily="2" charset="0"/>
-                <a:cs typeface="SF Pro Text" pitchFamily="2" charset="0"/>
-              </a:rPr>
-              <a:t>:</a:t>
-            </a:r>
-            <a:endParaRPr lang="it-IT" sz="2000" dirty="0"/>
-          </a:p>
-        </p:txBody>
-      </p:sp>
-      <p:sp>
-        <p:nvSpPr>
-          <p:cNvPr id="11" name="CasellaDiTesto 10">
-            <a:extLst>
-              <a:ext uri="{FF2B5EF4-FFF2-40B4-BE49-F238E27FC236}">
-                <a16:creationId xmlns:a16="http://schemas.microsoft.com/office/drawing/2014/main" id="{DA86A821-A3C0-0CC8-A0B6-32A036CB53A8}"/>
-              </a:ext>
-            </a:extLst>
-          </p:cNvPr>
-          <p:cNvSpPr txBox="1"/>
-          <p:nvPr/>
-        </p:nvSpPr>
-        <p:spPr>
-          <a:xfrm>
-            <a:off x="3543301" y="2908925"/>
-            <a:ext cx="2784486" cy="400110"/>
-          </a:xfrm>
-          <a:prstGeom prst="rect">
-            <a:avLst/>
-          </a:prstGeom>
-          <a:noFill/>
-        </p:spPr>
-        <p:txBody>
-          <a:bodyPr wrap="square">
-            <a:spAutoFit/>
-          </a:bodyPr>
-          <a:lstStyle/>
-          <a:p>
-            <a:r>
-              <a:rPr lang="en-US" sz="2000" b="1" dirty="0">
-                <a:solidFill>
-                  <a:srgbClr val="3F3C53"/>
-                </a:solidFill>
-                <a:latin typeface="SF Pro Text" pitchFamily="2" charset="0"/>
-                <a:ea typeface="SF Pro Text" pitchFamily="2" charset="0"/>
-                <a:cs typeface="SF Pro Text" pitchFamily="2" charset="0"/>
-              </a:rPr>
-              <a:t>data/A/B/C/D</a:t>
-            </a:r>
-            <a:endParaRPr lang="it-IT" sz="2000" b="1" dirty="0"/>
-          </a:p>
-        </p:txBody>
-      </p:sp>
-      <p:sp>
-        <p:nvSpPr>
-          <p:cNvPr id="12" name="CasellaDiTesto 11">
-            <a:extLst>
-              <a:ext uri="{FF2B5EF4-FFF2-40B4-BE49-F238E27FC236}">
-                <a16:creationId xmlns:a16="http://schemas.microsoft.com/office/drawing/2014/main" id="{43F58E7F-0F30-9FCB-ECE9-3F4AA4F1B629}"/>
-              </a:ext>
-            </a:extLst>
-          </p:cNvPr>
-          <p:cNvSpPr txBox="1"/>
-          <p:nvPr/>
-        </p:nvSpPr>
-        <p:spPr>
-          <a:xfrm>
-            <a:off x="6949743" y="2939703"/>
-            <a:ext cx="4640991" cy="338554"/>
-          </a:xfrm>
-          <a:prstGeom prst="rect">
-            <a:avLst/>
-          </a:prstGeom>
-          <a:noFill/>
-        </p:spPr>
-        <p:txBody>
-          <a:bodyPr wrap="square">
-            <a:spAutoFit/>
-          </a:bodyPr>
-          <a:lstStyle/>
-          <a:p>
-            <a:r>
-              <a:rPr lang="en-US" sz="1600" dirty="0">
-                <a:solidFill>
-                  <a:srgbClr val="3F3C53"/>
-                </a:solidFill>
-                <a:latin typeface="SF Pro Text" pitchFamily="2" charset="0"/>
-                <a:ea typeface="SF Pro Text" pitchFamily="2" charset="0"/>
-                <a:cs typeface="SF Pro Text" pitchFamily="2" charset="0"/>
-              </a:rPr>
-              <a:t>Ex: </a:t>
-            </a:r>
-            <a:r>
-              <a:rPr lang="en-US" sz="1600" dirty="0" err="1">
-                <a:solidFill>
-                  <a:srgbClr val="3F3C53"/>
-                </a:solidFill>
-                <a:latin typeface="SF Pro Text" pitchFamily="2" charset="0"/>
-                <a:ea typeface="SF Pro Text" pitchFamily="2" charset="0"/>
-                <a:cs typeface="SF Pro Text" pitchFamily="2" charset="0"/>
-              </a:rPr>
-              <a:t>mtds</a:t>
-            </a:r>
-            <a:r>
-              <a:rPr lang="en-US" sz="1600" dirty="0">
-                <a:solidFill>
-                  <a:srgbClr val="3F3C53"/>
-                </a:solidFill>
-                <a:latin typeface="SF Pro Text" pitchFamily="2" charset="0"/>
-                <a:ea typeface="SF Pro Text" pitchFamily="2" charset="0"/>
-                <a:cs typeface="SF Pro Text" pitchFamily="2" charset="0"/>
-              </a:rPr>
-              <a:t>/sensor/data/A/0/S/1</a:t>
-            </a:r>
-            <a:endParaRPr lang="it-IT" sz="1600" dirty="0"/>
-          </a:p>
-        </p:txBody>
-      </p:sp>
-      <p:sp>
-        <p:nvSpPr>
-          <p:cNvPr id="13" name="CasellaDiTesto 12">
-            <a:extLst>
-              <a:ext uri="{FF2B5EF4-FFF2-40B4-BE49-F238E27FC236}">
-                <a16:creationId xmlns:a16="http://schemas.microsoft.com/office/drawing/2014/main" id="{18825DFF-CD32-94D0-E181-EAD1761DA953}"/>
-              </a:ext>
-            </a:extLst>
-          </p:cNvPr>
-          <p:cNvSpPr txBox="1"/>
-          <p:nvPr/>
-        </p:nvSpPr>
-        <p:spPr>
-          <a:xfrm>
-            <a:off x="2891481" y="4464467"/>
-            <a:ext cx="1813870" cy="369332"/>
-          </a:xfrm>
-          <a:prstGeom prst="rect">
-            <a:avLst/>
-          </a:prstGeom>
-          <a:noFill/>
-        </p:spPr>
-        <p:txBody>
-          <a:bodyPr wrap="square">
-            <a:spAutoFit/>
-          </a:bodyPr>
-          <a:lstStyle/>
-          <a:p>
-            <a:r>
-              <a:rPr lang="en-US" dirty="0">
-                <a:solidFill>
-                  <a:srgbClr val="3F3C53"/>
-                </a:solidFill>
-                <a:latin typeface="SF Pro Text" pitchFamily="2" charset="0"/>
-                <a:ea typeface="SF Pro Text" pitchFamily="2" charset="0"/>
-                <a:cs typeface="SF Pro Text" pitchFamily="2" charset="0"/>
-              </a:rPr>
-              <a:t>Neighborhood</a:t>
-            </a:r>
-            <a:endParaRPr lang="it-IT" dirty="0"/>
-          </a:p>
-        </p:txBody>
-      </p:sp>
-      <p:sp>
-        <p:nvSpPr>
-          <p:cNvPr id="14" name="CasellaDiTesto 13">
-            <a:extLst>
-              <a:ext uri="{FF2B5EF4-FFF2-40B4-BE49-F238E27FC236}">
-                <a16:creationId xmlns:a16="http://schemas.microsoft.com/office/drawing/2014/main" id="{86374BAD-834B-9A9C-E959-C87B85FB383B}"/>
-              </a:ext>
-            </a:extLst>
-          </p:cNvPr>
-          <p:cNvSpPr txBox="1"/>
-          <p:nvPr/>
-        </p:nvSpPr>
-        <p:spPr>
-          <a:xfrm>
-            <a:off x="4610871" y="4443067"/>
-            <a:ext cx="1813870" cy="369332"/>
-          </a:xfrm>
-          <a:prstGeom prst="rect">
-            <a:avLst/>
-          </a:prstGeom>
-          <a:noFill/>
-        </p:spPr>
-        <p:txBody>
-          <a:bodyPr wrap="square">
-            <a:spAutoFit/>
-          </a:bodyPr>
-          <a:lstStyle/>
-          <a:p>
-            <a:r>
-              <a:rPr lang="en-US" dirty="0">
-                <a:solidFill>
-                  <a:srgbClr val="3F3C53"/>
-                </a:solidFill>
-                <a:latin typeface="SF Pro Text" pitchFamily="2" charset="0"/>
-                <a:ea typeface="SF Pro Text" pitchFamily="2" charset="0"/>
-                <a:cs typeface="SF Pro Text" pitchFamily="2" charset="0"/>
-              </a:rPr>
-              <a:t>Building</a:t>
-            </a:r>
-            <a:endParaRPr lang="it-IT" dirty="0"/>
-          </a:p>
-        </p:txBody>
-      </p:sp>
-      <p:sp>
-        <p:nvSpPr>
-          <p:cNvPr id="15" name="CasellaDiTesto 14">
-            <a:extLst>
-              <a:ext uri="{FF2B5EF4-FFF2-40B4-BE49-F238E27FC236}">
-                <a16:creationId xmlns:a16="http://schemas.microsoft.com/office/drawing/2014/main" id="{07E6B3A5-53E8-CDBA-E524-143E61421C79}"/>
-              </a:ext>
-            </a:extLst>
-          </p:cNvPr>
-          <p:cNvSpPr txBox="1"/>
-          <p:nvPr/>
-        </p:nvSpPr>
-        <p:spPr>
-          <a:xfrm>
-            <a:off x="5735342" y="4464467"/>
-            <a:ext cx="1813870" cy="369332"/>
-          </a:xfrm>
-          <a:prstGeom prst="rect">
-            <a:avLst/>
-          </a:prstGeom>
-          <a:noFill/>
-        </p:spPr>
-        <p:txBody>
-          <a:bodyPr wrap="square">
-            <a:spAutoFit/>
-          </a:bodyPr>
-          <a:lstStyle/>
-          <a:p>
-            <a:r>
-              <a:rPr lang="en-US" dirty="0">
-                <a:solidFill>
-                  <a:srgbClr val="3F3C53"/>
-                </a:solidFill>
-                <a:latin typeface="SF Pro Text" pitchFamily="2" charset="0"/>
-                <a:ea typeface="SF Pro Text" pitchFamily="2" charset="0"/>
-                <a:cs typeface="SF Pro Text" pitchFamily="2" charset="0"/>
-              </a:rPr>
-              <a:t>Floor</a:t>
-            </a:r>
-            <a:endParaRPr lang="it-IT" dirty="0"/>
-          </a:p>
-        </p:txBody>
-      </p:sp>
-      <p:sp>
-        <p:nvSpPr>
-          <p:cNvPr id="16" name="CasellaDiTesto 15">
-            <a:extLst>
-              <a:ext uri="{FF2B5EF4-FFF2-40B4-BE49-F238E27FC236}">
-                <a16:creationId xmlns:a16="http://schemas.microsoft.com/office/drawing/2014/main" id="{B70E526A-F354-2ACA-753B-79A18394D832}"/>
-              </a:ext>
-            </a:extLst>
-          </p:cNvPr>
-          <p:cNvSpPr txBox="1"/>
-          <p:nvPr/>
-        </p:nvSpPr>
-        <p:spPr>
-          <a:xfrm>
-            <a:off x="6547797" y="4464467"/>
-            <a:ext cx="1813870" cy="369332"/>
-          </a:xfrm>
-          <a:prstGeom prst="rect">
-            <a:avLst/>
-          </a:prstGeom>
-          <a:noFill/>
-        </p:spPr>
-        <p:txBody>
-          <a:bodyPr wrap="square">
-            <a:spAutoFit/>
-          </a:bodyPr>
-          <a:lstStyle/>
-          <a:p>
-            <a:r>
-              <a:rPr lang="en-US" dirty="0">
-                <a:solidFill>
-                  <a:srgbClr val="3F3C53"/>
-                </a:solidFill>
-                <a:latin typeface="SF Pro Text" pitchFamily="2" charset="0"/>
-                <a:ea typeface="SF Pro Text" pitchFamily="2" charset="0"/>
-                <a:cs typeface="SF Pro Text" pitchFamily="2" charset="0"/>
-              </a:rPr>
-              <a:t>Room</a:t>
-            </a:r>
-            <a:endParaRPr lang="it-IT" dirty="0"/>
-          </a:p>
-        </p:txBody>
-      </p:sp>
-      <p:cxnSp>
-        <p:nvCxnSpPr>
-          <p:cNvPr id="18" name="Connettore 2 17">
-            <a:extLst>
-              <a:ext uri="{FF2B5EF4-FFF2-40B4-BE49-F238E27FC236}">
-                <a16:creationId xmlns:a16="http://schemas.microsoft.com/office/drawing/2014/main" id="{88361B55-8DBF-CB2A-033F-9643646B2522}"/>
-              </a:ext>
-            </a:extLst>
-          </p:cNvPr>
-          <p:cNvCxnSpPr>
-            <a:cxnSpLocks/>
-            <a:stCxn id="13" idx="0"/>
-          </p:cNvCxnSpPr>
-          <p:nvPr/>
-        </p:nvCxnSpPr>
-        <p:spPr>
-          <a:xfrm flipV="1">
-            <a:off x="3798416" y="3272246"/>
-            <a:ext cx="584512" cy="1192221"/>
-          </a:xfrm>
-          <a:prstGeom prst="straightConnector1">
-            <a:avLst/>
-          </a:prstGeom>
-          <a:ln w="12700">
-            <a:tailEnd type="triangle"/>
-          </a:ln>
-        </p:spPr>
-        <p:style>
-          <a:lnRef idx="1">
-            <a:schemeClr val="dk1"/>
-          </a:lnRef>
-          <a:fillRef idx="0">
-            <a:schemeClr val="dk1"/>
-          </a:fillRef>
-          <a:effectRef idx="0">
-            <a:schemeClr val="dk1"/>
-          </a:effectRef>
-          <a:fontRef idx="minor">
-            <a:schemeClr val="tx1"/>
-          </a:fontRef>
-        </p:style>
-      </p:cxnSp>
-      <p:cxnSp>
-        <p:nvCxnSpPr>
-          <p:cNvPr id="19" name="Connettore 2 18">
-            <a:extLst>
-              <a:ext uri="{FF2B5EF4-FFF2-40B4-BE49-F238E27FC236}">
-                <a16:creationId xmlns:a16="http://schemas.microsoft.com/office/drawing/2014/main" id="{16D8118B-3BFF-193B-47A0-AFA9285BDEE4}"/>
-              </a:ext>
-            </a:extLst>
-          </p:cNvPr>
-          <p:cNvCxnSpPr>
-            <a:cxnSpLocks/>
-          </p:cNvCxnSpPr>
-          <p:nvPr/>
-        </p:nvCxnSpPr>
-        <p:spPr>
-          <a:xfrm flipH="1" flipV="1">
-            <a:off x="4626060" y="3309035"/>
-            <a:ext cx="621957" cy="1134032"/>
-          </a:xfrm>
-          <a:prstGeom prst="straightConnector1">
-            <a:avLst/>
-          </a:prstGeom>
-          <a:ln w="12700">
-            <a:tailEnd type="triangle"/>
-          </a:ln>
-        </p:spPr>
-        <p:style>
-          <a:lnRef idx="1">
-            <a:schemeClr val="dk1"/>
-          </a:lnRef>
-          <a:fillRef idx="0">
-            <a:schemeClr val="dk1"/>
-          </a:fillRef>
-          <a:effectRef idx="0">
-            <a:schemeClr val="dk1"/>
-          </a:effectRef>
-          <a:fontRef idx="minor">
-            <a:schemeClr val="tx1"/>
-          </a:fontRef>
-        </p:style>
-      </p:cxnSp>
-      <p:cxnSp>
-        <p:nvCxnSpPr>
-          <p:cNvPr id="22" name="Connettore 2 21">
-            <a:extLst>
-              <a:ext uri="{FF2B5EF4-FFF2-40B4-BE49-F238E27FC236}">
-                <a16:creationId xmlns:a16="http://schemas.microsoft.com/office/drawing/2014/main" id="{B6298009-E5AF-0231-C4FF-74BB4E1C2127}"/>
-              </a:ext>
-            </a:extLst>
-          </p:cNvPr>
-          <p:cNvCxnSpPr>
-            <a:cxnSpLocks/>
-            <a:endCxn id="11" idx="2"/>
-          </p:cNvCxnSpPr>
-          <p:nvPr/>
-        </p:nvCxnSpPr>
-        <p:spPr>
-          <a:xfrm flipH="1" flipV="1">
-            <a:off x="4935544" y="3309035"/>
-            <a:ext cx="1118523" cy="1155432"/>
-          </a:xfrm>
-          <a:prstGeom prst="straightConnector1">
-            <a:avLst/>
-          </a:prstGeom>
-          <a:ln w="12700">
-            <a:tailEnd type="triangle"/>
-          </a:ln>
-        </p:spPr>
-        <p:style>
-          <a:lnRef idx="1">
-            <a:schemeClr val="dk1"/>
-          </a:lnRef>
-          <a:fillRef idx="0">
-            <a:schemeClr val="dk1"/>
-          </a:fillRef>
-          <a:effectRef idx="0">
-            <a:schemeClr val="dk1"/>
-          </a:effectRef>
-          <a:fontRef idx="minor">
-            <a:schemeClr val="tx1"/>
-          </a:fontRef>
-        </p:style>
-      </p:cxnSp>
-      <p:cxnSp>
-        <p:nvCxnSpPr>
-          <p:cNvPr id="25" name="Connettore 2 24">
-            <a:extLst>
-              <a:ext uri="{FF2B5EF4-FFF2-40B4-BE49-F238E27FC236}">
-                <a16:creationId xmlns:a16="http://schemas.microsoft.com/office/drawing/2014/main" id="{5268DDAF-4BA8-ACE0-8C1F-70987D663880}"/>
-              </a:ext>
-            </a:extLst>
-          </p:cNvPr>
-          <p:cNvCxnSpPr>
-            <a:cxnSpLocks/>
-          </p:cNvCxnSpPr>
-          <p:nvPr/>
-        </p:nvCxnSpPr>
-        <p:spPr>
-          <a:xfrm flipH="1" flipV="1">
-            <a:off x="5248017" y="3278257"/>
-            <a:ext cx="1603997" cy="1186210"/>
-          </a:xfrm>
-          <a:prstGeom prst="straightConnector1">
-            <a:avLst/>
-          </a:prstGeom>
-          <a:ln w="12700">
-            <a:tailEnd type="triangle"/>
-          </a:ln>
-        </p:spPr>
-        <p:style>
-          <a:lnRef idx="1">
-            <a:schemeClr val="dk1"/>
-          </a:lnRef>
-          <a:fillRef idx="0">
-            <a:schemeClr val="dk1"/>
-          </a:fillRef>
-          <a:effectRef idx="0">
-            <a:schemeClr val="dk1"/>
-          </a:effectRef>
-          <a:fontRef idx="minor">
-            <a:schemeClr val="tx1"/>
-          </a:fontRef>
-        </p:style>
-      </p:cxnSp>
-      <p:sp>
-        <p:nvSpPr>
-          <p:cNvPr id="32" name="CasellaDiTesto 31">
-            <a:extLst>
-              <a:ext uri="{FF2B5EF4-FFF2-40B4-BE49-F238E27FC236}">
-                <a16:creationId xmlns:a16="http://schemas.microsoft.com/office/drawing/2014/main" id="{D603FB35-85FE-0201-A20F-103F704DD61D}"/>
-              </a:ext>
-            </a:extLst>
-          </p:cNvPr>
-          <p:cNvSpPr txBox="1"/>
-          <p:nvPr/>
-        </p:nvSpPr>
-        <p:spPr>
-          <a:xfrm>
-            <a:off x="4504085" y="4464467"/>
-            <a:ext cx="213571" cy="369332"/>
-          </a:xfrm>
-          <a:prstGeom prst="rect">
-            <a:avLst/>
-          </a:prstGeom>
-          <a:noFill/>
-        </p:spPr>
-        <p:txBody>
-          <a:bodyPr wrap="square">
-            <a:spAutoFit/>
-          </a:bodyPr>
-          <a:lstStyle/>
-          <a:p>
-            <a:r>
-              <a:rPr lang="en-US" dirty="0">
-                <a:solidFill>
-                  <a:srgbClr val="3F3C53"/>
-                </a:solidFill>
-                <a:latin typeface="SF Pro Text" pitchFamily="2" charset="0"/>
-                <a:ea typeface="SF Pro Text" pitchFamily="2" charset="0"/>
-                <a:cs typeface="SF Pro Text" pitchFamily="2" charset="0"/>
-              </a:rPr>
-              <a:t>/</a:t>
-            </a:r>
-            <a:endParaRPr lang="it-IT" dirty="0"/>
-          </a:p>
-        </p:txBody>
-      </p:sp>
-      <p:sp>
-        <p:nvSpPr>
-          <p:cNvPr id="33" name="CasellaDiTesto 32">
-            <a:extLst>
-              <a:ext uri="{FF2B5EF4-FFF2-40B4-BE49-F238E27FC236}">
-                <a16:creationId xmlns:a16="http://schemas.microsoft.com/office/drawing/2014/main" id="{F7C67078-871B-E87F-EF00-2D686C56B781}"/>
-              </a:ext>
-            </a:extLst>
-          </p:cNvPr>
-          <p:cNvSpPr txBox="1"/>
-          <p:nvPr/>
-        </p:nvSpPr>
-        <p:spPr>
-          <a:xfrm>
-            <a:off x="5585844" y="4443067"/>
-            <a:ext cx="213571" cy="369332"/>
-          </a:xfrm>
-          <a:prstGeom prst="rect">
-            <a:avLst/>
-          </a:prstGeom>
-          <a:noFill/>
-        </p:spPr>
-        <p:txBody>
-          <a:bodyPr wrap="square">
-            <a:spAutoFit/>
-          </a:bodyPr>
-          <a:lstStyle/>
-          <a:p>
-            <a:r>
-              <a:rPr lang="en-US" dirty="0">
-                <a:solidFill>
-                  <a:srgbClr val="3F3C53"/>
-                </a:solidFill>
-                <a:latin typeface="SF Pro Text" pitchFamily="2" charset="0"/>
-                <a:ea typeface="SF Pro Text" pitchFamily="2" charset="0"/>
-                <a:cs typeface="SF Pro Text" pitchFamily="2" charset="0"/>
-              </a:rPr>
-              <a:t>/</a:t>
-            </a:r>
-            <a:endParaRPr lang="it-IT" dirty="0"/>
-          </a:p>
-        </p:txBody>
-      </p:sp>
-      <p:sp>
-        <p:nvSpPr>
-          <p:cNvPr id="34" name="CasellaDiTesto 33">
-            <a:extLst>
-              <a:ext uri="{FF2B5EF4-FFF2-40B4-BE49-F238E27FC236}">
-                <a16:creationId xmlns:a16="http://schemas.microsoft.com/office/drawing/2014/main" id="{C9A7F956-71CE-085C-8018-C3559439E575}"/>
-              </a:ext>
-            </a:extLst>
-          </p:cNvPr>
-          <p:cNvSpPr txBox="1"/>
-          <p:nvPr/>
-        </p:nvSpPr>
-        <p:spPr>
-          <a:xfrm>
-            <a:off x="6410500" y="4443067"/>
-            <a:ext cx="213571" cy="369332"/>
-          </a:xfrm>
-          <a:prstGeom prst="rect">
-            <a:avLst/>
-          </a:prstGeom>
-          <a:noFill/>
-        </p:spPr>
-        <p:txBody>
-          <a:bodyPr wrap="square">
-            <a:spAutoFit/>
-          </a:bodyPr>
-          <a:lstStyle/>
-          <a:p>
-            <a:r>
-              <a:rPr lang="en-US" dirty="0">
-                <a:solidFill>
-                  <a:srgbClr val="3F3C53"/>
-                </a:solidFill>
-                <a:latin typeface="SF Pro Text" pitchFamily="2" charset="0"/>
-                <a:ea typeface="SF Pro Text" pitchFamily="2" charset="0"/>
-                <a:cs typeface="SF Pro Text" pitchFamily="2" charset="0"/>
-              </a:rPr>
-              <a:t>/</a:t>
-            </a:r>
-            <a:endParaRPr lang="it-IT" dirty="0"/>
-          </a:p>
-        </p:txBody>
-      </p:sp>
-      <p:sp>
-        <p:nvSpPr>
-          <p:cNvPr id="38" name="Rettangolo con angoli arrotondati 37">
-            <a:extLst>
-              <a:ext uri="{FF2B5EF4-FFF2-40B4-BE49-F238E27FC236}">
-                <a16:creationId xmlns:a16="http://schemas.microsoft.com/office/drawing/2014/main" id="{B7BC2C3B-64C5-C1EF-DA80-4DFECBFA2D74}"/>
-              </a:ext>
-            </a:extLst>
-          </p:cNvPr>
-          <p:cNvSpPr/>
-          <p:nvPr/>
-        </p:nvSpPr>
-        <p:spPr>
-          <a:xfrm>
-            <a:off x="910282" y="5330404"/>
-            <a:ext cx="10768695" cy="916294"/>
-          </a:xfrm>
-          <a:prstGeom prst="roundRect">
-            <a:avLst>
-              <a:gd name="adj" fmla="val 30571"/>
-            </a:avLst>
-          </a:prstGeom>
-          <a:solidFill>
-            <a:srgbClr val="FFFFFF">
-              <a:alpha val="50196"/>
-            </a:srgbClr>
-          </a:solidFill>
-          <a:ln w="38100">
-            <a:noFill/>
-          </a:ln>
-        </p:spPr>
-        <p:style>
-          <a:lnRef idx="2">
-            <a:schemeClr val="accent1">
-              <a:shade val="50000"/>
-            </a:schemeClr>
-          </a:lnRef>
-          <a:fillRef idx="1">
-            <a:schemeClr val="accent1"/>
-          </a:fillRef>
-          <a:effectRef idx="0">
-            <a:schemeClr val="accent1"/>
-          </a:effectRef>
-          <a:fontRef idx="minor">
-            <a:schemeClr val="lt1"/>
-          </a:fontRef>
-        </p:style>
-        <p:txBody>
-          <a:bodyPr rtlCol="0" anchor="ctr"/>
-          <a:lstStyle/>
-          <a:p>
-            <a:endParaRPr lang="en-US" dirty="0">
+              <a:t>configurator</a:t>
+            </a:r>
+            <a:endParaRPr lang="it-IT" sz="2000" b="1" dirty="0">
               <a:solidFill>
-                <a:srgbClr val="3F3C53"/>
+                <a:srgbClr val="3F51C3"/>
               </a:solidFill>
               <a:latin typeface="SF Pro Text" pitchFamily="2" charset="0"/>
               <a:ea typeface="SF Pro Text" pitchFamily="2" charset="0"/>
@@ -8542,10 +8530,10 @@
       </p:sp>
       <p:sp>
         <p:nvSpPr>
-          <p:cNvPr id="37" name="CasellaDiTesto 36">
-            <a:extLst>
-              <a:ext uri="{FF2B5EF4-FFF2-40B4-BE49-F238E27FC236}">
-                <a16:creationId xmlns:a16="http://schemas.microsoft.com/office/drawing/2014/main" id="{ED7B3FD6-2F82-268D-4DBF-2731BB065305}"/>
+          <p:cNvPr id="10" name="CasellaDiTesto 9">
+            <a:extLst>
+              <a:ext uri="{FF2B5EF4-FFF2-40B4-BE49-F238E27FC236}">
+                <a16:creationId xmlns:a16="http://schemas.microsoft.com/office/drawing/2014/main" id="{AAEAA87A-D026-7E31-AC44-22BC69BBE422}"/>
               </a:ext>
             </a:extLst>
           </p:cNvPr>
@@ -8554,8 +8542,8 @@
         </p:nvSpPr>
         <p:spPr>
           <a:xfrm>
-            <a:off x="1310222" y="5603885"/>
-            <a:ext cx="9968813" cy="369332"/>
+            <a:off x="3046971" y="3251632"/>
+            <a:ext cx="6098058" cy="400110"/>
           </a:xfrm>
           <a:prstGeom prst="rect">
             <a:avLst/>
@@ -8570,23 +8558,35 @@
           <a:p>
             <a:pPr algn="ctr"/>
             <a:r>
-              <a:rPr lang="en-US" i="1" dirty="0">
-                <a:solidFill>
-                  <a:srgbClr val="3F3C53"/>
+              <a:rPr lang="it-IT" sz="2000" b="1" dirty="0">
+                <a:solidFill>
+                  <a:srgbClr val="3F51C3"/>
                 </a:solidFill>
                 <a:latin typeface="SF Pro Text" pitchFamily="2" charset="0"/>
                 <a:ea typeface="SF Pro Text" pitchFamily="2" charset="0"/>
                 <a:cs typeface="SF Pro Text" pitchFamily="2" charset="0"/>
               </a:rPr>
-              <a:t>*Dividing location in topics is useful to subscribe for data with different granularity</a:t>
-            </a:r>
+              <a:t>Data </a:t>
+            </a:r>
+            <a:r>
+              <a:rPr lang="it-IT" sz="2000" b="1" dirty="0" err="1">
+                <a:solidFill>
+                  <a:srgbClr val="3F51C3"/>
+                </a:solidFill>
+                <a:latin typeface="SF Pro Text" pitchFamily="2" charset="0"/>
+                <a:ea typeface="SF Pro Text" pitchFamily="2" charset="0"/>
+                <a:cs typeface="SF Pro Text" pitchFamily="2" charset="0"/>
+              </a:rPr>
+              <a:t>saving</a:t>
+            </a:r>
+            <a:endParaRPr lang="it-IT" sz="2000" dirty="0"/>
           </a:p>
         </p:txBody>
       </p:sp>
     </p:spTree>
     <p:extLst>
       <p:ext uri="{BB962C8B-B14F-4D97-AF65-F5344CB8AC3E}">
-        <p14:creationId xmlns:p14="http://schemas.microsoft.com/office/powerpoint/2010/main" val="3202666200"/>
+        <p14:creationId xmlns:p14="http://schemas.microsoft.com/office/powerpoint/2010/main" val="504224111"/>
       </p:ext>
     </p:extLst>
   </p:cSld>

--- a/Presentation/MTDS_Presentation.pptx
+++ b/Presentation/MTDS_Presentation.pptx
@@ -9004,7 +9004,7 @@
         <p:spPr>
           <a:xfrm>
             <a:off x="5474043" y="2977935"/>
-            <a:ext cx="6217272" cy="916294"/>
+            <a:ext cx="5606196" cy="916294"/>
           </a:xfrm>
           <a:prstGeom prst="roundRect">
             <a:avLst>
@@ -9123,8 +9123,8 @@
         </p:nvSpPr>
         <p:spPr>
           <a:xfrm>
-            <a:off x="5593257" y="3105834"/>
-            <a:ext cx="6098058" cy="646331"/>
+            <a:off x="605419" y="4944025"/>
+            <a:ext cx="5595076" cy="646331"/>
           </a:xfrm>
           <a:prstGeom prst="rect">
             <a:avLst/>
@@ -9138,7 +9138,7 @@
           <a:lstStyle/>
           <a:p>
             <a:r>
-              <a:rPr lang="en-US">
+              <a:rPr lang="en-US" dirty="0">
                 <a:solidFill>
                   <a:srgbClr val="3F3C53"/>
                 </a:solidFill>
@@ -9220,7 +9220,7 @@
         </p:nvSpPr>
         <p:spPr>
           <a:xfrm>
-            <a:off x="747801" y="4944026"/>
+            <a:off x="5732040" y="3115460"/>
             <a:ext cx="5348199" cy="646331"/>
           </a:xfrm>
           <a:prstGeom prst="rect">
@@ -9235,7 +9235,7 @@
           <a:lstStyle/>
           <a:p>
             <a:r>
-              <a:rPr lang="en-US">
+              <a:rPr lang="en-US" dirty="0">
                 <a:solidFill>
                   <a:srgbClr val="3F3C53"/>
                 </a:solidFill>

--- a/Presentation/MTDS_Presentation.pptx
+++ b/Presentation/MTDS_Presentation.pptx
@@ -207,7 +207,7 @@
           <a:p>
             <a:fld id="{04871163-4F93-9544-967C-41CE9E9A3E47}" type="datetimeFigureOut">
               <a:rPr lang="it-IT" smtClean="0"/>
-              <a:t>07/09/2022</a:t>
+              <a:t>08/09/2022</a:t>
             </a:fld>
             <a:endParaRPr lang="it-IT"/>
           </a:p>
@@ -7090,10 +7090,10 @@
       </p:sp>
       <p:pic>
         <p:nvPicPr>
-          <p:cNvPr id="5" name="Immagine 4">
-            <a:extLst>
-              <a:ext uri="{FF2B5EF4-FFF2-40B4-BE49-F238E27FC236}">
-                <a16:creationId xmlns:a16="http://schemas.microsoft.com/office/drawing/2014/main" id="{4DBEBACF-D594-FA52-9857-DD5BA45A6A10}"/>
+          <p:cNvPr id="8" name="Immagine 7">
+            <a:extLst>
+              <a:ext uri="{FF2B5EF4-FFF2-40B4-BE49-F238E27FC236}">
+                <a16:creationId xmlns:a16="http://schemas.microsoft.com/office/drawing/2014/main" id="{2FDE8E5F-60D3-578B-E445-E5CCB07B3C6F}"/>
               </a:ext>
             </a:extLst>
           </p:cNvPr>
@@ -7110,8 +7110,8 @@
         </p:blipFill>
         <p:spPr>
           <a:xfrm>
-            <a:off x="1103885" y="854635"/>
-            <a:ext cx="9984229" cy="5148730"/>
+            <a:off x="1233487" y="923925"/>
+            <a:ext cx="9725025" cy="5010150"/>
           </a:xfrm>
           <a:prstGeom prst="rect">
             <a:avLst/>
